--- a/Modern JavaScript.pptx
+++ b/Modern JavaScript.pptx
@@ -16,9 +16,11 @@
     <p:sldId id="270" r:id="rId10"/>
     <p:sldId id="269" r:id="rId11"/>
     <p:sldId id="271" r:id="rId12"/>
-    <p:sldId id="268" r:id="rId13"/>
-    <p:sldId id="265" r:id="rId14"/>
-    <p:sldId id="266" r:id="rId15"/>
+    <p:sldId id="272" r:id="rId13"/>
+    <p:sldId id="268" r:id="rId14"/>
+    <p:sldId id="265" r:id="rId15"/>
+    <p:sldId id="266" r:id="rId16"/>
+    <p:sldId id="273" r:id="rId17"/>
   </p:sldIdLst>
   <p:sldSz cx="12192000" cy="6858000"/>
   <p:notesSz cx="6858000" cy="9144000"/>
@@ -274,7 +276,7 @@
           <a:p>
             <a:fld id="{B0A2E9A4-E1FE-4CEB-8C6E-BF1EDB7D7F2E}" type="datetimeFigureOut">
               <a:rPr lang="en-IN" smtClean="0"/>
-              <a:t>15-02-2020</a:t>
+              <a:t>17-02-2020</a:t>
             </a:fld>
             <a:endParaRPr lang="en-IN"/>
           </a:p>
@@ -474,7 +476,7 @@
           <a:p>
             <a:fld id="{B0A2E9A4-E1FE-4CEB-8C6E-BF1EDB7D7F2E}" type="datetimeFigureOut">
               <a:rPr lang="en-IN" smtClean="0"/>
-              <a:t>15-02-2020</a:t>
+              <a:t>17-02-2020</a:t>
             </a:fld>
             <a:endParaRPr lang="en-IN"/>
           </a:p>
@@ -684,7 +686,7 @@
           <a:p>
             <a:fld id="{B0A2E9A4-E1FE-4CEB-8C6E-BF1EDB7D7F2E}" type="datetimeFigureOut">
               <a:rPr lang="en-IN" smtClean="0"/>
-              <a:t>15-02-2020</a:t>
+              <a:t>17-02-2020</a:t>
             </a:fld>
             <a:endParaRPr lang="en-IN"/>
           </a:p>
@@ -884,7 +886,7 @@
           <a:p>
             <a:fld id="{B0A2E9A4-E1FE-4CEB-8C6E-BF1EDB7D7F2E}" type="datetimeFigureOut">
               <a:rPr lang="en-IN" smtClean="0"/>
-              <a:t>15-02-2020</a:t>
+              <a:t>17-02-2020</a:t>
             </a:fld>
             <a:endParaRPr lang="en-IN"/>
           </a:p>
@@ -1160,7 +1162,7 @@
           <a:p>
             <a:fld id="{B0A2E9A4-E1FE-4CEB-8C6E-BF1EDB7D7F2E}" type="datetimeFigureOut">
               <a:rPr lang="en-IN" smtClean="0"/>
-              <a:t>15-02-2020</a:t>
+              <a:t>17-02-2020</a:t>
             </a:fld>
             <a:endParaRPr lang="en-IN"/>
           </a:p>
@@ -1428,7 +1430,7 @@
           <a:p>
             <a:fld id="{B0A2E9A4-E1FE-4CEB-8C6E-BF1EDB7D7F2E}" type="datetimeFigureOut">
               <a:rPr lang="en-IN" smtClean="0"/>
-              <a:t>15-02-2020</a:t>
+              <a:t>17-02-2020</a:t>
             </a:fld>
             <a:endParaRPr lang="en-IN"/>
           </a:p>
@@ -1843,7 +1845,7 @@
           <a:p>
             <a:fld id="{B0A2E9A4-E1FE-4CEB-8C6E-BF1EDB7D7F2E}" type="datetimeFigureOut">
               <a:rPr lang="en-IN" smtClean="0"/>
-              <a:t>15-02-2020</a:t>
+              <a:t>17-02-2020</a:t>
             </a:fld>
             <a:endParaRPr lang="en-IN"/>
           </a:p>
@@ -1985,7 +1987,7 @@
           <a:p>
             <a:fld id="{B0A2E9A4-E1FE-4CEB-8C6E-BF1EDB7D7F2E}" type="datetimeFigureOut">
               <a:rPr lang="en-IN" smtClean="0"/>
-              <a:t>15-02-2020</a:t>
+              <a:t>17-02-2020</a:t>
             </a:fld>
             <a:endParaRPr lang="en-IN"/>
           </a:p>
@@ -2098,7 +2100,7 @@
           <a:p>
             <a:fld id="{B0A2E9A4-E1FE-4CEB-8C6E-BF1EDB7D7F2E}" type="datetimeFigureOut">
               <a:rPr lang="en-IN" smtClean="0"/>
-              <a:t>15-02-2020</a:t>
+              <a:t>17-02-2020</a:t>
             </a:fld>
             <a:endParaRPr lang="en-IN"/>
           </a:p>
@@ -2411,7 +2413,7 @@
           <a:p>
             <a:fld id="{B0A2E9A4-E1FE-4CEB-8C6E-BF1EDB7D7F2E}" type="datetimeFigureOut">
               <a:rPr lang="en-IN" smtClean="0"/>
-              <a:t>15-02-2020</a:t>
+              <a:t>17-02-2020</a:t>
             </a:fld>
             <a:endParaRPr lang="en-IN"/>
           </a:p>
@@ -2700,7 +2702,7 @@
           <a:p>
             <a:fld id="{B0A2E9A4-E1FE-4CEB-8C6E-BF1EDB7D7F2E}" type="datetimeFigureOut">
               <a:rPr lang="en-IN" smtClean="0"/>
-              <a:t>15-02-2020</a:t>
+              <a:t>17-02-2020</a:t>
             </a:fld>
             <a:endParaRPr lang="en-IN"/>
           </a:p>
@@ -2943,7 +2945,7 @@
           <a:p>
             <a:fld id="{B0A2E9A4-E1FE-4CEB-8C6E-BF1EDB7D7F2E}" type="datetimeFigureOut">
               <a:rPr lang="en-IN" smtClean="0"/>
-              <a:t>15-02-2020</a:t>
+              <a:t>17-02-2020</a:t>
             </a:fld>
             <a:endParaRPr lang="en-IN"/>
           </a:p>
@@ -4405,6 +4407,17 @@
 <file path=ppt/slides/slide12.xml><?xml version="1.0" encoding="utf-8"?>
 <p:sld xmlns:a="http://schemas.openxmlformats.org/drawingml/2006/main" xmlns:r="http://schemas.openxmlformats.org/officeDocument/2006/relationships" xmlns:p="http://schemas.openxmlformats.org/presentationml/2006/main">
   <p:cSld>
+    <p:bg>
+      <p:bgPr>
+        <a:solidFill>
+          <a:schemeClr val="bg1">
+            <a:tint val="95000"/>
+            <a:satMod val="170000"/>
+          </a:schemeClr>
+        </a:solidFill>
+        <a:effectLst/>
+      </p:bgPr>
+    </p:bg>
     <p:spTree>
       <p:nvGrpSpPr>
         <p:cNvPr id="1" name=""/>
@@ -4421,6 +4434,329 @@
       </p:grpSpPr>
       <p:sp>
         <p:nvSpPr>
+          <p:cNvPr id="8" name="Freeform: Shape 7">
+            <a:extLst>
+              <a:ext uri="{FF2B5EF4-FFF2-40B4-BE49-F238E27FC236}">
+                <a16:creationId xmlns:a16="http://schemas.microsoft.com/office/drawing/2014/main" id="{48A740BC-A0AA-45E0-B899-2AE9C6FE11CA}"/>
+              </a:ext>
+              <a:ext uri="{C183D7F6-B498-43B3-948B-1728B52AA6E4}">
+                <adec:decorative xmlns:adec="http://schemas.microsoft.com/office/drawing/2017/decorative" val="1"/>
+              </a:ext>
+            </a:extLst>
+          </p:cNvPr>
+          <p:cNvSpPr>
+            <a:spLocks noGrp="1" noRot="1" noChangeAspect="1" noMove="1" noResize="1" noEditPoints="1" noAdjustHandles="1" noChangeArrowheads="1" noChangeShapeType="1" noTextEdit="1"/>
+          </p:cNvSpPr>
+          <p:nvPr>
+            <p:extLst>
+              <p:ext uri="{386F3935-93C4-4BCD-93E2-E3B085C9AB24}">
+                <p16:designElem xmlns:p16="http://schemas.microsoft.com/office/powerpoint/2015/main" val="1"/>
+              </p:ext>
+            </p:extLst>
+          </p:nvPr>
+        </p:nvSpPr>
+        <p:spPr>
+          <a:xfrm>
+            <a:off x="5913121" y="-2"/>
+            <a:ext cx="6278879" cy="6858002"/>
+          </a:xfrm>
+          <a:custGeom>
+            <a:avLst/>
+            <a:gdLst>
+              <a:gd name="connsiteX0" fmla="*/ 45572 w 6278879"/>
+              <a:gd name="connsiteY0" fmla="*/ 0 h 6858002"/>
+              <a:gd name="connsiteX1" fmla="*/ 6278879 w 6278879"/>
+              <a:gd name="connsiteY1" fmla="*/ 0 h 6858002"/>
+              <a:gd name="connsiteX2" fmla="*/ 6278879 w 6278879"/>
+              <a:gd name="connsiteY2" fmla="*/ 6858002 h 6858002"/>
+              <a:gd name="connsiteX3" fmla="*/ 3292308 w 6278879"/>
+              <a:gd name="connsiteY3" fmla="*/ 6858002 h 6858002"/>
+              <a:gd name="connsiteX4" fmla="*/ 3181526 w 6278879"/>
+              <a:gd name="connsiteY4" fmla="*/ 6786982 h 6858002"/>
+              <a:gd name="connsiteX5" fmla="*/ 0 w 6278879"/>
+              <a:gd name="connsiteY5" fmla="*/ 803254 h 6858002"/>
+              <a:gd name="connsiteX6" fmla="*/ 37255 w 6278879"/>
+              <a:gd name="connsiteY6" fmla="*/ 65447 h 6858002"/>
+            </a:gdLst>
+            <a:ahLst/>
+            <a:cxnLst>
+              <a:cxn ang="0">
+                <a:pos x="connsiteX0" y="connsiteY0"/>
+              </a:cxn>
+              <a:cxn ang="0">
+                <a:pos x="connsiteX1" y="connsiteY1"/>
+              </a:cxn>
+              <a:cxn ang="0">
+                <a:pos x="connsiteX2" y="connsiteY2"/>
+              </a:cxn>
+              <a:cxn ang="0">
+                <a:pos x="connsiteX3" y="connsiteY3"/>
+              </a:cxn>
+              <a:cxn ang="0">
+                <a:pos x="connsiteX4" y="connsiteY4"/>
+              </a:cxn>
+              <a:cxn ang="0">
+                <a:pos x="connsiteX5" y="connsiteY5"/>
+              </a:cxn>
+              <a:cxn ang="0">
+                <a:pos x="connsiteX6" y="connsiteY6"/>
+              </a:cxn>
+            </a:cxnLst>
+            <a:rect l="l" t="t" r="r" b="b"/>
+            <a:pathLst>
+              <a:path w="6278879" h="6858002">
+                <a:moveTo>
+                  <a:pt x="45572" y="0"/>
+                </a:moveTo>
+                <a:lnTo>
+                  <a:pt x="6278879" y="0"/>
+                </a:lnTo>
+                <a:lnTo>
+                  <a:pt x="6278879" y="6858002"/>
+                </a:lnTo>
+                <a:lnTo>
+                  <a:pt x="3292308" y="6858002"/>
+                </a:lnTo>
+                <a:lnTo>
+                  <a:pt x="3181526" y="6786982"/>
+                </a:lnTo>
+                <a:cubicBezTo>
+                  <a:pt x="1262021" y="5490191"/>
+                  <a:pt x="0" y="3294103"/>
+                  <a:pt x="0" y="803254"/>
+                </a:cubicBezTo>
+                <a:cubicBezTo>
+                  <a:pt x="0" y="554169"/>
+                  <a:pt x="12620" y="308032"/>
+                  <a:pt x="37255" y="65447"/>
+                </a:cubicBezTo>
+                <a:close/>
+              </a:path>
+            </a:pathLst>
+          </a:custGeom>
+          <a:solidFill>
+            <a:schemeClr val="bg1">
+              <a:lumMod val="85000"/>
+              <a:lumOff val="15000"/>
+              <a:alpha val="70000"/>
+            </a:schemeClr>
+          </a:solidFill>
+          <a:ln>
+            <a:noFill/>
+          </a:ln>
+        </p:spPr>
+        <p:style>
+          <a:lnRef idx="2">
+            <a:schemeClr val="accent1">
+              <a:shade val="50000"/>
+            </a:schemeClr>
+          </a:lnRef>
+          <a:fillRef idx="1">
+            <a:schemeClr val="accent1"/>
+          </a:fillRef>
+          <a:effectRef idx="0">
+            <a:schemeClr val="accent1"/>
+          </a:effectRef>
+          <a:fontRef idx="minor">
+            <a:schemeClr val="lt1"/>
+          </a:fontRef>
+        </p:style>
+        <p:txBody>
+          <a:bodyPr rtlCol="0" anchor="ctr"/>
+          <a:lstStyle/>
+          <a:p>
+            <a:pPr marL="0" marR="0" lvl="0" indent="0" algn="ctr" defTabSz="914400" rtl="0" eaLnBrk="1" fontAlgn="auto" latinLnBrk="0" hangingPunct="1">
+              <a:lnSpc>
+                <a:spcPct val="100000"/>
+              </a:lnSpc>
+              <a:spcBef>
+                <a:spcPts val="0"/>
+              </a:spcBef>
+              <a:spcAft>
+                <a:spcPts val="0"/>
+              </a:spcAft>
+              <a:buClrTx/>
+              <a:buSzTx/>
+              <a:buFontTx/>
+              <a:buNone/>
+              <a:tabLst/>
+              <a:defRPr/>
+            </a:pPr>
+            <a:endParaRPr kumimoji="0" lang="en-US" sz="1800" b="0" i="0" u="none" strike="noStrike" kern="1200" cap="none" spc="0" normalizeH="0" baseline="0" noProof="0">
+              <a:ln>
+                <a:noFill/>
+              </a:ln>
+              <a:solidFill>
+                <a:prstClr val="white"/>
+              </a:solidFill>
+              <a:effectLst/>
+              <a:uLnTx/>
+              <a:uFillTx/>
+              <a:latin typeface="Calibri" panose="020F0502020204030204"/>
+              <a:ea typeface="+mn-ea"/>
+              <a:cs typeface="+mn-cs"/>
+            </a:endParaRPr>
+          </a:p>
+        </p:txBody>
+      </p:sp>
+      <p:sp>
+        <p:nvSpPr>
+          <p:cNvPr id="2" name="Title 1">
+            <a:extLst>
+              <a:ext uri="{FF2B5EF4-FFF2-40B4-BE49-F238E27FC236}">
+                <a16:creationId xmlns:a16="http://schemas.microsoft.com/office/drawing/2014/main" id="{7A340BF9-2DEC-4972-A400-6D26745A45C6}"/>
+              </a:ext>
+            </a:extLst>
+          </p:cNvPr>
+          <p:cNvSpPr>
+            <a:spLocks noGrp="1"/>
+          </p:cNvSpPr>
+          <p:nvPr>
+            <p:ph type="title"/>
+          </p:nvPr>
+        </p:nvSpPr>
+        <p:spPr>
+          <a:xfrm>
+            <a:off x="655320" y="365125"/>
+            <a:ext cx="9013052" cy="1623312"/>
+          </a:xfrm>
+        </p:spPr>
+        <p:txBody>
+          <a:bodyPr anchor="b">
+            <a:normAutofit/>
+          </a:bodyPr>
+          <a:lstStyle/>
+          <a:p>
+            <a:r>
+              <a:rPr lang="en-IN" sz="4000" dirty="0"/>
+              <a:t>Arrays</a:t>
+            </a:r>
+          </a:p>
+        </p:txBody>
+      </p:sp>
+      <p:cxnSp>
+        <p:nvCxnSpPr>
+          <p:cNvPr id="10" name="Straight Arrow Connector 9">
+            <a:extLst>
+              <a:ext uri="{FF2B5EF4-FFF2-40B4-BE49-F238E27FC236}">
+                <a16:creationId xmlns:a16="http://schemas.microsoft.com/office/drawing/2014/main" id="{B874EF51-C858-4BB9-97C3-D17755787127}"/>
+              </a:ext>
+              <a:ext uri="{C183D7F6-B498-43B3-948B-1728B52AA6E4}">
+                <adec:decorative xmlns:adec="http://schemas.microsoft.com/office/drawing/2017/decorative" val="1"/>
+              </a:ext>
+            </a:extLst>
+          </p:cNvPr>
+          <p:cNvCxnSpPr>
+            <a:cxnSpLocks noGrp="1" noRot="1" noChangeAspect="1" noMove="1" noResize="1" noEditPoints="1" noAdjustHandles="1" noChangeArrowheads="1" noChangeShapeType="1"/>
+          </p:cNvCxnSpPr>
+          <p:nvPr>
+            <p:extLst>
+              <p:ext uri="{386F3935-93C4-4BCD-93E2-E3B085C9AB24}">
+                <p16:designElem xmlns:p16="http://schemas.microsoft.com/office/powerpoint/2015/main" val="1"/>
+              </p:ext>
+            </p:extLst>
+          </p:nvPr>
+        </p:nvCxnSpPr>
+        <p:spPr>
+          <a:xfrm>
+            <a:off x="763661" y="2316480"/>
+            <a:ext cx="8229600" cy="0"/>
+          </a:xfrm>
+          <a:prstGeom prst="straightConnector1">
+            <a:avLst/>
+          </a:prstGeom>
+          <a:ln w="19050" cap="sq">
+            <a:solidFill>
+              <a:schemeClr val="tx1"/>
+            </a:solidFill>
+            <a:tailEnd type="none"/>
+          </a:ln>
+        </p:spPr>
+        <p:style>
+          <a:lnRef idx="1">
+            <a:schemeClr val="accent1"/>
+          </a:lnRef>
+          <a:fillRef idx="0">
+            <a:schemeClr val="accent1"/>
+          </a:fillRef>
+          <a:effectRef idx="0">
+            <a:schemeClr val="accent1"/>
+          </a:effectRef>
+          <a:fontRef idx="minor">
+            <a:schemeClr val="tx1"/>
+          </a:fontRef>
+        </p:style>
+      </p:cxnSp>
+      <p:sp>
+        <p:nvSpPr>
+          <p:cNvPr id="3" name="Content Placeholder 2">
+            <a:extLst>
+              <a:ext uri="{FF2B5EF4-FFF2-40B4-BE49-F238E27FC236}">
+                <a16:creationId xmlns:a16="http://schemas.microsoft.com/office/drawing/2014/main" id="{3875D498-D349-444A-B2F2-FBF7B8EE7575}"/>
+              </a:ext>
+            </a:extLst>
+          </p:cNvPr>
+          <p:cNvSpPr>
+            <a:spLocks noGrp="1"/>
+          </p:cNvSpPr>
+          <p:nvPr>
+            <p:ph idx="1"/>
+          </p:nvPr>
+        </p:nvSpPr>
+        <p:spPr>
+          <a:xfrm>
+            <a:off x="655320" y="2644518"/>
+            <a:ext cx="9013052" cy="3327251"/>
+          </a:xfrm>
+        </p:spPr>
+        <p:txBody>
+          <a:bodyPr>
+            <a:normAutofit/>
+          </a:bodyPr>
+          <a:lstStyle/>
+          <a:p>
+            <a:r>
+              <a:rPr lang="en-IN" sz="2000" dirty="0"/>
+              <a:t>Object with property names ‘0’, ‘1’, ‘2’ and so on.</a:t>
+            </a:r>
+          </a:p>
+          <a:p>
+            <a:endParaRPr lang="en-IN" sz="2000" dirty="0"/>
+          </a:p>
+        </p:txBody>
+      </p:sp>
+    </p:spTree>
+    <p:extLst>
+      <p:ext uri="{BB962C8B-B14F-4D97-AF65-F5344CB8AC3E}">
+        <p14:creationId xmlns:p14="http://schemas.microsoft.com/office/powerpoint/2010/main" val="3169521418"/>
+      </p:ext>
+    </p:extLst>
+  </p:cSld>
+  <p:clrMapOvr>
+    <a:overrideClrMapping bg1="dk1" tx1="lt1" bg2="dk2" tx2="lt2" accent1="accent1" accent2="accent2" accent3="accent3" accent4="accent4" accent5="accent5" accent6="accent6" hlink="hlink" folHlink="folHlink"/>
+  </p:clrMapOvr>
+</p:sld>
+</file>
+
+<file path=ppt/slides/slide13.xml><?xml version="1.0" encoding="utf-8"?>
+<p:sld xmlns:a="http://schemas.openxmlformats.org/drawingml/2006/main" xmlns:r="http://schemas.openxmlformats.org/officeDocument/2006/relationships" xmlns:p="http://schemas.openxmlformats.org/presentationml/2006/main">
+  <p:cSld>
+    <p:spTree>
+      <p:nvGrpSpPr>
+        <p:cNvPr id="1" name=""/>
+        <p:cNvGrpSpPr/>
+        <p:nvPr/>
+      </p:nvGrpSpPr>
+      <p:grpSpPr>
+        <a:xfrm>
+          <a:off x="0" y="0"/>
+          <a:ext cx="0" cy="0"/>
+          <a:chOff x="0" y="0"/>
+          <a:chExt cx="0" cy="0"/>
+        </a:xfrm>
+      </p:grpSpPr>
+      <p:sp>
+        <p:nvSpPr>
           <p:cNvPr id="2" name="Title 1">
             <a:extLst>
               <a:ext uri="{FF2B5EF4-FFF2-40B4-BE49-F238E27FC236}">
@@ -4485,7 +4821,7 @@
 </p:sld>
 </file>
 
-<file path=ppt/slides/slide13.xml><?xml version="1.0" encoding="utf-8"?>
+<file path=ppt/slides/slide14.xml><?xml version="1.0" encoding="utf-8"?>
 <p:sld xmlns:a="http://schemas.openxmlformats.org/drawingml/2006/main" xmlns:r="http://schemas.openxmlformats.org/officeDocument/2006/relationships" xmlns:p="http://schemas.openxmlformats.org/presentationml/2006/main">
   <p:cSld>
     <p:bg>
@@ -5676,9 +6012,17 @@
 </p:sld>
 </file>
 
-<file path=ppt/slides/slide14.xml><?xml version="1.0" encoding="utf-8"?>
+<file path=ppt/slides/slide15.xml><?xml version="1.0" encoding="utf-8"?>
 <p:sld xmlns:a="http://schemas.openxmlformats.org/drawingml/2006/main" xmlns:r="http://schemas.openxmlformats.org/officeDocument/2006/relationships" xmlns:p="http://schemas.openxmlformats.org/presentationml/2006/main">
   <p:cSld>
+    <p:bg>
+      <p:bgPr>
+        <a:solidFill>
+          <a:schemeClr val="bg1"/>
+        </a:solidFill>
+        <a:effectLst/>
+      </p:bgPr>
+    </p:bg>
     <p:spTree>
       <p:nvGrpSpPr>
         <p:cNvPr id="1" name=""/>
@@ -5695,6 +6039,374 @@
       </p:grpSpPr>
       <p:sp>
         <p:nvSpPr>
+          <p:cNvPr id="15" name="Rectangle 7">
+            <a:extLst>
+              <a:ext uri="{FF2B5EF4-FFF2-40B4-BE49-F238E27FC236}">
+                <a16:creationId xmlns:a16="http://schemas.microsoft.com/office/drawing/2014/main" id="{EA67B5B4-3A24-436E-B663-1B2EBFF8A0CD}"/>
+              </a:ext>
+              <a:ext uri="{C183D7F6-B498-43B3-948B-1728B52AA6E4}">
+                <adec:decorative xmlns:adec="http://schemas.microsoft.com/office/drawing/2017/decorative" val="1"/>
+              </a:ext>
+            </a:extLst>
+          </p:cNvPr>
+          <p:cNvSpPr>
+            <a:spLocks noGrp="1" noRot="1" noChangeAspect="1" noMove="1" noResize="1" noEditPoints="1" noAdjustHandles="1" noChangeArrowheads="1" noChangeShapeType="1" noTextEdit="1"/>
+          </p:cNvSpPr>
+          <p:nvPr>
+            <p:extLst>
+              <p:ext uri="{386F3935-93C4-4BCD-93E2-E3B085C9AB24}">
+                <p16:designElem xmlns:p16="http://schemas.microsoft.com/office/powerpoint/2015/main" val="1"/>
+              </p:ext>
+            </p:extLst>
+          </p:nvPr>
+        </p:nvSpPr>
+        <p:spPr>
+          <a:xfrm>
+            <a:off x="0" y="-3324"/>
+            <a:ext cx="12192000" cy="6861324"/>
+          </a:xfrm>
+          <a:prstGeom prst="rect">
+            <a:avLst/>
+          </a:prstGeom>
+          <a:solidFill>
+            <a:srgbClr val="404040"/>
+          </a:solidFill>
+          <a:ln>
+            <a:noFill/>
+          </a:ln>
+        </p:spPr>
+        <p:style>
+          <a:lnRef idx="2">
+            <a:schemeClr val="accent1">
+              <a:shade val="50000"/>
+            </a:schemeClr>
+          </a:lnRef>
+          <a:fillRef idx="1">
+            <a:schemeClr val="accent1"/>
+          </a:fillRef>
+          <a:effectRef idx="0">
+            <a:schemeClr val="accent1"/>
+          </a:effectRef>
+          <a:fontRef idx="minor">
+            <a:schemeClr val="lt1"/>
+          </a:fontRef>
+        </p:style>
+        <p:txBody>
+          <a:bodyPr rtlCol="0" anchor="ctr"/>
+          <a:lstStyle/>
+          <a:p>
+            <a:pPr marL="0" marR="0" lvl="0" indent="0" algn="ctr" defTabSz="914400" rtl="0" eaLnBrk="1" fontAlgn="auto" latinLnBrk="0" hangingPunct="1">
+              <a:lnSpc>
+                <a:spcPct val="100000"/>
+              </a:lnSpc>
+              <a:spcBef>
+                <a:spcPts val="0"/>
+              </a:spcBef>
+              <a:spcAft>
+                <a:spcPts val="0"/>
+              </a:spcAft>
+              <a:buClrTx/>
+              <a:buSzTx/>
+              <a:buFontTx/>
+              <a:buNone/>
+              <a:tabLst/>
+              <a:defRPr/>
+            </a:pPr>
+            <a:endParaRPr kumimoji="0" lang="en-US" sz="1800" b="0" i="0" u="none" strike="noStrike" kern="1200" cap="none" spc="0" normalizeH="0" baseline="0" noProof="0">
+              <a:ln>
+                <a:noFill/>
+              </a:ln>
+              <a:solidFill>
+                <a:prstClr val="white"/>
+              </a:solidFill>
+              <a:effectLst/>
+              <a:uLnTx/>
+              <a:uFillTx/>
+              <a:latin typeface="Calibri" panose="020F0502020204030204"/>
+              <a:ea typeface="+mn-ea"/>
+              <a:cs typeface="+mn-cs"/>
+            </a:endParaRPr>
+          </a:p>
+        </p:txBody>
+      </p:sp>
+      <p:sp>
+        <p:nvSpPr>
+          <p:cNvPr id="16" name="Freeform 13">
+            <a:extLst>
+              <a:ext uri="{FF2B5EF4-FFF2-40B4-BE49-F238E27FC236}">
+                <a16:creationId xmlns:a16="http://schemas.microsoft.com/office/drawing/2014/main" id="{987FDF89-C993-41F4-A1B8-DBAFF16008A9}"/>
+              </a:ext>
+              <a:ext uri="{C183D7F6-B498-43B3-948B-1728B52AA6E4}">
+                <adec:decorative xmlns:adec="http://schemas.microsoft.com/office/drawing/2017/decorative" val="1"/>
+              </a:ext>
+            </a:extLst>
+          </p:cNvPr>
+          <p:cNvSpPr>
+            <a:spLocks noGrp="1" noRot="1" noChangeAspect="1" noMove="1" noResize="1" noEditPoints="1" noAdjustHandles="1" noChangeArrowheads="1" noChangeShapeType="1" noTextEdit="1"/>
+          </p:cNvSpPr>
+          <p:nvPr>
+            <p:extLst>
+              <p:ext uri="{386F3935-93C4-4BCD-93E2-E3B085C9AB24}">
+                <p16:designElem xmlns:p16="http://schemas.microsoft.com/office/powerpoint/2015/main" val="1"/>
+              </p:ext>
+            </p:extLst>
+          </p:nvPr>
+        </p:nvSpPr>
+        <p:spPr>
+          <a:xfrm>
+            <a:off x="0" y="0"/>
+            <a:ext cx="11960028" cy="6858000"/>
+          </a:xfrm>
+          <a:custGeom>
+            <a:avLst/>
+            <a:gdLst>
+              <a:gd name="connsiteX0" fmla="*/ 0 w 11786754"/>
+              <a:gd name="connsiteY0" fmla="*/ 0 h 6858000"/>
+              <a:gd name="connsiteX1" fmla="*/ 8610600 w 11786754"/>
+              <a:gd name="connsiteY1" fmla="*/ 0 h 6858000"/>
+              <a:gd name="connsiteX2" fmla="*/ 11786754 w 11786754"/>
+              <a:gd name="connsiteY2" fmla="*/ 6858000 h 6858000"/>
+              <a:gd name="connsiteX3" fmla="*/ 0 w 11786754"/>
+              <a:gd name="connsiteY3" fmla="*/ 6858000 h 6858000"/>
+            </a:gdLst>
+            <a:ahLst/>
+            <a:cxnLst>
+              <a:cxn ang="0">
+                <a:pos x="connsiteX0" y="connsiteY0"/>
+              </a:cxn>
+              <a:cxn ang="0">
+                <a:pos x="connsiteX1" y="connsiteY1"/>
+              </a:cxn>
+              <a:cxn ang="0">
+                <a:pos x="connsiteX2" y="connsiteY2"/>
+              </a:cxn>
+              <a:cxn ang="0">
+                <a:pos x="connsiteX3" y="connsiteY3"/>
+              </a:cxn>
+            </a:cxnLst>
+            <a:rect l="l" t="t" r="r" b="b"/>
+            <a:pathLst>
+              <a:path w="11786754" h="6858000">
+                <a:moveTo>
+                  <a:pt x="0" y="0"/>
+                </a:moveTo>
+                <a:lnTo>
+                  <a:pt x="8610600" y="0"/>
+                </a:lnTo>
+                <a:lnTo>
+                  <a:pt x="11786754" y="6858000"/>
+                </a:lnTo>
+                <a:lnTo>
+                  <a:pt x="0" y="6858000"/>
+                </a:lnTo>
+                <a:close/>
+              </a:path>
+            </a:pathLst>
+          </a:custGeom>
+          <a:solidFill>
+            <a:srgbClr val="000000">
+              <a:alpha val="29804"/>
+            </a:srgbClr>
+          </a:solidFill>
+          <a:ln>
+            <a:noFill/>
+          </a:ln>
+        </p:spPr>
+        <p:style>
+          <a:lnRef idx="2">
+            <a:schemeClr val="accent1">
+              <a:shade val="50000"/>
+            </a:schemeClr>
+          </a:lnRef>
+          <a:fillRef idx="1">
+            <a:schemeClr val="accent1"/>
+          </a:fillRef>
+          <a:effectRef idx="0">
+            <a:schemeClr val="accent1"/>
+          </a:effectRef>
+          <a:fontRef idx="minor">
+            <a:schemeClr val="lt1"/>
+          </a:fontRef>
+        </p:style>
+        <p:txBody>
+          <a:bodyPr rtlCol="0" anchor="ctr"/>
+          <a:lstStyle/>
+          <a:p>
+            <a:pPr marL="0" marR="0" lvl="0" indent="0" algn="ctr" defTabSz="914400" rtl="0" eaLnBrk="1" fontAlgn="auto" latinLnBrk="0" hangingPunct="1">
+              <a:lnSpc>
+                <a:spcPct val="100000"/>
+              </a:lnSpc>
+              <a:spcBef>
+                <a:spcPts val="0"/>
+              </a:spcBef>
+              <a:spcAft>
+                <a:spcPts val="0"/>
+              </a:spcAft>
+              <a:buClrTx/>
+              <a:buSzTx/>
+              <a:buFontTx/>
+              <a:buNone/>
+              <a:tabLst/>
+              <a:defRPr/>
+            </a:pPr>
+            <a:endParaRPr kumimoji="0" lang="en-US" sz="1800" b="0" i="0" u="none" strike="noStrike" kern="1200" cap="none" spc="0" normalizeH="0" baseline="0" noProof="0">
+              <a:ln>
+                <a:noFill/>
+              </a:ln>
+              <a:solidFill>
+                <a:prstClr val="white"/>
+              </a:solidFill>
+              <a:effectLst/>
+              <a:uLnTx/>
+              <a:uFillTx/>
+              <a:latin typeface="Calibri" panose="020F0502020204030204"/>
+              <a:ea typeface="+mn-ea"/>
+              <a:cs typeface="+mn-cs"/>
+            </a:endParaRPr>
+          </a:p>
+        </p:txBody>
+      </p:sp>
+      <p:sp>
+        <p:nvSpPr>
+          <p:cNvPr id="17" name="Freeform: Shape 11">
+            <a:extLst>
+              <a:ext uri="{FF2B5EF4-FFF2-40B4-BE49-F238E27FC236}">
+                <a16:creationId xmlns:a16="http://schemas.microsoft.com/office/drawing/2014/main" id="{9FA64B84-CE2D-4179-B018-A71AC174C71C}"/>
+              </a:ext>
+              <a:ext uri="{C183D7F6-B498-43B3-948B-1728B52AA6E4}">
+                <adec:decorative xmlns:adec="http://schemas.microsoft.com/office/drawing/2017/decorative" val="1"/>
+              </a:ext>
+            </a:extLst>
+          </p:cNvPr>
+          <p:cNvSpPr>
+            <a:spLocks noGrp="1" noRot="1" noChangeAspect="1" noMove="1" noResize="1" noEditPoints="1" noAdjustHandles="1" noChangeArrowheads="1" noChangeShapeType="1" noTextEdit="1"/>
+          </p:cNvSpPr>
+          <p:nvPr>
+            <p:extLst>
+              <p:ext uri="{386F3935-93C4-4BCD-93E2-E3B085C9AB24}">
+                <p16:designElem xmlns:p16="http://schemas.microsoft.com/office/powerpoint/2015/main" val="1"/>
+              </p:ext>
+            </p:extLst>
+          </p:nvPr>
+        </p:nvSpPr>
+        <p:spPr>
+          <a:xfrm>
+            <a:off x="0" y="0"/>
+            <a:ext cx="3459632" cy="6858000"/>
+          </a:xfrm>
+          <a:custGeom>
+            <a:avLst/>
+            <a:gdLst>
+              <a:gd name="connsiteX0" fmla="*/ 0 w 3459632"/>
+              <a:gd name="connsiteY0" fmla="*/ 0 h 6858000"/>
+              <a:gd name="connsiteX1" fmla="*/ 283478 w 3459632"/>
+              <a:gd name="connsiteY1" fmla="*/ 0 h 6858000"/>
+              <a:gd name="connsiteX2" fmla="*/ 3459632 w 3459632"/>
+              <a:gd name="connsiteY2" fmla="*/ 6858000 h 6858000"/>
+              <a:gd name="connsiteX3" fmla="*/ 0 w 3459632"/>
+              <a:gd name="connsiteY3" fmla="*/ 6858000 h 6858000"/>
+            </a:gdLst>
+            <a:ahLst/>
+            <a:cxnLst>
+              <a:cxn ang="0">
+                <a:pos x="connsiteX0" y="connsiteY0"/>
+              </a:cxn>
+              <a:cxn ang="0">
+                <a:pos x="connsiteX1" y="connsiteY1"/>
+              </a:cxn>
+              <a:cxn ang="0">
+                <a:pos x="connsiteX2" y="connsiteY2"/>
+              </a:cxn>
+              <a:cxn ang="0">
+                <a:pos x="connsiteX3" y="connsiteY3"/>
+              </a:cxn>
+            </a:cxnLst>
+            <a:rect l="l" t="t" r="r" b="b"/>
+            <a:pathLst>
+              <a:path w="3459632" h="6858000">
+                <a:moveTo>
+                  <a:pt x="0" y="0"/>
+                </a:moveTo>
+                <a:lnTo>
+                  <a:pt x="283478" y="0"/>
+                </a:lnTo>
+                <a:lnTo>
+                  <a:pt x="3459632" y="6858000"/>
+                </a:lnTo>
+                <a:lnTo>
+                  <a:pt x="0" y="6858000"/>
+                </a:lnTo>
+                <a:close/>
+              </a:path>
+            </a:pathLst>
+          </a:custGeom>
+          <a:solidFill>
+            <a:srgbClr val="000000">
+              <a:alpha val="29804"/>
+            </a:srgbClr>
+          </a:solidFill>
+          <a:ln>
+            <a:noFill/>
+          </a:ln>
+        </p:spPr>
+        <p:style>
+          <a:lnRef idx="2">
+            <a:schemeClr val="accent1">
+              <a:shade val="50000"/>
+            </a:schemeClr>
+          </a:lnRef>
+          <a:fillRef idx="1">
+            <a:schemeClr val="accent1"/>
+          </a:fillRef>
+          <a:effectRef idx="0">
+            <a:schemeClr val="accent1"/>
+          </a:effectRef>
+          <a:fontRef idx="minor">
+            <a:schemeClr val="lt1"/>
+          </a:fontRef>
+        </p:style>
+        <p:txBody>
+          <a:bodyPr wrap="square" rtlCol="0" anchor="ctr">
+            <a:noAutofit/>
+          </a:bodyPr>
+          <a:lstStyle/>
+          <a:p>
+            <a:pPr marL="0" marR="0" lvl="0" indent="0" algn="ctr" defTabSz="914400" rtl="0" eaLnBrk="1" fontAlgn="auto" latinLnBrk="0" hangingPunct="1">
+              <a:lnSpc>
+                <a:spcPct val="100000"/>
+              </a:lnSpc>
+              <a:spcBef>
+                <a:spcPts val="0"/>
+              </a:spcBef>
+              <a:spcAft>
+                <a:spcPts val="0"/>
+              </a:spcAft>
+              <a:buClrTx/>
+              <a:buSzTx/>
+              <a:buFontTx/>
+              <a:buNone/>
+              <a:tabLst/>
+              <a:defRPr/>
+            </a:pPr>
+            <a:endParaRPr kumimoji="0" lang="en-US" sz="1800" b="0" i="0" u="none" strike="noStrike" kern="1200" cap="none" spc="0" normalizeH="0" baseline="0" noProof="0">
+              <a:ln>
+                <a:noFill/>
+              </a:ln>
+              <a:solidFill>
+                <a:prstClr val="white"/>
+              </a:solidFill>
+              <a:effectLst/>
+              <a:uLnTx/>
+              <a:uFillTx/>
+              <a:latin typeface="Calibri" panose="020F0502020204030204"/>
+              <a:ea typeface="+mn-ea"/>
+              <a:cs typeface="+mn-cs"/>
+            </a:endParaRPr>
+          </a:p>
+        </p:txBody>
+      </p:sp>
+      <p:sp>
+        <p:nvSpPr>
           <p:cNvPr id="2" name="Title 1">
             <a:extLst>
               <a:ext uri="{FF2B5EF4-FFF2-40B4-BE49-F238E27FC236}">
@@ -5709,15 +6421,99 @@
             <p:ph type="title"/>
           </p:nvPr>
         </p:nvSpPr>
-        <p:spPr/>
-        <p:txBody>
-          <a:bodyPr/>
+        <p:spPr>
+          <a:xfrm>
+            <a:off x="3111963" y="462230"/>
+            <a:ext cx="5968074" cy="1325563"/>
+          </a:xfrm>
+        </p:spPr>
+        <p:txBody>
+          <a:bodyPr>
+            <a:normAutofit/>
+          </a:bodyPr>
           <a:lstStyle/>
           <a:p>
             <a:r>
-              <a:rPr lang="en-IN" dirty="0"/>
+              <a:rPr lang="en-IN">
+                <a:solidFill>
+                  <a:srgbClr val="FFFFFF"/>
+                </a:solidFill>
+              </a:rPr>
               <a:t>Function Scope and Block Scope</a:t>
             </a:r>
+          </a:p>
+        </p:txBody>
+      </p:sp>
+      <p:sp>
+        <p:nvSpPr>
+          <p:cNvPr id="14" name="TextBox 13">
+            <a:extLst>
+              <a:ext uri="{FF2B5EF4-FFF2-40B4-BE49-F238E27FC236}">
+                <a16:creationId xmlns:a16="http://schemas.microsoft.com/office/drawing/2014/main" id="{4795A2E2-224B-4FA0-B323-9E61AD30697F}"/>
+              </a:ext>
+              <a:ext uri="{C183D7F6-B498-43B3-948B-1728B52AA6E4}">
+                <adec:decorative xmlns:adec="http://schemas.microsoft.com/office/drawing/2017/decorative" val="1"/>
+              </a:ext>
+            </a:extLst>
+          </p:cNvPr>
+          <p:cNvSpPr txBox="1">
+            <a:spLocks noGrp="1" noRot="1" noChangeAspect="1" noMove="1" noResize="1" noEditPoints="1" noAdjustHandles="1" noChangeArrowheads="1" noChangeShapeType="1" noTextEdit="1"/>
+          </p:cNvSpPr>
+          <p:nvPr>
+            <p:extLst>
+              <p:ext uri="{386F3935-93C4-4BCD-93E2-E3B085C9AB24}">
+                <p16:designElem xmlns:p16="http://schemas.microsoft.com/office/powerpoint/2015/main" val="1"/>
+              </p:ext>
+            </p:extLst>
+          </p:nvPr>
+        </p:nvSpPr>
+        <p:spPr>
+          <a:xfrm>
+            <a:off x="833002" y="1870075"/>
+            <a:ext cx="9612178" cy="595651"/>
+          </a:xfrm>
+          <a:prstGeom prst="rect">
+            <a:avLst/>
+          </a:prstGeom>
+          <a:noFill/>
+        </p:spPr>
+        <p:txBody>
+          <a:bodyPr wrap="square" rtlCol="0" anchor="t">
+            <a:normAutofit/>
+          </a:bodyPr>
+          <a:lstStyle/>
+          <a:p>
+            <a:pPr marL="0" marR="0" lvl="0" indent="0" algn="l" defTabSz="914400" rtl="0" eaLnBrk="1" fontAlgn="auto" latinLnBrk="0" hangingPunct="1">
+              <a:lnSpc>
+                <a:spcPct val="120000"/>
+              </a:lnSpc>
+              <a:spcBef>
+                <a:spcPts val="0"/>
+              </a:spcBef>
+              <a:spcAft>
+                <a:spcPts val="0"/>
+              </a:spcAft>
+              <a:buClrTx/>
+              <a:buSzTx/>
+              <a:buFontTx/>
+              <a:buNone/>
+              <a:tabLst/>
+              <a:defRPr/>
+            </a:pPr>
+            <a:endParaRPr kumimoji="0" lang="en-US" sz="2000" b="0" i="0" u="none" strike="noStrike" kern="1200" cap="none" spc="0" normalizeH="0" baseline="0" noProof="0" dirty="0">
+              <a:ln>
+                <a:noFill/>
+              </a:ln>
+              <a:solidFill>
+                <a:srgbClr val="FFC000"/>
+              </a:solidFill>
+              <a:effectLst/>
+              <a:uLnTx/>
+              <a:uFillTx/>
+              <a:latin typeface="Calibri" panose="020F0502020204030204"/>
+              <a:ea typeface="+mn-ea"/>
+              <a:cs typeface="+mn-cs"/>
+            </a:endParaRPr>
           </a:p>
         </p:txBody>
       </p:sp>
@@ -5737,38 +6533,53 @@
             <p:ph idx="1"/>
           </p:nvPr>
         </p:nvSpPr>
-        <p:spPr/>
-        <p:txBody>
-          <a:bodyPr/>
+        <p:spPr>
+          <a:xfrm>
+            <a:off x="3113411" y="2117929"/>
+            <a:ext cx="5965178" cy="3967282"/>
+          </a:xfrm>
+        </p:spPr>
+        <p:txBody>
+          <a:bodyPr>
+            <a:normAutofit/>
+          </a:bodyPr>
           <a:lstStyle/>
           <a:p>
             <a:r>
-              <a:rPr lang="en-IN" dirty="0"/>
+              <a:rPr lang="en-IN" sz="2000">
+                <a:solidFill>
+                  <a:srgbClr val="FFFFFF"/>
+                </a:solidFill>
+              </a:rPr>
               <a:t>Everything used to be function scope</a:t>
             </a:r>
           </a:p>
           <a:p>
             <a:r>
-              <a:rPr lang="en-IN" dirty="0"/>
-              <a:t>With the new ‘let’ and ‘</a:t>
-            </a:r>
-            <a:r>
-              <a:rPr lang="en-IN" dirty="0" err="1"/>
-              <a:t>const</a:t>
-            </a:r>
-            <a:r>
-              <a:rPr lang="en-IN" dirty="0"/>
-              <a:t>’ keywords that changed</a:t>
-            </a:r>
-          </a:p>
-          <a:p>
-            <a:r>
-              <a:rPr lang="en-IN" dirty="0"/>
+              <a:rPr lang="en-IN" sz="2000">
+                <a:solidFill>
+                  <a:srgbClr val="FFFFFF"/>
+                </a:solidFill>
+              </a:rPr>
+              <a:t>With the new ‘let’ and ‘const’ keywords that changed</a:t>
+            </a:r>
+          </a:p>
+          <a:p>
+            <a:r>
+              <a:rPr lang="en-IN" sz="2000">
+                <a:solidFill>
+                  <a:srgbClr val="FFFFFF"/>
+                </a:solidFill>
+              </a:rPr>
               <a:t>With the invent of ES6 coined the term ‘Block Scope’</a:t>
             </a:r>
           </a:p>
           <a:p>
-            <a:endParaRPr lang="en-IN" dirty="0"/>
+            <a:endParaRPr lang="en-IN" sz="2000">
+              <a:solidFill>
+                <a:srgbClr val="FFFFFF"/>
+              </a:solidFill>
+            </a:endParaRPr>
           </a:p>
         </p:txBody>
       </p:sp>
@@ -5780,7 +6591,1008 @@
     </p:extLst>
   </p:cSld>
   <p:clrMapOvr>
-    <a:masterClrMapping/>
+    <a:overrideClrMapping bg1="dk1" tx1="lt1" bg2="dk2" tx2="lt2" accent1="accent1" accent2="accent2" accent3="accent3" accent4="accent4" accent5="accent5" accent6="accent6" hlink="hlink" folHlink="folHlink"/>
+  </p:clrMapOvr>
+</p:sld>
+</file>
+
+<file path=ppt/slides/slide16.xml><?xml version="1.0" encoding="utf-8"?>
+<p:sld xmlns:a="http://schemas.openxmlformats.org/drawingml/2006/main" xmlns:r="http://schemas.openxmlformats.org/officeDocument/2006/relationships" xmlns:p="http://schemas.openxmlformats.org/presentationml/2006/main">
+  <p:cSld>
+    <p:bg>
+      <p:bgPr>
+        <a:solidFill>
+          <a:schemeClr val="bg1"/>
+        </a:solidFill>
+        <a:effectLst/>
+      </p:bgPr>
+    </p:bg>
+    <p:spTree>
+      <p:nvGrpSpPr>
+        <p:cNvPr id="1" name=""/>
+        <p:cNvGrpSpPr/>
+        <p:nvPr/>
+      </p:nvGrpSpPr>
+      <p:grpSpPr>
+        <a:xfrm>
+          <a:off x="0" y="0"/>
+          <a:ext cx="0" cy="0"/>
+          <a:chOff x="0" y="0"/>
+          <a:chExt cx="0" cy="0"/>
+        </a:xfrm>
+      </p:grpSpPr>
+      <p:sp>
+        <p:nvSpPr>
+          <p:cNvPr id="8" name="Rectangle 7">
+            <a:extLst>
+              <a:ext uri="{FF2B5EF4-FFF2-40B4-BE49-F238E27FC236}">
+                <a16:creationId xmlns:a16="http://schemas.microsoft.com/office/drawing/2014/main" id="{EA67B5B4-3A24-436E-B663-1B2EBFF8A0CD}"/>
+              </a:ext>
+              <a:ext uri="{C183D7F6-B498-43B3-948B-1728B52AA6E4}">
+                <adec:decorative xmlns:adec="http://schemas.microsoft.com/office/drawing/2017/decorative" val="1"/>
+              </a:ext>
+            </a:extLst>
+          </p:cNvPr>
+          <p:cNvSpPr>
+            <a:spLocks noGrp="1" noRot="1" noChangeAspect="1" noMove="1" noResize="1" noEditPoints="1" noAdjustHandles="1" noChangeArrowheads="1" noChangeShapeType="1" noTextEdit="1"/>
+          </p:cNvSpPr>
+          <p:nvPr>
+            <p:extLst>
+              <p:ext uri="{386F3935-93C4-4BCD-93E2-E3B085C9AB24}">
+                <p16:designElem xmlns:p16="http://schemas.microsoft.com/office/powerpoint/2015/main" val="1"/>
+              </p:ext>
+            </p:extLst>
+          </p:nvPr>
+        </p:nvSpPr>
+        <p:spPr>
+          <a:xfrm>
+            <a:off x="0" y="-3324"/>
+            <a:ext cx="12192000" cy="6861324"/>
+          </a:xfrm>
+          <a:prstGeom prst="rect">
+            <a:avLst/>
+          </a:prstGeom>
+          <a:solidFill>
+            <a:srgbClr val="404040"/>
+          </a:solidFill>
+          <a:ln>
+            <a:noFill/>
+          </a:ln>
+        </p:spPr>
+        <p:style>
+          <a:lnRef idx="2">
+            <a:schemeClr val="accent1">
+              <a:shade val="50000"/>
+            </a:schemeClr>
+          </a:lnRef>
+          <a:fillRef idx="1">
+            <a:schemeClr val="accent1"/>
+          </a:fillRef>
+          <a:effectRef idx="0">
+            <a:schemeClr val="accent1"/>
+          </a:effectRef>
+          <a:fontRef idx="minor">
+            <a:schemeClr val="lt1"/>
+          </a:fontRef>
+        </p:style>
+        <p:txBody>
+          <a:bodyPr rtlCol="0" anchor="ctr"/>
+          <a:lstStyle/>
+          <a:p>
+            <a:pPr marL="0" marR="0" lvl="0" indent="0" algn="ctr" defTabSz="914400" rtl="0" eaLnBrk="1" fontAlgn="auto" latinLnBrk="0" hangingPunct="1">
+              <a:lnSpc>
+                <a:spcPct val="100000"/>
+              </a:lnSpc>
+              <a:spcBef>
+                <a:spcPts val="0"/>
+              </a:spcBef>
+              <a:spcAft>
+                <a:spcPts val="0"/>
+              </a:spcAft>
+              <a:buClrTx/>
+              <a:buSzTx/>
+              <a:buFontTx/>
+              <a:buNone/>
+              <a:tabLst/>
+              <a:defRPr/>
+            </a:pPr>
+            <a:endParaRPr kumimoji="0" lang="en-US" sz="1800" b="0" i="0" u="none" strike="noStrike" kern="1200" cap="none" spc="0" normalizeH="0" baseline="0" noProof="0">
+              <a:ln>
+                <a:noFill/>
+              </a:ln>
+              <a:solidFill>
+                <a:prstClr val="white"/>
+              </a:solidFill>
+              <a:effectLst/>
+              <a:uLnTx/>
+              <a:uFillTx/>
+              <a:latin typeface="Calibri" panose="020F0502020204030204"/>
+              <a:ea typeface="+mn-ea"/>
+              <a:cs typeface="+mn-cs"/>
+            </a:endParaRPr>
+          </a:p>
+        </p:txBody>
+      </p:sp>
+      <p:sp>
+        <p:nvSpPr>
+          <p:cNvPr id="10" name="Freeform 13">
+            <a:extLst>
+              <a:ext uri="{FF2B5EF4-FFF2-40B4-BE49-F238E27FC236}">
+                <a16:creationId xmlns:a16="http://schemas.microsoft.com/office/drawing/2014/main" id="{987FDF89-C993-41F4-A1B8-DBAFF16008A9}"/>
+              </a:ext>
+              <a:ext uri="{C183D7F6-B498-43B3-948B-1728B52AA6E4}">
+                <adec:decorative xmlns:adec="http://schemas.microsoft.com/office/drawing/2017/decorative" val="1"/>
+              </a:ext>
+            </a:extLst>
+          </p:cNvPr>
+          <p:cNvSpPr>
+            <a:spLocks noGrp="1" noRot="1" noChangeAspect="1" noMove="1" noResize="1" noEditPoints="1" noAdjustHandles="1" noChangeArrowheads="1" noChangeShapeType="1" noTextEdit="1"/>
+          </p:cNvSpPr>
+          <p:nvPr>
+            <p:extLst>
+              <p:ext uri="{386F3935-93C4-4BCD-93E2-E3B085C9AB24}">
+                <p16:designElem xmlns:p16="http://schemas.microsoft.com/office/powerpoint/2015/main" val="1"/>
+              </p:ext>
+            </p:extLst>
+          </p:nvPr>
+        </p:nvSpPr>
+        <p:spPr>
+          <a:xfrm>
+            <a:off x="0" y="0"/>
+            <a:ext cx="11960028" cy="6858000"/>
+          </a:xfrm>
+          <a:custGeom>
+            <a:avLst/>
+            <a:gdLst>
+              <a:gd name="connsiteX0" fmla="*/ 0 w 11786754"/>
+              <a:gd name="connsiteY0" fmla="*/ 0 h 6858000"/>
+              <a:gd name="connsiteX1" fmla="*/ 8610600 w 11786754"/>
+              <a:gd name="connsiteY1" fmla="*/ 0 h 6858000"/>
+              <a:gd name="connsiteX2" fmla="*/ 11786754 w 11786754"/>
+              <a:gd name="connsiteY2" fmla="*/ 6858000 h 6858000"/>
+              <a:gd name="connsiteX3" fmla="*/ 0 w 11786754"/>
+              <a:gd name="connsiteY3" fmla="*/ 6858000 h 6858000"/>
+            </a:gdLst>
+            <a:ahLst/>
+            <a:cxnLst>
+              <a:cxn ang="0">
+                <a:pos x="connsiteX0" y="connsiteY0"/>
+              </a:cxn>
+              <a:cxn ang="0">
+                <a:pos x="connsiteX1" y="connsiteY1"/>
+              </a:cxn>
+              <a:cxn ang="0">
+                <a:pos x="connsiteX2" y="connsiteY2"/>
+              </a:cxn>
+              <a:cxn ang="0">
+                <a:pos x="connsiteX3" y="connsiteY3"/>
+              </a:cxn>
+            </a:cxnLst>
+            <a:rect l="l" t="t" r="r" b="b"/>
+            <a:pathLst>
+              <a:path w="11786754" h="6858000">
+                <a:moveTo>
+                  <a:pt x="0" y="0"/>
+                </a:moveTo>
+                <a:lnTo>
+                  <a:pt x="8610600" y="0"/>
+                </a:lnTo>
+                <a:lnTo>
+                  <a:pt x="11786754" y="6858000"/>
+                </a:lnTo>
+                <a:lnTo>
+                  <a:pt x="0" y="6858000"/>
+                </a:lnTo>
+                <a:close/>
+              </a:path>
+            </a:pathLst>
+          </a:custGeom>
+          <a:solidFill>
+            <a:srgbClr val="000000">
+              <a:alpha val="29804"/>
+            </a:srgbClr>
+          </a:solidFill>
+          <a:ln>
+            <a:noFill/>
+          </a:ln>
+        </p:spPr>
+        <p:style>
+          <a:lnRef idx="2">
+            <a:schemeClr val="accent1">
+              <a:shade val="50000"/>
+            </a:schemeClr>
+          </a:lnRef>
+          <a:fillRef idx="1">
+            <a:schemeClr val="accent1"/>
+          </a:fillRef>
+          <a:effectRef idx="0">
+            <a:schemeClr val="accent1"/>
+          </a:effectRef>
+          <a:fontRef idx="minor">
+            <a:schemeClr val="lt1"/>
+          </a:fontRef>
+        </p:style>
+        <p:txBody>
+          <a:bodyPr rtlCol="0" anchor="ctr"/>
+          <a:lstStyle/>
+          <a:p>
+            <a:pPr marL="0" marR="0" lvl="0" indent="0" algn="ctr" defTabSz="914400" rtl="0" eaLnBrk="1" fontAlgn="auto" latinLnBrk="0" hangingPunct="1">
+              <a:lnSpc>
+                <a:spcPct val="100000"/>
+              </a:lnSpc>
+              <a:spcBef>
+                <a:spcPts val="0"/>
+              </a:spcBef>
+              <a:spcAft>
+                <a:spcPts val="0"/>
+              </a:spcAft>
+              <a:buClrTx/>
+              <a:buSzTx/>
+              <a:buFontTx/>
+              <a:buNone/>
+              <a:tabLst/>
+              <a:defRPr/>
+            </a:pPr>
+            <a:endParaRPr kumimoji="0" lang="en-US" sz="1800" b="0" i="0" u="none" strike="noStrike" kern="1200" cap="none" spc="0" normalizeH="0" baseline="0" noProof="0">
+              <a:ln>
+                <a:noFill/>
+              </a:ln>
+              <a:solidFill>
+                <a:prstClr val="white"/>
+              </a:solidFill>
+              <a:effectLst/>
+              <a:uLnTx/>
+              <a:uFillTx/>
+              <a:latin typeface="Calibri" panose="020F0502020204030204"/>
+              <a:ea typeface="+mn-ea"/>
+              <a:cs typeface="+mn-cs"/>
+            </a:endParaRPr>
+          </a:p>
+        </p:txBody>
+      </p:sp>
+      <p:sp>
+        <p:nvSpPr>
+          <p:cNvPr id="12" name="Freeform: Shape 11">
+            <a:extLst>
+              <a:ext uri="{FF2B5EF4-FFF2-40B4-BE49-F238E27FC236}">
+                <a16:creationId xmlns:a16="http://schemas.microsoft.com/office/drawing/2014/main" id="{9FA64B84-CE2D-4179-B018-A71AC174C71C}"/>
+              </a:ext>
+              <a:ext uri="{C183D7F6-B498-43B3-948B-1728B52AA6E4}">
+                <adec:decorative xmlns:adec="http://schemas.microsoft.com/office/drawing/2017/decorative" val="1"/>
+              </a:ext>
+            </a:extLst>
+          </p:cNvPr>
+          <p:cNvSpPr>
+            <a:spLocks noGrp="1" noRot="1" noChangeAspect="1" noMove="1" noResize="1" noEditPoints="1" noAdjustHandles="1" noChangeArrowheads="1" noChangeShapeType="1" noTextEdit="1"/>
+          </p:cNvSpPr>
+          <p:nvPr>
+            <p:extLst>
+              <p:ext uri="{386F3935-93C4-4BCD-93E2-E3B085C9AB24}">
+                <p16:designElem xmlns:p16="http://schemas.microsoft.com/office/powerpoint/2015/main" val="1"/>
+              </p:ext>
+            </p:extLst>
+          </p:nvPr>
+        </p:nvSpPr>
+        <p:spPr>
+          <a:xfrm>
+            <a:off x="0" y="0"/>
+            <a:ext cx="3459632" cy="6858000"/>
+          </a:xfrm>
+          <a:custGeom>
+            <a:avLst/>
+            <a:gdLst>
+              <a:gd name="connsiteX0" fmla="*/ 0 w 3459632"/>
+              <a:gd name="connsiteY0" fmla="*/ 0 h 6858000"/>
+              <a:gd name="connsiteX1" fmla="*/ 283478 w 3459632"/>
+              <a:gd name="connsiteY1" fmla="*/ 0 h 6858000"/>
+              <a:gd name="connsiteX2" fmla="*/ 3459632 w 3459632"/>
+              <a:gd name="connsiteY2" fmla="*/ 6858000 h 6858000"/>
+              <a:gd name="connsiteX3" fmla="*/ 0 w 3459632"/>
+              <a:gd name="connsiteY3" fmla="*/ 6858000 h 6858000"/>
+            </a:gdLst>
+            <a:ahLst/>
+            <a:cxnLst>
+              <a:cxn ang="0">
+                <a:pos x="connsiteX0" y="connsiteY0"/>
+              </a:cxn>
+              <a:cxn ang="0">
+                <a:pos x="connsiteX1" y="connsiteY1"/>
+              </a:cxn>
+              <a:cxn ang="0">
+                <a:pos x="connsiteX2" y="connsiteY2"/>
+              </a:cxn>
+              <a:cxn ang="0">
+                <a:pos x="connsiteX3" y="connsiteY3"/>
+              </a:cxn>
+            </a:cxnLst>
+            <a:rect l="l" t="t" r="r" b="b"/>
+            <a:pathLst>
+              <a:path w="3459632" h="6858000">
+                <a:moveTo>
+                  <a:pt x="0" y="0"/>
+                </a:moveTo>
+                <a:lnTo>
+                  <a:pt x="283478" y="0"/>
+                </a:lnTo>
+                <a:lnTo>
+                  <a:pt x="3459632" y="6858000"/>
+                </a:lnTo>
+                <a:lnTo>
+                  <a:pt x="0" y="6858000"/>
+                </a:lnTo>
+                <a:close/>
+              </a:path>
+            </a:pathLst>
+          </a:custGeom>
+          <a:solidFill>
+            <a:srgbClr val="000000">
+              <a:alpha val="29804"/>
+            </a:srgbClr>
+          </a:solidFill>
+          <a:ln>
+            <a:noFill/>
+          </a:ln>
+        </p:spPr>
+        <p:style>
+          <a:lnRef idx="2">
+            <a:schemeClr val="accent1">
+              <a:shade val="50000"/>
+            </a:schemeClr>
+          </a:lnRef>
+          <a:fillRef idx="1">
+            <a:schemeClr val="accent1"/>
+          </a:fillRef>
+          <a:effectRef idx="0">
+            <a:schemeClr val="accent1"/>
+          </a:effectRef>
+          <a:fontRef idx="minor">
+            <a:schemeClr val="lt1"/>
+          </a:fontRef>
+        </p:style>
+        <p:txBody>
+          <a:bodyPr wrap="square" rtlCol="0" anchor="ctr">
+            <a:noAutofit/>
+          </a:bodyPr>
+          <a:lstStyle/>
+          <a:p>
+            <a:pPr marL="0" marR="0" lvl="0" indent="0" algn="ctr" defTabSz="914400" rtl="0" eaLnBrk="1" fontAlgn="auto" latinLnBrk="0" hangingPunct="1">
+              <a:lnSpc>
+                <a:spcPct val="100000"/>
+              </a:lnSpc>
+              <a:spcBef>
+                <a:spcPts val="0"/>
+              </a:spcBef>
+              <a:spcAft>
+                <a:spcPts val="0"/>
+              </a:spcAft>
+              <a:buClrTx/>
+              <a:buSzTx/>
+              <a:buFontTx/>
+              <a:buNone/>
+              <a:tabLst/>
+              <a:defRPr/>
+            </a:pPr>
+            <a:endParaRPr kumimoji="0" lang="en-US" sz="1800" b="0" i="0" u="none" strike="noStrike" kern="1200" cap="none" spc="0" normalizeH="0" baseline="0" noProof="0">
+              <a:ln>
+                <a:noFill/>
+              </a:ln>
+              <a:solidFill>
+                <a:prstClr val="white"/>
+              </a:solidFill>
+              <a:effectLst/>
+              <a:uLnTx/>
+              <a:uFillTx/>
+              <a:latin typeface="Calibri" panose="020F0502020204030204"/>
+              <a:ea typeface="+mn-ea"/>
+              <a:cs typeface="+mn-cs"/>
+            </a:endParaRPr>
+          </a:p>
+        </p:txBody>
+      </p:sp>
+      <p:sp>
+        <p:nvSpPr>
+          <p:cNvPr id="2" name="Title 1">
+            <a:extLst>
+              <a:ext uri="{FF2B5EF4-FFF2-40B4-BE49-F238E27FC236}">
+                <a16:creationId xmlns:a16="http://schemas.microsoft.com/office/drawing/2014/main" id="{6599601C-081B-4C5C-99AD-A3BC432AE29C}"/>
+              </a:ext>
+            </a:extLst>
+          </p:cNvPr>
+          <p:cNvSpPr>
+            <a:spLocks noGrp="1"/>
+          </p:cNvSpPr>
+          <p:nvPr>
+            <p:ph type="title"/>
+          </p:nvPr>
+        </p:nvSpPr>
+        <p:spPr>
+          <a:xfrm>
+            <a:off x="3111963" y="0"/>
+            <a:ext cx="5968074" cy="949593"/>
+          </a:xfrm>
+        </p:spPr>
+        <p:txBody>
+          <a:bodyPr>
+            <a:normAutofit/>
+          </a:bodyPr>
+          <a:lstStyle/>
+          <a:p>
+            <a:r>
+              <a:rPr lang="en-IN" dirty="0" err="1">
+                <a:solidFill>
+                  <a:srgbClr val="FFFFFF"/>
+                </a:solidFill>
+              </a:rPr>
+              <a:t>Iterables</a:t>
+            </a:r>
+            <a:endParaRPr lang="en-IN" dirty="0">
+              <a:solidFill>
+                <a:srgbClr val="FFFFFF"/>
+              </a:solidFill>
+            </a:endParaRPr>
+          </a:p>
+        </p:txBody>
+      </p:sp>
+      <p:sp>
+        <p:nvSpPr>
+          <p:cNvPr id="14" name="TextBox 13">
+            <a:extLst>
+              <a:ext uri="{FF2B5EF4-FFF2-40B4-BE49-F238E27FC236}">
+                <a16:creationId xmlns:a16="http://schemas.microsoft.com/office/drawing/2014/main" id="{4795A2E2-224B-4FA0-B323-9E61AD30697F}"/>
+              </a:ext>
+              <a:ext uri="{C183D7F6-B498-43B3-948B-1728B52AA6E4}">
+                <adec:decorative xmlns:adec="http://schemas.microsoft.com/office/drawing/2017/decorative" val="1"/>
+              </a:ext>
+            </a:extLst>
+          </p:cNvPr>
+          <p:cNvSpPr txBox="1">
+            <a:spLocks noGrp="1" noRot="1" noChangeAspect="1" noMove="1" noResize="1" noEditPoints="1" noAdjustHandles="1" noChangeArrowheads="1" noChangeShapeType="1" noTextEdit="1"/>
+          </p:cNvSpPr>
+          <p:nvPr>
+            <p:extLst>
+              <p:ext uri="{386F3935-93C4-4BCD-93E2-E3B085C9AB24}">
+                <p16:designElem xmlns:p16="http://schemas.microsoft.com/office/powerpoint/2015/main" val="1"/>
+              </p:ext>
+            </p:extLst>
+          </p:nvPr>
+        </p:nvSpPr>
+        <p:spPr>
+          <a:xfrm>
+            <a:off x="833002" y="1870075"/>
+            <a:ext cx="9612178" cy="595651"/>
+          </a:xfrm>
+          <a:prstGeom prst="rect">
+            <a:avLst/>
+          </a:prstGeom>
+          <a:noFill/>
+        </p:spPr>
+        <p:txBody>
+          <a:bodyPr wrap="square" rtlCol="0" anchor="t">
+            <a:normAutofit/>
+          </a:bodyPr>
+          <a:lstStyle/>
+          <a:p>
+            <a:pPr marL="0" marR="0" lvl="0" indent="0" algn="l" defTabSz="914400" rtl="0" eaLnBrk="1" fontAlgn="auto" latinLnBrk="0" hangingPunct="1">
+              <a:lnSpc>
+                <a:spcPct val="120000"/>
+              </a:lnSpc>
+              <a:spcBef>
+                <a:spcPts val="0"/>
+              </a:spcBef>
+              <a:spcAft>
+                <a:spcPts val="0"/>
+              </a:spcAft>
+              <a:buClrTx/>
+              <a:buSzTx/>
+              <a:buFontTx/>
+              <a:buNone/>
+              <a:tabLst/>
+              <a:defRPr/>
+            </a:pPr>
+            <a:endParaRPr kumimoji="0" lang="en-US" sz="2000" b="0" i="0" u="none" strike="noStrike" kern="1200" cap="none" spc="0" normalizeH="0" baseline="0" noProof="0" dirty="0">
+              <a:ln>
+                <a:noFill/>
+              </a:ln>
+              <a:solidFill>
+                <a:srgbClr val="FFC000"/>
+              </a:solidFill>
+              <a:effectLst/>
+              <a:uLnTx/>
+              <a:uFillTx/>
+              <a:latin typeface="Calibri" panose="020F0502020204030204"/>
+              <a:ea typeface="+mn-ea"/>
+              <a:cs typeface="+mn-cs"/>
+            </a:endParaRPr>
+          </a:p>
+        </p:txBody>
+      </p:sp>
+      <p:sp>
+        <p:nvSpPr>
+          <p:cNvPr id="3" name="Content Placeholder 2">
+            <a:extLst>
+              <a:ext uri="{FF2B5EF4-FFF2-40B4-BE49-F238E27FC236}">
+                <a16:creationId xmlns:a16="http://schemas.microsoft.com/office/drawing/2014/main" id="{37F319FF-7163-4F0F-AB17-3B32BC09CC75}"/>
+              </a:ext>
+            </a:extLst>
+          </p:cNvPr>
+          <p:cNvSpPr>
+            <a:spLocks noGrp="1"/>
+          </p:cNvSpPr>
+          <p:nvPr>
+            <p:ph idx="1"/>
+          </p:nvPr>
+        </p:nvSpPr>
+        <p:spPr>
+          <a:xfrm>
+            <a:off x="1746820" y="1787792"/>
+            <a:ext cx="7331769" cy="4784457"/>
+          </a:xfrm>
+        </p:spPr>
+        <p:txBody>
+          <a:bodyPr>
+            <a:normAutofit/>
+          </a:bodyPr>
+          <a:lstStyle/>
+          <a:p>
+            <a:r>
+              <a:rPr lang="en-IN" sz="1600" dirty="0">
+                <a:solidFill>
+                  <a:srgbClr val="FFFFFF"/>
+                </a:solidFill>
+              </a:rPr>
+              <a:t>A value is </a:t>
+            </a:r>
+            <a:r>
+              <a:rPr lang="en-IN" sz="1600" dirty="0" err="1">
+                <a:solidFill>
+                  <a:srgbClr val="FFFFFF"/>
+                </a:solidFill>
+              </a:rPr>
+              <a:t>iterable</a:t>
+            </a:r>
+            <a:r>
+              <a:rPr lang="en-IN" sz="1600" dirty="0">
+                <a:solidFill>
+                  <a:srgbClr val="FFFFFF"/>
+                </a:solidFill>
+              </a:rPr>
+              <a:t> if it has a property with key </a:t>
+            </a:r>
+            <a:r>
+              <a:rPr lang="en-IN" sz="1600" dirty="0" err="1">
+                <a:solidFill>
+                  <a:srgbClr val="FFFFFF"/>
+                </a:solidFill>
+              </a:rPr>
+              <a:t>Symbol.iterator</a:t>
+            </a:r>
+            <a:endParaRPr lang="en-IN" sz="1600" dirty="0">
+              <a:solidFill>
+                <a:srgbClr val="FFFFFF"/>
+              </a:solidFill>
+            </a:endParaRPr>
+          </a:p>
+          <a:p>
+            <a:pPr marL="457200" lvl="1" indent="0">
+              <a:buNone/>
+            </a:pPr>
+            <a:r>
+              <a:rPr lang="en-IN" sz="1600" dirty="0">
+                <a:solidFill>
+                  <a:srgbClr val="FFFFFF"/>
+                </a:solidFill>
+              </a:rPr>
+              <a:t>Ex: [1,2,3][</a:t>
+            </a:r>
+            <a:r>
+              <a:rPr lang="en-IN" sz="1600" dirty="0" err="1">
+                <a:solidFill>
+                  <a:srgbClr val="FFFFFF"/>
+                </a:solidFill>
+              </a:rPr>
+              <a:t>Symbol.iterator</a:t>
+            </a:r>
+            <a:r>
+              <a:rPr lang="en-IN" sz="1600" dirty="0">
+                <a:solidFill>
+                  <a:srgbClr val="FFFFFF"/>
+                </a:solidFill>
+              </a:rPr>
+              <a:t>] returns a function</a:t>
+            </a:r>
+          </a:p>
+          <a:p>
+            <a:pPr marL="457200" lvl="1" indent="0">
+              <a:buNone/>
+            </a:pPr>
+            <a:r>
+              <a:rPr lang="en-IN" sz="1600" dirty="0" err="1">
+                <a:solidFill>
+                  <a:srgbClr val="FFFFFF"/>
+                </a:solidFill>
+              </a:rPr>
+              <a:t>const</a:t>
+            </a:r>
+            <a:r>
+              <a:rPr lang="en-IN" sz="1600" dirty="0">
+                <a:solidFill>
+                  <a:srgbClr val="FFFFFF"/>
+                </a:solidFill>
+              </a:rPr>
+              <a:t> </a:t>
+            </a:r>
+            <a:r>
+              <a:rPr lang="en-IN" sz="1600" dirty="0" err="1">
+                <a:solidFill>
+                  <a:srgbClr val="FFFFFF"/>
+                </a:solidFill>
+              </a:rPr>
+              <a:t>arrItertor</a:t>
+            </a:r>
+            <a:r>
+              <a:rPr lang="en-IN" sz="1600" dirty="0">
+                <a:solidFill>
+                  <a:srgbClr val="FFFFFF"/>
+                </a:solidFill>
+              </a:rPr>
+              <a:t> = [1,2,3][</a:t>
+            </a:r>
+            <a:r>
+              <a:rPr lang="en-IN" sz="1600" dirty="0" err="1">
+                <a:solidFill>
+                  <a:srgbClr val="FFFFFF"/>
+                </a:solidFill>
+              </a:rPr>
+              <a:t>Symbol.iterator</a:t>
+            </a:r>
+            <a:r>
+              <a:rPr lang="en-IN" sz="1600" dirty="0">
+                <a:solidFill>
+                  <a:srgbClr val="FFFFFF"/>
+                </a:solidFill>
+              </a:rPr>
+              <a:t>]();</a:t>
+            </a:r>
+          </a:p>
+          <a:p>
+            <a:r>
+              <a:rPr lang="en-IN" sz="1600" dirty="0">
+                <a:solidFill>
+                  <a:srgbClr val="FFFFFF"/>
+                </a:solidFill>
+              </a:rPr>
+              <a:t>In </a:t>
+            </a:r>
+            <a:r>
+              <a:rPr lang="en-IN" sz="1600" dirty="0" err="1">
+                <a:solidFill>
+                  <a:srgbClr val="FFFFFF"/>
+                </a:solidFill>
+              </a:rPr>
+              <a:t>js</a:t>
+            </a:r>
+            <a:r>
+              <a:rPr lang="en-IN" sz="1600" dirty="0">
+                <a:solidFill>
+                  <a:srgbClr val="FFFFFF"/>
+                </a:solidFill>
+              </a:rPr>
+              <a:t>, (Arrays, Strings, Sets, Maps, Objects returned by keys, values, entries, DOM data structure: “[...</a:t>
+            </a:r>
+            <a:r>
+              <a:rPr lang="en-IN" sz="1600" dirty="0" err="1">
+                <a:solidFill>
+                  <a:srgbClr val="FFFFFF"/>
+                </a:solidFill>
+              </a:rPr>
+              <a:t>document.querySelectorAll</a:t>
+            </a:r>
+            <a:r>
+              <a:rPr lang="en-IN" sz="1600" dirty="0">
+                <a:solidFill>
+                  <a:srgbClr val="FFFFFF"/>
+                </a:solidFill>
+              </a:rPr>
+              <a:t>('div') ]”) are </a:t>
+            </a:r>
+            <a:r>
+              <a:rPr lang="en-IN" sz="1600" dirty="0" err="1">
+                <a:solidFill>
+                  <a:srgbClr val="FFFFFF"/>
+                </a:solidFill>
+              </a:rPr>
+              <a:t>iterable</a:t>
+            </a:r>
+            <a:endParaRPr lang="en-IN" sz="1600" dirty="0">
+              <a:solidFill>
+                <a:srgbClr val="FFFFFF"/>
+              </a:solidFill>
+            </a:endParaRPr>
+          </a:p>
+          <a:p>
+            <a:r>
+              <a:rPr lang="en-IN" sz="1600" dirty="0" err="1">
+                <a:solidFill>
+                  <a:srgbClr val="FFFFFF"/>
+                </a:solidFill>
+              </a:rPr>
+              <a:t>Iterables</a:t>
+            </a:r>
+            <a:r>
+              <a:rPr lang="en-IN" sz="1600" dirty="0">
+                <a:solidFill>
+                  <a:srgbClr val="FFFFFF"/>
+                </a:solidFill>
+              </a:rPr>
+              <a:t> are used in many places</a:t>
+            </a:r>
+          </a:p>
+          <a:p>
+            <a:pPr marL="0" indent="0">
+              <a:buNone/>
+            </a:pPr>
+            <a:r>
+              <a:rPr lang="en-IN" sz="1600" dirty="0">
+                <a:solidFill>
+                  <a:srgbClr val="FFFFFF"/>
+                </a:solidFill>
+              </a:rPr>
+              <a:t>    Ex:  1) for(</a:t>
+            </a:r>
+            <a:r>
+              <a:rPr lang="en-IN" sz="1600" dirty="0" err="1">
+                <a:solidFill>
+                  <a:srgbClr val="FFFFFF"/>
+                </a:solidFill>
+              </a:rPr>
+              <a:t>const</a:t>
+            </a:r>
+            <a:r>
+              <a:rPr lang="en-IN" sz="1600" dirty="0">
+                <a:solidFill>
+                  <a:srgbClr val="FFFFFF"/>
+                </a:solidFill>
+              </a:rPr>
+              <a:t> vale of &lt;</a:t>
+            </a:r>
+            <a:r>
+              <a:rPr lang="en-IN" sz="1600" dirty="0" err="1">
+                <a:solidFill>
+                  <a:srgbClr val="FFFFFF"/>
+                </a:solidFill>
+              </a:rPr>
+              <a:t>iterable</a:t>
+            </a:r>
+            <a:r>
+              <a:rPr lang="en-IN" sz="1600" dirty="0">
+                <a:solidFill>
+                  <a:srgbClr val="FFFFFF"/>
+                </a:solidFill>
+              </a:rPr>
+              <a:t>&gt;)</a:t>
+            </a:r>
+          </a:p>
+          <a:p>
+            <a:pPr marL="0" indent="0">
+              <a:buNone/>
+            </a:pPr>
+            <a:r>
+              <a:rPr lang="en-IN" sz="1600" dirty="0">
+                <a:solidFill>
+                  <a:srgbClr val="FFFFFF"/>
+                </a:solidFill>
+              </a:rPr>
+              <a:t>	2) Array spread [ …&lt;</a:t>
+            </a:r>
+            <a:r>
+              <a:rPr lang="en-IN" sz="1600" dirty="0" err="1">
+                <a:solidFill>
+                  <a:srgbClr val="FFFFFF"/>
+                </a:solidFill>
+              </a:rPr>
+              <a:t>iterable</a:t>
+            </a:r>
+            <a:r>
+              <a:rPr lang="en-IN" sz="1600" dirty="0">
+                <a:solidFill>
+                  <a:srgbClr val="FFFFFF"/>
+                </a:solidFill>
+              </a:rPr>
+              <a:t>&gt; ]</a:t>
+            </a:r>
+          </a:p>
+          <a:p>
+            <a:pPr marL="0" indent="0">
+              <a:buNone/>
+            </a:pPr>
+            <a:r>
+              <a:rPr lang="en-IN" sz="1600" dirty="0">
+                <a:solidFill>
+                  <a:srgbClr val="FFFFFF"/>
+                </a:solidFill>
+              </a:rPr>
+              <a:t>	3) Array </a:t>
+            </a:r>
+            <a:r>
+              <a:rPr lang="en-IN" sz="1600" dirty="0" err="1">
+                <a:solidFill>
+                  <a:srgbClr val="FFFFFF"/>
+                </a:solidFill>
+              </a:rPr>
+              <a:t>destructuring</a:t>
+            </a:r>
+            <a:r>
+              <a:rPr lang="en-IN" sz="1600" dirty="0">
+                <a:solidFill>
+                  <a:srgbClr val="FFFFFF"/>
+                </a:solidFill>
+              </a:rPr>
+              <a:t>: </a:t>
+            </a:r>
+            <a:r>
+              <a:rPr lang="en-IN" sz="1600" dirty="0" err="1">
+                <a:solidFill>
+                  <a:srgbClr val="FFFFFF"/>
+                </a:solidFill>
+              </a:rPr>
+              <a:t>const</a:t>
+            </a:r>
+            <a:r>
+              <a:rPr lang="en-IN" sz="1600" dirty="0">
+                <a:solidFill>
+                  <a:srgbClr val="FFFFFF"/>
+                </a:solidFill>
+              </a:rPr>
+              <a:t> [first, second] = &lt;</a:t>
+            </a:r>
+            <a:r>
+              <a:rPr lang="en-IN" sz="1600" dirty="0" err="1">
+                <a:solidFill>
+                  <a:srgbClr val="FFFFFF"/>
+                </a:solidFill>
+              </a:rPr>
+              <a:t>iterable</a:t>
+            </a:r>
+            <a:r>
+              <a:rPr lang="en-IN" sz="1600" dirty="0">
+                <a:solidFill>
+                  <a:srgbClr val="FFFFFF"/>
+                </a:solidFill>
+              </a:rPr>
+              <a:t>&gt;;</a:t>
+            </a:r>
+          </a:p>
+          <a:p>
+            <a:pPr marL="0" indent="0">
+              <a:buNone/>
+            </a:pPr>
+            <a:r>
+              <a:rPr lang="en-IN" sz="1600" dirty="0">
+                <a:solidFill>
+                  <a:srgbClr val="FFFFFF"/>
+                </a:solidFill>
+              </a:rPr>
+              <a:t>	4) </a:t>
+            </a:r>
+            <a:r>
+              <a:rPr lang="en-IN" sz="1600" dirty="0" err="1">
+                <a:solidFill>
+                  <a:srgbClr val="FFFFFF"/>
+                </a:solidFill>
+              </a:rPr>
+              <a:t>Array.from</a:t>
+            </a:r>
+            <a:r>
+              <a:rPr lang="en-IN" sz="1600" dirty="0">
+                <a:solidFill>
+                  <a:srgbClr val="FFFFFF"/>
+                </a:solidFill>
+              </a:rPr>
+              <a:t>(&lt;</a:t>
+            </a:r>
+            <a:r>
+              <a:rPr lang="en-IN" sz="1600" dirty="0" err="1">
+                <a:solidFill>
+                  <a:srgbClr val="FFFFFF"/>
+                </a:solidFill>
+              </a:rPr>
+              <a:t>iterable</a:t>
+            </a:r>
+            <a:r>
+              <a:rPr lang="en-IN" sz="1600" dirty="0">
+                <a:solidFill>
+                  <a:srgbClr val="FFFFFF"/>
+                </a:solidFill>
+              </a:rPr>
+              <a:t>&gt;)</a:t>
+            </a:r>
+          </a:p>
+          <a:p>
+            <a:pPr marL="0" indent="0">
+              <a:buNone/>
+            </a:pPr>
+            <a:r>
+              <a:rPr lang="en-IN" sz="1600" dirty="0">
+                <a:solidFill>
+                  <a:srgbClr val="FFFFFF"/>
+                </a:solidFill>
+              </a:rPr>
+              <a:t>	5) Set &amp; Map constructor: new Set(&lt;</a:t>
+            </a:r>
+            <a:r>
+              <a:rPr lang="en-IN" sz="1600" dirty="0" err="1">
+                <a:solidFill>
+                  <a:srgbClr val="FFFFFF"/>
+                </a:solidFill>
+              </a:rPr>
+              <a:t>iterable</a:t>
+            </a:r>
+            <a:r>
+              <a:rPr lang="en-IN" sz="1600" dirty="0">
+                <a:solidFill>
+                  <a:srgbClr val="FFFFFF"/>
+                </a:solidFill>
+              </a:rPr>
+              <a:t>&gt;);</a:t>
+            </a:r>
+          </a:p>
+          <a:p>
+            <a:pPr marL="0" indent="0">
+              <a:buNone/>
+            </a:pPr>
+            <a:r>
+              <a:rPr lang="en-IN" sz="1600" dirty="0">
+                <a:solidFill>
+                  <a:srgbClr val="FFFFFF"/>
+                </a:solidFill>
+              </a:rPr>
+              <a:t>	6) yield* operator requires &lt;</a:t>
+            </a:r>
+            <a:r>
+              <a:rPr lang="en-IN" sz="1600" dirty="0" err="1">
+                <a:solidFill>
+                  <a:srgbClr val="FFFFFF"/>
+                </a:solidFill>
+              </a:rPr>
+              <a:t>iterable</a:t>
+            </a:r>
+            <a:r>
+              <a:rPr lang="en-IN" sz="1600" dirty="0">
+                <a:solidFill>
+                  <a:srgbClr val="FFFFFF"/>
+                </a:solidFill>
+              </a:rPr>
+              <a:t>&gt;</a:t>
+            </a:r>
+          </a:p>
+          <a:p>
+            <a:pPr marL="0" indent="0">
+              <a:buNone/>
+            </a:pPr>
+            <a:endParaRPr lang="en-IN" sz="1400" dirty="0">
+              <a:solidFill>
+                <a:srgbClr val="FFFFFF"/>
+              </a:solidFill>
+            </a:endParaRPr>
+          </a:p>
+          <a:p>
+            <a:endParaRPr lang="en-IN" sz="1400" dirty="0">
+              <a:solidFill>
+                <a:srgbClr val="FFFFFF"/>
+              </a:solidFill>
+            </a:endParaRPr>
+          </a:p>
+        </p:txBody>
+      </p:sp>
+    </p:spTree>
+    <p:extLst>
+      <p:ext uri="{BB962C8B-B14F-4D97-AF65-F5344CB8AC3E}">
+        <p14:creationId xmlns:p14="http://schemas.microsoft.com/office/powerpoint/2010/main" val="1720865101"/>
+      </p:ext>
+    </p:extLst>
+  </p:cSld>
+  <p:clrMapOvr>
+    <a:overrideClrMapping bg1="dk1" tx1="lt1" bg2="dk2" tx2="lt2" accent1="accent1" accent2="accent2" accent3="accent3" accent4="accent4" accent5="accent5" accent6="accent6" hlink="hlink" folHlink="folHlink"/>
   </p:clrMapOvr>
 </p:sld>
 </file>

--- a/Modern JavaScript.pptx
+++ b/Modern JavaScript.pptx
@@ -12,15 +12,17 @@
     <p:sldId id="262" r:id="rId6"/>
     <p:sldId id="263" r:id="rId7"/>
     <p:sldId id="264" r:id="rId8"/>
-    <p:sldId id="267" r:id="rId9"/>
-    <p:sldId id="270" r:id="rId10"/>
-    <p:sldId id="269" r:id="rId11"/>
-    <p:sldId id="271" r:id="rId12"/>
-    <p:sldId id="272" r:id="rId13"/>
-    <p:sldId id="268" r:id="rId14"/>
-    <p:sldId id="265" r:id="rId15"/>
-    <p:sldId id="266" r:id="rId16"/>
+    <p:sldId id="265" r:id="rId9"/>
+    <p:sldId id="266" r:id="rId10"/>
+    <p:sldId id="267" r:id="rId11"/>
+    <p:sldId id="270" r:id="rId12"/>
+    <p:sldId id="269" r:id="rId13"/>
+    <p:sldId id="271" r:id="rId14"/>
+    <p:sldId id="272" r:id="rId15"/>
+    <p:sldId id="268" r:id="rId16"/>
     <p:sldId id="273" r:id="rId17"/>
+    <p:sldId id="275" r:id="rId18"/>
+    <p:sldId id="274" r:id="rId19"/>
   </p:sldIdLst>
   <p:sldSz cx="12192000" cy="6858000"/>
   <p:notesSz cx="6858000" cy="9144000"/>
@@ -276,7 +278,7 @@
           <a:p>
             <a:fld id="{B0A2E9A4-E1FE-4CEB-8C6E-BF1EDB7D7F2E}" type="datetimeFigureOut">
               <a:rPr lang="en-IN" smtClean="0"/>
-              <a:t>17-02-2020</a:t>
+              <a:t>21-02-2020</a:t>
             </a:fld>
             <a:endParaRPr lang="en-IN"/>
           </a:p>
@@ -476,7 +478,7 @@
           <a:p>
             <a:fld id="{B0A2E9A4-E1FE-4CEB-8C6E-BF1EDB7D7F2E}" type="datetimeFigureOut">
               <a:rPr lang="en-IN" smtClean="0"/>
-              <a:t>17-02-2020</a:t>
+              <a:t>21-02-2020</a:t>
             </a:fld>
             <a:endParaRPr lang="en-IN"/>
           </a:p>
@@ -686,7 +688,7 @@
           <a:p>
             <a:fld id="{B0A2E9A4-E1FE-4CEB-8C6E-BF1EDB7D7F2E}" type="datetimeFigureOut">
               <a:rPr lang="en-IN" smtClean="0"/>
-              <a:t>17-02-2020</a:t>
+              <a:t>21-02-2020</a:t>
             </a:fld>
             <a:endParaRPr lang="en-IN"/>
           </a:p>
@@ -886,7 +888,7 @@
           <a:p>
             <a:fld id="{B0A2E9A4-E1FE-4CEB-8C6E-BF1EDB7D7F2E}" type="datetimeFigureOut">
               <a:rPr lang="en-IN" smtClean="0"/>
-              <a:t>17-02-2020</a:t>
+              <a:t>21-02-2020</a:t>
             </a:fld>
             <a:endParaRPr lang="en-IN"/>
           </a:p>
@@ -1162,7 +1164,7 @@
           <a:p>
             <a:fld id="{B0A2E9A4-E1FE-4CEB-8C6E-BF1EDB7D7F2E}" type="datetimeFigureOut">
               <a:rPr lang="en-IN" smtClean="0"/>
-              <a:t>17-02-2020</a:t>
+              <a:t>21-02-2020</a:t>
             </a:fld>
             <a:endParaRPr lang="en-IN"/>
           </a:p>
@@ -1430,7 +1432,7 @@
           <a:p>
             <a:fld id="{B0A2E9A4-E1FE-4CEB-8C6E-BF1EDB7D7F2E}" type="datetimeFigureOut">
               <a:rPr lang="en-IN" smtClean="0"/>
-              <a:t>17-02-2020</a:t>
+              <a:t>21-02-2020</a:t>
             </a:fld>
             <a:endParaRPr lang="en-IN"/>
           </a:p>
@@ -1845,7 +1847,7 @@
           <a:p>
             <a:fld id="{B0A2E9A4-E1FE-4CEB-8C6E-BF1EDB7D7F2E}" type="datetimeFigureOut">
               <a:rPr lang="en-IN" smtClean="0"/>
-              <a:t>17-02-2020</a:t>
+              <a:t>21-02-2020</a:t>
             </a:fld>
             <a:endParaRPr lang="en-IN"/>
           </a:p>
@@ -1987,7 +1989,7 @@
           <a:p>
             <a:fld id="{B0A2E9A4-E1FE-4CEB-8C6E-BF1EDB7D7F2E}" type="datetimeFigureOut">
               <a:rPr lang="en-IN" smtClean="0"/>
-              <a:t>17-02-2020</a:t>
+              <a:t>21-02-2020</a:t>
             </a:fld>
             <a:endParaRPr lang="en-IN"/>
           </a:p>
@@ -2100,7 +2102,7 @@
           <a:p>
             <a:fld id="{B0A2E9A4-E1FE-4CEB-8C6E-BF1EDB7D7F2E}" type="datetimeFigureOut">
               <a:rPr lang="en-IN" smtClean="0"/>
-              <a:t>17-02-2020</a:t>
+              <a:t>21-02-2020</a:t>
             </a:fld>
             <a:endParaRPr lang="en-IN"/>
           </a:p>
@@ -2413,7 +2415,7 @@
           <a:p>
             <a:fld id="{B0A2E9A4-E1FE-4CEB-8C6E-BF1EDB7D7F2E}" type="datetimeFigureOut">
               <a:rPr lang="en-IN" smtClean="0"/>
-              <a:t>17-02-2020</a:t>
+              <a:t>21-02-2020</a:t>
             </a:fld>
             <a:endParaRPr lang="en-IN"/>
           </a:p>
@@ -2702,7 +2704,7 @@
           <a:p>
             <a:fld id="{B0A2E9A4-E1FE-4CEB-8C6E-BF1EDB7D7F2E}" type="datetimeFigureOut">
               <a:rPr lang="en-IN" smtClean="0"/>
-              <a:t>17-02-2020</a:t>
+              <a:t>21-02-2020</a:t>
             </a:fld>
             <a:endParaRPr lang="en-IN"/>
           </a:p>
@@ -2945,7 +2947,7 @@
           <a:p>
             <a:fld id="{B0A2E9A4-E1FE-4CEB-8C6E-BF1EDB7D7F2E}" type="datetimeFigureOut">
               <a:rPr lang="en-IN" smtClean="0"/>
-              <a:t>17-02-2020</a:t>
+              <a:t>21-02-2020</a:t>
             </a:fld>
             <a:endParaRPr lang="en-IN"/>
           </a:p>
@@ -3983,7 +3985,7 @@
           <a:p>
             <a:r>
               <a:rPr lang="en-IN" sz="4000"/>
-              <a:t>Objects</a:t>
+              <a:t>Functions</a:t>
             </a:r>
           </a:p>
         </p:txBody>
@@ -4070,34 +4072,29 @@
           <a:lstStyle/>
           <a:p>
             <a:r>
-              <a:rPr lang="en-IN" sz="2000" dirty="0"/>
-              <a:t>Objects in JS can be class-less</a:t>
-            </a:r>
-          </a:p>
-          <a:p>
-            <a:r>
-              <a:rPr lang="en-IN" sz="2000" dirty="0"/>
-              <a:t>Inheritance used to happen via prototypes (which basically meant linking objects together)</a:t>
-            </a:r>
-          </a:p>
-          <a:p>
-            <a:r>
-              <a:rPr lang="en-IN" sz="2000" dirty="0"/>
-              <a:t>Classes came to rescue with weird syntax of using prototypes</a:t>
-            </a:r>
-          </a:p>
-          <a:p>
-            <a:r>
-              <a:rPr lang="en-IN" sz="2000" dirty="0"/>
-              <a:t>With the advent of ES6 there are a lot new features added in order to access and create Objects</a:t>
-            </a:r>
+              <a:rPr lang="en-IN" sz="2000"/>
+              <a:t>In JS, function are often referred to as first-class objects, which means it can be passed onto another functions (callbacks), can be returned from a function (closure)</a:t>
+            </a:r>
+          </a:p>
+          <a:p>
+            <a:r>
+              <a:rPr lang="en-IN" sz="2000"/>
+              <a:t>Functions can have properties and methods (react hooks), They have additional properties such as name and code (contains definition in form of string)</a:t>
+            </a:r>
+          </a:p>
+          <a:p>
+            <a:r>
+              <a:rPr lang="en-US" sz="2000"/>
+              <a:t>All functions return something, a function without a return statement returns undefined. (Unless it's a constructor) </a:t>
+            </a:r>
+            <a:endParaRPr lang="en-IN" sz="2000"/>
           </a:p>
         </p:txBody>
       </p:sp>
     </p:spTree>
     <p:extLst>
       <p:ext uri="{BB962C8B-B14F-4D97-AF65-F5344CB8AC3E}">
-        <p14:creationId xmlns:p14="http://schemas.microsoft.com/office/powerpoint/2010/main" val="679729771"/>
+        <p14:creationId xmlns:p14="http://schemas.microsoft.com/office/powerpoint/2010/main" val="4087541001"/>
       </p:ext>
     </p:extLst>
   </p:cSld>
@@ -4394,7 +4391,7 @@
     </p:spTree>
     <p:extLst>
       <p:ext uri="{BB962C8B-B14F-4D97-AF65-F5344CB8AC3E}">
-        <p14:creationId xmlns:p14="http://schemas.microsoft.com/office/powerpoint/2010/main" val="2768812822"/>
+        <p14:creationId xmlns:p14="http://schemas.microsoft.com/office/powerpoint/2010/main" val="2871166451"/>
       </p:ext>
     </p:extLst>
   </p:cSld>
@@ -4628,8 +4625,8 @@
           <a:lstStyle/>
           <a:p>
             <a:r>
-              <a:rPr lang="en-IN" sz="4000" dirty="0"/>
-              <a:t>Arrays</a:t>
+              <a:rPr lang="en-IN" sz="4000"/>
+              <a:t>Objects</a:t>
             </a:r>
           </a:p>
         </p:txBody>
@@ -4717,18 +4714,33 @@
           <a:p>
             <a:r>
               <a:rPr lang="en-IN" sz="2000" dirty="0"/>
-              <a:t>Object with property names ‘0’, ‘1’, ‘2’ and so on.</a:t>
-            </a:r>
-          </a:p>
-          <a:p>
-            <a:endParaRPr lang="en-IN" sz="2000" dirty="0"/>
+              <a:t>Objects in JS can be class-less</a:t>
+            </a:r>
+          </a:p>
+          <a:p>
+            <a:r>
+              <a:rPr lang="en-IN" sz="2000" dirty="0"/>
+              <a:t>Inheritance used to happen via prototypes (which basically meant linking objects together)</a:t>
+            </a:r>
+          </a:p>
+          <a:p>
+            <a:r>
+              <a:rPr lang="en-IN" sz="2000" dirty="0"/>
+              <a:t>Classes came to rescue with weird syntax of using prototypes</a:t>
+            </a:r>
+          </a:p>
+          <a:p>
+            <a:r>
+              <a:rPr lang="en-IN" sz="2000" dirty="0"/>
+              <a:t>With the advent of ES6 there are a lot new features added in order to access and create Objects</a:t>
+            </a:r>
           </a:p>
         </p:txBody>
       </p:sp>
     </p:spTree>
     <p:extLst>
       <p:ext uri="{BB962C8B-B14F-4D97-AF65-F5344CB8AC3E}">
-        <p14:creationId xmlns:p14="http://schemas.microsoft.com/office/powerpoint/2010/main" val="3169521418"/>
+        <p14:creationId xmlns:p14="http://schemas.microsoft.com/office/powerpoint/2010/main" val="679729771"/>
       </p:ext>
     </p:extLst>
   </p:cSld>
@@ -4741,6 +4753,14 @@
 <file path=ppt/slides/slide13.xml><?xml version="1.0" encoding="utf-8"?>
 <p:sld xmlns:a="http://schemas.openxmlformats.org/drawingml/2006/main" xmlns:r="http://schemas.openxmlformats.org/officeDocument/2006/relationships" xmlns:p="http://schemas.openxmlformats.org/presentationml/2006/main">
   <p:cSld>
+    <p:bg>
+      <p:bgPr>
+        <a:solidFill>
+          <a:schemeClr val="bg1"/>
+        </a:solidFill>
+        <a:effectLst/>
+      </p:bgPr>
+    </p:bg>
     <p:spTree>
       <p:nvGrpSpPr>
         <p:cNvPr id="1" name=""/>
@@ -4757,10 +4777,136 @@
       </p:grpSpPr>
       <p:sp>
         <p:nvSpPr>
+          <p:cNvPr id="82" name="Rectangle 77">
+            <a:extLst>
+              <a:ext uri="{FF2B5EF4-FFF2-40B4-BE49-F238E27FC236}">
+                <a16:creationId xmlns:a16="http://schemas.microsoft.com/office/drawing/2014/main" id="{6753252F-4873-4F63-801D-CC719279A7D5}"/>
+              </a:ext>
+              <a:ext uri="{C183D7F6-B498-43B3-948B-1728B52AA6E4}">
+                <adec:decorative xmlns:adec="http://schemas.microsoft.com/office/drawing/2017/decorative" val="1"/>
+              </a:ext>
+            </a:extLst>
+          </p:cNvPr>
+          <p:cNvSpPr>
+            <a:spLocks noGrp="1" noRot="1" noChangeAspect="1" noMove="1" noResize="1" noEditPoints="1" noAdjustHandles="1" noChangeArrowheads="1" noChangeShapeType="1" noTextEdit="1"/>
+          </p:cNvSpPr>
+          <p:nvPr>
+            <p:extLst>
+              <p:ext uri="{386F3935-93C4-4BCD-93E2-E3B085C9AB24}">
+                <p16:designElem xmlns:p16="http://schemas.microsoft.com/office/powerpoint/2015/main" val="1"/>
+              </p:ext>
+            </p:extLst>
+          </p:nvPr>
+        </p:nvSpPr>
+        <p:spPr>
+          <a:xfrm>
+            <a:off x="0" y="0"/>
+            <a:ext cx="12192000" cy="6858000"/>
+          </a:xfrm>
+          <a:prstGeom prst="rect">
+            <a:avLst/>
+          </a:prstGeom>
+          <a:solidFill>
+            <a:srgbClr val="FFFFFF"/>
+          </a:solidFill>
+          <a:ln>
+            <a:noFill/>
+          </a:ln>
+        </p:spPr>
+        <p:style>
+          <a:lnRef idx="2">
+            <a:schemeClr val="accent1">
+              <a:shade val="50000"/>
+            </a:schemeClr>
+          </a:lnRef>
+          <a:fillRef idx="1">
+            <a:schemeClr val="accent1"/>
+          </a:fillRef>
+          <a:effectRef idx="0">
+            <a:schemeClr val="accent1"/>
+          </a:effectRef>
+          <a:fontRef idx="minor">
+            <a:schemeClr val="lt1"/>
+          </a:fontRef>
+        </p:style>
+        <p:txBody>
+          <a:bodyPr rtlCol="0" anchor="ctr"/>
+          <a:lstStyle/>
+          <a:p>
+            <a:pPr algn="ctr"/>
+            <a:endParaRPr lang="en-US"/>
+          </a:p>
+        </p:txBody>
+      </p:sp>
+      <p:sp>
+        <p:nvSpPr>
+          <p:cNvPr id="83" name="Rectangle 79">
+            <a:extLst>
+              <a:ext uri="{FF2B5EF4-FFF2-40B4-BE49-F238E27FC236}">
+                <a16:creationId xmlns:a16="http://schemas.microsoft.com/office/drawing/2014/main" id="{047C8CCB-F95D-4249-92DD-651249D3535A}"/>
+              </a:ext>
+              <a:ext uri="{C183D7F6-B498-43B3-948B-1728B52AA6E4}">
+                <adec:decorative xmlns:adec="http://schemas.microsoft.com/office/drawing/2017/decorative" val="1"/>
+              </a:ext>
+            </a:extLst>
+          </p:cNvPr>
+          <p:cNvSpPr>
+            <a:spLocks noGrp="1" noRot="1" noChangeAspect="1" noMove="1" noResize="1" noEditPoints="1" noAdjustHandles="1" noChangeArrowheads="1" noChangeShapeType="1" noTextEdit="1"/>
+          </p:cNvSpPr>
+          <p:nvPr>
+            <p:extLst>
+              <p:ext uri="{386F3935-93C4-4BCD-93E2-E3B085C9AB24}">
+                <p16:designElem xmlns:p16="http://schemas.microsoft.com/office/powerpoint/2015/main" val="1"/>
+              </p:ext>
+            </p:extLst>
+          </p:nvPr>
+        </p:nvSpPr>
+        <p:spPr>
+          <a:xfrm>
+            <a:off x="0" y="0"/>
+            <a:ext cx="2013557" cy="6858000"/>
+          </a:xfrm>
+          <a:prstGeom prst="rect">
+            <a:avLst/>
+          </a:prstGeom>
+          <a:solidFill>
+            <a:srgbClr val="7F7F7F"/>
+          </a:solidFill>
+          <a:ln>
+            <a:noFill/>
+          </a:ln>
+        </p:spPr>
+        <p:style>
+          <a:lnRef idx="2">
+            <a:schemeClr val="accent1">
+              <a:shade val="50000"/>
+            </a:schemeClr>
+          </a:lnRef>
+          <a:fillRef idx="1">
+            <a:schemeClr val="accent1"/>
+          </a:fillRef>
+          <a:effectRef idx="0">
+            <a:schemeClr val="accent1"/>
+          </a:effectRef>
+          <a:fontRef idx="minor">
+            <a:schemeClr val="lt1"/>
+          </a:fontRef>
+        </p:style>
+        <p:txBody>
+          <a:bodyPr rtlCol="0" anchor="ctr"/>
+          <a:lstStyle/>
+          <a:p>
+            <a:pPr algn="ctr"/>
+            <a:endParaRPr lang="en-US"/>
+          </a:p>
+        </p:txBody>
+      </p:sp>
+      <p:sp>
+        <p:nvSpPr>
           <p:cNvPr id="2" name="Title 1">
             <a:extLst>
               <a:ext uri="{FF2B5EF4-FFF2-40B4-BE49-F238E27FC236}">
-                <a16:creationId xmlns:a16="http://schemas.microsoft.com/office/drawing/2014/main" id="{0A9215A0-A8EC-48C7-B733-0E94B04F37E2}"/>
+                <a16:creationId xmlns:a16="http://schemas.microsoft.com/office/drawing/2014/main" id="{1E7ECFDE-E96E-40E7-9FAF-D0F7CA00D28E}"/>
               </a:ext>
             </a:extLst>
           </p:cNvPr>
@@ -4771,47 +4917,127 @@
             <p:ph type="title"/>
           </p:nvPr>
         </p:nvSpPr>
-        <p:spPr/>
-        <p:txBody>
-          <a:bodyPr/>
+        <p:spPr>
+          <a:xfrm>
+            <a:off x="640080" y="2074363"/>
+            <a:ext cx="2752354" cy="2709275"/>
+          </a:xfrm>
+          <a:prstGeom prst="ellipse">
+            <a:avLst/>
+          </a:prstGeom>
+          <a:solidFill>
+            <a:srgbClr val="262626"/>
+          </a:solidFill>
+          <a:ln w="174625" cmpd="thinThick">
+            <a:solidFill>
+              <a:srgbClr val="262626"/>
+            </a:solidFill>
+          </a:ln>
+        </p:spPr>
+        <p:txBody>
+          <a:bodyPr vert="horz" lIns="91440" tIns="45720" rIns="91440" bIns="45720" rtlCol="0" anchor="ctr">
+            <a:normAutofit/>
+          </a:bodyPr>
           <a:lstStyle/>
           <a:p>
-            <a:r>
-              <a:rPr lang="en-IN" dirty="0"/>
-              <a:t>Prototypal Inheritance vs Class based inheritance</a:t>
-            </a:r>
-          </a:p>
-        </p:txBody>
-      </p:sp>
-      <p:sp>
-        <p:nvSpPr>
-          <p:cNvPr id="3" name="Content Placeholder 2">
-            <a:extLst>
-              <a:ext uri="{FF2B5EF4-FFF2-40B4-BE49-F238E27FC236}">
-                <a16:creationId xmlns:a16="http://schemas.microsoft.com/office/drawing/2014/main" id="{12FE18D1-5ED4-4A2E-82E7-6CDDC62CBDD9}"/>
-              </a:ext>
-            </a:extLst>
-          </p:cNvPr>
-          <p:cNvSpPr>
-            <a:spLocks noGrp="1"/>
-          </p:cNvSpPr>
-          <p:nvPr>
-            <p:ph idx="1"/>
-          </p:nvPr>
-        </p:nvSpPr>
-        <p:spPr/>
-        <p:txBody>
-          <a:bodyPr/>
+            <a:pPr algn="ctr"/>
+            <a:r>
+              <a:rPr lang="en-US" sz="2600" dirty="0">
+                <a:solidFill>
+                  <a:srgbClr val="FFFFFF"/>
+                </a:solidFill>
+              </a:rPr>
+              <a:t>Let’s Code..</a:t>
+            </a:r>
+            <a:endParaRPr lang="en-US" sz="2600" kern="1200" dirty="0">
+              <a:solidFill>
+                <a:srgbClr val="FFFFFF"/>
+              </a:solidFill>
+              <a:latin typeface="+mj-lt"/>
+              <a:ea typeface="+mj-ea"/>
+              <a:cs typeface="+mj-cs"/>
+            </a:endParaRPr>
+          </a:p>
+        </p:txBody>
+      </p:sp>
+      <p:pic>
+        <p:nvPicPr>
+          <p:cNvPr id="4" name="Picture 3" descr="A close up of a sign&#10;&#10;Description automatically generated">
+            <a:extLst>
+              <a:ext uri="{FF2B5EF4-FFF2-40B4-BE49-F238E27FC236}">
+                <a16:creationId xmlns:a16="http://schemas.microsoft.com/office/drawing/2014/main" id="{6AA72BAA-F6A0-4621-BD65-473CFEB2019D}"/>
+              </a:ext>
+            </a:extLst>
+          </p:cNvPr>
+          <p:cNvPicPr>
+            <a:picLocks noChangeAspect="1"/>
+          </p:cNvPicPr>
+          <p:nvPr/>
+        </p:nvPicPr>
+        <p:blipFill>
+          <a:blip r:embed="rId2">
+            <a:extLst>
+              <a:ext uri="{28A0092B-C50C-407E-A947-70E740481C1C}">
+                <a14:useLocalDpi xmlns:a14="http://schemas.microsoft.com/office/drawing/2010/main" val="0"/>
+              </a:ext>
+            </a:extLst>
+          </a:blip>
+          <a:stretch>
+            <a:fillRect/>
+          </a:stretch>
+        </p:blipFill>
+        <p:spPr>
+          <a:xfrm>
+            <a:off x="5181600" y="581025"/>
+            <a:ext cx="5116286" cy="4396051"/>
+          </a:xfrm>
+          <a:prstGeom prst="rect">
+            <a:avLst/>
+          </a:prstGeom>
+        </p:spPr>
+      </p:pic>
+      <p:sp>
+        <p:nvSpPr>
+          <p:cNvPr id="5" name="TextBox 4">
+            <a:extLst>
+              <a:ext uri="{FF2B5EF4-FFF2-40B4-BE49-F238E27FC236}">
+                <a16:creationId xmlns:a16="http://schemas.microsoft.com/office/drawing/2014/main" id="{0CD566DF-B9F8-4D68-9771-32115FD8C9B2}"/>
+              </a:ext>
+            </a:extLst>
+          </p:cNvPr>
+          <p:cNvSpPr txBox="1"/>
+          <p:nvPr/>
+        </p:nvSpPr>
+        <p:spPr>
+          <a:xfrm>
+            <a:off x="5611584" y="5456687"/>
+            <a:ext cx="4924248" cy="523220"/>
+          </a:xfrm>
+          <a:prstGeom prst="rect">
+            <a:avLst/>
+          </a:prstGeom>
+          <a:noFill/>
+        </p:spPr>
+        <p:txBody>
+          <a:bodyPr wrap="square" rtlCol="0">
+            <a:spAutoFit/>
+          </a:bodyPr>
           <a:lstStyle/>
           <a:p>
-            <a:endParaRPr lang="en-IN" dirty="0"/>
+            <a:r>
+              <a:rPr lang="en-IN" sz="2800" dirty="0">
+                <a:hlinkClick r:id="rId3"/>
+              </a:rPr>
+              <a:t>https://es6console.com/</a:t>
+            </a:r>
+            <a:endParaRPr lang="en-IN" sz="2800" u="sng" dirty="0"/>
           </a:p>
         </p:txBody>
       </p:sp>
     </p:spTree>
     <p:extLst>
       <p:ext uri="{BB962C8B-B14F-4D97-AF65-F5344CB8AC3E}">
-        <p14:creationId xmlns:p14="http://schemas.microsoft.com/office/powerpoint/2010/main" val="222496829"/>
+        <p14:creationId xmlns:p14="http://schemas.microsoft.com/office/powerpoint/2010/main" val="2768812822"/>
       </p:ext>
     </p:extLst>
   </p:cSld>
@@ -4851,2783 +5077,7 @@
       </p:grpSpPr>
       <p:sp>
         <p:nvSpPr>
-          <p:cNvPr id="2" name="Title 1">
-            <a:extLst>
-              <a:ext uri="{FF2B5EF4-FFF2-40B4-BE49-F238E27FC236}">
-                <a16:creationId xmlns:a16="http://schemas.microsoft.com/office/drawing/2014/main" id="{B41731CA-8069-4333-B92A-FBE8F08C075A}"/>
-              </a:ext>
-            </a:extLst>
-          </p:cNvPr>
-          <p:cNvSpPr>
-            <a:spLocks noGrp="1"/>
-          </p:cNvSpPr>
-          <p:nvPr>
-            <p:ph type="title"/>
-          </p:nvPr>
-        </p:nvSpPr>
-        <p:spPr>
-          <a:xfrm>
-            <a:off x="804673" y="1445494"/>
-            <a:ext cx="3616856" cy="4376572"/>
-          </a:xfrm>
-        </p:spPr>
-        <p:txBody>
-          <a:bodyPr anchor="ctr">
-            <a:normAutofit/>
-          </a:bodyPr>
-          <a:lstStyle/>
-          <a:p>
-            <a:r>
-              <a:rPr lang="en-IN" sz="4800"/>
-              <a:t>Guess Result..</a:t>
-            </a:r>
-          </a:p>
-        </p:txBody>
-      </p:sp>
-      <p:sp>
-        <p:nvSpPr>
-          <p:cNvPr id="12" name="Freeform: Shape 7">
-            <a:extLst>
-              <a:ext uri="{FF2B5EF4-FFF2-40B4-BE49-F238E27FC236}">
-                <a16:creationId xmlns:a16="http://schemas.microsoft.com/office/drawing/2014/main" id="{DFF2AC85-FAA0-4844-813F-83C04D7382E2}"/>
-              </a:ext>
-              <a:ext uri="{C183D7F6-B498-43B3-948B-1728B52AA6E4}">
-                <adec:decorative xmlns:adec="http://schemas.microsoft.com/office/drawing/2017/decorative" val="1"/>
-              </a:ext>
-            </a:extLst>
-          </p:cNvPr>
-          <p:cNvSpPr>
-            <a:spLocks noGrp="1" noRot="1" noChangeAspect="1" noMove="1" noResize="1" noEditPoints="1" noAdjustHandles="1" noChangeArrowheads="1" noChangeShapeType="1" noTextEdit="1"/>
-          </p:cNvSpPr>
-          <p:nvPr>
-            <p:extLst>
-              <p:ext uri="{386F3935-93C4-4BCD-93E2-E3B085C9AB24}">
-                <p16:designElem xmlns:p16="http://schemas.microsoft.com/office/powerpoint/2015/main" val="1"/>
-              </p:ext>
-            </p:extLst>
-          </p:nvPr>
-        </p:nvSpPr>
-        <p:spPr>
-          <a:xfrm>
-            <a:off x="4907636" y="0"/>
-            <a:ext cx="7281316" cy="6858000"/>
-          </a:xfrm>
-          <a:custGeom>
-            <a:avLst/>
-            <a:gdLst>
-              <a:gd name="connsiteX0" fmla="*/ 361354 w 7281316"/>
-              <a:gd name="connsiteY0" fmla="*/ 0 h 6858000"/>
-              <a:gd name="connsiteX1" fmla="*/ 7281316 w 7281316"/>
-              <a:gd name="connsiteY1" fmla="*/ 0 h 6858000"/>
-              <a:gd name="connsiteX2" fmla="*/ 7281316 w 7281316"/>
-              <a:gd name="connsiteY2" fmla="*/ 6858000 h 6858000"/>
-              <a:gd name="connsiteX3" fmla="*/ 696735 w 7281316"/>
-              <a:gd name="connsiteY3" fmla="*/ 6858000 h 6858000"/>
-              <a:gd name="connsiteX4" fmla="*/ 690849 w 7281316"/>
-              <a:gd name="connsiteY4" fmla="*/ 6842426 h 6858000"/>
-              <a:gd name="connsiteX5" fmla="*/ 335637 w 7281316"/>
-              <a:gd name="connsiteY5" fmla="*/ 94722 h 6858000"/>
-            </a:gdLst>
-            <a:ahLst/>
-            <a:cxnLst>
-              <a:cxn ang="0">
-                <a:pos x="connsiteX0" y="connsiteY0"/>
-              </a:cxn>
-              <a:cxn ang="0">
-                <a:pos x="connsiteX1" y="connsiteY1"/>
-              </a:cxn>
-              <a:cxn ang="0">
-                <a:pos x="connsiteX2" y="connsiteY2"/>
-              </a:cxn>
-              <a:cxn ang="0">
-                <a:pos x="connsiteX3" y="connsiteY3"/>
-              </a:cxn>
-              <a:cxn ang="0">
-                <a:pos x="connsiteX4" y="connsiteY4"/>
-              </a:cxn>
-              <a:cxn ang="0">
-                <a:pos x="connsiteX5" y="connsiteY5"/>
-              </a:cxn>
-            </a:cxnLst>
-            <a:rect l="l" t="t" r="r" b="b"/>
-            <a:pathLst>
-              <a:path w="7281316" h="6858000">
-                <a:moveTo>
-                  <a:pt x="361354" y="0"/>
-                </a:moveTo>
-                <a:lnTo>
-                  <a:pt x="7281316" y="0"/>
-                </a:lnTo>
-                <a:lnTo>
-                  <a:pt x="7281316" y="6858000"/>
-                </a:lnTo>
-                <a:lnTo>
-                  <a:pt x="696735" y="6858000"/>
-                </a:lnTo>
-                <a:lnTo>
-                  <a:pt x="690849" y="6842426"/>
-                </a:lnTo>
-                <a:cubicBezTo>
-                  <a:pt x="-65870" y="4704140"/>
-                  <a:pt x="-226206" y="2374054"/>
-                  <a:pt x="335637" y="94722"/>
-                </a:cubicBezTo>
-                <a:close/>
-              </a:path>
-            </a:pathLst>
-          </a:custGeom>
-          <a:solidFill>
-            <a:schemeClr val="tx1">
-              <a:alpha val="80000"/>
-            </a:schemeClr>
-          </a:solidFill>
-          <a:ln>
-            <a:noFill/>
-          </a:ln>
-        </p:spPr>
-        <p:style>
-          <a:lnRef idx="2">
-            <a:schemeClr val="accent1">
-              <a:shade val="50000"/>
-            </a:schemeClr>
-          </a:lnRef>
-          <a:fillRef idx="1">
-            <a:schemeClr val="accent1"/>
-          </a:fillRef>
-          <a:effectRef idx="0">
-            <a:schemeClr val="accent1"/>
-          </a:effectRef>
-          <a:fontRef idx="minor">
-            <a:schemeClr val="lt1"/>
-          </a:fontRef>
-        </p:style>
-        <p:txBody>
-          <a:bodyPr rtlCol="0" anchor="ctr"/>
-          <a:lstStyle/>
-          <a:p>
-            <a:pPr algn="ctr"/>
-            <a:endParaRPr lang="en-US"/>
-          </a:p>
-        </p:txBody>
-      </p:sp>
-      <p:sp>
-        <p:nvSpPr>
-          <p:cNvPr id="13" name="Freeform: Shape 9">
-            <a:extLst>
-              <a:ext uri="{FF2B5EF4-FFF2-40B4-BE49-F238E27FC236}">
-                <a16:creationId xmlns:a16="http://schemas.microsoft.com/office/drawing/2014/main" id="{89CC0F1E-BAA2-47B1-8F83-7ECB9FD9E009}"/>
-              </a:ext>
-              <a:ext uri="{C183D7F6-B498-43B3-948B-1728B52AA6E4}">
-                <adec:decorative xmlns:adec="http://schemas.microsoft.com/office/drawing/2017/decorative" val="1"/>
-              </a:ext>
-            </a:extLst>
-          </p:cNvPr>
-          <p:cNvSpPr>
-            <a:spLocks noGrp="1" noRot="1" noChangeAspect="1" noMove="1" noResize="1" noEditPoints="1" noAdjustHandles="1" noChangeArrowheads="1" noChangeShapeType="1" noTextEdit="1"/>
-          </p:cNvSpPr>
-          <p:nvPr>
-            <p:extLst>
-              <p:ext uri="{386F3935-93C4-4BCD-93E2-E3B085C9AB24}">
-                <p16:designElem xmlns:p16="http://schemas.microsoft.com/office/powerpoint/2015/main" val="1"/>
-              </p:ext>
-            </p:extLst>
-          </p:nvPr>
-        </p:nvSpPr>
-        <p:spPr>
-          <a:xfrm>
-            <a:off x="5189558" y="0"/>
-            <a:ext cx="6999394" cy="6858000"/>
-          </a:xfrm>
-          <a:custGeom>
-            <a:avLst/>
-            <a:gdLst>
-              <a:gd name="connsiteX0" fmla="*/ 6999394 w 6999394"/>
-              <a:gd name="connsiteY0" fmla="*/ 0 h 6858000"/>
-              <a:gd name="connsiteX1" fmla="*/ 6999394 w 6999394"/>
-              <a:gd name="connsiteY1" fmla="*/ 6858000 h 6858000"/>
-              <a:gd name="connsiteX2" fmla="*/ 717029 w 6999394"/>
-              <a:gd name="connsiteY2" fmla="*/ 6858000 h 6858000"/>
-              <a:gd name="connsiteX3" fmla="*/ 623642 w 6999394"/>
-              <a:gd name="connsiteY3" fmla="*/ 6599363 h 6858000"/>
-              <a:gd name="connsiteX4" fmla="*/ 319533 w 6999394"/>
-              <a:gd name="connsiteY4" fmla="*/ 193787 h 6858000"/>
-              <a:gd name="connsiteX5" fmla="*/ 371685 w 6999394"/>
-              <a:gd name="connsiteY5" fmla="*/ 1 h 6858000"/>
-            </a:gdLst>
-            <a:ahLst/>
-            <a:cxnLst>
-              <a:cxn ang="0">
-                <a:pos x="connsiteX0" y="connsiteY0"/>
-              </a:cxn>
-              <a:cxn ang="0">
-                <a:pos x="connsiteX1" y="connsiteY1"/>
-              </a:cxn>
-              <a:cxn ang="0">
-                <a:pos x="connsiteX2" y="connsiteY2"/>
-              </a:cxn>
-              <a:cxn ang="0">
-                <a:pos x="connsiteX3" y="connsiteY3"/>
-              </a:cxn>
-              <a:cxn ang="0">
-                <a:pos x="connsiteX4" y="connsiteY4"/>
-              </a:cxn>
-              <a:cxn ang="0">
-                <a:pos x="connsiteX5" y="connsiteY5"/>
-              </a:cxn>
-            </a:cxnLst>
-            <a:rect l="l" t="t" r="r" b="b"/>
-            <a:pathLst>
-              <a:path w="6999394" h="6858000">
-                <a:moveTo>
-                  <a:pt x="6999394" y="0"/>
-                </a:moveTo>
-                <a:lnTo>
-                  <a:pt x="6999394" y="6858000"/>
-                </a:lnTo>
-                <a:lnTo>
-                  <a:pt x="717029" y="6858000"/>
-                </a:lnTo>
-                <a:lnTo>
-                  <a:pt x="623642" y="6599363"/>
-                </a:lnTo>
-                <a:cubicBezTo>
-                  <a:pt x="-67685" y="4563346"/>
-                  <a:pt x="-206622" y="2355719"/>
-                  <a:pt x="319533" y="193787"/>
-                </a:cubicBezTo>
-                <a:lnTo>
-                  <a:pt x="371685" y="1"/>
-                </a:lnTo>
-                <a:close/>
-              </a:path>
-            </a:pathLst>
-          </a:custGeom>
-          <a:solidFill>
-            <a:schemeClr val="tx1">
-              <a:alpha val="80000"/>
-            </a:schemeClr>
-          </a:solidFill>
-          <a:ln>
-            <a:noFill/>
-          </a:ln>
-        </p:spPr>
-        <p:style>
-          <a:lnRef idx="2">
-            <a:schemeClr val="accent1">
-              <a:shade val="50000"/>
-            </a:schemeClr>
-          </a:lnRef>
-          <a:fillRef idx="1">
-            <a:schemeClr val="accent1"/>
-          </a:fillRef>
-          <a:effectRef idx="0">
-            <a:schemeClr val="accent1"/>
-          </a:effectRef>
-          <a:fontRef idx="minor">
-            <a:schemeClr val="lt1"/>
-          </a:fontRef>
-        </p:style>
-        <p:txBody>
-          <a:bodyPr rtlCol="0" anchor="ctr"/>
-          <a:lstStyle/>
-          <a:p>
-            <a:pPr algn="ctr"/>
-            <a:endParaRPr lang="en-US"/>
-          </a:p>
-        </p:txBody>
-      </p:sp>
-      <p:sp>
-        <p:nvSpPr>
-          <p:cNvPr id="3" name="Content Placeholder 2">
-            <a:extLst>
-              <a:ext uri="{FF2B5EF4-FFF2-40B4-BE49-F238E27FC236}">
-                <a16:creationId xmlns:a16="http://schemas.microsoft.com/office/drawing/2014/main" id="{6553569F-7A75-4414-A7F6-A29422B12AEA}"/>
-              </a:ext>
-            </a:extLst>
-          </p:cNvPr>
-          <p:cNvSpPr>
-            <a:spLocks noGrp="1"/>
-          </p:cNvSpPr>
-          <p:nvPr>
-            <p:ph idx="1"/>
-          </p:nvPr>
-        </p:nvSpPr>
-        <p:spPr>
-          <a:xfrm>
-            <a:off x="6096000" y="239486"/>
-            <a:ext cx="5704114" cy="6466114"/>
-          </a:xfrm>
-        </p:spPr>
-        <p:txBody>
-          <a:bodyPr anchor="ctr">
-            <a:normAutofit fontScale="47500" lnSpcReduction="20000"/>
-          </a:bodyPr>
-          <a:lstStyle/>
-          <a:p>
-            <a:pPr marL="0" indent="0">
-              <a:lnSpc>
-                <a:spcPct val="120000"/>
-              </a:lnSpc>
-              <a:spcBef>
-                <a:spcPts val="0"/>
-              </a:spcBef>
-              <a:buNone/>
-            </a:pPr>
-            <a:r>
-              <a:rPr lang="en-IN" sz="2900" dirty="0" err="1">
-                <a:solidFill>
-                  <a:schemeClr val="bg1"/>
-                </a:solidFill>
-              </a:rPr>
-              <a:t>const</a:t>
-            </a:r>
-            <a:r>
-              <a:rPr lang="en-IN" sz="2900" dirty="0">
-                <a:solidFill>
-                  <a:schemeClr val="bg1"/>
-                </a:solidFill>
-              </a:rPr>
-              <a:t> </a:t>
-            </a:r>
-            <a:r>
-              <a:rPr lang="en-IN" sz="2900" dirty="0" err="1">
-                <a:solidFill>
-                  <a:schemeClr val="bg1"/>
-                </a:solidFill>
-              </a:rPr>
-              <a:t>initialState</a:t>
-            </a:r>
-            <a:r>
-              <a:rPr lang="en-IN" sz="2900" dirty="0">
-                <a:solidFill>
-                  <a:schemeClr val="bg1"/>
-                </a:solidFill>
-              </a:rPr>
-              <a:t> = {</a:t>
-            </a:r>
-          </a:p>
-          <a:p>
-            <a:pPr marL="0" indent="0">
-              <a:lnSpc>
-                <a:spcPct val="120000"/>
-              </a:lnSpc>
-              <a:spcBef>
-                <a:spcPts val="0"/>
-              </a:spcBef>
-              <a:buNone/>
-            </a:pPr>
-            <a:r>
-              <a:rPr lang="en-IN" sz="2900" dirty="0">
-                <a:solidFill>
-                  <a:schemeClr val="bg1"/>
-                </a:solidFill>
-              </a:rPr>
-              <a:t>    list: [],</a:t>
-            </a:r>
-          </a:p>
-          <a:p>
-            <a:pPr marL="0" indent="0">
-              <a:lnSpc>
-                <a:spcPct val="120000"/>
-              </a:lnSpc>
-              <a:spcBef>
-                <a:spcPts val="0"/>
-              </a:spcBef>
-              <a:buNone/>
-            </a:pPr>
-            <a:r>
-              <a:rPr lang="en-IN" sz="2900" dirty="0">
-                <a:solidFill>
-                  <a:schemeClr val="bg1"/>
-                </a:solidFill>
-              </a:rPr>
-              <a:t>    </a:t>
-            </a:r>
-            <a:r>
-              <a:rPr lang="en-IN" sz="2900" dirty="0" err="1">
-                <a:solidFill>
-                  <a:schemeClr val="bg1"/>
-                </a:solidFill>
-              </a:rPr>
-              <a:t>msg</a:t>
-            </a:r>
-            <a:r>
-              <a:rPr lang="en-IN" sz="2900" dirty="0">
-                <a:solidFill>
-                  <a:schemeClr val="bg1"/>
-                </a:solidFill>
-              </a:rPr>
-              <a:t>: ''</a:t>
-            </a:r>
-          </a:p>
-          <a:p>
-            <a:pPr marL="0" indent="0">
-              <a:lnSpc>
-                <a:spcPct val="120000"/>
-              </a:lnSpc>
-              <a:spcBef>
-                <a:spcPts val="0"/>
-              </a:spcBef>
-              <a:buNone/>
-            </a:pPr>
-            <a:r>
-              <a:rPr lang="en-IN" sz="2900" dirty="0">
-                <a:solidFill>
-                  <a:schemeClr val="bg1"/>
-                </a:solidFill>
-              </a:rPr>
-              <a:t>};</a:t>
-            </a:r>
-            <a:br>
-              <a:rPr lang="en-IN" sz="2900" dirty="0">
-                <a:solidFill>
-                  <a:schemeClr val="bg1"/>
-                </a:solidFill>
-              </a:rPr>
-            </a:br>
-            <a:r>
-              <a:rPr lang="en-IN" sz="2900" dirty="0" err="1">
-                <a:solidFill>
-                  <a:schemeClr val="bg1"/>
-                </a:solidFill>
-              </a:rPr>
-              <a:t>const</a:t>
-            </a:r>
-            <a:r>
-              <a:rPr lang="en-IN" sz="2900" dirty="0">
-                <a:solidFill>
-                  <a:schemeClr val="bg1"/>
-                </a:solidFill>
-              </a:rPr>
-              <a:t> </a:t>
-            </a:r>
-            <a:r>
-              <a:rPr lang="en-IN" sz="2900" dirty="0" err="1">
-                <a:solidFill>
-                  <a:schemeClr val="bg1"/>
-                </a:solidFill>
-              </a:rPr>
-              <a:t>initReducer</a:t>
-            </a:r>
-            <a:r>
-              <a:rPr lang="en-IN" sz="2900" dirty="0">
-                <a:solidFill>
-                  <a:schemeClr val="bg1"/>
-                </a:solidFill>
-              </a:rPr>
-              <a:t> = (state = </a:t>
-            </a:r>
-            <a:r>
-              <a:rPr lang="en-IN" sz="2900" dirty="0" err="1">
-                <a:solidFill>
-                  <a:schemeClr val="bg1"/>
-                </a:solidFill>
-              </a:rPr>
-              <a:t>initialState</a:t>
-            </a:r>
-            <a:r>
-              <a:rPr lang="en-IN" sz="2900" dirty="0">
-                <a:solidFill>
-                  <a:schemeClr val="bg1"/>
-                </a:solidFill>
-              </a:rPr>
-              <a:t>, action) =&gt; {</a:t>
-            </a:r>
-          </a:p>
-          <a:p>
-            <a:pPr marL="0" indent="0">
-              <a:lnSpc>
-                <a:spcPct val="120000"/>
-              </a:lnSpc>
-              <a:spcBef>
-                <a:spcPts val="0"/>
-              </a:spcBef>
-              <a:buNone/>
-            </a:pPr>
-            <a:r>
-              <a:rPr lang="en-IN" sz="2900" dirty="0">
-                <a:solidFill>
-                  <a:schemeClr val="bg1"/>
-                </a:solidFill>
-              </a:rPr>
-              <a:t>    switch (</a:t>
-            </a:r>
-            <a:r>
-              <a:rPr lang="en-IN" sz="2900" dirty="0" err="1">
-                <a:solidFill>
-                  <a:schemeClr val="bg1"/>
-                </a:solidFill>
-              </a:rPr>
-              <a:t>action.type</a:t>
-            </a:r>
-            <a:r>
-              <a:rPr lang="en-IN" sz="2900" dirty="0">
-                <a:solidFill>
-                  <a:schemeClr val="bg1"/>
-                </a:solidFill>
-              </a:rPr>
-              <a:t>) {</a:t>
-            </a:r>
-          </a:p>
-          <a:p>
-            <a:pPr marL="0" indent="0">
-              <a:lnSpc>
-                <a:spcPct val="120000"/>
-              </a:lnSpc>
-              <a:spcBef>
-                <a:spcPts val="0"/>
-              </a:spcBef>
-              <a:buNone/>
-            </a:pPr>
-            <a:r>
-              <a:rPr lang="en-IN" sz="2900" dirty="0">
-                <a:solidFill>
-                  <a:schemeClr val="bg1"/>
-                </a:solidFill>
-              </a:rPr>
-              <a:t>        case 'FETCH_LIST_SUCCESS':</a:t>
-            </a:r>
-          </a:p>
-          <a:p>
-            <a:pPr marL="0" indent="0">
-              <a:lnSpc>
-                <a:spcPct val="120000"/>
-              </a:lnSpc>
-              <a:spcBef>
-                <a:spcPts val="0"/>
-              </a:spcBef>
-              <a:buNone/>
-            </a:pPr>
-            <a:r>
-              <a:rPr lang="en-IN" sz="2900" dirty="0">
-                <a:solidFill>
-                  <a:schemeClr val="bg1"/>
-                </a:solidFill>
-              </a:rPr>
-              <a:t>            </a:t>
-            </a:r>
-            <a:r>
-              <a:rPr lang="en-IN" sz="2900" dirty="0" err="1">
-                <a:solidFill>
-                  <a:schemeClr val="bg1"/>
-                </a:solidFill>
-              </a:rPr>
-              <a:t>const</a:t>
-            </a:r>
-            <a:r>
-              <a:rPr lang="en-IN" sz="2900" dirty="0">
-                <a:solidFill>
-                  <a:schemeClr val="bg1"/>
-                </a:solidFill>
-              </a:rPr>
-              <a:t> </a:t>
-            </a:r>
-            <a:r>
-              <a:rPr lang="en-IN" sz="2900" dirty="0" err="1">
-                <a:solidFill>
-                  <a:schemeClr val="bg1"/>
-                </a:solidFill>
-              </a:rPr>
-              <a:t>tempList</a:t>
-            </a:r>
-            <a:r>
-              <a:rPr lang="en-IN" sz="2900" dirty="0">
-                <a:solidFill>
-                  <a:schemeClr val="bg1"/>
-                </a:solidFill>
-              </a:rPr>
-              <a:t> = </a:t>
-            </a:r>
-            <a:r>
-              <a:rPr lang="en-IN" sz="2900" dirty="0" err="1">
-                <a:solidFill>
-                  <a:schemeClr val="bg1"/>
-                </a:solidFill>
-              </a:rPr>
-              <a:t>action.payload</a:t>
-            </a:r>
-            <a:r>
-              <a:rPr lang="en-IN" sz="2900" dirty="0">
-                <a:solidFill>
-                  <a:schemeClr val="bg1"/>
-                </a:solidFill>
-              </a:rPr>
-              <a:t>;</a:t>
-            </a:r>
-          </a:p>
-          <a:p>
-            <a:pPr marL="0" indent="0">
-              <a:lnSpc>
-                <a:spcPct val="120000"/>
-              </a:lnSpc>
-              <a:spcBef>
-                <a:spcPts val="0"/>
-              </a:spcBef>
-              <a:buNone/>
-            </a:pPr>
-            <a:r>
-              <a:rPr lang="en-IN" sz="2900" dirty="0">
-                <a:solidFill>
-                  <a:schemeClr val="bg1"/>
-                </a:solidFill>
-              </a:rPr>
-              <a:t>            return {</a:t>
-            </a:r>
-          </a:p>
-          <a:p>
-            <a:pPr marL="0" indent="0">
-              <a:lnSpc>
-                <a:spcPct val="120000"/>
-              </a:lnSpc>
-              <a:spcBef>
-                <a:spcPts val="0"/>
-              </a:spcBef>
-              <a:buNone/>
-            </a:pPr>
-            <a:r>
-              <a:rPr lang="en-IN" sz="2900" dirty="0">
-                <a:solidFill>
-                  <a:schemeClr val="bg1"/>
-                </a:solidFill>
-              </a:rPr>
-              <a:t>                ...state,</a:t>
-            </a:r>
-          </a:p>
-          <a:p>
-            <a:pPr marL="0" indent="0">
-              <a:lnSpc>
-                <a:spcPct val="120000"/>
-              </a:lnSpc>
-              <a:spcBef>
-                <a:spcPts val="0"/>
-              </a:spcBef>
-              <a:buNone/>
-            </a:pPr>
-            <a:r>
-              <a:rPr lang="en-IN" sz="2900" dirty="0">
-                <a:solidFill>
-                  <a:schemeClr val="bg1"/>
-                </a:solidFill>
-              </a:rPr>
-              <a:t>                list: </a:t>
-            </a:r>
-            <a:r>
-              <a:rPr lang="en-IN" sz="2900" dirty="0" err="1">
-                <a:solidFill>
-                  <a:schemeClr val="bg1"/>
-                </a:solidFill>
-              </a:rPr>
-              <a:t>tempList</a:t>
-            </a:r>
-            <a:endParaRPr lang="en-IN" sz="2900" dirty="0">
-              <a:solidFill>
-                <a:schemeClr val="bg1"/>
-              </a:solidFill>
-            </a:endParaRPr>
-          </a:p>
-          <a:p>
-            <a:pPr marL="0" indent="0">
-              <a:lnSpc>
-                <a:spcPct val="120000"/>
-              </a:lnSpc>
-              <a:spcBef>
-                <a:spcPts val="0"/>
-              </a:spcBef>
-              <a:buNone/>
-            </a:pPr>
-            <a:r>
-              <a:rPr lang="en-IN" sz="2900" dirty="0">
-                <a:solidFill>
-                  <a:schemeClr val="bg1"/>
-                </a:solidFill>
-              </a:rPr>
-              <a:t>            };</a:t>
-            </a:r>
-          </a:p>
-          <a:p>
-            <a:pPr marL="0" indent="0">
-              <a:lnSpc>
-                <a:spcPct val="120000"/>
-              </a:lnSpc>
-              <a:spcBef>
-                <a:spcPts val="0"/>
-              </a:spcBef>
-              <a:buNone/>
-            </a:pPr>
-            <a:r>
-              <a:rPr lang="en-IN" sz="2900" dirty="0">
-                <a:solidFill>
-                  <a:schemeClr val="bg1"/>
-                </a:solidFill>
-              </a:rPr>
-              <a:t>        case 'FETCH_LIST_ERROR':</a:t>
-            </a:r>
-          </a:p>
-          <a:p>
-            <a:pPr marL="0" indent="0">
-              <a:lnSpc>
-                <a:spcPct val="120000"/>
-              </a:lnSpc>
-              <a:spcBef>
-                <a:spcPts val="0"/>
-              </a:spcBef>
-              <a:buNone/>
-            </a:pPr>
-            <a:r>
-              <a:rPr lang="en-IN" sz="2900" dirty="0">
-                <a:solidFill>
-                  <a:schemeClr val="bg1"/>
-                </a:solidFill>
-              </a:rPr>
-              <a:t>            </a:t>
-            </a:r>
-            <a:r>
-              <a:rPr lang="en-IN" sz="2900" dirty="0" err="1">
-                <a:solidFill>
-                  <a:schemeClr val="bg1"/>
-                </a:solidFill>
-              </a:rPr>
-              <a:t>const</a:t>
-            </a:r>
-            <a:r>
-              <a:rPr lang="en-IN" sz="2900" dirty="0">
-                <a:solidFill>
-                  <a:schemeClr val="bg1"/>
-                </a:solidFill>
-              </a:rPr>
-              <a:t> </a:t>
-            </a:r>
-            <a:r>
-              <a:rPr lang="en-IN" sz="2900" dirty="0" err="1">
-                <a:solidFill>
-                  <a:schemeClr val="bg1"/>
-                </a:solidFill>
-              </a:rPr>
-              <a:t>tempList</a:t>
-            </a:r>
-            <a:r>
-              <a:rPr lang="en-IN" sz="2900" dirty="0">
-                <a:solidFill>
-                  <a:schemeClr val="bg1"/>
-                </a:solidFill>
-              </a:rPr>
-              <a:t> = </a:t>
-            </a:r>
-            <a:r>
-              <a:rPr lang="en-IN" sz="2900" dirty="0" err="1">
-                <a:solidFill>
-                  <a:schemeClr val="bg1"/>
-                </a:solidFill>
-              </a:rPr>
-              <a:t>action.payload</a:t>
-            </a:r>
-            <a:r>
-              <a:rPr lang="en-IN" sz="2900" dirty="0">
-                <a:solidFill>
-                  <a:schemeClr val="bg1"/>
-                </a:solidFill>
-              </a:rPr>
-              <a:t>;</a:t>
-            </a:r>
-          </a:p>
-          <a:p>
-            <a:pPr marL="0" indent="0">
-              <a:lnSpc>
-                <a:spcPct val="120000"/>
-              </a:lnSpc>
-              <a:spcBef>
-                <a:spcPts val="0"/>
-              </a:spcBef>
-              <a:buNone/>
-            </a:pPr>
-            <a:r>
-              <a:rPr lang="en-IN" sz="2900" dirty="0">
-                <a:solidFill>
-                  <a:schemeClr val="bg1"/>
-                </a:solidFill>
-              </a:rPr>
-              <a:t>            return {</a:t>
-            </a:r>
-          </a:p>
-          <a:p>
-            <a:pPr marL="0" indent="0">
-              <a:lnSpc>
-                <a:spcPct val="120000"/>
-              </a:lnSpc>
-              <a:spcBef>
-                <a:spcPts val="0"/>
-              </a:spcBef>
-              <a:buNone/>
-            </a:pPr>
-            <a:r>
-              <a:rPr lang="en-IN" sz="2900" dirty="0">
-                <a:solidFill>
-                  <a:schemeClr val="bg1"/>
-                </a:solidFill>
-              </a:rPr>
-              <a:t>                ...state,</a:t>
-            </a:r>
-          </a:p>
-          <a:p>
-            <a:pPr marL="0" indent="0">
-              <a:lnSpc>
-                <a:spcPct val="120000"/>
-              </a:lnSpc>
-              <a:spcBef>
-                <a:spcPts val="0"/>
-              </a:spcBef>
-              <a:buNone/>
-            </a:pPr>
-            <a:r>
-              <a:rPr lang="en-IN" sz="2900" dirty="0">
-                <a:solidFill>
-                  <a:schemeClr val="bg1"/>
-                </a:solidFill>
-              </a:rPr>
-              <a:t>                list: </a:t>
-            </a:r>
-            <a:r>
-              <a:rPr lang="en-IN" sz="2900" dirty="0" err="1">
-                <a:solidFill>
-                  <a:schemeClr val="bg1"/>
-                </a:solidFill>
-              </a:rPr>
-              <a:t>tempList</a:t>
-            </a:r>
-            <a:r>
-              <a:rPr lang="en-IN" sz="2900" dirty="0">
-                <a:solidFill>
-                  <a:schemeClr val="bg1"/>
-                </a:solidFill>
-              </a:rPr>
-              <a:t>,</a:t>
-            </a:r>
-          </a:p>
-          <a:p>
-            <a:pPr marL="0" indent="0">
-              <a:lnSpc>
-                <a:spcPct val="120000"/>
-              </a:lnSpc>
-              <a:spcBef>
-                <a:spcPts val="0"/>
-              </a:spcBef>
-              <a:buNone/>
-            </a:pPr>
-            <a:r>
-              <a:rPr lang="en-IN" sz="2900" dirty="0">
-                <a:solidFill>
-                  <a:schemeClr val="bg1"/>
-                </a:solidFill>
-              </a:rPr>
-              <a:t>                </a:t>
-            </a:r>
-            <a:r>
-              <a:rPr lang="en-IN" sz="2900" dirty="0" err="1">
-                <a:solidFill>
-                  <a:schemeClr val="bg1"/>
-                </a:solidFill>
-              </a:rPr>
-              <a:t>msg</a:t>
-            </a:r>
-            <a:r>
-              <a:rPr lang="en-IN" sz="2900" dirty="0">
-                <a:solidFill>
-                  <a:schemeClr val="bg1"/>
-                </a:solidFill>
-              </a:rPr>
-              <a:t>: '</a:t>
-            </a:r>
-            <a:r>
-              <a:rPr lang="en-IN" sz="2900" dirty="0" err="1">
-                <a:solidFill>
-                  <a:schemeClr val="bg1"/>
-                </a:solidFill>
-              </a:rPr>
-              <a:t>Uhh</a:t>
-            </a:r>
-            <a:r>
-              <a:rPr lang="en-IN" sz="2900" dirty="0">
-                <a:solidFill>
-                  <a:schemeClr val="bg1"/>
-                </a:solidFill>
-              </a:rPr>
-              <a:t> </a:t>
-            </a:r>
-            <a:r>
-              <a:rPr lang="en-IN" sz="2900" dirty="0" err="1">
-                <a:solidFill>
-                  <a:schemeClr val="bg1"/>
-                </a:solidFill>
-              </a:rPr>
-              <a:t>Ohh</a:t>
-            </a:r>
-            <a:r>
-              <a:rPr lang="en-IN" sz="2900" dirty="0">
-                <a:solidFill>
-                  <a:schemeClr val="bg1"/>
-                </a:solidFill>
-              </a:rPr>
-              <a:t>.. Something went wrong...'</a:t>
-            </a:r>
-          </a:p>
-          <a:p>
-            <a:pPr marL="0" indent="0">
-              <a:lnSpc>
-                <a:spcPct val="120000"/>
-              </a:lnSpc>
-              <a:spcBef>
-                <a:spcPts val="0"/>
-              </a:spcBef>
-              <a:buNone/>
-            </a:pPr>
-            <a:r>
-              <a:rPr lang="en-IN" sz="2900" dirty="0">
-                <a:solidFill>
-                  <a:schemeClr val="bg1"/>
-                </a:solidFill>
-              </a:rPr>
-              <a:t>            };</a:t>
-            </a:r>
-          </a:p>
-          <a:p>
-            <a:pPr marL="0" indent="0">
-              <a:lnSpc>
-                <a:spcPct val="120000"/>
-              </a:lnSpc>
-              <a:spcBef>
-                <a:spcPts val="0"/>
-              </a:spcBef>
-              <a:buNone/>
-            </a:pPr>
-            <a:r>
-              <a:rPr lang="en-IN" sz="2900" dirty="0">
-                <a:solidFill>
-                  <a:schemeClr val="bg1"/>
-                </a:solidFill>
-              </a:rPr>
-              <a:t>        default:</a:t>
-            </a:r>
-          </a:p>
-          <a:p>
-            <a:pPr marL="0" indent="0">
-              <a:lnSpc>
-                <a:spcPct val="120000"/>
-              </a:lnSpc>
-              <a:spcBef>
-                <a:spcPts val="0"/>
-              </a:spcBef>
-              <a:buNone/>
-            </a:pPr>
-            <a:r>
-              <a:rPr lang="en-IN" sz="2900" dirty="0">
-                <a:solidFill>
-                  <a:schemeClr val="bg1"/>
-                </a:solidFill>
-              </a:rPr>
-              <a:t>            return state;</a:t>
-            </a:r>
-          </a:p>
-          <a:p>
-            <a:pPr marL="0" indent="0">
-              <a:lnSpc>
-                <a:spcPct val="120000"/>
-              </a:lnSpc>
-              <a:spcBef>
-                <a:spcPts val="0"/>
-              </a:spcBef>
-              <a:buNone/>
-            </a:pPr>
-            <a:r>
-              <a:rPr lang="en-IN" sz="2900" dirty="0">
-                <a:solidFill>
-                  <a:schemeClr val="bg1"/>
-                </a:solidFill>
-              </a:rPr>
-              <a:t>    }</a:t>
-            </a:r>
-          </a:p>
-          <a:p>
-            <a:pPr marL="0" indent="0">
-              <a:lnSpc>
-                <a:spcPct val="120000"/>
-              </a:lnSpc>
-              <a:spcBef>
-                <a:spcPts val="0"/>
-              </a:spcBef>
-              <a:buNone/>
-            </a:pPr>
-            <a:r>
-              <a:rPr lang="en-IN" sz="2900" dirty="0">
-                <a:solidFill>
-                  <a:schemeClr val="bg1"/>
-                </a:solidFill>
-              </a:rPr>
-              <a:t>};</a:t>
-            </a:r>
-            <a:br>
-              <a:rPr lang="en-IN" sz="2900" dirty="0">
-                <a:solidFill>
-                  <a:schemeClr val="bg1"/>
-                </a:solidFill>
-              </a:rPr>
-            </a:br>
-            <a:r>
-              <a:rPr lang="en-IN" sz="2900" dirty="0" err="1">
-                <a:solidFill>
-                  <a:schemeClr val="bg1"/>
-                </a:solidFill>
-              </a:rPr>
-              <a:t>const</a:t>
-            </a:r>
-            <a:r>
-              <a:rPr lang="en-IN" sz="2900" dirty="0">
-                <a:solidFill>
-                  <a:schemeClr val="bg1"/>
-                </a:solidFill>
-              </a:rPr>
-              <a:t> state = </a:t>
-            </a:r>
-            <a:r>
-              <a:rPr lang="en-IN" sz="2900" dirty="0" err="1">
-                <a:solidFill>
-                  <a:schemeClr val="bg1"/>
-                </a:solidFill>
-              </a:rPr>
-              <a:t>initReducer</a:t>
-            </a:r>
-            <a:r>
-              <a:rPr lang="en-IN" sz="2900" dirty="0">
-                <a:solidFill>
-                  <a:schemeClr val="bg1"/>
-                </a:solidFill>
-              </a:rPr>
-              <a:t>(undefined, {</a:t>
-            </a:r>
-          </a:p>
-          <a:p>
-            <a:pPr marL="0" indent="0">
-              <a:lnSpc>
-                <a:spcPct val="120000"/>
-              </a:lnSpc>
-              <a:spcBef>
-                <a:spcPts val="0"/>
-              </a:spcBef>
-              <a:buNone/>
-            </a:pPr>
-            <a:r>
-              <a:rPr lang="en-IN" sz="2900" dirty="0">
-                <a:solidFill>
-                  <a:schemeClr val="bg1"/>
-                </a:solidFill>
-              </a:rPr>
-              <a:t>    type: 'FETCH_LIST_SUCCESS',</a:t>
-            </a:r>
-          </a:p>
-          <a:p>
-            <a:pPr marL="0" indent="0">
-              <a:lnSpc>
-                <a:spcPct val="120000"/>
-              </a:lnSpc>
-              <a:spcBef>
-                <a:spcPts val="0"/>
-              </a:spcBef>
-              <a:buNone/>
-            </a:pPr>
-            <a:r>
-              <a:rPr lang="en-IN" sz="2900" dirty="0">
-                <a:solidFill>
-                  <a:schemeClr val="bg1"/>
-                </a:solidFill>
-              </a:rPr>
-              <a:t>    payload: [1, 2, 3, 4]</a:t>
-            </a:r>
-          </a:p>
-          <a:p>
-            <a:pPr marL="0" indent="0">
-              <a:lnSpc>
-                <a:spcPct val="120000"/>
-              </a:lnSpc>
-              <a:spcBef>
-                <a:spcPts val="0"/>
-              </a:spcBef>
-              <a:buNone/>
-            </a:pPr>
-            <a:r>
-              <a:rPr lang="en-IN" sz="2900" dirty="0">
-                <a:solidFill>
-                  <a:schemeClr val="bg1"/>
-                </a:solidFill>
-              </a:rPr>
-              <a:t>});</a:t>
-            </a:r>
-          </a:p>
-          <a:p>
-            <a:pPr marL="0" indent="0">
-              <a:lnSpc>
-                <a:spcPct val="120000"/>
-              </a:lnSpc>
-              <a:spcBef>
-                <a:spcPts val="0"/>
-              </a:spcBef>
-              <a:buNone/>
-            </a:pPr>
-            <a:br>
-              <a:rPr lang="en-IN" sz="2900" dirty="0">
-                <a:solidFill>
-                  <a:schemeClr val="bg1"/>
-                </a:solidFill>
-              </a:rPr>
-            </a:br>
-            <a:r>
-              <a:rPr lang="en-IN" sz="2900" dirty="0">
-                <a:solidFill>
-                  <a:schemeClr val="bg1"/>
-                </a:solidFill>
-              </a:rPr>
-              <a:t>console.log(state);</a:t>
-            </a:r>
-          </a:p>
-          <a:p>
-            <a:pPr marL="0" indent="0">
-              <a:buNone/>
-            </a:pPr>
-            <a:endParaRPr lang="en-IN" sz="2400" dirty="0">
-              <a:solidFill>
-                <a:schemeClr val="bg1"/>
-              </a:solidFill>
-            </a:endParaRPr>
-          </a:p>
-        </p:txBody>
-      </p:sp>
-    </p:spTree>
-    <p:extLst>
-      <p:ext uri="{BB962C8B-B14F-4D97-AF65-F5344CB8AC3E}">
-        <p14:creationId xmlns:p14="http://schemas.microsoft.com/office/powerpoint/2010/main" val="158404290"/>
-      </p:ext>
-    </p:extLst>
-  </p:cSld>
-  <p:clrMapOvr>
-    <a:overrideClrMapping bg1="dk1" tx1="lt1" bg2="dk2" tx2="lt2" accent1="accent1" accent2="accent2" accent3="accent3" accent4="accent4" accent5="accent5" accent6="accent6" hlink="hlink" folHlink="folHlink"/>
-  </p:clrMapOvr>
-</p:sld>
-</file>
-
-<file path=ppt/slides/slide15.xml><?xml version="1.0" encoding="utf-8"?>
-<p:sld xmlns:a="http://schemas.openxmlformats.org/drawingml/2006/main" xmlns:r="http://schemas.openxmlformats.org/officeDocument/2006/relationships" xmlns:p="http://schemas.openxmlformats.org/presentationml/2006/main">
-  <p:cSld>
-    <p:bg>
-      <p:bgPr>
-        <a:solidFill>
-          <a:schemeClr val="bg1"/>
-        </a:solidFill>
-        <a:effectLst/>
-      </p:bgPr>
-    </p:bg>
-    <p:spTree>
-      <p:nvGrpSpPr>
-        <p:cNvPr id="1" name=""/>
-        <p:cNvGrpSpPr/>
-        <p:nvPr/>
-      </p:nvGrpSpPr>
-      <p:grpSpPr>
-        <a:xfrm>
-          <a:off x="0" y="0"/>
-          <a:ext cx="0" cy="0"/>
-          <a:chOff x="0" y="0"/>
-          <a:chExt cx="0" cy="0"/>
-        </a:xfrm>
-      </p:grpSpPr>
-      <p:sp>
-        <p:nvSpPr>
-          <p:cNvPr id="15" name="Rectangle 7">
-            <a:extLst>
-              <a:ext uri="{FF2B5EF4-FFF2-40B4-BE49-F238E27FC236}">
-                <a16:creationId xmlns:a16="http://schemas.microsoft.com/office/drawing/2014/main" id="{EA67B5B4-3A24-436E-B663-1B2EBFF8A0CD}"/>
-              </a:ext>
-              <a:ext uri="{C183D7F6-B498-43B3-948B-1728B52AA6E4}">
-                <adec:decorative xmlns:adec="http://schemas.microsoft.com/office/drawing/2017/decorative" val="1"/>
-              </a:ext>
-            </a:extLst>
-          </p:cNvPr>
-          <p:cNvSpPr>
-            <a:spLocks noGrp="1" noRot="1" noChangeAspect="1" noMove="1" noResize="1" noEditPoints="1" noAdjustHandles="1" noChangeArrowheads="1" noChangeShapeType="1" noTextEdit="1"/>
-          </p:cNvSpPr>
-          <p:nvPr>
-            <p:extLst>
-              <p:ext uri="{386F3935-93C4-4BCD-93E2-E3B085C9AB24}">
-                <p16:designElem xmlns:p16="http://schemas.microsoft.com/office/powerpoint/2015/main" val="1"/>
-              </p:ext>
-            </p:extLst>
-          </p:nvPr>
-        </p:nvSpPr>
-        <p:spPr>
-          <a:xfrm>
-            <a:off x="0" y="-3324"/>
-            <a:ext cx="12192000" cy="6861324"/>
-          </a:xfrm>
-          <a:prstGeom prst="rect">
-            <a:avLst/>
-          </a:prstGeom>
-          <a:solidFill>
-            <a:srgbClr val="404040"/>
-          </a:solidFill>
-          <a:ln>
-            <a:noFill/>
-          </a:ln>
-        </p:spPr>
-        <p:style>
-          <a:lnRef idx="2">
-            <a:schemeClr val="accent1">
-              <a:shade val="50000"/>
-            </a:schemeClr>
-          </a:lnRef>
-          <a:fillRef idx="1">
-            <a:schemeClr val="accent1"/>
-          </a:fillRef>
-          <a:effectRef idx="0">
-            <a:schemeClr val="accent1"/>
-          </a:effectRef>
-          <a:fontRef idx="minor">
-            <a:schemeClr val="lt1"/>
-          </a:fontRef>
-        </p:style>
-        <p:txBody>
-          <a:bodyPr rtlCol="0" anchor="ctr"/>
-          <a:lstStyle/>
-          <a:p>
-            <a:pPr marL="0" marR="0" lvl="0" indent="0" algn="ctr" defTabSz="914400" rtl="0" eaLnBrk="1" fontAlgn="auto" latinLnBrk="0" hangingPunct="1">
-              <a:lnSpc>
-                <a:spcPct val="100000"/>
-              </a:lnSpc>
-              <a:spcBef>
-                <a:spcPts val="0"/>
-              </a:spcBef>
-              <a:spcAft>
-                <a:spcPts val="0"/>
-              </a:spcAft>
-              <a:buClrTx/>
-              <a:buSzTx/>
-              <a:buFontTx/>
-              <a:buNone/>
-              <a:tabLst/>
-              <a:defRPr/>
-            </a:pPr>
-            <a:endParaRPr kumimoji="0" lang="en-US" sz="1800" b="0" i="0" u="none" strike="noStrike" kern="1200" cap="none" spc="0" normalizeH="0" baseline="0" noProof="0">
-              <a:ln>
-                <a:noFill/>
-              </a:ln>
-              <a:solidFill>
-                <a:prstClr val="white"/>
-              </a:solidFill>
-              <a:effectLst/>
-              <a:uLnTx/>
-              <a:uFillTx/>
-              <a:latin typeface="Calibri" panose="020F0502020204030204"/>
-              <a:ea typeface="+mn-ea"/>
-              <a:cs typeface="+mn-cs"/>
-            </a:endParaRPr>
-          </a:p>
-        </p:txBody>
-      </p:sp>
-      <p:sp>
-        <p:nvSpPr>
-          <p:cNvPr id="16" name="Freeform 13">
-            <a:extLst>
-              <a:ext uri="{FF2B5EF4-FFF2-40B4-BE49-F238E27FC236}">
-                <a16:creationId xmlns:a16="http://schemas.microsoft.com/office/drawing/2014/main" id="{987FDF89-C993-41F4-A1B8-DBAFF16008A9}"/>
-              </a:ext>
-              <a:ext uri="{C183D7F6-B498-43B3-948B-1728B52AA6E4}">
-                <adec:decorative xmlns:adec="http://schemas.microsoft.com/office/drawing/2017/decorative" val="1"/>
-              </a:ext>
-            </a:extLst>
-          </p:cNvPr>
-          <p:cNvSpPr>
-            <a:spLocks noGrp="1" noRot="1" noChangeAspect="1" noMove="1" noResize="1" noEditPoints="1" noAdjustHandles="1" noChangeArrowheads="1" noChangeShapeType="1" noTextEdit="1"/>
-          </p:cNvSpPr>
-          <p:nvPr>
-            <p:extLst>
-              <p:ext uri="{386F3935-93C4-4BCD-93E2-E3B085C9AB24}">
-                <p16:designElem xmlns:p16="http://schemas.microsoft.com/office/powerpoint/2015/main" val="1"/>
-              </p:ext>
-            </p:extLst>
-          </p:nvPr>
-        </p:nvSpPr>
-        <p:spPr>
-          <a:xfrm>
-            <a:off x="0" y="0"/>
-            <a:ext cx="11960028" cy="6858000"/>
-          </a:xfrm>
-          <a:custGeom>
-            <a:avLst/>
-            <a:gdLst>
-              <a:gd name="connsiteX0" fmla="*/ 0 w 11786754"/>
-              <a:gd name="connsiteY0" fmla="*/ 0 h 6858000"/>
-              <a:gd name="connsiteX1" fmla="*/ 8610600 w 11786754"/>
-              <a:gd name="connsiteY1" fmla="*/ 0 h 6858000"/>
-              <a:gd name="connsiteX2" fmla="*/ 11786754 w 11786754"/>
-              <a:gd name="connsiteY2" fmla="*/ 6858000 h 6858000"/>
-              <a:gd name="connsiteX3" fmla="*/ 0 w 11786754"/>
-              <a:gd name="connsiteY3" fmla="*/ 6858000 h 6858000"/>
-            </a:gdLst>
-            <a:ahLst/>
-            <a:cxnLst>
-              <a:cxn ang="0">
-                <a:pos x="connsiteX0" y="connsiteY0"/>
-              </a:cxn>
-              <a:cxn ang="0">
-                <a:pos x="connsiteX1" y="connsiteY1"/>
-              </a:cxn>
-              <a:cxn ang="0">
-                <a:pos x="connsiteX2" y="connsiteY2"/>
-              </a:cxn>
-              <a:cxn ang="0">
-                <a:pos x="connsiteX3" y="connsiteY3"/>
-              </a:cxn>
-            </a:cxnLst>
-            <a:rect l="l" t="t" r="r" b="b"/>
-            <a:pathLst>
-              <a:path w="11786754" h="6858000">
-                <a:moveTo>
-                  <a:pt x="0" y="0"/>
-                </a:moveTo>
-                <a:lnTo>
-                  <a:pt x="8610600" y="0"/>
-                </a:lnTo>
-                <a:lnTo>
-                  <a:pt x="11786754" y="6858000"/>
-                </a:lnTo>
-                <a:lnTo>
-                  <a:pt x="0" y="6858000"/>
-                </a:lnTo>
-                <a:close/>
-              </a:path>
-            </a:pathLst>
-          </a:custGeom>
-          <a:solidFill>
-            <a:srgbClr val="000000">
-              <a:alpha val="29804"/>
-            </a:srgbClr>
-          </a:solidFill>
-          <a:ln>
-            <a:noFill/>
-          </a:ln>
-        </p:spPr>
-        <p:style>
-          <a:lnRef idx="2">
-            <a:schemeClr val="accent1">
-              <a:shade val="50000"/>
-            </a:schemeClr>
-          </a:lnRef>
-          <a:fillRef idx="1">
-            <a:schemeClr val="accent1"/>
-          </a:fillRef>
-          <a:effectRef idx="0">
-            <a:schemeClr val="accent1"/>
-          </a:effectRef>
-          <a:fontRef idx="minor">
-            <a:schemeClr val="lt1"/>
-          </a:fontRef>
-        </p:style>
-        <p:txBody>
-          <a:bodyPr rtlCol="0" anchor="ctr"/>
-          <a:lstStyle/>
-          <a:p>
-            <a:pPr marL="0" marR="0" lvl="0" indent="0" algn="ctr" defTabSz="914400" rtl="0" eaLnBrk="1" fontAlgn="auto" latinLnBrk="0" hangingPunct="1">
-              <a:lnSpc>
-                <a:spcPct val="100000"/>
-              </a:lnSpc>
-              <a:spcBef>
-                <a:spcPts val="0"/>
-              </a:spcBef>
-              <a:spcAft>
-                <a:spcPts val="0"/>
-              </a:spcAft>
-              <a:buClrTx/>
-              <a:buSzTx/>
-              <a:buFontTx/>
-              <a:buNone/>
-              <a:tabLst/>
-              <a:defRPr/>
-            </a:pPr>
-            <a:endParaRPr kumimoji="0" lang="en-US" sz="1800" b="0" i="0" u="none" strike="noStrike" kern="1200" cap="none" spc="0" normalizeH="0" baseline="0" noProof="0">
-              <a:ln>
-                <a:noFill/>
-              </a:ln>
-              <a:solidFill>
-                <a:prstClr val="white"/>
-              </a:solidFill>
-              <a:effectLst/>
-              <a:uLnTx/>
-              <a:uFillTx/>
-              <a:latin typeface="Calibri" panose="020F0502020204030204"/>
-              <a:ea typeface="+mn-ea"/>
-              <a:cs typeface="+mn-cs"/>
-            </a:endParaRPr>
-          </a:p>
-        </p:txBody>
-      </p:sp>
-      <p:sp>
-        <p:nvSpPr>
-          <p:cNvPr id="17" name="Freeform: Shape 11">
-            <a:extLst>
-              <a:ext uri="{FF2B5EF4-FFF2-40B4-BE49-F238E27FC236}">
-                <a16:creationId xmlns:a16="http://schemas.microsoft.com/office/drawing/2014/main" id="{9FA64B84-CE2D-4179-B018-A71AC174C71C}"/>
-              </a:ext>
-              <a:ext uri="{C183D7F6-B498-43B3-948B-1728B52AA6E4}">
-                <adec:decorative xmlns:adec="http://schemas.microsoft.com/office/drawing/2017/decorative" val="1"/>
-              </a:ext>
-            </a:extLst>
-          </p:cNvPr>
-          <p:cNvSpPr>
-            <a:spLocks noGrp="1" noRot="1" noChangeAspect="1" noMove="1" noResize="1" noEditPoints="1" noAdjustHandles="1" noChangeArrowheads="1" noChangeShapeType="1" noTextEdit="1"/>
-          </p:cNvSpPr>
-          <p:nvPr>
-            <p:extLst>
-              <p:ext uri="{386F3935-93C4-4BCD-93E2-E3B085C9AB24}">
-                <p16:designElem xmlns:p16="http://schemas.microsoft.com/office/powerpoint/2015/main" val="1"/>
-              </p:ext>
-            </p:extLst>
-          </p:nvPr>
-        </p:nvSpPr>
-        <p:spPr>
-          <a:xfrm>
-            <a:off x="0" y="0"/>
-            <a:ext cx="3459632" cy="6858000"/>
-          </a:xfrm>
-          <a:custGeom>
-            <a:avLst/>
-            <a:gdLst>
-              <a:gd name="connsiteX0" fmla="*/ 0 w 3459632"/>
-              <a:gd name="connsiteY0" fmla="*/ 0 h 6858000"/>
-              <a:gd name="connsiteX1" fmla="*/ 283478 w 3459632"/>
-              <a:gd name="connsiteY1" fmla="*/ 0 h 6858000"/>
-              <a:gd name="connsiteX2" fmla="*/ 3459632 w 3459632"/>
-              <a:gd name="connsiteY2" fmla="*/ 6858000 h 6858000"/>
-              <a:gd name="connsiteX3" fmla="*/ 0 w 3459632"/>
-              <a:gd name="connsiteY3" fmla="*/ 6858000 h 6858000"/>
-            </a:gdLst>
-            <a:ahLst/>
-            <a:cxnLst>
-              <a:cxn ang="0">
-                <a:pos x="connsiteX0" y="connsiteY0"/>
-              </a:cxn>
-              <a:cxn ang="0">
-                <a:pos x="connsiteX1" y="connsiteY1"/>
-              </a:cxn>
-              <a:cxn ang="0">
-                <a:pos x="connsiteX2" y="connsiteY2"/>
-              </a:cxn>
-              <a:cxn ang="0">
-                <a:pos x="connsiteX3" y="connsiteY3"/>
-              </a:cxn>
-            </a:cxnLst>
-            <a:rect l="l" t="t" r="r" b="b"/>
-            <a:pathLst>
-              <a:path w="3459632" h="6858000">
-                <a:moveTo>
-                  <a:pt x="0" y="0"/>
-                </a:moveTo>
-                <a:lnTo>
-                  <a:pt x="283478" y="0"/>
-                </a:lnTo>
-                <a:lnTo>
-                  <a:pt x="3459632" y="6858000"/>
-                </a:lnTo>
-                <a:lnTo>
-                  <a:pt x="0" y="6858000"/>
-                </a:lnTo>
-                <a:close/>
-              </a:path>
-            </a:pathLst>
-          </a:custGeom>
-          <a:solidFill>
-            <a:srgbClr val="000000">
-              <a:alpha val="29804"/>
-            </a:srgbClr>
-          </a:solidFill>
-          <a:ln>
-            <a:noFill/>
-          </a:ln>
-        </p:spPr>
-        <p:style>
-          <a:lnRef idx="2">
-            <a:schemeClr val="accent1">
-              <a:shade val="50000"/>
-            </a:schemeClr>
-          </a:lnRef>
-          <a:fillRef idx="1">
-            <a:schemeClr val="accent1"/>
-          </a:fillRef>
-          <a:effectRef idx="0">
-            <a:schemeClr val="accent1"/>
-          </a:effectRef>
-          <a:fontRef idx="minor">
-            <a:schemeClr val="lt1"/>
-          </a:fontRef>
-        </p:style>
-        <p:txBody>
-          <a:bodyPr wrap="square" rtlCol="0" anchor="ctr">
-            <a:noAutofit/>
-          </a:bodyPr>
-          <a:lstStyle/>
-          <a:p>
-            <a:pPr marL="0" marR="0" lvl="0" indent="0" algn="ctr" defTabSz="914400" rtl="0" eaLnBrk="1" fontAlgn="auto" latinLnBrk="0" hangingPunct="1">
-              <a:lnSpc>
-                <a:spcPct val="100000"/>
-              </a:lnSpc>
-              <a:spcBef>
-                <a:spcPts val="0"/>
-              </a:spcBef>
-              <a:spcAft>
-                <a:spcPts val="0"/>
-              </a:spcAft>
-              <a:buClrTx/>
-              <a:buSzTx/>
-              <a:buFontTx/>
-              <a:buNone/>
-              <a:tabLst/>
-              <a:defRPr/>
-            </a:pPr>
-            <a:endParaRPr kumimoji="0" lang="en-US" sz="1800" b="0" i="0" u="none" strike="noStrike" kern="1200" cap="none" spc="0" normalizeH="0" baseline="0" noProof="0">
-              <a:ln>
-                <a:noFill/>
-              </a:ln>
-              <a:solidFill>
-                <a:prstClr val="white"/>
-              </a:solidFill>
-              <a:effectLst/>
-              <a:uLnTx/>
-              <a:uFillTx/>
-              <a:latin typeface="Calibri" panose="020F0502020204030204"/>
-              <a:ea typeface="+mn-ea"/>
-              <a:cs typeface="+mn-cs"/>
-            </a:endParaRPr>
-          </a:p>
-        </p:txBody>
-      </p:sp>
-      <p:sp>
-        <p:nvSpPr>
-          <p:cNvPr id="2" name="Title 1">
-            <a:extLst>
-              <a:ext uri="{FF2B5EF4-FFF2-40B4-BE49-F238E27FC236}">
-                <a16:creationId xmlns:a16="http://schemas.microsoft.com/office/drawing/2014/main" id="{D8DD783B-43DB-421A-BC8B-F79D6B6F4C94}"/>
-              </a:ext>
-            </a:extLst>
-          </p:cNvPr>
-          <p:cNvSpPr>
-            <a:spLocks noGrp="1"/>
-          </p:cNvSpPr>
-          <p:nvPr>
-            <p:ph type="title"/>
-          </p:nvPr>
-        </p:nvSpPr>
-        <p:spPr>
-          <a:xfrm>
-            <a:off x="3111963" y="462230"/>
-            <a:ext cx="5968074" cy="1325563"/>
-          </a:xfrm>
-        </p:spPr>
-        <p:txBody>
-          <a:bodyPr>
-            <a:normAutofit/>
-          </a:bodyPr>
-          <a:lstStyle/>
-          <a:p>
-            <a:r>
-              <a:rPr lang="en-IN">
-                <a:solidFill>
-                  <a:srgbClr val="FFFFFF"/>
-                </a:solidFill>
-              </a:rPr>
-              <a:t>Function Scope and Block Scope</a:t>
-            </a:r>
-          </a:p>
-        </p:txBody>
-      </p:sp>
-      <p:sp>
-        <p:nvSpPr>
-          <p:cNvPr id="14" name="TextBox 13">
-            <a:extLst>
-              <a:ext uri="{FF2B5EF4-FFF2-40B4-BE49-F238E27FC236}">
-                <a16:creationId xmlns:a16="http://schemas.microsoft.com/office/drawing/2014/main" id="{4795A2E2-224B-4FA0-B323-9E61AD30697F}"/>
-              </a:ext>
-              <a:ext uri="{C183D7F6-B498-43B3-948B-1728B52AA6E4}">
-                <adec:decorative xmlns:adec="http://schemas.microsoft.com/office/drawing/2017/decorative" val="1"/>
-              </a:ext>
-            </a:extLst>
-          </p:cNvPr>
-          <p:cNvSpPr txBox="1">
-            <a:spLocks noGrp="1" noRot="1" noChangeAspect="1" noMove="1" noResize="1" noEditPoints="1" noAdjustHandles="1" noChangeArrowheads="1" noChangeShapeType="1" noTextEdit="1"/>
-          </p:cNvSpPr>
-          <p:nvPr>
-            <p:extLst>
-              <p:ext uri="{386F3935-93C4-4BCD-93E2-E3B085C9AB24}">
-                <p16:designElem xmlns:p16="http://schemas.microsoft.com/office/powerpoint/2015/main" val="1"/>
-              </p:ext>
-            </p:extLst>
-          </p:nvPr>
-        </p:nvSpPr>
-        <p:spPr>
-          <a:xfrm>
-            <a:off x="833002" y="1870075"/>
-            <a:ext cx="9612178" cy="595651"/>
-          </a:xfrm>
-          <a:prstGeom prst="rect">
-            <a:avLst/>
-          </a:prstGeom>
-          <a:noFill/>
-        </p:spPr>
-        <p:txBody>
-          <a:bodyPr wrap="square" rtlCol="0" anchor="t">
-            <a:normAutofit/>
-          </a:bodyPr>
-          <a:lstStyle/>
-          <a:p>
-            <a:pPr marL="0" marR="0" lvl="0" indent="0" algn="l" defTabSz="914400" rtl="0" eaLnBrk="1" fontAlgn="auto" latinLnBrk="0" hangingPunct="1">
-              <a:lnSpc>
-                <a:spcPct val="120000"/>
-              </a:lnSpc>
-              <a:spcBef>
-                <a:spcPts val="0"/>
-              </a:spcBef>
-              <a:spcAft>
-                <a:spcPts val="0"/>
-              </a:spcAft>
-              <a:buClrTx/>
-              <a:buSzTx/>
-              <a:buFontTx/>
-              <a:buNone/>
-              <a:tabLst/>
-              <a:defRPr/>
-            </a:pPr>
-            <a:endParaRPr kumimoji="0" lang="en-US" sz="2000" b="0" i="0" u="none" strike="noStrike" kern="1200" cap="none" spc="0" normalizeH="0" baseline="0" noProof="0" dirty="0">
-              <a:ln>
-                <a:noFill/>
-              </a:ln>
-              <a:solidFill>
-                <a:srgbClr val="FFC000"/>
-              </a:solidFill>
-              <a:effectLst/>
-              <a:uLnTx/>
-              <a:uFillTx/>
-              <a:latin typeface="Calibri" panose="020F0502020204030204"/>
-              <a:ea typeface="+mn-ea"/>
-              <a:cs typeface="+mn-cs"/>
-            </a:endParaRPr>
-          </a:p>
-        </p:txBody>
-      </p:sp>
-      <p:sp>
-        <p:nvSpPr>
-          <p:cNvPr id="3" name="Content Placeholder 2">
-            <a:extLst>
-              <a:ext uri="{FF2B5EF4-FFF2-40B4-BE49-F238E27FC236}">
-                <a16:creationId xmlns:a16="http://schemas.microsoft.com/office/drawing/2014/main" id="{3168F923-995A-48DE-A809-6BEE2047702F}"/>
-              </a:ext>
-            </a:extLst>
-          </p:cNvPr>
-          <p:cNvSpPr>
-            <a:spLocks noGrp="1"/>
-          </p:cNvSpPr>
-          <p:nvPr>
-            <p:ph idx="1"/>
-          </p:nvPr>
-        </p:nvSpPr>
-        <p:spPr>
-          <a:xfrm>
-            <a:off x="3113411" y="2117929"/>
-            <a:ext cx="5965178" cy="3967282"/>
-          </a:xfrm>
-        </p:spPr>
-        <p:txBody>
-          <a:bodyPr>
-            <a:normAutofit/>
-          </a:bodyPr>
-          <a:lstStyle/>
-          <a:p>
-            <a:r>
-              <a:rPr lang="en-IN" sz="2000">
-                <a:solidFill>
-                  <a:srgbClr val="FFFFFF"/>
-                </a:solidFill>
-              </a:rPr>
-              <a:t>Everything used to be function scope</a:t>
-            </a:r>
-          </a:p>
-          <a:p>
-            <a:r>
-              <a:rPr lang="en-IN" sz="2000">
-                <a:solidFill>
-                  <a:srgbClr val="FFFFFF"/>
-                </a:solidFill>
-              </a:rPr>
-              <a:t>With the new ‘let’ and ‘const’ keywords that changed</a:t>
-            </a:r>
-          </a:p>
-          <a:p>
-            <a:r>
-              <a:rPr lang="en-IN" sz="2000">
-                <a:solidFill>
-                  <a:srgbClr val="FFFFFF"/>
-                </a:solidFill>
-              </a:rPr>
-              <a:t>With the invent of ES6 coined the term ‘Block Scope’</a:t>
-            </a:r>
-          </a:p>
-          <a:p>
-            <a:endParaRPr lang="en-IN" sz="2000">
-              <a:solidFill>
-                <a:srgbClr val="FFFFFF"/>
-              </a:solidFill>
-            </a:endParaRPr>
-          </a:p>
-        </p:txBody>
-      </p:sp>
-    </p:spTree>
-    <p:extLst>
-      <p:ext uri="{BB962C8B-B14F-4D97-AF65-F5344CB8AC3E}">
-        <p14:creationId xmlns:p14="http://schemas.microsoft.com/office/powerpoint/2010/main" val="1790995896"/>
-      </p:ext>
-    </p:extLst>
-  </p:cSld>
-  <p:clrMapOvr>
-    <a:overrideClrMapping bg1="dk1" tx1="lt1" bg2="dk2" tx2="lt2" accent1="accent1" accent2="accent2" accent3="accent3" accent4="accent4" accent5="accent5" accent6="accent6" hlink="hlink" folHlink="folHlink"/>
-  </p:clrMapOvr>
-</p:sld>
-</file>
-
-<file path=ppt/slides/slide16.xml><?xml version="1.0" encoding="utf-8"?>
-<p:sld xmlns:a="http://schemas.openxmlformats.org/drawingml/2006/main" xmlns:r="http://schemas.openxmlformats.org/officeDocument/2006/relationships" xmlns:p="http://schemas.openxmlformats.org/presentationml/2006/main">
-  <p:cSld>
-    <p:bg>
-      <p:bgPr>
-        <a:solidFill>
-          <a:schemeClr val="bg1"/>
-        </a:solidFill>
-        <a:effectLst/>
-      </p:bgPr>
-    </p:bg>
-    <p:spTree>
-      <p:nvGrpSpPr>
-        <p:cNvPr id="1" name=""/>
-        <p:cNvGrpSpPr/>
-        <p:nvPr/>
-      </p:nvGrpSpPr>
-      <p:grpSpPr>
-        <a:xfrm>
-          <a:off x="0" y="0"/>
-          <a:ext cx="0" cy="0"/>
-          <a:chOff x="0" y="0"/>
-          <a:chExt cx="0" cy="0"/>
-        </a:xfrm>
-      </p:grpSpPr>
-      <p:sp>
-        <p:nvSpPr>
-          <p:cNvPr id="8" name="Rectangle 7">
-            <a:extLst>
-              <a:ext uri="{FF2B5EF4-FFF2-40B4-BE49-F238E27FC236}">
-                <a16:creationId xmlns:a16="http://schemas.microsoft.com/office/drawing/2014/main" id="{EA67B5B4-3A24-436E-B663-1B2EBFF8A0CD}"/>
-              </a:ext>
-              <a:ext uri="{C183D7F6-B498-43B3-948B-1728B52AA6E4}">
-                <adec:decorative xmlns:adec="http://schemas.microsoft.com/office/drawing/2017/decorative" val="1"/>
-              </a:ext>
-            </a:extLst>
-          </p:cNvPr>
-          <p:cNvSpPr>
-            <a:spLocks noGrp="1" noRot="1" noChangeAspect="1" noMove="1" noResize="1" noEditPoints="1" noAdjustHandles="1" noChangeArrowheads="1" noChangeShapeType="1" noTextEdit="1"/>
-          </p:cNvSpPr>
-          <p:nvPr>
-            <p:extLst>
-              <p:ext uri="{386F3935-93C4-4BCD-93E2-E3B085C9AB24}">
-                <p16:designElem xmlns:p16="http://schemas.microsoft.com/office/powerpoint/2015/main" val="1"/>
-              </p:ext>
-            </p:extLst>
-          </p:nvPr>
-        </p:nvSpPr>
-        <p:spPr>
-          <a:xfrm>
-            <a:off x="0" y="-3324"/>
-            <a:ext cx="12192000" cy="6861324"/>
-          </a:xfrm>
-          <a:prstGeom prst="rect">
-            <a:avLst/>
-          </a:prstGeom>
-          <a:solidFill>
-            <a:srgbClr val="404040"/>
-          </a:solidFill>
-          <a:ln>
-            <a:noFill/>
-          </a:ln>
-        </p:spPr>
-        <p:style>
-          <a:lnRef idx="2">
-            <a:schemeClr val="accent1">
-              <a:shade val="50000"/>
-            </a:schemeClr>
-          </a:lnRef>
-          <a:fillRef idx="1">
-            <a:schemeClr val="accent1"/>
-          </a:fillRef>
-          <a:effectRef idx="0">
-            <a:schemeClr val="accent1"/>
-          </a:effectRef>
-          <a:fontRef idx="minor">
-            <a:schemeClr val="lt1"/>
-          </a:fontRef>
-        </p:style>
-        <p:txBody>
-          <a:bodyPr rtlCol="0" anchor="ctr"/>
-          <a:lstStyle/>
-          <a:p>
-            <a:pPr marL="0" marR="0" lvl="0" indent="0" algn="ctr" defTabSz="914400" rtl="0" eaLnBrk="1" fontAlgn="auto" latinLnBrk="0" hangingPunct="1">
-              <a:lnSpc>
-                <a:spcPct val="100000"/>
-              </a:lnSpc>
-              <a:spcBef>
-                <a:spcPts val="0"/>
-              </a:spcBef>
-              <a:spcAft>
-                <a:spcPts val="0"/>
-              </a:spcAft>
-              <a:buClrTx/>
-              <a:buSzTx/>
-              <a:buFontTx/>
-              <a:buNone/>
-              <a:tabLst/>
-              <a:defRPr/>
-            </a:pPr>
-            <a:endParaRPr kumimoji="0" lang="en-US" sz="1800" b="0" i="0" u="none" strike="noStrike" kern="1200" cap="none" spc="0" normalizeH="0" baseline="0" noProof="0">
-              <a:ln>
-                <a:noFill/>
-              </a:ln>
-              <a:solidFill>
-                <a:prstClr val="white"/>
-              </a:solidFill>
-              <a:effectLst/>
-              <a:uLnTx/>
-              <a:uFillTx/>
-              <a:latin typeface="Calibri" panose="020F0502020204030204"/>
-              <a:ea typeface="+mn-ea"/>
-              <a:cs typeface="+mn-cs"/>
-            </a:endParaRPr>
-          </a:p>
-        </p:txBody>
-      </p:sp>
-      <p:sp>
-        <p:nvSpPr>
-          <p:cNvPr id="10" name="Freeform 13">
-            <a:extLst>
-              <a:ext uri="{FF2B5EF4-FFF2-40B4-BE49-F238E27FC236}">
-                <a16:creationId xmlns:a16="http://schemas.microsoft.com/office/drawing/2014/main" id="{987FDF89-C993-41F4-A1B8-DBAFF16008A9}"/>
-              </a:ext>
-              <a:ext uri="{C183D7F6-B498-43B3-948B-1728B52AA6E4}">
-                <adec:decorative xmlns:adec="http://schemas.microsoft.com/office/drawing/2017/decorative" val="1"/>
-              </a:ext>
-            </a:extLst>
-          </p:cNvPr>
-          <p:cNvSpPr>
-            <a:spLocks noGrp="1" noRot="1" noChangeAspect="1" noMove="1" noResize="1" noEditPoints="1" noAdjustHandles="1" noChangeArrowheads="1" noChangeShapeType="1" noTextEdit="1"/>
-          </p:cNvSpPr>
-          <p:nvPr>
-            <p:extLst>
-              <p:ext uri="{386F3935-93C4-4BCD-93E2-E3B085C9AB24}">
-                <p16:designElem xmlns:p16="http://schemas.microsoft.com/office/powerpoint/2015/main" val="1"/>
-              </p:ext>
-            </p:extLst>
-          </p:nvPr>
-        </p:nvSpPr>
-        <p:spPr>
-          <a:xfrm>
-            <a:off x="0" y="0"/>
-            <a:ext cx="11960028" cy="6858000"/>
-          </a:xfrm>
-          <a:custGeom>
-            <a:avLst/>
-            <a:gdLst>
-              <a:gd name="connsiteX0" fmla="*/ 0 w 11786754"/>
-              <a:gd name="connsiteY0" fmla="*/ 0 h 6858000"/>
-              <a:gd name="connsiteX1" fmla="*/ 8610600 w 11786754"/>
-              <a:gd name="connsiteY1" fmla="*/ 0 h 6858000"/>
-              <a:gd name="connsiteX2" fmla="*/ 11786754 w 11786754"/>
-              <a:gd name="connsiteY2" fmla="*/ 6858000 h 6858000"/>
-              <a:gd name="connsiteX3" fmla="*/ 0 w 11786754"/>
-              <a:gd name="connsiteY3" fmla="*/ 6858000 h 6858000"/>
-            </a:gdLst>
-            <a:ahLst/>
-            <a:cxnLst>
-              <a:cxn ang="0">
-                <a:pos x="connsiteX0" y="connsiteY0"/>
-              </a:cxn>
-              <a:cxn ang="0">
-                <a:pos x="connsiteX1" y="connsiteY1"/>
-              </a:cxn>
-              <a:cxn ang="0">
-                <a:pos x="connsiteX2" y="connsiteY2"/>
-              </a:cxn>
-              <a:cxn ang="0">
-                <a:pos x="connsiteX3" y="connsiteY3"/>
-              </a:cxn>
-            </a:cxnLst>
-            <a:rect l="l" t="t" r="r" b="b"/>
-            <a:pathLst>
-              <a:path w="11786754" h="6858000">
-                <a:moveTo>
-                  <a:pt x="0" y="0"/>
-                </a:moveTo>
-                <a:lnTo>
-                  <a:pt x="8610600" y="0"/>
-                </a:lnTo>
-                <a:lnTo>
-                  <a:pt x="11786754" y="6858000"/>
-                </a:lnTo>
-                <a:lnTo>
-                  <a:pt x="0" y="6858000"/>
-                </a:lnTo>
-                <a:close/>
-              </a:path>
-            </a:pathLst>
-          </a:custGeom>
-          <a:solidFill>
-            <a:srgbClr val="000000">
-              <a:alpha val="29804"/>
-            </a:srgbClr>
-          </a:solidFill>
-          <a:ln>
-            <a:noFill/>
-          </a:ln>
-        </p:spPr>
-        <p:style>
-          <a:lnRef idx="2">
-            <a:schemeClr val="accent1">
-              <a:shade val="50000"/>
-            </a:schemeClr>
-          </a:lnRef>
-          <a:fillRef idx="1">
-            <a:schemeClr val="accent1"/>
-          </a:fillRef>
-          <a:effectRef idx="0">
-            <a:schemeClr val="accent1"/>
-          </a:effectRef>
-          <a:fontRef idx="minor">
-            <a:schemeClr val="lt1"/>
-          </a:fontRef>
-        </p:style>
-        <p:txBody>
-          <a:bodyPr rtlCol="0" anchor="ctr"/>
-          <a:lstStyle/>
-          <a:p>
-            <a:pPr marL="0" marR="0" lvl="0" indent="0" algn="ctr" defTabSz="914400" rtl="0" eaLnBrk="1" fontAlgn="auto" latinLnBrk="0" hangingPunct="1">
-              <a:lnSpc>
-                <a:spcPct val="100000"/>
-              </a:lnSpc>
-              <a:spcBef>
-                <a:spcPts val="0"/>
-              </a:spcBef>
-              <a:spcAft>
-                <a:spcPts val="0"/>
-              </a:spcAft>
-              <a:buClrTx/>
-              <a:buSzTx/>
-              <a:buFontTx/>
-              <a:buNone/>
-              <a:tabLst/>
-              <a:defRPr/>
-            </a:pPr>
-            <a:endParaRPr kumimoji="0" lang="en-US" sz="1800" b="0" i="0" u="none" strike="noStrike" kern="1200" cap="none" spc="0" normalizeH="0" baseline="0" noProof="0">
-              <a:ln>
-                <a:noFill/>
-              </a:ln>
-              <a:solidFill>
-                <a:prstClr val="white"/>
-              </a:solidFill>
-              <a:effectLst/>
-              <a:uLnTx/>
-              <a:uFillTx/>
-              <a:latin typeface="Calibri" panose="020F0502020204030204"/>
-              <a:ea typeface="+mn-ea"/>
-              <a:cs typeface="+mn-cs"/>
-            </a:endParaRPr>
-          </a:p>
-        </p:txBody>
-      </p:sp>
-      <p:sp>
-        <p:nvSpPr>
-          <p:cNvPr id="12" name="Freeform: Shape 11">
-            <a:extLst>
-              <a:ext uri="{FF2B5EF4-FFF2-40B4-BE49-F238E27FC236}">
-                <a16:creationId xmlns:a16="http://schemas.microsoft.com/office/drawing/2014/main" id="{9FA64B84-CE2D-4179-B018-A71AC174C71C}"/>
-              </a:ext>
-              <a:ext uri="{C183D7F6-B498-43B3-948B-1728B52AA6E4}">
-                <adec:decorative xmlns:adec="http://schemas.microsoft.com/office/drawing/2017/decorative" val="1"/>
-              </a:ext>
-            </a:extLst>
-          </p:cNvPr>
-          <p:cNvSpPr>
-            <a:spLocks noGrp="1" noRot="1" noChangeAspect="1" noMove="1" noResize="1" noEditPoints="1" noAdjustHandles="1" noChangeArrowheads="1" noChangeShapeType="1" noTextEdit="1"/>
-          </p:cNvSpPr>
-          <p:nvPr>
-            <p:extLst>
-              <p:ext uri="{386F3935-93C4-4BCD-93E2-E3B085C9AB24}">
-                <p16:designElem xmlns:p16="http://schemas.microsoft.com/office/powerpoint/2015/main" val="1"/>
-              </p:ext>
-            </p:extLst>
-          </p:nvPr>
-        </p:nvSpPr>
-        <p:spPr>
-          <a:xfrm>
-            <a:off x="0" y="0"/>
-            <a:ext cx="3459632" cy="6858000"/>
-          </a:xfrm>
-          <a:custGeom>
-            <a:avLst/>
-            <a:gdLst>
-              <a:gd name="connsiteX0" fmla="*/ 0 w 3459632"/>
-              <a:gd name="connsiteY0" fmla="*/ 0 h 6858000"/>
-              <a:gd name="connsiteX1" fmla="*/ 283478 w 3459632"/>
-              <a:gd name="connsiteY1" fmla="*/ 0 h 6858000"/>
-              <a:gd name="connsiteX2" fmla="*/ 3459632 w 3459632"/>
-              <a:gd name="connsiteY2" fmla="*/ 6858000 h 6858000"/>
-              <a:gd name="connsiteX3" fmla="*/ 0 w 3459632"/>
-              <a:gd name="connsiteY3" fmla="*/ 6858000 h 6858000"/>
-            </a:gdLst>
-            <a:ahLst/>
-            <a:cxnLst>
-              <a:cxn ang="0">
-                <a:pos x="connsiteX0" y="connsiteY0"/>
-              </a:cxn>
-              <a:cxn ang="0">
-                <a:pos x="connsiteX1" y="connsiteY1"/>
-              </a:cxn>
-              <a:cxn ang="0">
-                <a:pos x="connsiteX2" y="connsiteY2"/>
-              </a:cxn>
-              <a:cxn ang="0">
-                <a:pos x="connsiteX3" y="connsiteY3"/>
-              </a:cxn>
-            </a:cxnLst>
-            <a:rect l="l" t="t" r="r" b="b"/>
-            <a:pathLst>
-              <a:path w="3459632" h="6858000">
-                <a:moveTo>
-                  <a:pt x="0" y="0"/>
-                </a:moveTo>
-                <a:lnTo>
-                  <a:pt x="283478" y="0"/>
-                </a:lnTo>
-                <a:lnTo>
-                  <a:pt x="3459632" y="6858000"/>
-                </a:lnTo>
-                <a:lnTo>
-                  <a:pt x="0" y="6858000"/>
-                </a:lnTo>
-                <a:close/>
-              </a:path>
-            </a:pathLst>
-          </a:custGeom>
-          <a:solidFill>
-            <a:srgbClr val="000000">
-              <a:alpha val="29804"/>
-            </a:srgbClr>
-          </a:solidFill>
-          <a:ln>
-            <a:noFill/>
-          </a:ln>
-        </p:spPr>
-        <p:style>
-          <a:lnRef idx="2">
-            <a:schemeClr val="accent1">
-              <a:shade val="50000"/>
-            </a:schemeClr>
-          </a:lnRef>
-          <a:fillRef idx="1">
-            <a:schemeClr val="accent1"/>
-          </a:fillRef>
-          <a:effectRef idx="0">
-            <a:schemeClr val="accent1"/>
-          </a:effectRef>
-          <a:fontRef idx="minor">
-            <a:schemeClr val="lt1"/>
-          </a:fontRef>
-        </p:style>
-        <p:txBody>
-          <a:bodyPr wrap="square" rtlCol="0" anchor="ctr">
-            <a:noAutofit/>
-          </a:bodyPr>
-          <a:lstStyle/>
-          <a:p>
-            <a:pPr marL="0" marR="0" lvl="0" indent="0" algn="ctr" defTabSz="914400" rtl="0" eaLnBrk="1" fontAlgn="auto" latinLnBrk="0" hangingPunct="1">
-              <a:lnSpc>
-                <a:spcPct val="100000"/>
-              </a:lnSpc>
-              <a:spcBef>
-                <a:spcPts val="0"/>
-              </a:spcBef>
-              <a:spcAft>
-                <a:spcPts val="0"/>
-              </a:spcAft>
-              <a:buClrTx/>
-              <a:buSzTx/>
-              <a:buFontTx/>
-              <a:buNone/>
-              <a:tabLst/>
-              <a:defRPr/>
-            </a:pPr>
-            <a:endParaRPr kumimoji="0" lang="en-US" sz="1800" b="0" i="0" u="none" strike="noStrike" kern="1200" cap="none" spc="0" normalizeH="0" baseline="0" noProof="0">
-              <a:ln>
-                <a:noFill/>
-              </a:ln>
-              <a:solidFill>
-                <a:prstClr val="white"/>
-              </a:solidFill>
-              <a:effectLst/>
-              <a:uLnTx/>
-              <a:uFillTx/>
-              <a:latin typeface="Calibri" panose="020F0502020204030204"/>
-              <a:ea typeface="+mn-ea"/>
-              <a:cs typeface="+mn-cs"/>
-            </a:endParaRPr>
-          </a:p>
-        </p:txBody>
-      </p:sp>
-      <p:sp>
-        <p:nvSpPr>
-          <p:cNvPr id="2" name="Title 1">
-            <a:extLst>
-              <a:ext uri="{FF2B5EF4-FFF2-40B4-BE49-F238E27FC236}">
-                <a16:creationId xmlns:a16="http://schemas.microsoft.com/office/drawing/2014/main" id="{6599601C-081B-4C5C-99AD-A3BC432AE29C}"/>
-              </a:ext>
-            </a:extLst>
-          </p:cNvPr>
-          <p:cNvSpPr>
-            <a:spLocks noGrp="1"/>
-          </p:cNvSpPr>
-          <p:nvPr>
-            <p:ph type="title"/>
-          </p:nvPr>
-        </p:nvSpPr>
-        <p:spPr>
-          <a:xfrm>
-            <a:off x="3111963" y="0"/>
-            <a:ext cx="5968074" cy="949593"/>
-          </a:xfrm>
-        </p:spPr>
-        <p:txBody>
-          <a:bodyPr>
-            <a:normAutofit/>
-          </a:bodyPr>
-          <a:lstStyle/>
-          <a:p>
-            <a:r>
-              <a:rPr lang="en-IN" dirty="0" err="1">
-                <a:solidFill>
-                  <a:srgbClr val="FFFFFF"/>
-                </a:solidFill>
-              </a:rPr>
-              <a:t>Iterables</a:t>
-            </a:r>
-            <a:endParaRPr lang="en-IN" dirty="0">
-              <a:solidFill>
-                <a:srgbClr val="FFFFFF"/>
-              </a:solidFill>
-            </a:endParaRPr>
-          </a:p>
-        </p:txBody>
-      </p:sp>
-      <p:sp>
-        <p:nvSpPr>
-          <p:cNvPr id="14" name="TextBox 13">
-            <a:extLst>
-              <a:ext uri="{FF2B5EF4-FFF2-40B4-BE49-F238E27FC236}">
-                <a16:creationId xmlns:a16="http://schemas.microsoft.com/office/drawing/2014/main" id="{4795A2E2-224B-4FA0-B323-9E61AD30697F}"/>
-              </a:ext>
-              <a:ext uri="{C183D7F6-B498-43B3-948B-1728B52AA6E4}">
-                <adec:decorative xmlns:adec="http://schemas.microsoft.com/office/drawing/2017/decorative" val="1"/>
-              </a:ext>
-            </a:extLst>
-          </p:cNvPr>
-          <p:cNvSpPr txBox="1">
-            <a:spLocks noGrp="1" noRot="1" noChangeAspect="1" noMove="1" noResize="1" noEditPoints="1" noAdjustHandles="1" noChangeArrowheads="1" noChangeShapeType="1" noTextEdit="1"/>
-          </p:cNvSpPr>
-          <p:nvPr>
-            <p:extLst>
-              <p:ext uri="{386F3935-93C4-4BCD-93E2-E3B085C9AB24}">
-                <p16:designElem xmlns:p16="http://schemas.microsoft.com/office/powerpoint/2015/main" val="1"/>
-              </p:ext>
-            </p:extLst>
-          </p:nvPr>
-        </p:nvSpPr>
-        <p:spPr>
-          <a:xfrm>
-            <a:off x="833002" y="1870075"/>
-            <a:ext cx="9612178" cy="595651"/>
-          </a:xfrm>
-          <a:prstGeom prst="rect">
-            <a:avLst/>
-          </a:prstGeom>
-          <a:noFill/>
-        </p:spPr>
-        <p:txBody>
-          <a:bodyPr wrap="square" rtlCol="0" anchor="t">
-            <a:normAutofit/>
-          </a:bodyPr>
-          <a:lstStyle/>
-          <a:p>
-            <a:pPr marL="0" marR="0" lvl="0" indent="0" algn="l" defTabSz="914400" rtl="0" eaLnBrk="1" fontAlgn="auto" latinLnBrk="0" hangingPunct="1">
-              <a:lnSpc>
-                <a:spcPct val="120000"/>
-              </a:lnSpc>
-              <a:spcBef>
-                <a:spcPts val="0"/>
-              </a:spcBef>
-              <a:spcAft>
-                <a:spcPts val="0"/>
-              </a:spcAft>
-              <a:buClrTx/>
-              <a:buSzTx/>
-              <a:buFontTx/>
-              <a:buNone/>
-              <a:tabLst/>
-              <a:defRPr/>
-            </a:pPr>
-            <a:endParaRPr kumimoji="0" lang="en-US" sz="2000" b="0" i="0" u="none" strike="noStrike" kern="1200" cap="none" spc="0" normalizeH="0" baseline="0" noProof="0" dirty="0">
-              <a:ln>
-                <a:noFill/>
-              </a:ln>
-              <a:solidFill>
-                <a:srgbClr val="FFC000"/>
-              </a:solidFill>
-              <a:effectLst/>
-              <a:uLnTx/>
-              <a:uFillTx/>
-              <a:latin typeface="Calibri" panose="020F0502020204030204"/>
-              <a:ea typeface="+mn-ea"/>
-              <a:cs typeface="+mn-cs"/>
-            </a:endParaRPr>
-          </a:p>
-        </p:txBody>
-      </p:sp>
-      <p:sp>
-        <p:nvSpPr>
-          <p:cNvPr id="3" name="Content Placeholder 2">
-            <a:extLst>
-              <a:ext uri="{FF2B5EF4-FFF2-40B4-BE49-F238E27FC236}">
-                <a16:creationId xmlns:a16="http://schemas.microsoft.com/office/drawing/2014/main" id="{37F319FF-7163-4F0F-AB17-3B32BC09CC75}"/>
-              </a:ext>
-            </a:extLst>
-          </p:cNvPr>
-          <p:cNvSpPr>
-            <a:spLocks noGrp="1"/>
-          </p:cNvSpPr>
-          <p:nvPr>
-            <p:ph idx="1"/>
-          </p:nvPr>
-        </p:nvSpPr>
-        <p:spPr>
-          <a:xfrm>
-            <a:off x="1746820" y="1787792"/>
-            <a:ext cx="7331769" cy="4784457"/>
-          </a:xfrm>
-        </p:spPr>
-        <p:txBody>
-          <a:bodyPr>
-            <a:normAutofit/>
-          </a:bodyPr>
-          <a:lstStyle/>
-          <a:p>
-            <a:r>
-              <a:rPr lang="en-IN" sz="1600" dirty="0">
-                <a:solidFill>
-                  <a:srgbClr val="FFFFFF"/>
-                </a:solidFill>
-              </a:rPr>
-              <a:t>A value is </a:t>
-            </a:r>
-            <a:r>
-              <a:rPr lang="en-IN" sz="1600" dirty="0" err="1">
-                <a:solidFill>
-                  <a:srgbClr val="FFFFFF"/>
-                </a:solidFill>
-              </a:rPr>
-              <a:t>iterable</a:t>
-            </a:r>
-            <a:r>
-              <a:rPr lang="en-IN" sz="1600" dirty="0">
-                <a:solidFill>
-                  <a:srgbClr val="FFFFFF"/>
-                </a:solidFill>
-              </a:rPr>
-              <a:t> if it has a property with key </a:t>
-            </a:r>
-            <a:r>
-              <a:rPr lang="en-IN" sz="1600" dirty="0" err="1">
-                <a:solidFill>
-                  <a:srgbClr val="FFFFFF"/>
-                </a:solidFill>
-              </a:rPr>
-              <a:t>Symbol.iterator</a:t>
-            </a:r>
-            <a:endParaRPr lang="en-IN" sz="1600" dirty="0">
-              <a:solidFill>
-                <a:srgbClr val="FFFFFF"/>
-              </a:solidFill>
-            </a:endParaRPr>
-          </a:p>
-          <a:p>
-            <a:pPr marL="457200" lvl="1" indent="0">
-              <a:buNone/>
-            </a:pPr>
-            <a:r>
-              <a:rPr lang="en-IN" sz="1600" dirty="0">
-                <a:solidFill>
-                  <a:srgbClr val="FFFFFF"/>
-                </a:solidFill>
-              </a:rPr>
-              <a:t>Ex: [1,2,3][</a:t>
-            </a:r>
-            <a:r>
-              <a:rPr lang="en-IN" sz="1600" dirty="0" err="1">
-                <a:solidFill>
-                  <a:srgbClr val="FFFFFF"/>
-                </a:solidFill>
-              </a:rPr>
-              <a:t>Symbol.iterator</a:t>
-            </a:r>
-            <a:r>
-              <a:rPr lang="en-IN" sz="1600" dirty="0">
-                <a:solidFill>
-                  <a:srgbClr val="FFFFFF"/>
-                </a:solidFill>
-              </a:rPr>
-              <a:t>] returns a function</a:t>
-            </a:r>
-          </a:p>
-          <a:p>
-            <a:pPr marL="457200" lvl="1" indent="0">
-              <a:buNone/>
-            </a:pPr>
-            <a:r>
-              <a:rPr lang="en-IN" sz="1600" dirty="0" err="1">
-                <a:solidFill>
-                  <a:srgbClr val="FFFFFF"/>
-                </a:solidFill>
-              </a:rPr>
-              <a:t>const</a:t>
-            </a:r>
-            <a:r>
-              <a:rPr lang="en-IN" sz="1600" dirty="0">
-                <a:solidFill>
-                  <a:srgbClr val="FFFFFF"/>
-                </a:solidFill>
-              </a:rPr>
-              <a:t> </a:t>
-            </a:r>
-            <a:r>
-              <a:rPr lang="en-IN" sz="1600" dirty="0" err="1">
-                <a:solidFill>
-                  <a:srgbClr val="FFFFFF"/>
-                </a:solidFill>
-              </a:rPr>
-              <a:t>arrItertor</a:t>
-            </a:r>
-            <a:r>
-              <a:rPr lang="en-IN" sz="1600" dirty="0">
-                <a:solidFill>
-                  <a:srgbClr val="FFFFFF"/>
-                </a:solidFill>
-              </a:rPr>
-              <a:t> = [1,2,3][</a:t>
-            </a:r>
-            <a:r>
-              <a:rPr lang="en-IN" sz="1600" dirty="0" err="1">
-                <a:solidFill>
-                  <a:srgbClr val="FFFFFF"/>
-                </a:solidFill>
-              </a:rPr>
-              <a:t>Symbol.iterator</a:t>
-            </a:r>
-            <a:r>
-              <a:rPr lang="en-IN" sz="1600" dirty="0">
-                <a:solidFill>
-                  <a:srgbClr val="FFFFFF"/>
-                </a:solidFill>
-              </a:rPr>
-              <a:t>]();</a:t>
-            </a:r>
-          </a:p>
-          <a:p>
-            <a:r>
-              <a:rPr lang="en-IN" sz="1600" dirty="0">
-                <a:solidFill>
-                  <a:srgbClr val="FFFFFF"/>
-                </a:solidFill>
-              </a:rPr>
-              <a:t>In </a:t>
-            </a:r>
-            <a:r>
-              <a:rPr lang="en-IN" sz="1600" dirty="0" err="1">
-                <a:solidFill>
-                  <a:srgbClr val="FFFFFF"/>
-                </a:solidFill>
-              </a:rPr>
-              <a:t>js</a:t>
-            </a:r>
-            <a:r>
-              <a:rPr lang="en-IN" sz="1600" dirty="0">
-                <a:solidFill>
-                  <a:srgbClr val="FFFFFF"/>
-                </a:solidFill>
-              </a:rPr>
-              <a:t>, (Arrays, Strings, Sets, Maps, Objects returned by keys, values, entries, DOM data structure: “[...</a:t>
-            </a:r>
-            <a:r>
-              <a:rPr lang="en-IN" sz="1600" dirty="0" err="1">
-                <a:solidFill>
-                  <a:srgbClr val="FFFFFF"/>
-                </a:solidFill>
-              </a:rPr>
-              <a:t>document.querySelectorAll</a:t>
-            </a:r>
-            <a:r>
-              <a:rPr lang="en-IN" sz="1600" dirty="0">
-                <a:solidFill>
-                  <a:srgbClr val="FFFFFF"/>
-                </a:solidFill>
-              </a:rPr>
-              <a:t>('div') ]”) are </a:t>
-            </a:r>
-            <a:r>
-              <a:rPr lang="en-IN" sz="1600" dirty="0" err="1">
-                <a:solidFill>
-                  <a:srgbClr val="FFFFFF"/>
-                </a:solidFill>
-              </a:rPr>
-              <a:t>iterable</a:t>
-            </a:r>
-            <a:endParaRPr lang="en-IN" sz="1600" dirty="0">
-              <a:solidFill>
-                <a:srgbClr val="FFFFFF"/>
-              </a:solidFill>
-            </a:endParaRPr>
-          </a:p>
-          <a:p>
-            <a:r>
-              <a:rPr lang="en-IN" sz="1600" dirty="0" err="1">
-                <a:solidFill>
-                  <a:srgbClr val="FFFFFF"/>
-                </a:solidFill>
-              </a:rPr>
-              <a:t>Iterables</a:t>
-            </a:r>
-            <a:r>
-              <a:rPr lang="en-IN" sz="1600" dirty="0">
-                <a:solidFill>
-                  <a:srgbClr val="FFFFFF"/>
-                </a:solidFill>
-              </a:rPr>
-              <a:t> are used in many places</a:t>
-            </a:r>
-          </a:p>
-          <a:p>
-            <a:pPr marL="0" indent="0">
-              <a:buNone/>
-            </a:pPr>
-            <a:r>
-              <a:rPr lang="en-IN" sz="1600" dirty="0">
-                <a:solidFill>
-                  <a:srgbClr val="FFFFFF"/>
-                </a:solidFill>
-              </a:rPr>
-              <a:t>    Ex:  1) for(</a:t>
-            </a:r>
-            <a:r>
-              <a:rPr lang="en-IN" sz="1600" dirty="0" err="1">
-                <a:solidFill>
-                  <a:srgbClr val="FFFFFF"/>
-                </a:solidFill>
-              </a:rPr>
-              <a:t>const</a:t>
-            </a:r>
-            <a:r>
-              <a:rPr lang="en-IN" sz="1600" dirty="0">
-                <a:solidFill>
-                  <a:srgbClr val="FFFFFF"/>
-                </a:solidFill>
-              </a:rPr>
-              <a:t> vale of &lt;</a:t>
-            </a:r>
-            <a:r>
-              <a:rPr lang="en-IN" sz="1600" dirty="0" err="1">
-                <a:solidFill>
-                  <a:srgbClr val="FFFFFF"/>
-                </a:solidFill>
-              </a:rPr>
-              <a:t>iterable</a:t>
-            </a:r>
-            <a:r>
-              <a:rPr lang="en-IN" sz="1600" dirty="0">
-                <a:solidFill>
-                  <a:srgbClr val="FFFFFF"/>
-                </a:solidFill>
-              </a:rPr>
-              <a:t>&gt;)</a:t>
-            </a:r>
-          </a:p>
-          <a:p>
-            <a:pPr marL="0" indent="0">
-              <a:buNone/>
-            </a:pPr>
-            <a:r>
-              <a:rPr lang="en-IN" sz="1600" dirty="0">
-                <a:solidFill>
-                  <a:srgbClr val="FFFFFF"/>
-                </a:solidFill>
-              </a:rPr>
-              <a:t>	2) Array spread [ …&lt;</a:t>
-            </a:r>
-            <a:r>
-              <a:rPr lang="en-IN" sz="1600" dirty="0" err="1">
-                <a:solidFill>
-                  <a:srgbClr val="FFFFFF"/>
-                </a:solidFill>
-              </a:rPr>
-              <a:t>iterable</a:t>
-            </a:r>
-            <a:r>
-              <a:rPr lang="en-IN" sz="1600" dirty="0">
-                <a:solidFill>
-                  <a:srgbClr val="FFFFFF"/>
-                </a:solidFill>
-              </a:rPr>
-              <a:t>&gt; ]</a:t>
-            </a:r>
-          </a:p>
-          <a:p>
-            <a:pPr marL="0" indent="0">
-              <a:buNone/>
-            </a:pPr>
-            <a:r>
-              <a:rPr lang="en-IN" sz="1600" dirty="0">
-                <a:solidFill>
-                  <a:srgbClr val="FFFFFF"/>
-                </a:solidFill>
-              </a:rPr>
-              <a:t>	3) Array </a:t>
-            </a:r>
-            <a:r>
-              <a:rPr lang="en-IN" sz="1600" dirty="0" err="1">
-                <a:solidFill>
-                  <a:srgbClr val="FFFFFF"/>
-                </a:solidFill>
-              </a:rPr>
-              <a:t>destructuring</a:t>
-            </a:r>
-            <a:r>
-              <a:rPr lang="en-IN" sz="1600" dirty="0">
-                <a:solidFill>
-                  <a:srgbClr val="FFFFFF"/>
-                </a:solidFill>
-              </a:rPr>
-              <a:t>: </a:t>
-            </a:r>
-            <a:r>
-              <a:rPr lang="en-IN" sz="1600" dirty="0" err="1">
-                <a:solidFill>
-                  <a:srgbClr val="FFFFFF"/>
-                </a:solidFill>
-              </a:rPr>
-              <a:t>const</a:t>
-            </a:r>
-            <a:r>
-              <a:rPr lang="en-IN" sz="1600" dirty="0">
-                <a:solidFill>
-                  <a:srgbClr val="FFFFFF"/>
-                </a:solidFill>
-              </a:rPr>
-              <a:t> [first, second] = &lt;</a:t>
-            </a:r>
-            <a:r>
-              <a:rPr lang="en-IN" sz="1600" dirty="0" err="1">
-                <a:solidFill>
-                  <a:srgbClr val="FFFFFF"/>
-                </a:solidFill>
-              </a:rPr>
-              <a:t>iterable</a:t>
-            </a:r>
-            <a:r>
-              <a:rPr lang="en-IN" sz="1600" dirty="0">
-                <a:solidFill>
-                  <a:srgbClr val="FFFFFF"/>
-                </a:solidFill>
-              </a:rPr>
-              <a:t>&gt;;</a:t>
-            </a:r>
-          </a:p>
-          <a:p>
-            <a:pPr marL="0" indent="0">
-              <a:buNone/>
-            </a:pPr>
-            <a:r>
-              <a:rPr lang="en-IN" sz="1600" dirty="0">
-                <a:solidFill>
-                  <a:srgbClr val="FFFFFF"/>
-                </a:solidFill>
-              </a:rPr>
-              <a:t>	4) </a:t>
-            </a:r>
-            <a:r>
-              <a:rPr lang="en-IN" sz="1600" dirty="0" err="1">
-                <a:solidFill>
-                  <a:srgbClr val="FFFFFF"/>
-                </a:solidFill>
-              </a:rPr>
-              <a:t>Array.from</a:t>
-            </a:r>
-            <a:r>
-              <a:rPr lang="en-IN" sz="1600" dirty="0">
-                <a:solidFill>
-                  <a:srgbClr val="FFFFFF"/>
-                </a:solidFill>
-              </a:rPr>
-              <a:t>(&lt;</a:t>
-            </a:r>
-            <a:r>
-              <a:rPr lang="en-IN" sz="1600" dirty="0" err="1">
-                <a:solidFill>
-                  <a:srgbClr val="FFFFFF"/>
-                </a:solidFill>
-              </a:rPr>
-              <a:t>iterable</a:t>
-            </a:r>
-            <a:r>
-              <a:rPr lang="en-IN" sz="1600" dirty="0">
-                <a:solidFill>
-                  <a:srgbClr val="FFFFFF"/>
-                </a:solidFill>
-              </a:rPr>
-              <a:t>&gt;)</a:t>
-            </a:r>
-          </a:p>
-          <a:p>
-            <a:pPr marL="0" indent="0">
-              <a:buNone/>
-            </a:pPr>
-            <a:r>
-              <a:rPr lang="en-IN" sz="1600" dirty="0">
-                <a:solidFill>
-                  <a:srgbClr val="FFFFFF"/>
-                </a:solidFill>
-              </a:rPr>
-              <a:t>	5) Set &amp; Map constructor: new Set(&lt;</a:t>
-            </a:r>
-            <a:r>
-              <a:rPr lang="en-IN" sz="1600" dirty="0" err="1">
-                <a:solidFill>
-                  <a:srgbClr val="FFFFFF"/>
-                </a:solidFill>
-              </a:rPr>
-              <a:t>iterable</a:t>
-            </a:r>
-            <a:r>
-              <a:rPr lang="en-IN" sz="1600" dirty="0">
-                <a:solidFill>
-                  <a:srgbClr val="FFFFFF"/>
-                </a:solidFill>
-              </a:rPr>
-              <a:t>&gt;);</a:t>
-            </a:r>
-          </a:p>
-          <a:p>
-            <a:pPr marL="0" indent="0">
-              <a:buNone/>
-            </a:pPr>
-            <a:r>
-              <a:rPr lang="en-IN" sz="1600" dirty="0">
-                <a:solidFill>
-                  <a:srgbClr val="FFFFFF"/>
-                </a:solidFill>
-              </a:rPr>
-              <a:t>	6) yield* operator requires &lt;</a:t>
-            </a:r>
-            <a:r>
-              <a:rPr lang="en-IN" sz="1600" dirty="0" err="1">
-                <a:solidFill>
-                  <a:srgbClr val="FFFFFF"/>
-                </a:solidFill>
-              </a:rPr>
-              <a:t>iterable</a:t>
-            </a:r>
-            <a:r>
-              <a:rPr lang="en-IN" sz="1600" dirty="0">
-                <a:solidFill>
-                  <a:srgbClr val="FFFFFF"/>
-                </a:solidFill>
-              </a:rPr>
-              <a:t>&gt;</a:t>
-            </a:r>
-          </a:p>
-          <a:p>
-            <a:pPr marL="0" indent="0">
-              <a:buNone/>
-            </a:pPr>
-            <a:endParaRPr lang="en-IN" sz="1400" dirty="0">
-              <a:solidFill>
-                <a:srgbClr val="FFFFFF"/>
-              </a:solidFill>
-            </a:endParaRPr>
-          </a:p>
-          <a:p>
-            <a:endParaRPr lang="en-IN" sz="1400" dirty="0">
-              <a:solidFill>
-                <a:srgbClr val="FFFFFF"/>
-              </a:solidFill>
-            </a:endParaRPr>
-          </a:p>
-        </p:txBody>
-      </p:sp>
-    </p:spTree>
-    <p:extLst>
-      <p:ext uri="{BB962C8B-B14F-4D97-AF65-F5344CB8AC3E}">
-        <p14:creationId xmlns:p14="http://schemas.microsoft.com/office/powerpoint/2010/main" val="1720865101"/>
-      </p:ext>
-    </p:extLst>
-  </p:cSld>
-  <p:clrMapOvr>
-    <a:overrideClrMapping bg1="dk1" tx1="lt1" bg2="dk2" tx2="lt2" accent1="accent1" accent2="accent2" accent3="accent3" accent4="accent4" accent5="accent5" accent6="accent6" hlink="hlink" folHlink="folHlink"/>
-  </p:clrMapOvr>
-</p:sld>
-</file>
-
-<file path=ppt/slides/slide2.xml><?xml version="1.0" encoding="utf-8"?>
-<p:sld xmlns:a="http://schemas.openxmlformats.org/drawingml/2006/main" xmlns:r="http://schemas.openxmlformats.org/officeDocument/2006/relationships" xmlns:p="http://schemas.openxmlformats.org/presentationml/2006/main">
-  <p:cSld>
-    <p:bg>
-      <p:bgPr>
-        <a:solidFill>
-          <a:schemeClr val="bg1">
-            <a:tint val="95000"/>
-            <a:satMod val="170000"/>
-          </a:schemeClr>
-        </a:solidFill>
-        <a:effectLst/>
-      </p:bgPr>
-    </p:bg>
-    <p:spTree>
-      <p:nvGrpSpPr>
-        <p:cNvPr id="1" name=""/>
-        <p:cNvGrpSpPr/>
-        <p:nvPr/>
-      </p:nvGrpSpPr>
-      <p:grpSpPr>
-        <a:xfrm>
-          <a:off x="0" y="0"/>
-          <a:ext cx="0" cy="0"/>
-          <a:chOff x="0" y="0"/>
-          <a:chExt cx="0" cy="0"/>
-        </a:xfrm>
-      </p:grpSpPr>
-      <p:sp>
-        <p:nvSpPr>
-          <p:cNvPr id="14" name="Freeform: Shape 7">
+          <p:cNvPr id="8" name="Freeform: Shape 7">
             <a:extLst>
               <a:ext uri="{FF2B5EF4-FFF2-40B4-BE49-F238E27FC236}">
                 <a16:creationId xmlns:a16="http://schemas.microsoft.com/office/drawing/2014/main" id="{48A740BC-A0AA-45E0-B899-2AE9C6FE11CA}"/>
@@ -7797,7 +5247,7 @@
           <p:cNvPr id="2" name="Title 1">
             <a:extLst>
               <a:ext uri="{FF2B5EF4-FFF2-40B4-BE49-F238E27FC236}">
-                <a16:creationId xmlns:a16="http://schemas.microsoft.com/office/drawing/2014/main" id="{D665EFA2-93D4-44DC-A3E5-3D08A2878014}"/>
+                <a16:creationId xmlns:a16="http://schemas.microsoft.com/office/drawing/2014/main" id="{7A340BF9-2DEC-4972-A400-6D26745A45C6}"/>
               </a:ext>
             </a:extLst>
           </p:cNvPr>
@@ -7821,15 +5271,15 @@
           <a:lstStyle/>
           <a:p>
             <a:r>
-              <a:rPr lang="en-IN" sz="4000"/>
-              <a:t>Contents	</a:t>
+              <a:rPr lang="en-IN" sz="4000" dirty="0"/>
+              <a:t>Arrays</a:t>
             </a:r>
           </a:p>
         </p:txBody>
       </p:sp>
       <p:cxnSp>
         <p:nvCxnSpPr>
-          <p:cNvPr id="15" name="Straight Arrow Connector 9">
+          <p:cNvPr id="10" name="Straight Arrow Connector 9">
             <a:extLst>
               <a:ext uri="{FF2B5EF4-FFF2-40B4-BE49-F238E27FC236}">
                 <a16:creationId xmlns:a16="http://schemas.microsoft.com/office/drawing/2014/main" id="{B874EF51-C858-4BB9-97C3-D17755787127}"/>
@@ -7882,10 +5332,10 @@
       </p:cxnSp>
       <p:sp>
         <p:nvSpPr>
-          <p:cNvPr id="16" name="Content Placeholder 2">
-            <a:extLst>
-              <a:ext uri="{FF2B5EF4-FFF2-40B4-BE49-F238E27FC236}">
-                <a16:creationId xmlns:a16="http://schemas.microsoft.com/office/drawing/2014/main" id="{81354984-0D77-4BB3-B78A-92ADE2DB0FA5}"/>
+          <p:cNvPr id="3" name="Content Placeholder 2">
+            <a:extLst>
+              <a:ext uri="{FF2B5EF4-FFF2-40B4-BE49-F238E27FC236}">
+                <a16:creationId xmlns:a16="http://schemas.microsoft.com/office/drawing/2014/main" id="{3875D498-D349-444A-B2F2-FBF7B8EE7575}"/>
               </a:ext>
             </a:extLst>
           </p:cNvPr>
@@ -7909,33 +5359,2211 @@
           <a:lstStyle/>
           <a:p>
             <a:r>
-              <a:rPr lang="en-IN" sz="2000"/>
+              <a:rPr lang="en-IN" sz="2000" dirty="0"/>
+              <a:t>Object with property names ‘0’, ‘1’, ‘2’ and so on. Property names are always strings.</a:t>
+            </a:r>
+          </a:p>
+          <a:p>
+            <a:r>
+              <a:rPr lang="en-IN" sz="2000" dirty="0"/>
+              <a:t>But we are able to access </a:t>
+            </a:r>
+            <a:r>
+              <a:rPr lang="en-IN" sz="2000" dirty="0" err="1"/>
+              <a:t>arr</a:t>
+            </a:r>
+            <a:r>
+              <a:rPr lang="en-IN" sz="2000" dirty="0"/>
+              <a:t>[0], this is because whatever we write as computed is converted to string literal</a:t>
+            </a:r>
+          </a:p>
+          <a:p>
+            <a:endParaRPr lang="en-IN" sz="2000" dirty="0"/>
+          </a:p>
+          <a:p>
+            <a:endParaRPr lang="en-IN" sz="2000" dirty="0"/>
+          </a:p>
+        </p:txBody>
+      </p:sp>
+    </p:spTree>
+    <p:extLst>
+      <p:ext uri="{BB962C8B-B14F-4D97-AF65-F5344CB8AC3E}">
+        <p14:creationId xmlns:p14="http://schemas.microsoft.com/office/powerpoint/2010/main" val="3169521418"/>
+      </p:ext>
+    </p:extLst>
+  </p:cSld>
+  <p:clrMapOvr>
+    <a:overrideClrMapping bg1="dk1" tx1="lt1" bg2="dk2" tx2="lt2" accent1="accent1" accent2="accent2" accent3="accent3" accent4="accent4" accent5="accent5" accent6="accent6" hlink="hlink" folHlink="folHlink"/>
+  </p:clrMapOvr>
+</p:sld>
+</file>
+
+<file path=ppt/slides/slide15.xml><?xml version="1.0" encoding="utf-8"?>
+<p:sld xmlns:a="http://schemas.openxmlformats.org/drawingml/2006/main" xmlns:r="http://schemas.openxmlformats.org/officeDocument/2006/relationships" xmlns:p="http://schemas.openxmlformats.org/presentationml/2006/main">
+  <p:cSld>
+    <p:spTree>
+      <p:nvGrpSpPr>
+        <p:cNvPr id="1" name=""/>
+        <p:cNvGrpSpPr/>
+        <p:nvPr/>
+      </p:nvGrpSpPr>
+      <p:grpSpPr>
+        <a:xfrm>
+          <a:off x="0" y="0"/>
+          <a:ext cx="0" cy="0"/>
+          <a:chOff x="0" y="0"/>
+          <a:chExt cx="0" cy="0"/>
+        </a:xfrm>
+      </p:grpSpPr>
+      <p:sp>
+        <p:nvSpPr>
+          <p:cNvPr id="2" name="Title 1">
+            <a:extLst>
+              <a:ext uri="{FF2B5EF4-FFF2-40B4-BE49-F238E27FC236}">
+                <a16:creationId xmlns:a16="http://schemas.microsoft.com/office/drawing/2014/main" id="{0A9215A0-A8EC-48C7-B733-0E94B04F37E2}"/>
+              </a:ext>
+            </a:extLst>
+          </p:cNvPr>
+          <p:cNvSpPr>
+            <a:spLocks noGrp="1"/>
+          </p:cNvSpPr>
+          <p:nvPr>
+            <p:ph type="title"/>
+          </p:nvPr>
+        </p:nvSpPr>
+        <p:spPr/>
+        <p:txBody>
+          <a:bodyPr/>
+          <a:lstStyle/>
+          <a:p>
+            <a:r>
+              <a:rPr lang="en-IN" dirty="0"/>
+              <a:t>Prototypal Inheritance vs Class based inheritance</a:t>
+            </a:r>
+          </a:p>
+        </p:txBody>
+      </p:sp>
+      <p:sp>
+        <p:nvSpPr>
+          <p:cNvPr id="3" name="Content Placeholder 2">
+            <a:extLst>
+              <a:ext uri="{FF2B5EF4-FFF2-40B4-BE49-F238E27FC236}">
+                <a16:creationId xmlns:a16="http://schemas.microsoft.com/office/drawing/2014/main" id="{12FE18D1-5ED4-4A2E-82E7-6CDDC62CBDD9}"/>
+              </a:ext>
+            </a:extLst>
+          </p:cNvPr>
+          <p:cNvSpPr>
+            <a:spLocks noGrp="1"/>
+          </p:cNvSpPr>
+          <p:nvPr>
+            <p:ph idx="1"/>
+          </p:nvPr>
+        </p:nvSpPr>
+        <p:spPr/>
+        <p:txBody>
+          <a:bodyPr/>
+          <a:lstStyle/>
+          <a:p>
+            <a:endParaRPr lang="en-IN" dirty="0"/>
+          </a:p>
+        </p:txBody>
+      </p:sp>
+    </p:spTree>
+    <p:extLst>
+      <p:ext uri="{BB962C8B-B14F-4D97-AF65-F5344CB8AC3E}">
+        <p14:creationId xmlns:p14="http://schemas.microsoft.com/office/powerpoint/2010/main" val="222496829"/>
+      </p:ext>
+    </p:extLst>
+  </p:cSld>
+  <p:clrMapOvr>
+    <a:masterClrMapping/>
+  </p:clrMapOvr>
+</p:sld>
+</file>
+
+<file path=ppt/slides/slide16.xml><?xml version="1.0" encoding="utf-8"?>
+<p:sld xmlns:a="http://schemas.openxmlformats.org/drawingml/2006/main" xmlns:r="http://schemas.openxmlformats.org/officeDocument/2006/relationships" xmlns:p="http://schemas.openxmlformats.org/presentationml/2006/main">
+  <p:cSld>
+    <p:bg>
+      <p:bgPr>
+        <a:solidFill>
+          <a:schemeClr val="bg1"/>
+        </a:solidFill>
+        <a:effectLst/>
+      </p:bgPr>
+    </p:bg>
+    <p:spTree>
+      <p:nvGrpSpPr>
+        <p:cNvPr id="1" name=""/>
+        <p:cNvGrpSpPr/>
+        <p:nvPr/>
+      </p:nvGrpSpPr>
+      <p:grpSpPr>
+        <a:xfrm>
+          <a:off x="0" y="0"/>
+          <a:ext cx="0" cy="0"/>
+          <a:chOff x="0" y="0"/>
+          <a:chExt cx="0" cy="0"/>
+        </a:xfrm>
+      </p:grpSpPr>
+      <p:sp>
+        <p:nvSpPr>
+          <p:cNvPr id="8" name="Rectangle 7">
+            <a:extLst>
+              <a:ext uri="{FF2B5EF4-FFF2-40B4-BE49-F238E27FC236}">
+                <a16:creationId xmlns:a16="http://schemas.microsoft.com/office/drawing/2014/main" id="{EA67B5B4-3A24-436E-B663-1B2EBFF8A0CD}"/>
+              </a:ext>
+              <a:ext uri="{C183D7F6-B498-43B3-948B-1728B52AA6E4}">
+                <adec:decorative xmlns:adec="http://schemas.microsoft.com/office/drawing/2017/decorative" val="1"/>
+              </a:ext>
+            </a:extLst>
+          </p:cNvPr>
+          <p:cNvSpPr>
+            <a:spLocks noGrp="1" noRot="1" noChangeAspect="1" noMove="1" noResize="1" noEditPoints="1" noAdjustHandles="1" noChangeArrowheads="1" noChangeShapeType="1" noTextEdit="1"/>
+          </p:cNvSpPr>
+          <p:nvPr>
+            <p:extLst>
+              <p:ext uri="{386F3935-93C4-4BCD-93E2-E3B085C9AB24}">
+                <p16:designElem xmlns:p16="http://schemas.microsoft.com/office/powerpoint/2015/main" val="1"/>
+              </p:ext>
+            </p:extLst>
+          </p:nvPr>
+        </p:nvSpPr>
+        <p:spPr>
+          <a:xfrm>
+            <a:off x="0" y="-3324"/>
+            <a:ext cx="12192000" cy="6861324"/>
+          </a:xfrm>
+          <a:prstGeom prst="rect">
+            <a:avLst/>
+          </a:prstGeom>
+          <a:solidFill>
+            <a:srgbClr val="404040"/>
+          </a:solidFill>
+          <a:ln>
+            <a:noFill/>
+          </a:ln>
+        </p:spPr>
+        <p:style>
+          <a:lnRef idx="2">
+            <a:schemeClr val="accent1">
+              <a:shade val="50000"/>
+            </a:schemeClr>
+          </a:lnRef>
+          <a:fillRef idx="1">
+            <a:schemeClr val="accent1"/>
+          </a:fillRef>
+          <a:effectRef idx="0">
+            <a:schemeClr val="accent1"/>
+          </a:effectRef>
+          <a:fontRef idx="minor">
+            <a:schemeClr val="lt1"/>
+          </a:fontRef>
+        </p:style>
+        <p:txBody>
+          <a:bodyPr rtlCol="0" anchor="ctr"/>
+          <a:lstStyle/>
+          <a:p>
+            <a:pPr marL="0" marR="0" lvl="0" indent="0" algn="ctr" defTabSz="914400" rtl="0" eaLnBrk="1" fontAlgn="auto" latinLnBrk="0" hangingPunct="1">
+              <a:lnSpc>
+                <a:spcPct val="100000"/>
+              </a:lnSpc>
+              <a:spcBef>
+                <a:spcPts val="0"/>
+              </a:spcBef>
+              <a:spcAft>
+                <a:spcPts val="0"/>
+              </a:spcAft>
+              <a:buClrTx/>
+              <a:buSzTx/>
+              <a:buFontTx/>
+              <a:buNone/>
+              <a:tabLst/>
+              <a:defRPr/>
+            </a:pPr>
+            <a:endParaRPr kumimoji="0" lang="en-US" sz="1800" b="0" i="0" u="none" strike="noStrike" kern="1200" cap="none" spc="0" normalizeH="0" baseline="0" noProof="0">
+              <a:ln>
+                <a:noFill/>
+              </a:ln>
+              <a:solidFill>
+                <a:prstClr val="white"/>
+              </a:solidFill>
+              <a:effectLst/>
+              <a:uLnTx/>
+              <a:uFillTx/>
+              <a:latin typeface="Calibri" panose="020F0502020204030204"/>
+              <a:ea typeface="+mn-ea"/>
+              <a:cs typeface="+mn-cs"/>
+            </a:endParaRPr>
+          </a:p>
+        </p:txBody>
+      </p:sp>
+      <p:sp>
+        <p:nvSpPr>
+          <p:cNvPr id="10" name="Freeform 13">
+            <a:extLst>
+              <a:ext uri="{FF2B5EF4-FFF2-40B4-BE49-F238E27FC236}">
+                <a16:creationId xmlns:a16="http://schemas.microsoft.com/office/drawing/2014/main" id="{987FDF89-C993-41F4-A1B8-DBAFF16008A9}"/>
+              </a:ext>
+              <a:ext uri="{C183D7F6-B498-43B3-948B-1728B52AA6E4}">
+                <adec:decorative xmlns:adec="http://schemas.microsoft.com/office/drawing/2017/decorative" val="1"/>
+              </a:ext>
+            </a:extLst>
+          </p:cNvPr>
+          <p:cNvSpPr>
+            <a:spLocks noGrp="1" noRot="1" noChangeAspect="1" noMove="1" noResize="1" noEditPoints="1" noAdjustHandles="1" noChangeArrowheads="1" noChangeShapeType="1" noTextEdit="1"/>
+          </p:cNvSpPr>
+          <p:nvPr>
+            <p:extLst>
+              <p:ext uri="{386F3935-93C4-4BCD-93E2-E3B085C9AB24}">
+                <p16:designElem xmlns:p16="http://schemas.microsoft.com/office/powerpoint/2015/main" val="1"/>
+              </p:ext>
+            </p:extLst>
+          </p:nvPr>
+        </p:nvSpPr>
+        <p:spPr>
+          <a:xfrm>
+            <a:off x="0" y="0"/>
+            <a:ext cx="11960028" cy="6858000"/>
+          </a:xfrm>
+          <a:custGeom>
+            <a:avLst/>
+            <a:gdLst>
+              <a:gd name="connsiteX0" fmla="*/ 0 w 11786754"/>
+              <a:gd name="connsiteY0" fmla="*/ 0 h 6858000"/>
+              <a:gd name="connsiteX1" fmla="*/ 8610600 w 11786754"/>
+              <a:gd name="connsiteY1" fmla="*/ 0 h 6858000"/>
+              <a:gd name="connsiteX2" fmla="*/ 11786754 w 11786754"/>
+              <a:gd name="connsiteY2" fmla="*/ 6858000 h 6858000"/>
+              <a:gd name="connsiteX3" fmla="*/ 0 w 11786754"/>
+              <a:gd name="connsiteY3" fmla="*/ 6858000 h 6858000"/>
+            </a:gdLst>
+            <a:ahLst/>
+            <a:cxnLst>
+              <a:cxn ang="0">
+                <a:pos x="connsiteX0" y="connsiteY0"/>
+              </a:cxn>
+              <a:cxn ang="0">
+                <a:pos x="connsiteX1" y="connsiteY1"/>
+              </a:cxn>
+              <a:cxn ang="0">
+                <a:pos x="connsiteX2" y="connsiteY2"/>
+              </a:cxn>
+              <a:cxn ang="0">
+                <a:pos x="connsiteX3" y="connsiteY3"/>
+              </a:cxn>
+            </a:cxnLst>
+            <a:rect l="l" t="t" r="r" b="b"/>
+            <a:pathLst>
+              <a:path w="11786754" h="6858000">
+                <a:moveTo>
+                  <a:pt x="0" y="0"/>
+                </a:moveTo>
+                <a:lnTo>
+                  <a:pt x="8610600" y="0"/>
+                </a:lnTo>
+                <a:lnTo>
+                  <a:pt x="11786754" y="6858000"/>
+                </a:lnTo>
+                <a:lnTo>
+                  <a:pt x="0" y="6858000"/>
+                </a:lnTo>
+                <a:close/>
+              </a:path>
+            </a:pathLst>
+          </a:custGeom>
+          <a:solidFill>
+            <a:srgbClr val="000000">
+              <a:alpha val="29804"/>
+            </a:srgbClr>
+          </a:solidFill>
+          <a:ln>
+            <a:noFill/>
+          </a:ln>
+        </p:spPr>
+        <p:style>
+          <a:lnRef idx="2">
+            <a:schemeClr val="accent1">
+              <a:shade val="50000"/>
+            </a:schemeClr>
+          </a:lnRef>
+          <a:fillRef idx="1">
+            <a:schemeClr val="accent1"/>
+          </a:fillRef>
+          <a:effectRef idx="0">
+            <a:schemeClr val="accent1"/>
+          </a:effectRef>
+          <a:fontRef idx="minor">
+            <a:schemeClr val="lt1"/>
+          </a:fontRef>
+        </p:style>
+        <p:txBody>
+          <a:bodyPr rtlCol="0" anchor="ctr"/>
+          <a:lstStyle/>
+          <a:p>
+            <a:pPr marL="0" marR="0" lvl="0" indent="0" algn="ctr" defTabSz="914400" rtl="0" eaLnBrk="1" fontAlgn="auto" latinLnBrk="0" hangingPunct="1">
+              <a:lnSpc>
+                <a:spcPct val="100000"/>
+              </a:lnSpc>
+              <a:spcBef>
+                <a:spcPts val="0"/>
+              </a:spcBef>
+              <a:spcAft>
+                <a:spcPts val="0"/>
+              </a:spcAft>
+              <a:buClrTx/>
+              <a:buSzTx/>
+              <a:buFontTx/>
+              <a:buNone/>
+              <a:tabLst/>
+              <a:defRPr/>
+            </a:pPr>
+            <a:endParaRPr kumimoji="0" lang="en-US" sz="1800" b="0" i="0" u="none" strike="noStrike" kern="1200" cap="none" spc="0" normalizeH="0" baseline="0" noProof="0">
+              <a:ln>
+                <a:noFill/>
+              </a:ln>
+              <a:solidFill>
+                <a:prstClr val="white"/>
+              </a:solidFill>
+              <a:effectLst/>
+              <a:uLnTx/>
+              <a:uFillTx/>
+              <a:latin typeface="Calibri" panose="020F0502020204030204"/>
+              <a:ea typeface="+mn-ea"/>
+              <a:cs typeface="+mn-cs"/>
+            </a:endParaRPr>
+          </a:p>
+        </p:txBody>
+      </p:sp>
+      <p:sp>
+        <p:nvSpPr>
+          <p:cNvPr id="12" name="Freeform: Shape 11">
+            <a:extLst>
+              <a:ext uri="{FF2B5EF4-FFF2-40B4-BE49-F238E27FC236}">
+                <a16:creationId xmlns:a16="http://schemas.microsoft.com/office/drawing/2014/main" id="{9FA64B84-CE2D-4179-B018-A71AC174C71C}"/>
+              </a:ext>
+              <a:ext uri="{C183D7F6-B498-43B3-948B-1728B52AA6E4}">
+                <adec:decorative xmlns:adec="http://schemas.microsoft.com/office/drawing/2017/decorative" val="1"/>
+              </a:ext>
+            </a:extLst>
+          </p:cNvPr>
+          <p:cNvSpPr>
+            <a:spLocks noGrp="1" noRot="1" noChangeAspect="1" noMove="1" noResize="1" noEditPoints="1" noAdjustHandles="1" noChangeArrowheads="1" noChangeShapeType="1" noTextEdit="1"/>
+          </p:cNvSpPr>
+          <p:nvPr>
+            <p:extLst>
+              <p:ext uri="{386F3935-93C4-4BCD-93E2-E3B085C9AB24}">
+                <p16:designElem xmlns:p16="http://schemas.microsoft.com/office/powerpoint/2015/main" val="1"/>
+              </p:ext>
+            </p:extLst>
+          </p:nvPr>
+        </p:nvSpPr>
+        <p:spPr>
+          <a:xfrm>
+            <a:off x="0" y="0"/>
+            <a:ext cx="3459632" cy="6858000"/>
+          </a:xfrm>
+          <a:custGeom>
+            <a:avLst/>
+            <a:gdLst>
+              <a:gd name="connsiteX0" fmla="*/ 0 w 3459632"/>
+              <a:gd name="connsiteY0" fmla="*/ 0 h 6858000"/>
+              <a:gd name="connsiteX1" fmla="*/ 283478 w 3459632"/>
+              <a:gd name="connsiteY1" fmla="*/ 0 h 6858000"/>
+              <a:gd name="connsiteX2" fmla="*/ 3459632 w 3459632"/>
+              <a:gd name="connsiteY2" fmla="*/ 6858000 h 6858000"/>
+              <a:gd name="connsiteX3" fmla="*/ 0 w 3459632"/>
+              <a:gd name="connsiteY3" fmla="*/ 6858000 h 6858000"/>
+            </a:gdLst>
+            <a:ahLst/>
+            <a:cxnLst>
+              <a:cxn ang="0">
+                <a:pos x="connsiteX0" y="connsiteY0"/>
+              </a:cxn>
+              <a:cxn ang="0">
+                <a:pos x="connsiteX1" y="connsiteY1"/>
+              </a:cxn>
+              <a:cxn ang="0">
+                <a:pos x="connsiteX2" y="connsiteY2"/>
+              </a:cxn>
+              <a:cxn ang="0">
+                <a:pos x="connsiteX3" y="connsiteY3"/>
+              </a:cxn>
+            </a:cxnLst>
+            <a:rect l="l" t="t" r="r" b="b"/>
+            <a:pathLst>
+              <a:path w="3459632" h="6858000">
+                <a:moveTo>
+                  <a:pt x="0" y="0"/>
+                </a:moveTo>
+                <a:lnTo>
+                  <a:pt x="283478" y="0"/>
+                </a:lnTo>
+                <a:lnTo>
+                  <a:pt x="3459632" y="6858000"/>
+                </a:lnTo>
+                <a:lnTo>
+                  <a:pt x="0" y="6858000"/>
+                </a:lnTo>
+                <a:close/>
+              </a:path>
+            </a:pathLst>
+          </a:custGeom>
+          <a:solidFill>
+            <a:srgbClr val="000000">
+              <a:alpha val="29804"/>
+            </a:srgbClr>
+          </a:solidFill>
+          <a:ln>
+            <a:noFill/>
+          </a:ln>
+        </p:spPr>
+        <p:style>
+          <a:lnRef idx="2">
+            <a:schemeClr val="accent1">
+              <a:shade val="50000"/>
+            </a:schemeClr>
+          </a:lnRef>
+          <a:fillRef idx="1">
+            <a:schemeClr val="accent1"/>
+          </a:fillRef>
+          <a:effectRef idx="0">
+            <a:schemeClr val="accent1"/>
+          </a:effectRef>
+          <a:fontRef idx="minor">
+            <a:schemeClr val="lt1"/>
+          </a:fontRef>
+        </p:style>
+        <p:txBody>
+          <a:bodyPr wrap="square" rtlCol="0" anchor="ctr">
+            <a:noAutofit/>
+          </a:bodyPr>
+          <a:lstStyle/>
+          <a:p>
+            <a:pPr marL="0" marR="0" lvl="0" indent="0" algn="ctr" defTabSz="914400" rtl="0" eaLnBrk="1" fontAlgn="auto" latinLnBrk="0" hangingPunct="1">
+              <a:lnSpc>
+                <a:spcPct val="100000"/>
+              </a:lnSpc>
+              <a:spcBef>
+                <a:spcPts val="0"/>
+              </a:spcBef>
+              <a:spcAft>
+                <a:spcPts val="0"/>
+              </a:spcAft>
+              <a:buClrTx/>
+              <a:buSzTx/>
+              <a:buFontTx/>
+              <a:buNone/>
+              <a:tabLst/>
+              <a:defRPr/>
+            </a:pPr>
+            <a:endParaRPr kumimoji="0" lang="en-US" sz="1800" b="0" i="0" u="none" strike="noStrike" kern="1200" cap="none" spc="0" normalizeH="0" baseline="0" noProof="0">
+              <a:ln>
+                <a:noFill/>
+              </a:ln>
+              <a:solidFill>
+                <a:prstClr val="white"/>
+              </a:solidFill>
+              <a:effectLst/>
+              <a:uLnTx/>
+              <a:uFillTx/>
+              <a:latin typeface="Calibri" panose="020F0502020204030204"/>
+              <a:ea typeface="+mn-ea"/>
+              <a:cs typeface="+mn-cs"/>
+            </a:endParaRPr>
+          </a:p>
+        </p:txBody>
+      </p:sp>
+      <p:sp>
+        <p:nvSpPr>
+          <p:cNvPr id="2" name="Title 1">
+            <a:extLst>
+              <a:ext uri="{FF2B5EF4-FFF2-40B4-BE49-F238E27FC236}">
+                <a16:creationId xmlns:a16="http://schemas.microsoft.com/office/drawing/2014/main" id="{6599601C-081B-4C5C-99AD-A3BC432AE29C}"/>
+              </a:ext>
+            </a:extLst>
+          </p:cNvPr>
+          <p:cNvSpPr>
+            <a:spLocks noGrp="1"/>
+          </p:cNvSpPr>
+          <p:nvPr>
+            <p:ph type="title"/>
+          </p:nvPr>
+        </p:nvSpPr>
+        <p:spPr>
+          <a:xfrm>
+            <a:off x="3111963" y="0"/>
+            <a:ext cx="5968074" cy="949593"/>
+          </a:xfrm>
+        </p:spPr>
+        <p:txBody>
+          <a:bodyPr>
+            <a:normAutofit/>
+          </a:bodyPr>
+          <a:lstStyle/>
+          <a:p>
+            <a:r>
+              <a:rPr lang="en-IN" dirty="0" err="1">
+                <a:solidFill>
+                  <a:srgbClr val="FFFFFF"/>
+                </a:solidFill>
+              </a:rPr>
+              <a:t>Iterables</a:t>
+            </a:r>
+            <a:endParaRPr lang="en-IN" dirty="0">
+              <a:solidFill>
+                <a:srgbClr val="FFFFFF"/>
+              </a:solidFill>
+            </a:endParaRPr>
+          </a:p>
+        </p:txBody>
+      </p:sp>
+      <p:sp>
+        <p:nvSpPr>
+          <p:cNvPr id="14" name="TextBox 13">
+            <a:extLst>
+              <a:ext uri="{FF2B5EF4-FFF2-40B4-BE49-F238E27FC236}">
+                <a16:creationId xmlns:a16="http://schemas.microsoft.com/office/drawing/2014/main" id="{4795A2E2-224B-4FA0-B323-9E61AD30697F}"/>
+              </a:ext>
+              <a:ext uri="{C183D7F6-B498-43B3-948B-1728B52AA6E4}">
+                <adec:decorative xmlns:adec="http://schemas.microsoft.com/office/drawing/2017/decorative" val="1"/>
+              </a:ext>
+            </a:extLst>
+          </p:cNvPr>
+          <p:cNvSpPr txBox="1">
+            <a:spLocks noGrp="1" noRot="1" noChangeAspect="1" noMove="1" noResize="1" noEditPoints="1" noAdjustHandles="1" noChangeArrowheads="1" noChangeShapeType="1" noTextEdit="1"/>
+          </p:cNvSpPr>
+          <p:nvPr>
+            <p:extLst>
+              <p:ext uri="{386F3935-93C4-4BCD-93E2-E3B085C9AB24}">
+                <p16:designElem xmlns:p16="http://schemas.microsoft.com/office/powerpoint/2015/main" val="1"/>
+              </p:ext>
+            </p:extLst>
+          </p:nvPr>
+        </p:nvSpPr>
+        <p:spPr>
+          <a:xfrm>
+            <a:off x="833002" y="1870075"/>
+            <a:ext cx="9612178" cy="595651"/>
+          </a:xfrm>
+          <a:prstGeom prst="rect">
+            <a:avLst/>
+          </a:prstGeom>
+          <a:noFill/>
+        </p:spPr>
+        <p:txBody>
+          <a:bodyPr wrap="square" rtlCol="0" anchor="t">
+            <a:normAutofit/>
+          </a:bodyPr>
+          <a:lstStyle/>
+          <a:p>
+            <a:pPr marL="0" marR="0" lvl="0" indent="0" algn="l" defTabSz="914400" rtl="0" eaLnBrk="1" fontAlgn="auto" latinLnBrk="0" hangingPunct="1">
+              <a:lnSpc>
+                <a:spcPct val="120000"/>
+              </a:lnSpc>
+              <a:spcBef>
+                <a:spcPts val="0"/>
+              </a:spcBef>
+              <a:spcAft>
+                <a:spcPts val="0"/>
+              </a:spcAft>
+              <a:buClrTx/>
+              <a:buSzTx/>
+              <a:buFontTx/>
+              <a:buNone/>
+              <a:tabLst/>
+              <a:defRPr/>
+            </a:pPr>
+            <a:endParaRPr kumimoji="0" lang="en-US" sz="2000" b="0" i="0" u="none" strike="noStrike" kern="1200" cap="none" spc="0" normalizeH="0" baseline="0" noProof="0" dirty="0">
+              <a:ln>
+                <a:noFill/>
+              </a:ln>
+              <a:solidFill>
+                <a:srgbClr val="FFC000"/>
+              </a:solidFill>
+              <a:effectLst/>
+              <a:uLnTx/>
+              <a:uFillTx/>
+              <a:latin typeface="Calibri" panose="020F0502020204030204"/>
+              <a:ea typeface="+mn-ea"/>
+              <a:cs typeface="+mn-cs"/>
+            </a:endParaRPr>
+          </a:p>
+        </p:txBody>
+      </p:sp>
+      <p:sp>
+        <p:nvSpPr>
+          <p:cNvPr id="3" name="Content Placeholder 2">
+            <a:extLst>
+              <a:ext uri="{FF2B5EF4-FFF2-40B4-BE49-F238E27FC236}">
+                <a16:creationId xmlns:a16="http://schemas.microsoft.com/office/drawing/2014/main" id="{37F319FF-7163-4F0F-AB17-3B32BC09CC75}"/>
+              </a:ext>
+            </a:extLst>
+          </p:cNvPr>
+          <p:cNvSpPr>
+            <a:spLocks noGrp="1"/>
+          </p:cNvSpPr>
+          <p:nvPr>
+            <p:ph idx="1"/>
+          </p:nvPr>
+        </p:nvSpPr>
+        <p:spPr>
+          <a:xfrm>
+            <a:off x="1746820" y="1787792"/>
+            <a:ext cx="7331769" cy="4784457"/>
+          </a:xfrm>
+        </p:spPr>
+        <p:txBody>
+          <a:bodyPr>
+            <a:normAutofit/>
+          </a:bodyPr>
+          <a:lstStyle/>
+          <a:p>
+            <a:r>
+              <a:rPr lang="en-IN" sz="1600" dirty="0">
+                <a:solidFill>
+                  <a:srgbClr val="FFFFFF"/>
+                </a:solidFill>
+              </a:rPr>
+              <a:t>A value is </a:t>
+            </a:r>
+            <a:r>
+              <a:rPr lang="en-IN" sz="1600" dirty="0" err="1">
+                <a:solidFill>
+                  <a:srgbClr val="FFFFFF"/>
+                </a:solidFill>
+              </a:rPr>
+              <a:t>iterable</a:t>
+            </a:r>
+            <a:r>
+              <a:rPr lang="en-IN" sz="1600" dirty="0">
+                <a:solidFill>
+                  <a:srgbClr val="FFFFFF"/>
+                </a:solidFill>
+              </a:rPr>
+              <a:t> if it has a property with key </a:t>
+            </a:r>
+            <a:r>
+              <a:rPr lang="en-IN" sz="1600" dirty="0" err="1">
+                <a:solidFill>
+                  <a:srgbClr val="FFFFFF"/>
+                </a:solidFill>
+              </a:rPr>
+              <a:t>Symbol.iterator</a:t>
+            </a:r>
+            <a:endParaRPr lang="en-IN" sz="1600" dirty="0">
+              <a:solidFill>
+                <a:srgbClr val="FFFFFF"/>
+              </a:solidFill>
+            </a:endParaRPr>
+          </a:p>
+          <a:p>
+            <a:pPr marL="457200" lvl="1" indent="0">
+              <a:buNone/>
+            </a:pPr>
+            <a:r>
+              <a:rPr lang="en-IN" sz="1600" dirty="0">
+                <a:solidFill>
+                  <a:srgbClr val="FFFFFF"/>
+                </a:solidFill>
+              </a:rPr>
+              <a:t>Ex: [1,2,3][</a:t>
+            </a:r>
+            <a:r>
+              <a:rPr lang="en-IN" sz="1600" dirty="0" err="1">
+                <a:solidFill>
+                  <a:srgbClr val="FFFFFF"/>
+                </a:solidFill>
+              </a:rPr>
+              <a:t>Symbol.iterator</a:t>
+            </a:r>
+            <a:r>
+              <a:rPr lang="en-IN" sz="1600" dirty="0">
+                <a:solidFill>
+                  <a:srgbClr val="FFFFFF"/>
+                </a:solidFill>
+              </a:rPr>
+              <a:t>] returns a function</a:t>
+            </a:r>
+          </a:p>
+          <a:p>
+            <a:pPr marL="457200" lvl="1" indent="0">
+              <a:buNone/>
+            </a:pPr>
+            <a:r>
+              <a:rPr lang="en-IN" sz="1600" dirty="0" err="1">
+                <a:solidFill>
+                  <a:srgbClr val="FFFFFF"/>
+                </a:solidFill>
+              </a:rPr>
+              <a:t>const</a:t>
+            </a:r>
+            <a:r>
+              <a:rPr lang="en-IN" sz="1600" dirty="0">
+                <a:solidFill>
+                  <a:srgbClr val="FFFFFF"/>
+                </a:solidFill>
+              </a:rPr>
+              <a:t> </a:t>
+            </a:r>
+            <a:r>
+              <a:rPr lang="en-IN" sz="1600" dirty="0" err="1">
+                <a:solidFill>
+                  <a:srgbClr val="FFFFFF"/>
+                </a:solidFill>
+              </a:rPr>
+              <a:t>arrItertor</a:t>
+            </a:r>
+            <a:r>
+              <a:rPr lang="en-IN" sz="1600" dirty="0">
+                <a:solidFill>
+                  <a:srgbClr val="FFFFFF"/>
+                </a:solidFill>
+              </a:rPr>
+              <a:t> = [1,2,3][</a:t>
+            </a:r>
+            <a:r>
+              <a:rPr lang="en-IN" sz="1600" dirty="0" err="1">
+                <a:solidFill>
+                  <a:srgbClr val="FFFFFF"/>
+                </a:solidFill>
+              </a:rPr>
+              <a:t>Symbol.iterator</a:t>
+            </a:r>
+            <a:r>
+              <a:rPr lang="en-IN" sz="1600" dirty="0">
+                <a:solidFill>
+                  <a:srgbClr val="FFFFFF"/>
+                </a:solidFill>
+              </a:rPr>
+              <a:t>]();</a:t>
+            </a:r>
+          </a:p>
+          <a:p>
+            <a:r>
+              <a:rPr lang="en-IN" sz="1600" dirty="0">
+                <a:solidFill>
+                  <a:srgbClr val="FFFFFF"/>
+                </a:solidFill>
+              </a:rPr>
+              <a:t>In </a:t>
+            </a:r>
+            <a:r>
+              <a:rPr lang="en-IN" sz="1600" dirty="0" err="1">
+                <a:solidFill>
+                  <a:srgbClr val="FFFFFF"/>
+                </a:solidFill>
+              </a:rPr>
+              <a:t>js</a:t>
+            </a:r>
+            <a:r>
+              <a:rPr lang="en-IN" sz="1600" dirty="0">
+                <a:solidFill>
+                  <a:srgbClr val="FFFFFF"/>
+                </a:solidFill>
+              </a:rPr>
+              <a:t>, (Arrays, Strings, Sets, Maps, Objects returned by keys, values, entries, DOM data structure: “[...</a:t>
+            </a:r>
+            <a:r>
+              <a:rPr lang="en-IN" sz="1600" dirty="0" err="1">
+                <a:solidFill>
+                  <a:srgbClr val="FFFFFF"/>
+                </a:solidFill>
+              </a:rPr>
+              <a:t>document.querySelectorAll</a:t>
+            </a:r>
+            <a:r>
+              <a:rPr lang="en-IN" sz="1600" dirty="0">
+                <a:solidFill>
+                  <a:srgbClr val="FFFFFF"/>
+                </a:solidFill>
+              </a:rPr>
+              <a:t>('div') ]”) are </a:t>
+            </a:r>
+            <a:r>
+              <a:rPr lang="en-IN" sz="1600" dirty="0" err="1">
+                <a:solidFill>
+                  <a:srgbClr val="FFFFFF"/>
+                </a:solidFill>
+              </a:rPr>
+              <a:t>iterable</a:t>
+            </a:r>
+            <a:endParaRPr lang="en-IN" sz="1600" dirty="0">
+              <a:solidFill>
+                <a:srgbClr val="FFFFFF"/>
+              </a:solidFill>
+            </a:endParaRPr>
+          </a:p>
+          <a:p>
+            <a:r>
+              <a:rPr lang="en-IN" sz="1600" dirty="0" err="1">
+                <a:solidFill>
+                  <a:srgbClr val="FFFFFF"/>
+                </a:solidFill>
+              </a:rPr>
+              <a:t>Iterables</a:t>
+            </a:r>
+            <a:r>
+              <a:rPr lang="en-IN" sz="1600" dirty="0">
+                <a:solidFill>
+                  <a:srgbClr val="FFFFFF"/>
+                </a:solidFill>
+              </a:rPr>
+              <a:t> are used in many places</a:t>
+            </a:r>
+          </a:p>
+          <a:p>
+            <a:pPr marL="0" indent="0">
+              <a:buNone/>
+            </a:pPr>
+            <a:r>
+              <a:rPr lang="en-IN" sz="1600" dirty="0">
+                <a:solidFill>
+                  <a:srgbClr val="FFFFFF"/>
+                </a:solidFill>
+              </a:rPr>
+              <a:t>    Ex:  1) for(</a:t>
+            </a:r>
+            <a:r>
+              <a:rPr lang="en-IN" sz="1600" dirty="0" err="1">
+                <a:solidFill>
+                  <a:srgbClr val="FFFFFF"/>
+                </a:solidFill>
+              </a:rPr>
+              <a:t>const</a:t>
+            </a:r>
+            <a:r>
+              <a:rPr lang="en-IN" sz="1600" dirty="0">
+                <a:solidFill>
+                  <a:srgbClr val="FFFFFF"/>
+                </a:solidFill>
+              </a:rPr>
+              <a:t> vale of &lt;</a:t>
+            </a:r>
+            <a:r>
+              <a:rPr lang="en-IN" sz="1600" dirty="0" err="1">
+                <a:solidFill>
+                  <a:srgbClr val="FFFFFF"/>
+                </a:solidFill>
+              </a:rPr>
+              <a:t>iterable</a:t>
+            </a:r>
+            <a:r>
+              <a:rPr lang="en-IN" sz="1600" dirty="0">
+                <a:solidFill>
+                  <a:srgbClr val="FFFFFF"/>
+                </a:solidFill>
+              </a:rPr>
+              <a:t>&gt;)</a:t>
+            </a:r>
+          </a:p>
+          <a:p>
+            <a:pPr marL="0" indent="0">
+              <a:buNone/>
+            </a:pPr>
+            <a:r>
+              <a:rPr lang="en-IN" sz="1600" dirty="0">
+                <a:solidFill>
+                  <a:srgbClr val="FFFFFF"/>
+                </a:solidFill>
+              </a:rPr>
+              <a:t>	2) Array spread [ …&lt;</a:t>
+            </a:r>
+            <a:r>
+              <a:rPr lang="en-IN" sz="1600" dirty="0" err="1">
+                <a:solidFill>
+                  <a:srgbClr val="FFFFFF"/>
+                </a:solidFill>
+              </a:rPr>
+              <a:t>iterable</a:t>
+            </a:r>
+            <a:r>
+              <a:rPr lang="en-IN" sz="1600" dirty="0">
+                <a:solidFill>
+                  <a:srgbClr val="FFFFFF"/>
+                </a:solidFill>
+              </a:rPr>
+              <a:t>&gt; ]</a:t>
+            </a:r>
+          </a:p>
+          <a:p>
+            <a:pPr marL="0" indent="0">
+              <a:buNone/>
+            </a:pPr>
+            <a:r>
+              <a:rPr lang="en-IN" sz="1600" dirty="0">
+                <a:solidFill>
+                  <a:srgbClr val="FFFFFF"/>
+                </a:solidFill>
+              </a:rPr>
+              <a:t>	3) Array </a:t>
+            </a:r>
+            <a:r>
+              <a:rPr lang="en-IN" sz="1600" dirty="0" err="1">
+                <a:solidFill>
+                  <a:srgbClr val="FFFFFF"/>
+                </a:solidFill>
+              </a:rPr>
+              <a:t>destructuring</a:t>
+            </a:r>
+            <a:r>
+              <a:rPr lang="en-IN" sz="1600" dirty="0">
+                <a:solidFill>
+                  <a:srgbClr val="FFFFFF"/>
+                </a:solidFill>
+              </a:rPr>
+              <a:t>: </a:t>
+            </a:r>
+            <a:r>
+              <a:rPr lang="en-IN" sz="1600" dirty="0" err="1">
+                <a:solidFill>
+                  <a:srgbClr val="FFFFFF"/>
+                </a:solidFill>
+              </a:rPr>
+              <a:t>const</a:t>
+            </a:r>
+            <a:r>
+              <a:rPr lang="en-IN" sz="1600" dirty="0">
+                <a:solidFill>
+                  <a:srgbClr val="FFFFFF"/>
+                </a:solidFill>
+              </a:rPr>
+              <a:t> [first, second] = &lt;</a:t>
+            </a:r>
+            <a:r>
+              <a:rPr lang="en-IN" sz="1600" dirty="0" err="1">
+                <a:solidFill>
+                  <a:srgbClr val="FFFFFF"/>
+                </a:solidFill>
+              </a:rPr>
+              <a:t>iterable</a:t>
+            </a:r>
+            <a:r>
+              <a:rPr lang="en-IN" sz="1600" dirty="0">
+                <a:solidFill>
+                  <a:srgbClr val="FFFFFF"/>
+                </a:solidFill>
+              </a:rPr>
+              <a:t>&gt;;</a:t>
+            </a:r>
+          </a:p>
+          <a:p>
+            <a:pPr marL="0" indent="0">
+              <a:buNone/>
+            </a:pPr>
+            <a:r>
+              <a:rPr lang="en-IN" sz="1600" dirty="0">
+                <a:solidFill>
+                  <a:srgbClr val="FFFFFF"/>
+                </a:solidFill>
+              </a:rPr>
+              <a:t>	4) </a:t>
+            </a:r>
+            <a:r>
+              <a:rPr lang="en-IN" sz="1600" dirty="0" err="1">
+                <a:solidFill>
+                  <a:srgbClr val="FFFFFF"/>
+                </a:solidFill>
+              </a:rPr>
+              <a:t>Array.from</a:t>
+            </a:r>
+            <a:r>
+              <a:rPr lang="en-IN" sz="1600" dirty="0">
+                <a:solidFill>
+                  <a:srgbClr val="FFFFFF"/>
+                </a:solidFill>
+              </a:rPr>
+              <a:t>(&lt;</a:t>
+            </a:r>
+            <a:r>
+              <a:rPr lang="en-IN" sz="1600" dirty="0" err="1">
+                <a:solidFill>
+                  <a:srgbClr val="FFFFFF"/>
+                </a:solidFill>
+              </a:rPr>
+              <a:t>iterable</a:t>
+            </a:r>
+            <a:r>
+              <a:rPr lang="en-IN" sz="1600" dirty="0">
+                <a:solidFill>
+                  <a:srgbClr val="FFFFFF"/>
+                </a:solidFill>
+              </a:rPr>
+              <a:t>&gt;)</a:t>
+            </a:r>
+          </a:p>
+          <a:p>
+            <a:pPr marL="0" indent="0">
+              <a:buNone/>
+            </a:pPr>
+            <a:r>
+              <a:rPr lang="en-IN" sz="1600" dirty="0">
+                <a:solidFill>
+                  <a:srgbClr val="FFFFFF"/>
+                </a:solidFill>
+              </a:rPr>
+              <a:t>	5) Set &amp; Map constructor: new Set(&lt;</a:t>
+            </a:r>
+            <a:r>
+              <a:rPr lang="en-IN" sz="1600" dirty="0" err="1">
+                <a:solidFill>
+                  <a:srgbClr val="FFFFFF"/>
+                </a:solidFill>
+              </a:rPr>
+              <a:t>iterable</a:t>
+            </a:r>
+            <a:r>
+              <a:rPr lang="en-IN" sz="1600" dirty="0">
+                <a:solidFill>
+                  <a:srgbClr val="FFFFFF"/>
+                </a:solidFill>
+              </a:rPr>
+              <a:t>&gt;);</a:t>
+            </a:r>
+          </a:p>
+          <a:p>
+            <a:pPr marL="0" indent="0">
+              <a:buNone/>
+            </a:pPr>
+            <a:r>
+              <a:rPr lang="en-IN" sz="1600" dirty="0">
+                <a:solidFill>
+                  <a:srgbClr val="FFFFFF"/>
+                </a:solidFill>
+              </a:rPr>
+              <a:t>	6) yield* operator requires &lt;</a:t>
+            </a:r>
+            <a:r>
+              <a:rPr lang="en-IN" sz="1600" dirty="0" err="1">
+                <a:solidFill>
+                  <a:srgbClr val="FFFFFF"/>
+                </a:solidFill>
+              </a:rPr>
+              <a:t>iterable</a:t>
+            </a:r>
+            <a:r>
+              <a:rPr lang="en-IN" sz="1600" dirty="0">
+                <a:solidFill>
+                  <a:srgbClr val="FFFFFF"/>
+                </a:solidFill>
+              </a:rPr>
+              <a:t>&gt;</a:t>
+            </a:r>
+          </a:p>
+          <a:p>
+            <a:pPr marL="0" indent="0">
+              <a:buNone/>
+            </a:pPr>
+            <a:endParaRPr lang="en-IN" sz="1400" dirty="0">
+              <a:solidFill>
+                <a:srgbClr val="FFFFFF"/>
+              </a:solidFill>
+            </a:endParaRPr>
+          </a:p>
+          <a:p>
+            <a:endParaRPr lang="en-IN" sz="1400" dirty="0">
+              <a:solidFill>
+                <a:srgbClr val="FFFFFF"/>
+              </a:solidFill>
+            </a:endParaRPr>
+          </a:p>
+        </p:txBody>
+      </p:sp>
+    </p:spTree>
+    <p:extLst>
+      <p:ext uri="{BB962C8B-B14F-4D97-AF65-F5344CB8AC3E}">
+        <p14:creationId xmlns:p14="http://schemas.microsoft.com/office/powerpoint/2010/main" val="1720865101"/>
+      </p:ext>
+    </p:extLst>
+  </p:cSld>
+  <p:clrMapOvr>
+    <a:overrideClrMapping bg1="dk1" tx1="lt1" bg2="dk2" tx2="lt2" accent1="accent1" accent2="accent2" accent3="accent3" accent4="accent4" accent5="accent5" accent6="accent6" hlink="hlink" folHlink="folHlink"/>
+  </p:clrMapOvr>
+</p:sld>
+</file>
+
+<file path=ppt/slides/slide17.xml><?xml version="1.0" encoding="utf-8"?>
+<p:sld xmlns:a="http://schemas.openxmlformats.org/drawingml/2006/main" xmlns:r="http://schemas.openxmlformats.org/officeDocument/2006/relationships" xmlns:p="http://schemas.openxmlformats.org/presentationml/2006/main">
+  <p:cSld>
+    <p:bg>
+      <p:bgPr>
+        <a:solidFill>
+          <a:schemeClr val="bg1"/>
+        </a:solidFill>
+        <a:effectLst/>
+      </p:bgPr>
+    </p:bg>
+    <p:spTree>
+      <p:nvGrpSpPr>
+        <p:cNvPr id="1" name=""/>
+        <p:cNvGrpSpPr/>
+        <p:nvPr/>
+      </p:nvGrpSpPr>
+      <p:grpSpPr>
+        <a:xfrm>
+          <a:off x="0" y="0"/>
+          <a:ext cx="0" cy="0"/>
+          <a:chOff x="0" y="0"/>
+          <a:chExt cx="0" cy="0"/>
+        </a:xfrm>
+      </p:grpSpPr>
+      <p:sp>
+        <p:nvSpPr>
+          <p:cNvPr id="8" name="Rectangle 7">
+            <a:extLst>
+              <a:ext uri="{FF2B5EF4-FFF2-40B4-BE49-F238E27FC236}">
+                <a16:creationId xmlns:a16="http://schemas.microsoft.com/office/drawing/2014/main" id="{EA67B5B4-3A24-436E-B663-1B2EBFF8A0CD}"/>
+              </a:ext>
+              <a:ext uri="{C183D7F6-B498-43B3-948B-1728B52AA6E4}">
+                <adec:decorative xmlns:adec="http://schemas.microsoft.com/office/drawing/2017/decorative" val="1"/>
+              </a:ext>
+            </a:extLst>
+          </p:cNvPr>
+          <p:cNvSpPr>
+            <a:spLocks noGrp="1" noRot="1" noChangeAspect="1" noMove="1" noResize="1" noEditPoints="1" noAdjustHandles="1" noChangeArrowheads="1" noChangeShapeType="1" noTextEdit="1"/>
+          </p:cNvSpPr>
+          <p:nvPr>
+            <p:extLst>
+              <p:ext uri="{386F3935-93C4-4BCD-93E2-E3B085C9AB24}">
+                <p16:designElem xmlns:p16="http://schemas.microsoft.com/office/powerpoint/2015/main" val="1"/>
+              </p:ext>
+            </p:extLst>
+          </p:nvPr>
+        </p:nvSpPr>
+        <p:spPr>
+          <a:xfrm>
+            <a:off x="0" y="-3324"/>
+            <a:ext cx="12192000" cy="6861324"/>
+          </a:xfrm>
+          <a:prstGeom prst="rect">
+            <a:avLst/>
+          </a:prstGeom>
+          <a:solidFill>
+            <a:srgbClr val="404040"/>
+          </a:solidFill>
+          <a:ln>
+            <a:noFill/>
+          </a:ln>
+        </p:spPr>
+        <p:style>
+          <a:lnRef idx="2">
+            <a:schemeClr val="accent1">
+              <a:shade val="50000"/>
+            </a:schemeClr>
+          </a:lnRef>
+          <a:fillRef idx="1">
+            <a:schemeClr val="accent1"/>
+          </a:fillRef>
+          <a:effectRef idx="0">
+            <a:schemeClr val="accent1"/>
+          </a:effectRef>
+          <a:fontRef idx="minor">
+            <a:schemeClr val="lt1"/>
+          </a:fontRef>
+        </p:style>
+        <p:txBody>
+          <a:bodyPr rtlCol="0" anchor="ctr"/>
+          <a:lstStyle/>
+          <a:p>
+            <a:pPr marL="0" marR="0" lvl="0" indent="0" algn="ctr" defTabSz="914400" rtl="0" eaLnBrk="1" fontAlgn="auto" latinLnBrk="0" hangingPunct="1">
+              <a:lnSpc>
+                <a:spcPct val="100000"/>
+              </a:lnSpc>
+              <a:spcBef>
+                <a:spcPts val="0"/>
+              </a:spcBef>
+              <a:spcAft>
+                <a:spcPts val="0"/>
+              </a:spcAft>
+              <a:buClrTx/>
+              <a:buSzTx/>
+              <a:buFontTx/>
+              <a:buNone/>
+              <a:tabLst/>
+              <a:defRPr/>
+            </a:pPr>
+            <a:endParaRPr kumimoji="0" lang="en-US" sz="1800" b="0" i="0" u="none" strike="noStrike" kern="1200" cap="none" spc="0" normalizeH="0" baseline="0" noProof="0">
+              <a:ln>
+                <a:noFill/>
+              </a:ln>
+              <a:solidFill>
+                <a:prstClr val="white"/>
+              </a:solidFill>
+              <a:effectLst/>
+              <a:uLnTx/>
+              <a:uFillTx/>
+              <a:latin typeface="Calibri" panose="020F0502020204030204"/>
+              <a:ea typeface="+mn-ea"/>
+              <a:cs typeface="+mn-cs"/>
+            </a:endParaRPr>
+          </a:p>
+        </p:txBody>
+      </p:sp>
+      <p:sp>
+        <p:nvSpPr>
+          <p:cNvPr id="10" name="Freeform 13">
+            <a:extLst>
+              <a:ext uri="{FF2B5EF4-FFF2-40B4-BE49-F238E27FC236}">
+                <a16:creationId xmlns:a16="http://schemas.microsoft.com/office/drawing/2014/main" id="{987FDF89-C993-41F4-A1B8-DBAFF16008A9}"/>
+              </a:ext>
+              <a:ext uri="{C183D7F6-B498-43B3-948B-1728B52AA6E4}">
+                <adec:decorative xmlns:adec="http://schemas.microsoft.com/office/drawing/2017/decorative" val="1"/>
+              </a:ext>
+            </a:extLst>
+          </p:cNvPr>
+          <p:cNvSpPr>
+            <a:spLocks noGrp="1" noRot="1" noChangeAspect="1" noMove="1" noResize="1" noEditPoints="1" noAdjustHandles="1" noChangeArrowheads="1" noChangeShapeType="1" noTextEdit="1"/>
+          </p:cNvSpPr>
+          <p:nvPr>
+            <p:extLst>
+              <p:ext uri="{386F3935-93C4-4BCD-93E2-E3B085C9AB24}">
+                <p16:designElem xmlns:p16="http://schemas.microsoft.com/office/powerpoint/2015/main" val="1"/>
+              </p:ext>
+            </p:extLst>
+          </p:nvPr>
+        </p:nvSpPr>
+        <p:spPr>
+          <a:xfrm>
+            <a:off x="0" y="0"/>
+            <a:ext cx="11960028" cy="6858000"/>
+          </a:xfrm>
+          <a:custGeom>
+            <a:avLst/>
+            <a:gdLst>
+              <a:gd name="connsiteX0" fmla="*/ 0 w 11786754"/>
+              <a:gd name="connsiteY0" fmla="*/ 0 h 6858000"/>
+              <a:gd name="connsiteX1" fmla="*/ 8610600 w 11786754"/>
+              <a:gd name="connsiteY1" fmla="*/ 0 h 6858000"/>
+              <a:gd name="connsiteX2" fmla="*/ 11786754 w 11786754"/>
+              <a:gd name="connsiteY2" fmla="*/ 6858000 h 6858000"/>
+              <a:gd name="connsiteX3" fmla="*/ 0 w 11786754"/>
+              <a:gd name="connsiteY3" fmla="*/ 6858000 h 6858000"/>
+            </a:gdLst>
+            <a:ahLst/>
+            <a:cxnLst>
+              <a:cxn ang="0">
+                <a:pos x="connsiteX0" y="connsiteY0"/>
+              </a:cxn>
+              <a:cxn ang="0">
+                <a:pos x="connsiteX1" y="connsiteY1"/>
+              </a:cxn>
+              <a:cxn ang="0">
+                <a:pos x="connsiteX2" y="connsiteY2"/>
+              </a:cxn>
+              <a:cxn ang="0">
+                <a:pos x="connsiteX3" y="connsiteY3"/>
+              </a:cxn>
+            </a:cxnLst>
+            <a:rect l="l" t="t" r="r" b="b"/>
+            <a:pathLst>
+              <a:path w="11786754" h="6858000">
+                <a:moveTo>
+                  <a:pt x="0" y="0"/>
+                </a:moveTo>
+                <a:lnTo>
+                  <a:pt x="8610600" y="0"/>
+                </a:lnTo>
+                <a:lnTo>
+                  <a:pt x="11786754" y="6858000"/>
+                </a:lnTo>
+                <a:lnTo>
+                  <a:pt x="0" y="6858000"/>
+                </a:lnTo>
+                <a:close/>
+              </a:path>
+            </a:pathLst>
+          </a:custGeom>
+          <a:solidFill>
+            <a:srgbClr val="000000">
+              <a:alpha val="29804"/>
+            </a:srgbClr>
+          </a:solidFill>
+          <a:ln>
+            <a:noFill/>
+          </a:ln>
+        </p:spPr>
+        <p:style>
+          <a:lnRef idx="2">
+            <a:schemeClr val="accent1">
+              <a:shade val="50000"/>
+            </a:schemeClr>
+          </a:lnRef>
+          <a:fillRef idx="1">
+            <a:schemeClr val="accent1"/>
+          </a:fillRef>
+          <a:effectRef idx="0">
+            <a:schemeClr val="accent1"/>
+          </a:effectRef>
+          <a:fontRef idx="minor">
+            <a:schemeClr val="lt1"/>
+          </a:fontRef>
+        </p:style>
+        <p:txBody>
+          <a:bodyPr rtlCol="0" anchor="ctr"/>
+          <a:lstStyle/>
+          <a:p>
+            <a:pPr marL="0" marR="0" lvl="0" indent="0" algn="ctr" defTabSz="914400" rtl="0" eaLnBrk="1" fontAlgn="auto" latinLnBrk="0" hangingPunct="1">
+              <a:lnSpc>
+                <a:spcPct val="100000"/>
+              </a:lnSpc>
+              <a:spcBef>
+                <a:spcPts val="0"/>
+              </a:spcBef>
+              <a:spcAft>
+                <a:spcPts val="0"/>
+              </a:spcAft>
+              <a:buClrTx/>
+              <a:buSzTx/>
+              <a:buFontTx/>
+              <a:buNone/>
+              <a:tabLst/>
+              <a:defRPr/>
+            </a:pPr>
+            <a:endParaRPr kumimoji="0" lang="en-US" sz="1800" b="0" i="0" u="none" strike="noStrike" kern="1200" cap="none" spc="0" normalizeH="0" baseline="0" noProof="0">
+              <a:ln>
+                <a:noFill/>
+              </a:ln>
+              <a:solidFill>
+                <a:prstClr val="white"/>
+              </a:solidFill>
+              <a:effectLst/>
+              <a:uLnTx/>
+              <a:uFillTx/>
+              <a:latin typeface="Calibri" panose="020F0502020204030204"/>
+              <a:ea typeface="+mn-ea"/>
+              <a:cs typeface="+mn-cs"/>
+            </a:endParaRPr>
+          </a:p>
+        </p:txBody>
+      </p:sp>
+      <p:sp>
+        <p:nvSpPr>
+          <p:cNvPr id="12" name="Freeform: Shape 11">
+            <a:extLst>
+              <a:ext uri="{FF2B5EF4-FFF2-40B4-BE49-F238E27FC236}">
+                <a16:creationId xmlns:a16="http://schemas.microsoft.com/office/drawing/2014/main" id="{9FA64B84-CE2D-4179-B018-A71AC174C71C}"/>
+              </a:ext>
+              <a:ext uri="{C183D7F6-B498-43B3-948B-1728B52AA6E4}">
+                <adec:decorative xmlns:adec="http://schemas.microsoft.com/office/drawing/2017/decorative" val="1"/>
+              </a:ext>
+            </a:extLst>
+          </p:cNvPr>
+          <p:cNvSpPr>
+            <a:spLocks noGrp="1" noRot="1" noChangeAspect="1" noMove="1" noResize="1" noEditPoints="1" noAdjustHandles="1" noChangeArrowheads="1" noChangeShapeType="1" noTextEdit="1"/>
+          </p:cNvSpPr>
+          <p:nvPr>
+            <p:extLst>
+              <p:ext uri="{386F3935-93C4-4BCD-93E2-E3B085C9AB24}">
+                <p16:designElem xmlns:p16="http://schemas.microsoft.com/office/powerpoint/2015/main" val="1"/>
+              </p:ext>
+            </p:extLst>
+          </p:nvPr>
+        </p:nvSpPr>
+        <p:spPr>
+          <a:xfrm>
+            <a:off x="0" y="0"/>
+            <a:ext cx="3459632" cy="6858000"/>
+          </a:xfrm>
+          <a:custGeom>
+            <a:avLst/>
+            <a:gdLst>
+              <a:gd name="connsiteX0" fmla="*/ 0 w 3459632"/>
+              <a:gd name="connsiteY0" fmla="*/ 0 h 6858000"/>
+              <a:gd name="connsiteX1" fmla="*/ 283478 w 3459632"/>
+              <a:gd name="connsiteY1" fmla="*/ 0 h 6858000"/>
+              <a:gd name="connsiteX2" fmla="*/ 3459632 w 3459632"/>
+              <a:gd name="connsiteY2" fmla="*/ 6858000 h 6858000"/>
+              <a:gd name="connsiteX3" fmla="*/ 0 w 3459632"/>
+              <a:gd name="connsiteY3" fmla="*/ 6858000 h 6858000"/>
+            </a:gdLst>
+            <a:ahLst/>
+            <a:cxnLst>
+              <a:cxn ang="0">
+                <a:pos x="connsiteX0" y="connsiteY0"/>
+              </a:cxn>
+              <a:cxn ang="0">
+                <a:pos x="connsiteX1" y="connsiteY1"/>
+              </a:cxn>
+              <a:cxn ang="0">
+                <a:pos x="connsiteX2" y="connsiteY2"/>
+              </a:cxn>
+              <a:cxn ang="0">
+                <a:pos x="connsiteX3" y="connsiteY3"/>
+              </a:cxn>
+            </a:cxnLst>
+            <a:rect l="l" t="t" r="r" b="b"/>
+            <a:pathLst>
+              <a:path w="3459632" h="6858000">
+                <a:moveTo>
+                  <a:pt x="0" y="0"/>
+                </a:moveTo>
+                <a:lnTo>
+                  <a:pt x="283478" y="0"/>
+                </a:lnTo>
+                <a:lnTo>
+                  <a:pt x="3459632" y="6858000"/>
+                </a:lnTo>
+                <a:lnTo>
+                  <a:pt x="0" y="6858000"/>
+                </a:lnTo>
+                <a:close/>
+              </a:path>
+            </a:pathLst>
+          </a:custGeom>
+          <a:solidFill>
+            <a:srgbClr val="000000">
+              <a:alpha val="29804"/>
+            </a:srgbClr>
+          </a:solidFill>
+          <a:ln>
+            <a:noFill/>
+          </a:ln>
+        </p:spPr>
+        <p:style>
+          <a:lnRef idx="2">
+            <a:schemeClr val="accent1">
+              <a:shade val="50000"/>
+            </a:schemeClr>
+          </a:lnRef>
+          <a:fillRef idx="1">
+            <a:schemeClr val="accent1"/>
+          </a:fillRef>
+          <a:effectRef idx="0">
+            <a:schemeClr val="accent1"/>
+          </a:effectRef>
+          <a:fontRef idx="minor">
+            <a:schemeClr val="lt1"/>
+          </a:fontRef>
+        </p:style>
+        <p:txBody>
+          <a:bodyPr wrap="square" rtlCol="0" anchor="ctr">
+            <a:noAutofit/>
+          </a:bodyPr>
+          <a:lstStyle/>
+          <a:p>
+            <a:pPr marL="0" marR="0" lvl="0" indent="0" algn="ctr" defTabSz="914400" rtl="0" eaLnBrk="1" fontAlgn="auto" latinLnBrk="0" hangingPunct="1">
+              <a:lnSpc>
+                <a:spcPct val="100000"/>
+              </a:lnSpc>
+              <a:spcBef>
+                <a:spcPts val="0"/>
+              </a:spcBef>
+              <a:spcAft>
+                <a:spcPts val="0"/>
+              </a:spcAft>
+              <a:buClrTx/>
+              <a:buSzTx/>
+              <a:buFontTx/>
+              <a:buNone/>
+              <a:tabLst/>
+              <a:defRPr/>
+            </a:pPr>
+            <a:endParaRPr kumimoji="0" lang="en-US" sz="1800" b="0" i="0" u="none" strike="noStrike" kern="1200" cap="none" spc="0" normalizeH="0" baseline="0" noProof="0">
+              <a:ln>
+                <a:noFill/>
+              </a:ln>
+              <a:solidFill>
+                <a:prstClr val="white"/>
+              </a:solidFill>
+              <a:effectLst/>
+              <a:uLnTx/>
+              <a:uFillTx/>
+              <a:latin typeface="Calibri" panose="020F0502020204030204"/>
+              <a:ea typeface="+mn-ea"/>
+              <a:cs typeface="+mn-cs"/>
+            </a:endParaRPr>
+          </a:p>
+        </p:txBody>
+      </p:sp>
+      <p:sp>
+        <p:nvSpPr>
+          <p:cNvPr id="2" name="Title 1">
+            <a:extLst>
+              <a:ext uri="{FF2B5EF4-FFF2-40B4-BE49-F238E27FC236}">
+                <a16:creationId xmlns:a16="http://schemas.microsoft.com/office/drawing/2014/main" id="{6599601C-081B-4C5C-99AD-A3BC432AE29C}"/>
+              </a:ext>
+            </a:extLst>
+          </p:cNvPr>
+          <p:cNvSpPr>
+            <a:spLocks noGrp="1"/>
+          </p:cNvSpPr>
+          <p:nvPr>
+            <p:ph type="title"/>
+          </p:nvPr>
+        </p:nvSpPr>
+        <p:spPr>
+          <a:xfrm>
+            <a:off x="3111963" y="0"/>
+            <a:ext cx="5968074" cy="949593"/>
+          </a:xfrm>
+        </p:spPr>
+        <p:txBody>
+          <a:bodyPr>
+            <a:normAutofit/>
+          </a:bodyPr>
+          <a:lstStyle/>
+          <a:p>
+            <a:r>
+              <a:rPr lang="en-IN" dirty="0" err="1">
+                <a:solidFill>
+                  <a:srgbClr val="FFFFFF"/>
+                </a:solidFill>
+              </a:rPr>
+              <a:t>Callbacks</a:t>
+            </a:r>
+            <a:endParaRPr lang="en-IN" dirty="0">
+              <a:solidFill>
+                <a:srgbClr val="FFFFFF"/>
+              </a:solidFill>
+            </a:endParaRPr>
+          </a:p>
+        </p:txBody>
+      </p:sp>
+      <p:sp>
+        <p:nvSpPr>
+          <p:cNvPr id="14" name="TextBox 13">
+            <a:extLst>
+              <a:ext uri="{FF2B5EF4-FFF2-40B4-BE49-F238E27FC236}">
+                <a16:creationId xmlns:a16="http://schemas.microsoft.com/office/drawing/2014/main" id="{4795A2E2-224B-4FA0-B323-9E61AD30697F}"/>
+              </a:ext>
+              <a:ext uri="{C183D7F6-B498-43B3-948B-1728B52AA6E4}">
+                <adec:decorative xmlns:adec="http://schemas.microsoft.com/office/drawing/2017/decorative" val="1"/>
+              </a:ext>
+            </a:extLst>
+          </p:cNvPr>
+          <p:cNvSpPr txBox="1">
+            <a:spLocks noGrp="1" noRot="1" noChangeAspect="1" noMove="1" noResize="1" noEditPoints="1" noAdjustHandles="1" noChangeArrowheads="1" noChangeShapeType="1" noTextEdit="1"/>
+          </p:cNvSpPr>
+          <p:nvPr>
+            <p:extLst>
+              <p:ext uri="{386F3935-93C4-4BCD-93E2-E3B085C9AB24}">
+                <p16:designElem xmlns:p16="http://schemas.microsoft.com/office/powerpoint/2015/main" val="1"/>
+              </p:ext>
+            </p:extLst>
+          </p:nvPr>
+        </p:nvSpPr>
+        <p:spPr>
+          <a:xfrm>
+            <a:off x="833002" y="1870075"/>
+            <a:ext cx="9612178" cy="595651"/>
+          </a:xfrm>
+          <a:prstGeom prst="rect">
+            <a:avLst/>
+          </a:prstGeom>
+          <a:noFill/>
+        </p:spPr>
+        <p:txBody>
+          <a:bodyPr wrap="square" rtlCol="0" anchor="t">
+            <a:normAutofit/>
+          </a:bodyPr>
+          <a:lstStyle/>
+          <a:p>
+            <a:pPr marL="0" marR="0" lvl="0" indent="0" algn="l" defTabSz="914400" rtl="0" eaLnBrk="1" fontAlgn="auto" latinLnBrk="0" hangingPunct="1">
+              <a:lnSpc>
+                <a:spcPct val="120000"/>
+              </a:lnSpc>
+              <a:spcBef>
+                <a:spcPts val="0"/>
+              </a:spcBef>
+              <a:spcAft>
+                <a:spcPts val="0"/>
+              </a:spcAft>
+              <a:buClrTx/>
+              <a:buSzTx/>
+              <a:buFontTx/>
+              <a:buNone/>
+              <a:tabLst/>
+              <a:defRPr/>
+            </a:pPr>
+            <a:endParaRPr kumimoji="0" lang="en-US" sz="2000" b="0" i="0" u="none" strike="noStrike" kern="1200" cap="none" spc="0" normalizeH="0" baseline="0" noProof="0" dirty="0">
+              <a:ln>
+                <a:noFill/>
+              </a:ln>
+              <a:solidFill>
+                <a:srgbClr val="FFC000"/>
+              </a:solidFill>
+              <a:effectLst/>
+              <a:uLnTx/>
+              <a:uFillTx/>
+              <a:latin typeface="Calibri" panose="020F0502020204030204"/>
+              <a:ea typeface="+mn-ea"/>
+              <a:cs typeface="+mn-cs"/>
+            </a:endParaRPr>
+          </a:p>
+        </p:txBody>
+      </p:sp>
+      <p:sp>
+        <p:nvSpPr>
+          <p:cNvPr id="3" name="Content Placeholder 2">
+            <a:extLst>
+              <a:ext uri="{FF2B5EF4-FFF2-40B4-BE49-F238E27FC236}">
+                <a16:creationId xmlns:a16="http://schemas.microsoft.com/office/drawing/2014/main" id="{37F319FF-7163-4F0F-AB17-3B32BC09CC75}"/>
+              </a:ext>
+            </a:extLst>
+          </p:cNvPr>
+          <p:cNvSpPr>
+            <a:spLocks noGrp="1"/>
+          </p:cNvSpPr>
+          <p:nvPr>
+            <p:ph idx="1"/>
+          </p:nvPr>
+        </p:nvSpPr>
+        <p:spPr>
+          <a:xfrm>
+            <a:off x="1746820" y="1787792"/>
+            <a:ext cx="7331769" cy="4784457"/>
+          </a:xfrm>
+        </p:spPr>
+        <p:txBody>
+          <a:bodyPr>
+            <a:normAutofit/>
+          </a:bodyPr>
+          <a:lstStyle/>
+          <a:p>
+            <a:pPr marL="0" indent="0">
+              <a:buNone/>
+            </a:pPr>
+            <a:endParaRPr lang="en-IN" sz="1800" dirty="0">
+              <a:solidFill>
+                <a:srgbClr val="FFFFFF"/>
+              </a:solidFill>
+            </a:endParaRPr>
+          </a:p>
+          <a:p>
+            <a:r>
+              <a:rPr lang="en-US" sz="1800" i="1" dirty="0"/>
+              <a:t>A callback is a function that is to be executed </a:t>
+            </a:r>
+            <a:r>
+              <a:rPr lang="en-US" sz="1800" b="1" i="1" dirty="0"/>
+              <a:t>after</a:t>
+            </a:r>
+            <a:r>
+              <a:rPr lang="en-US" sz="1800" i="1" dirty="0"/>
+              <a:t> another function has finished executing — hence the name ‘call back’</a:t>
+            </a:r>
+            <a:endParaRPr lang="en-IN" sz="1800" dirty="0"/>
+          </a:p>
+          <a:p>
+            <a:r>
+              <a:rPr lang="en-IN" sz="1800" dirty="0">
+                <a:solidFill>
+                  <a:srgbClr val="FFFFFF"/>
+                </a:solidFill>
+              </a:rPr>
+              <a:t>Why </a:t>
+            </a:r>
+            <a:r>
+              <a:rPr lang="en-IN" sz="1800" dirty="0" err="1">
+                <a:solidFill>
+                  <a:srgbClr val="FFFFFF"/>
+                </a:solidFill>
+              </a:rPr>
+              <a:t>callbacks</a:t>
+            </a:r>
+            <a:r>
+              <a:rPr lang="en-IN" sz="1800" dirty="0">
+                <a:solidFill>
+                  <a:srgbClr val="FFFFFF"/>
+                </a:solidFill>
+              </a:rPr>
+              <a:t> </a:t>
+            </a:r>
+          </a:p>
+          <a:p>
+            <a:endParaRPr lang="en-IN" sz="1800" dirty="0">
+              <a:solidFill>
+                <a:srgbClr val="FFFFFF"/>
+              </a:solidFill>
+            </a:endParaRPr>
+          </a:p>
+          <a:p>
+            <a:endParaRPr lang="en-IN" sz="1800" dirty="0">
+              <a:solidFill>
+                <a:srgbClr val="FFFFFF"/>
+              </a:solidFill>
+            </a:endParaRPr>
+          </a:p>
+        </p:txBody>
+      </p:sp>
+    </p:spTree>
+    <p:extLst>
+      <p:ext uri="{BB962C8B-B14F-4D97-AF65-F5344CB8AC3E}">
+        <p14:creationId xmlns:p14="http://schemas.microsoft.com/office/powerpoint/2010/main" val="1637991883"/>
+      </p:ext>
+    </p:extLst>
+  </p:cSld>
+  <p:clrMapOvr>
+    <a:overrideClrMapping bg1="dk1" tx1="lt1" bg2="dk2" tx2="lt2" accent1="accent1" accent2="accent2" accent3="accent3" accent4="accent4" accent5="accent5" accent6="accent6" hlink="hlink" folHlink="folHlink"/>
+  </p:clrMapOvr>
+</p:sld>
+</file>
+
+<file path=ppt/slides/slide18.xml><?xml version="1.0" encoding="utf-8"?>
+<p:sld xmlns:a="http://schemas.openxmlformats.org/drawingml/2006/main" xmlns:r="http://schemas.openxmlformats.org/officeDocument/2006/relationships" xmlns:p="http://schemas.openxmlformats.org/presentationml/2006/main">
+  <p:cSld>
+    <p:spTree>
+      <p:nvGrpSpPr>
+        <p:cNvPr id="1" name=""/>
+        <p:cNvGrpSpPr/>
+        <p:nvPr/>
+      </p:nvGrpSpPr>
+      <p:grpSpPr>
+        <a:xfrm>
+          <a:off x="0" y="0"/>
+          <a:ext cx="0" cy="0"/>
+          <a:chOff x="0" y="0"/>
+          <a:chExt cx="0" cy="0"/>
+        </a:xfrm>
+      </p:grpSpPr>
+      <p:sp>
+        <p:nvSpPr>
+          <p:cNvPr id="2" name="Title 1">
+            <a:extLst>
+              <a:ext uri="{FF2B5EF4-FFF2-40B4-BE49-F238E27FC236}">
+                <a16:creationId xmlns:a16="http://schemas.microsoft.com/office/drawing/2014/main" id="{5705C2D9-12ED-4385-B9A1-E4D7978966DB}"/>
+              </a:ext>
+            </a:extLst>
+          </p:cNvPr>
+          <p:cNvSpPr>
+            <a:spLocks noGrp="1"/>
+          </p:cNvSpPr>
+          <p:nvPr>
+            <p:ph type="title"/>
+          </p:nvPr>
+        </p:nvSpPr>
+        <p:spPr/>
+        <p:txBody>
+          <a:bodyPr/>
+          <a:lstStyle/>
+          <a:p>
+            <a:r>
+              <a:rPr lang="en-IN" dirty="0" err="1"/>
+              <a:t>Callbacks</a:t>
+            </a:r>
+            <a:endParaRPr lang="en-IN" dirty="0"/>
+          </a:p>
+        </p:txBody>
+      </p:sp>
+      <p:sp>
+        <p:nvSpPr>
+          <p:cNvPr id="3" name="Content Placeholder 2">
+            <a:extLst>
+              <a:ext uri="{FF2B5EF4-FFF2-40B4-BE49-F238E27FC236}">
+                <a16:creationId xmlns:a16="http://schemas.microsoft.com/office/drawing/2014/main" id="{0FFE5FCD-BC34-4A2C-A440-1E42E65B05DF}"/>
+              </a:ext>
+            </a:extLst>
+          </p:cNvPr>
+          <p:cNvSpPr>
+            <a:spLocks noGrp="1"/>
+          </p:cNvSpPr>
+          <p:nvPr>
+            <p:ph idx="1"/>
+          </p:nvPr>
+        </p:nvSpPr>
+        <p:spPr/>
+        <p:txBody>
+          <a:bodyPr/>
+          <a:lstStyle/>
+          <a:p>
+            <a:r>
+              <a:rPr lang="en-US" i="1" dirty="0"/>
+              <a:t>A callback is a function that is to be executed </a:t>
+            </a:r>
+            <a:r>
+              <a:rPr lang="en-US" b="1" i="1" dirty="0"/>
+              <a:t>after</a:t>
+            </a:r>
+            <a:r>
+              <a:rPr lang="en-US" i="1" dirty="0"/>
+              <a:t> another function has finished executing — hence the name ‘call back’</a:t>
+            </a:r>
+            <a:endParaRPr lang="en-IN" dirty="0"/>
+          </a:p>
+        </p:txBody>
+      </p:sp>
+    </p:spTree>
+    <p:extLst>
+      <p:ext uri="{BB962C8B-B14F-4D97-AF65-F5344CB8AC3E}">
+        <p14:creationId xmlns:p14="http://schemas.microsoft.com/office/powerpoint/2010/main" val="432615231"/>
+      </p:ext>
+    </p:extLst>
+  </p:cSld>
+  <p:clrMapOvr>
+    <a:masterClrMapping/>
+  </p:clrMapOvr>
+</p:sld>
+</file>
+
+<file path=ppt/slides/slide2.xml><?xml version="1.0" encoding="utf-8"?>
+<p:sld xmlns:a="http://schemas.openxmlformats.org/drawingml/2006/main" xmlns:r="http://schemas.openxmlformats.org/officeDocument/2006/relationships" xmlns:p="http://schemas.openxmlformats.org/presentationml/2006/main">
+  <p:cSld>
+    <p:bg>
+      <p:bgPr>
+        <a:solidFill>
+          <a:schemeClr val="bg1">
+            <a:tint val="95000"/>
+            <a:satMod val="170000"/>
+          </a:schemeClr>
+        </a:solidFill>
+        <a:effectLst/>
+      </p:bgPr>
+    </p:bg>
+    <p:spTree>
+      <p:nvGrpSpPr>
+        <p:cNvPr id="1" name=""/>
+        <p:cNvGrpSpPr/>
+        <p:nvPr/>
+      </p:nvGrpSpPr>
+      <p:grpSpPr>
+        <a:xfrm>
+          <a:off x="0" y="0"/>
+          <a:ext cx="0" cy="0"/>
+          <a:chOff x="0" y="0"/>
+          <a:chExt cx="0" cy="0"/>
+        </a:xfrm>
+      </p:grpSpPr>
+      <p:sp>
+        <p:nvSpPr>
+          <p:cNvPr id="14" name="Freeform: Shape 7">
+            <a:extLst>
+              <a:ext uri="{FF2B5EF4-FFF2-40B4-BE49-F238E27FC236}">
+                <a16:creationId xmlns:a16="http://schemas.microsoft.com/office/drawing/2014/main" id="{48A740BC-A0AA-45E0-B899-2AE9C6FE11CA}"/>
+              </a:ext>
+              <a:ext uri="{C183D7F6-B498-43B3-948B-1728B52AA6E4}">
+                <adec:decorative xmlns:adec="http://schemas.microsoft.com/office/drawing/2017/decorative" val="1"/>
+              </a:ext>
+            </a:extLst>
+          </p:cNvPr>
+          <p:cNvSpPr>
+            <a:spLocks noGrp="1" noRot="1" noChangeAspect="1" noMove="1" noResize="1" noEditPoints="1" noAdjustHandles="1" noChangeArrowheads="1" noChangeShapeType="1" noTextEdit="1"/>
+          </p:cNvSpPr>
+          <p:nvPr>
+            <p:extLst>
+              <p:ext uri="{386F3935-93C4-4BCD-93E2-E3B085C9AB24}">
+                <p16:designElem xmlns:p16="http://schemas.microsoft.com/office/powerpoint/2015/main" val="1"/>
+              </p:ext>
+            </p:extLst>
+          </p:nvPr>
+        </p:nvSpPr>
+        <p:spPr>
+          <a:xfrm>
+            <a:off x="5913121" y="-2"/>
+            <a:ext cx="6278879" cy="6858002"/>
+          </a:xfrm>
+          <a:custGeom>
+            <a:avLst/>
+            <a:gdLst>
+              <a:gd name="connsiteX0" fmla="*/ 45572 w 6278879"/>
+              <a:gd name="connsiteY0" fmla="*/ 0 h 6858002"/>
+              <a:gd name="connsiteX1" fmla="*/ 6278879 w 6278879"/>
+              <a:gd name="connsiteY1" fmla="*/ 0 h 6858002"/>
+              <a:gd name="connsiteX2" fmla="*/ 6278879 w 6278879"/>
+              <a:gd name="connsiteY2" fmla="*/ 6858002 h 6858002"/>
+              <a:gd name="connsiteX3" fmla="*/ 3292308 w 6278879"/>
+              <a:gd name="connsiteY3" fmla="*/ 6858002 h 6858002"/>
+              <a:gd name="connsiteX4" fmla="*/ 3181526 w 6278879"/>
+              <a:gd name="connsiteY4" fmla="*/ 6786982 h 6858002"/>
+              <a:gd name="connsiteX5" fmla="*/ 0 w 6278879"/>
+              <a:gd name="connsiteY5" fmla="*/ 803254 h 6858002"/>
+              <a:gd name="connsiteX6" fmla="*/ 37255 w 6278879"/>
+              <a:gd name="connsiteY6" fmla="*/ 65447 h 6858002"/>
+            </a:gdLst>
+            <a:ahLst/>
+            <a:cxnLst>
+              <a:cxn ang="0">
+                <a:pos x="connsiteX0" y="connsiteY0"/>
+              </a:cxn>
+              <a:cxn ang="0">
+                <a:pos x="connsiteX1" y="connsiteY1"/>
+              </a:cxn>
+              <a:cxn ang="0">
+                <a:pos x="connsiteX2" y="connsiteY2"/>
+              </a:cxn>
+              <a:cxn ang="0">
+                <a:pos x="connsiteX3" y="connsiteY3"/>
+              </a:cxn>
+              <a:cxn ang="0">
+                <a:pos x="connsiteX4" y="connsiteY4"/>
+              </a:cxn>
+              <a:cxn ang="0">
+                <a:pos x="connsiteX5" y="connsiteY5"/>
+              </a:cxn>
+              <a:cxn ang="0">
+                <a:pos x="connsiteX6" y="connsiteY6"/>
+              </a:cxn>
+            </a:cxnLst>
+            <a:rect l="l" t="t" r="r" b="b"/>
+            <a:pathLst>
+              <a:path w="6278879" h="6858002">
+                <a:moveTo>
+                  <a:pt x="45572" y="0"/>
+                </a:moveTo>
+                <a:lnTo>
+                  <a:pt x="6278879" y="0"/>
+                </a:lnTo>
+                <a:lnTo>
+                  <a:pt x="6278879" y="6858002"/>
+                </a:lnTo>
+                <a:lnTo>
+                  <a:pt x="3292308" y="6858002"/>
+                </a:lnTo>
+                <a:lnTo>
+                  <a:pt x="3181526" y="6786982"/>
+                </a:lnTo>
+                <a:cubicBezTo>
+                  <a:pt x="1262021" y="5490191"/>
+                  <a:pt x="0" y="3294103"/>
+                  <a:pt x="0" y="803254"/>
+                </a:cubicBezTo>
+                <a:cubicBezTo>
+                  <a:pt x="0" y="554169"/>
+                  <a:pt x="12620" y="308032"/>
+                  <a:pt x="37255" y="65447"/>
+                </a:cubicBezTo>
+                <a:close/>
+              </a:path>
+            </a:pathLst>
+          </a:custGeom>
+          <a:solidFill>
+            <a:schemeClr val="bg1">
+              <a:lumMod val="85000"/>
+              <a:lumOff val="15000"/>
+              <a:alpha val="70000"/>
+            </a:schemeClr>
+          </a:solidFill>
+          <a:ln>
+            <a:noFill/>
+          </a:ln>
+        </p:spPr>
+        <p:style>
+          <a:lnRef idx="2">
+            <a:schemeClr val="accent1">
+              <a:shade val="50000"/>
+            </a:schemeClr>
+          </a:lnRef>
+          <a:fillRef idx="1">
+            <a:schemeClr val="accent1"/>
+          </a:fillRef>
+          <a:effectRef idx="0">
+            <a:schemeClr val="accent1"/>
+          </a:effectRef>
+          <a:fontRef idx="minor">
+            <a:schemeClr val="lt1"/>
+          </a:fontRef>
+        </p:style>
+        <p:txBody>
+          <a:bodyPr rtlCol="0" anchor="ctr"/>
+          <a:lstStyle/>
+          <a:p>
+            <a:pPr marL="0" marR="0" lvl="0" indent="0" algn="ctr" defTabSz="914400" rtl="0" eaLnBrk="1" fontAlgn="auto" latinLnBrk="0" hangingPunct="1">
+              <a:lnSpc>
+                <a:spcPct val="100000"/>
+              </a:lnSpc>
+              <a:spcBef>
+                <a:spcPts val="0"/>
+              </a:spcBef>
+              <a:spcAft>
+                <a:spcPts val="0"/>
+              </a:spcAft>
+              <a:buClrTx/>
+              <a:buSzTx/>
+              <a:buFontTx/>
+              <a:buNone/>
+              <a:tabLst/>
+              <a:defRPr/>
+            </a:pPr>
+            <a:endParaRPr kumimoji="0" lang="en-US" sz="1800" b="0" i="0" u="none" strike="noStrike" kern="1200" cap="none" spc="0" normalizeH="0" baseline="0" noProof="0">
+              <a:ln>
+                <a:noFill/>
+              </a:ln>
+              <a:solidFill>
+                <a:prstClr val="white"/>
+              </a:solidFill>
+              <a:effectLst/>
+              <a:uLnTx/>
+              <a:uFillTx/>
+              <a:latin typeface="Calibri" panose="020F0502020204030204"/>
+              <a:ea typeface="+mn-ea"/>
+              <a:cs typeface="+mn-cs"/>
+            </a:endParaRPr>
+          </a:p>
+        </p:txBody>
+      </p:sp>
+      <p:sp>
+        <p:nvSpPr>
+          <p:cNvPr id="2" name="Title 1">
+            <a:extLst>
+              <a:ext uri="{FF2B5EF4-FFF2-40B4-BE49-F238E27FC236}">
+                <a16:creationId xmlns:a16="http://schemas.microsoft.com/office/drawing/2014/main" id="{D665EFA2-93D4-44DC-A3E5-3D08A2878014}"/>
+              </a:ext>
+            </a:extLst>
+          </p:cNvPr>
+          <p:cNvSpPr>
+            <a:spLocks noGrp="1"/>
+          </p:cNvSpPr>
+          <p:nvPr>
+            <p:ph type="title"/>
+          </p:nvPr>
+        </p:nvSpPr>
+        <p:spPr>
+          <a:xfrm>
+            <a:off x="655320" y="365125"/>
+            <a:ext cx="9013052" cy="1623312"/>
+          </a:xfrm>
+        </p:spPr>
+        <p:txBody>
+          <a:bodyPr anchor="b">
+            <a:normAutofit/>
+          </a:bodyPr>
+          <a:lstStyle/>
+          <a:p>
+            <a:r>
+              <a:rPr lang="en-IN" sz="4000" dirty="0"/>
+              <a:t>Contents	</a:t>
+            </a:r>
+          </a:p>
+        </p:txBody>
+      </p:sp>
+      <p:cxnSp>
+        <p:nvCxnSpPr>
+          <p:cNvPr id="15" name="Straight Arrow Connector 9">
+            <a:extLst>
+              <a:ext uri="{FF2B5EF4-FFF2-40B4-BE49-F238E27FC236}">
+                <a16:creationId xmlns:a16="http://schemas.microsoft.com/office/drawing/2014/main" id="{B874EF51-C858-4BB9-97C3-D17755787127}"/>
+              </a:ext>
+              <a:ext uri="{C183D7F6-B498-43B3-948B-1728B52AA6E4}">
+                <adec:decorative xmlns:adec="http://schemas.microsoft.com/office/drawing/2017/decorative" val="1"/>
+              </a:ext>
+            </a:extLst>
+          </p:cNvPr>
+          <p:cNvCxnSpPr>
+            <a:cxnSpLocks noGrp="1" noRot="1" noChangeAspect="1" noMove="1" noResize="1" noEditPoints="1" noAdjustHandles="1" noChangeArrowheads="1" noChangeShapeType="1"/>
+          </p:cNvCxnSpPr>
+          <p:nvPr>
+            <p:extLst>
+              <p:ext uri="{386F3935-93C4-4BCD-93E2-E3B085C9AB24}">
+                <p16:designElem xmlns:p16="http://schemas.microsoft.com/office/powerpoint/2015/main" val="1"/>
+              </p:ext>
+            </p:extLst>
+          </p:nvPr>
+        </p:nvCxnSpPr>
+        <p:spPr>
+          <a:xfrm>
+            <a:off x="763661" y="2316480"/>
+            <a:ext cx="8229600" cy="0"/>
+          </a:xfrm>
+          <a:prstGeom prst="straightConnector1">
+            <a:avLst/>
+          </a:prstGeom>
+          <a:ln w="19050" cap="sq">
+            <a:solidFill>
+              <a:schemeClr val="tx1"/>
+            </a:solidFill>
+            <a:tailEnd type="none"/>
+          </a:ln>
+        </p:spPr>
+        <p:style>
+          <a:lnRef idx="1">
+            <a:schemeClr val="accent1"/>
+          </a:lnRef>
+          <a:fillRef idx="0">
+            <a:schemeClr val="accent1"/>
+          </a:fillRef>
+          <a:effectRef idx="0">
+            <a:schemeClr val="accent1"/>
+          </a:effectRef>
+          <a:fontRef idx="minor">
+            <a:schemeClr val="tx1"/>
+          </a:fontRef>
+        </p:style>
+      </p:cxnSp>
+      <p:sp>
+        <p:nvSpPr>
+          <p:cNvPr id="16" name="Content Placeholder 2">
+            <a:extLst>
+              <a:ext uri="{FF2B5EF4-FFF2-40B4-BE49-F238E27FC236}">
+                <a16:creationId xmlns:a16="http://schemas.microsoft.com/office/drawing/2014/main" id="{81354984-0D77-4BB3-B78A-92ADE2DB0FA5}"/>
+              </a:ext>
+            </a:extLst>
+          </p:cNvPr>
+          <p:cNvSpPr>
+            <a:spLocks noGrp="1"/>
+          </p:cNvSpPr>
+          <p:nvPr>
+            <p:ph idx="1"/>
+          </p:nvPr>
+        </p:nvSpPr>
+        <p:spPr>
+          <a:xfrm>
+            <a:off x="655320" y="2644518"/>
+            <a:ext cx="9013052" cy="3962759"/>
+          </a:xfrm>
+        </p:spPr>
+        <p:txBody>
+          <a:bodyPr>
+            <a:normAutofit/>
+          </a:bodyPr>
+          <a:lstStyle/>
+          <a:p>
+            <a:r>
+              <a:rPr lang="en-IN" sz="2000" dirty="0"/>
               <a:t>JS History</a:t>
             </a:r>
           </a:p>
           <a:p>
             <a:r>
-              <a:rPr lang="en-IN" sz="2000"/>
+              <a:rPr lang="en-IN" sz="2000" dirty="0"/>
               <a:t>JS Evolution </a:t>
             </a:r>
           </a:p>
           <a:p>
             <a:r>
-              <a:rPr lang="en-IN" sz="2000"/>
+              <a:rPr lang="en-IN" sz="2000" dirty="0"/>
               <a:t>Execution Environment</a:t>
             </a:r>
           </a:p>
           <a:p>
             <a:r>
-              <a:rPr lang="en-IN" sz="2000"/>
-              <a:t>Variable Scopes</a:t>
-            </a:r>
-          </a:p>
-          <a:p>
-            <a:endParaRPr lang="en-IN" sz="2000"/>
-          </a:p>
-          <a:p>
-            <a:endParaRPr lang="en-IN" sz="2000"/>
+              <a:rPr lang="en-IN" sz="2000" dirty="0"/>
+              <a:t>Functional Scope vs Block Scope</a:t>
+            </a:r>
+          </a:p>
+          <a:p>
+            <a:r>
+              <a:rPr lang="en-IN" sz="2000" dirty="0"/>
+              <a:t>Functions, Objects and Arrays</a:t>
+            </a:r>
+          </a:p>
+          <a:p>
+            <a:r>
+              <a:rPr lang="en-IN" sz="2000" dirty="0" err="1"/>
+              <a:t>Iterables</a:t>
+            </a:r>
+            <a:endParaRPr lang="en-IN" sz="2000" dirty="0"/>
+          </a:p>
+          <a:p>
+            <a:r>
+              <a:rPr lang="en-IN" sz="2000" dirty="0"/>
+              <a:t>Asynchronous Programming (</a:t>
+            </a:r>
+            <a:r>
+              <a:rPr lang="en-IN" sz="2000" dirty="0" err="1"/>
+              <a:t>Callbacks</a:t>
+            </a:r>
+            <a:r>
+              <a:rPr lang="en-IN" sz="2000" dirty="0"/>
+              <a:t>, Promises and async-await)</a:t>
+            </a:r>
+          </a:p>
+          <a:p>
+            <a:endParaRPr lang="en-IN" sz="2000" dirty="0"/>
+          </a:p>
+          <a:p>
+            <a:endParaRPr lang="en-IN" sz="2000" dirty="0"/>
+          </a:p>
+          <a:p>
+            <a:endParaRPr lang="en-IN" sz="2000" dirty="0"/>
           </a:p>
         </p:txBody>
       </p:sp>
@@ -8588,7 +8216,7 @@
           <p:nvPr>
             <p:extLst>
               <p:ext uri="{D42A27DB-BD31-4B8C-83A1-F6EECF244321}">
-                <p14:modId xmlns:p14="http://schemas.microsoft.com/office/powerpoint/2010/main" val="3206486978"/>
+                <p14:modId xmlns:p14="http://schemas.microsoft.com/office/powerpoint/2010/main" val="2000435957"/>
               </p:ext>
             </p:extLst>
           </p:nvPr>
@@ -8858,15 +8486,7 @@
                     <a:p>
                       <a:r>
                         <a:rPr lang="en-IN" sz="1400" dirty="0"/>
-                        <a:t>Was never released. And </a:t>
-                      </a:r>
-                      <a:r>
-                        <a:rPr lang="en-IN" sz="1400" dirty="0" err="1"/>
-                        <a:t>subsquently</a:t>
-                      </a:r>
-                      <a:r>
-                        <a:rPr lang="en-IN" sz="1400" dirty="0"/>
-                        <a:t> project was closed in 2003</a:t>
+                        <a:t>Was never released. And subsequently project was closed in 2003</a:t>
                       </a:r>
                     </a:p>
                   </a:txBody>
@@ -10833,10 +10453,45 @@
       </p:grpSpPr>
       <p:sp>
         <p:nvSpPr>
-          <p:cNvPr id="8" name="Freeform: Shape 7">
-            <a:extLst>
-              <a:ext uri="{FF2B5EF4-FFF2-40B4-BE49-F238E27FC236}">
-                <a16:creationId xmlns:a16="http://schemas.microsoft.com/office/drawing/2014/main" id="{48A740BC-A0AA-45E0-B899-2AE9C6FE11CA}"/>
+          <p:cNvPr id="2" name="Title 1">
+            <a:extLst>
+              <a:ext uri="{FF2B5EF4-FFF2-40B4-BE49-F238E27FC236}">
+                <a16:creationId xmlns:a16="http://schemas.microsoft.com/office/drawing/2014/main" id="{B41731CA-8069-4333-B92A-FBE8F08C075A}"/>
+              </a:ext>
+            </a:extLst>
+          </p:cNvPr>
+          <p:cNvSpPr>
+            <a:spLocks noGrp="1"/>
+          </p:cNvSpPr>
+          <p:nvPr>
+            <p:ph type="title"/>
+          </p:nvPr>
+        </p:nvSpPr>
+        <p:spPr>
+          <a:xfrm>
+            <a:off x="804673" y="1445494"/>
+            <a:ext cx="3616856" cy="4376572"/>
+          </a:xfrm>
+        </p:spPr>
+        <p:txBody>
+          <a:bodyPr anchor="ctr">
+            <a:normAutofit/>
+          </a:bodyPr>
+          <a:lstStyle/>
+          <a:p>
+            <a:r>
+              <a:rPr lang="en-IN" sz="4800"/>
+              <a:t>Guess Result..</a:t>
+            </a:r>
+          </a:p>
+        </p:txBody>
+      </p:sp>
+      <p:sp>
+        <p:nvSpPr>
+          <p:cNvPr id="12" name="Freeform: Shape 7">
+            <a:extLst>
+              <a:ext uri="{FF2B5EF4-FFF2-40B4-BE49-F238E27FC236}">
+                <a16:creationId xmlns:a16="http://schemas.microsoft.com/office/drawing/2014/main" id="{DFF2AC85-FAA0-4844-813F-83C04D7382E2}"/>
               </a:ext>
               <a:ext uri="{C183D7F6-B498-43B3-948B-1728B52AA6E4}">
                 <adec:decorative xmlns:adec="http://schemas.microsoft.com/office/drawing/2017/decorative" val="1"/>
@@ -10856,26 +10511,24 @@
         </p:nvSpPr>
         <p:spPr>
           <a:xfrm>
-            <a:off x="5913121" y="-2"/>
-            <a:ext cx="6278879" cy="6858002"/>
+            <a:off x="4907636" y="0"/>
+            <a:ext cx="7281316" cy="6858000"/>
           </a:xfrm>
           <a:custGeom>
             <a:avLst/>
             <a:gdLst>
-              <a:gd name="connsiteX0" fmla="*/ 45572 w 6278879"/>
-              <a:gd name="connsiteY0" fmla="*/ 0 h 6858002"/>
-              <a:gd name="connsiteX1" fmla="*/ 6278879 w 6278879"/>
-              <a:gd name="connsiteY1" fmla="*/ 0 h 6858002"/>
-              <a:gd name="connsiteX2" fmla="*/ 6278879 w 6278879"/>
-              <a:gd name="connsiteY2" fmla="*/ 6858002 h 6858002"/>
-              <a:gd name="connsiteX3" fmla="*/ 3292308 w 6278879"/>
-              <a:gd name="connsiteY3" fmla="*/ 6858002 h 6858002"/>
-              <a:gd name="connsiteX4" fmla="*/ 3181526 w 6278879"/>
-              <a:gd name="connsiteY4" fmla="*/ 6786982 h 6858002"/>
-              <a:gd name="connsiteX5" fmla="*/ 0 w 6278879"/>
-              <a:gd name="connsiteY5" fmla="*/ 803254 h 6858002"/>
-              <a:gd name="connsiteX6" fmla="*/ 37255 w 6278879"/>
-              <a:gd name="connsiteY6" fmla="*/ 65447 h 6858002"/>
+              <a:gd name="connsiteX0" fmla="*/ 361354 w 7281316"/>
+              <a:gd name="connsiteY0" fmla="*/ 0 h 6858000"/>
+              <a:gd name="connsiteX1" fmla="*/ 7281316 w 7281316"/>
+              <a:gd name="connsiteY1" fmla="*/ 0 h 6858000"/>
+              <a:gd name="connsiteX2" fmla="*/ 7281316 w 7281316"/>
+              <a:gd name="connsiteY2" fmla="*/ 6858000 h 6858000"/>
+              <a:gd name="connsiteX3" fmla="*/ 696735 w 7281316"/>
+              <a:gd name="connsiteY3" fmla="*/ 6858000 h 6858000"/>
+              <a:gd name="connsiteX4" fmla="*/ 690849 w 7281316"/>
+              <a:gd name="connsiteY4" fmla="*/ 6842426 h 6858000"/>
+              <a:gd name="connsiteX5" fmla="*/ 335637 w 7281316"/>
+              <a:gd name="connsiteY5" fmla="*/ 94722 h 6858000"/>
             </a:gdLst>
             <a:ahLst/>
             <a:cxnLst>
@@ -10897,47 +10550,37 @@
               <a:cxn ang="0">
                 <a:pos x="connsiteX5" y="connsiteY5"/>
               </a:cxn>
-              <a:cxn ang="0">
-                <a:pos x="connsiteX6" y="connsiteY6"/>
-              </a:cxn>
             </a:cxnLst>
             <a:rect l="l" t="t" r="r" b="b"/>
             <a:pathLst>
-              <a:path w="6278879" h="6858002">
+              <a:path w="7281316" h="6858000">
                 <a:moveTo>
-                  <a:pt x="45572" y="0"/>
+                  <a:pt x="361354" y="0"/>
                 </a:moveTo>
                 <a:lnTo>
-                  <a:pt x="6278879" y="0"/>
+                  <a:pt x="7281316" y="0"/>
                 </a:lnTo>
                 <a:lnTo>
-                  <a:pt x="6278879" y="6858002"/>
+                  <a:pt x="7281316" y="6858000"/>
                 </a:lnTo>
                 <a:lnTo>
-                  <a:pt x="3292308" y="6858002"/>
+                  <a:pt x="696735" y="6858000"/>
                 </a:lnTo>
                 <a:lnTo>
-                  <a:pt x="3181526" y="6786982"/>
+                  <a:pt x="690849" y="6842426"/>
                 </a:lnTo>
                 <a:cubicBezTo>
-                  <a:pt x="1262021" y="5490191"/>
-                  <a:pt x="0" y="3294103"/>
-                  <a:pt x="0" y="803254"/>
-                </a:cubicBezTo>
-                <a:cubicBezTo>
-                  <a:pt x="0" y="554169"/>
-                  <a:pt x="12620" y="308032"/>
-                  <a:pt x="37255" y="65447"/>
+                  <a:pt x="-65870" y="4704140"/>
+                  <a:pt x="-226206" y="2374054"/>
+                  <a:pt x="335637" y="94722"/>
                 </a:cubicBezTo>
                 <a:close/>
               </a:path>
             </a:pathLst>
           </a:custGeom>
           <a:solidFill>
-            <a:schemeClr val="bg1">
-              <a:lumMod val="85000"/>
-              <a:lumOff val="15000"/>
-              <a:alpha val="70000"/>
+            <a:schemeClr val="tx1">
+              <a:alpha val="80000"/>
             </a:schemeClr>
           </a:solidFill>
           <a:ln>
@@ -10964,90 +10607,26 @@
           <a:bodyPr rtlCol="0" anchor="ctr"/>
           <a:lstStyle/>
           <a:p>
-            <a:pPr marL="0" marR="0" lvl="0" indent="0" algn="ctr" defTabSz="914400" rtl="0" eaLnBrk="1" fontAlgn="auto" latinLnBrk="0" hangingPunct="1">
-              <a:lnSpc>
-                <a:spcPct val="100000"/>
-              </a:lnSpc>
-              <a:spcBef>
-                <a:spcPts val="0"/>
-              </a:spcBef>
-              <a:spcAft>
-                <a:spcPts val="0"/>
-              </a:spcAft>
-              <a:buClrTx/>
-              <a:buSzTx/>
-              <a:buFontTx/>
-              <a:buNone/>
-              <a:tabLst/>
-              <a:defRPr/>
-            </a:pPr>
-            <a:endParaRPr kumimoji="0" lang="en-US" sz="1800" b="0" i="0" u="none" strike="noStrike" kern="1200" cap="none" spc="0" normalizeH="0" baseline="0" noProof="0">
-              <a:ln>
-                <a:noFill/>
-              </a:ln>
-              <a:solidFill>
-                <a:prstClr val="white"/>
-              </a:solidFill>
-              <a:effectLst/>
-              <a:uLnTx/>
-              <a:uFillTx/>
-              <a:latin typeface="Calibri" panose="020F0502020204030204"/>
-              <a:ea typeface="+mn-ea"/>
-              <a:cs typeface="+mn-cs"/>
-            </a:endParaRPr>
-          </a:p>
-        </p:txBody>
-      </p:sp>
-      <p:sp>
-        <p:nvSpPr>
-          <p:cNvPr id="2" name="Title 1">
-            <a:extLst>
-              <a:ext uri="{FF2B5EF4-FFF2-40B4-BE49-F238E27FC236}">
-                <a16:creationId xmlns:a16="http://schemas.microsoft.com/office/drawing/2014/main" id="{7A340BF9-2DEC-4972-A400-6D26745A45C6}"/>
-              </a:ext>
-            </a:extLst>
-          </p:cNvPr>
-          <p:cNvSpPr>
-            <a:spLocks noGrp="1"/>
-          </p:cNvSpPr>
-          <p:nvPr>
-            <p:ph type="title"/>
-          </p:nvPr>
-        </p:nvSpPr>
-        <p:spPr>
-          <a:xfrm>
-            <a:off x="655320" y="365125"/>
-            <a:ext cx="9013052" cy="1623312"/>
-          </a:xfrm>
-        </p:spPr>
-        <p:txBody>
-          <a:bodyPr anchor="b">
-            <a:normAutofit/>
-          </a:bodyPr>
-          <a:lstStyle/>
-          <a:p>
-            <a:r>
-              <a:rPr lang="en-IN" sz="4000"/>
-              <a:t>Functions</a:t>
-            </a:r>
-          </a:p>
-        </p:txBody>
-      </p:sp>
-      <p:cxnSp>
-        <p:nvCxnSpPr>
-          <p:cNvPr id="10" name="Straight Arrow Connector 9">
-            <a:extLst>
-              <a:ext uri="{FF2B5EF4-FFF2-40B4-BE49-F238E27FC236}">
-                <a16:creationId xmlns:a16="http://schemas.microsoft.com/office/drawing/2014/main" id="{B874EF51-C858-4BB9-97C3-D17755787127}"/>
+            <a:pPr algn="ctr"/>
+            <a:endParaRPr lang="en-US"/>
+          </a:p>
+        </p:txBody>
+      </p:sp>
+      <p:sp>
+        <p:nvSpPr>
+          <p:cNvPr id="13" name="Freeform: Shape 9">
+            <a:extLst>
+              <a:ext uri="{FF2B5EF4-FFF2-40B4-BE49-F238E27FC236}">
+                <a16:creationId xmlns:a16="http://schemas.microsoft.com/office/drawing/2014/main" id="{89CC0F1E-BAA2-47B1-8F83-7ECB9FD9E009}"/>
               </a:ext>
               <a:ext uri="{C183D7F6-B498-43B3-948B-1728B52AA6E4}">
                 <adec:decorative xmlns:adec="http://schemas.microsoft.com/office/drawing/2017/decorative" val="1"/>
               </a:ext>
             </a:extLst>
           </p:cNvPr>
-          <p:cNvCxnSpPr>
-            <a:cxnSpLocks noGrp="1" noRot="1" noChangeAspect="1" noMove="1" noResize="1" noEditPoints="1" noAdjustHandles="1" noChangeArrowheads="1" noChangeShapeType="1"/>
-          </p:cNvCxnSpPr>
+          <p:cNvSpPr>
+            <a:spLocks noGrp="1" noRot="1" noChangeAspect="1" noMove="1" noResize="1" noEditPoints="1" noAdjustHandles="1" noChangeArrowheads="1" noChangeShapeType="1" noTextEdit="1"/>
+          </p:cNvSpPr>
           <p:nvPr>
             <p:extLst>
               <p:ext uri="{386F3935-93C4-4BCD-93E2-E3B085C9AB24}">
@@ -11055,43 +10634,116 @@
               </p:ext>
             </p:extLst>
           </p:nvPr>
-        </p:nvCxnSpPr>
+        </p:nvSpPr>
         <p:spPr>
           <a:xfrm>
-            <a:off x="763661" y="2316480"/>
-            <a:ext cx="8229600" cy="0"/>
+            <a:off x="5189558" y="0"/>
+            <a:ext cx="6999394" cy="6858000"/>
           </a:xfrm>
-          <a:prstGeom prst="straightConnector1">
+          <a:custGeom>
             <a:avLst/>
-          </a:prstGeom>
-          <a:ln w="19050" cap="sq">
-            <a:solidFill>
-              <a:schemeClr val="tx1"/>
-            </a:solidFill>
-            <a:tailEnd type="none"/>
+            <a:gdLst>
+              <a:gd name="connsiteX0" fmla="*/ 6999394 w 6999394"/>
+              <a:gd name="connsiteY0" fmla="*/ 0 h 6858000"/>
+              <a:gd name="connsiteX1" fmla="*/ 6999394 w 6999394"/>
+              <a:gd name="connsiteY1" fmla="*/ 6858000 h 6858000"/>
+              <a:gd name="connsiteX2" fmla="*/ 717029 w 6999394"/>
+              <a:gd name="connsiteY2" fmla="*/ 6858000 h 6858000"/>
+              <a:gd name="connsiteX3" fmla="*/ 623642 w 6999394"/>
+              <a:gd name="connsiteY3" fmla="*/ 6599363 h 6858000"/>
+              <a:gd name="connsiteX4" fmla="*/ 319533 w 6999394"/>
+              <a:gd name="connsiteY4" fmla="*/ 193787 h 6858000"/>
+              <a:gd name="connsiteX5" fmla="*/ 371685 w 6999394"/>
+              <a:gd name="connsiteY5" fmla="*/ 1 h 6858000"/>
+            </a:gdLst>
+            <a:ahLst/>
+            <a:cxnLst>
+              <a:cxn ang="0">
+                <a:pos x="connsiteX0" y="connsiteY0"/>
+              </a:cxn>
+              <a:cxn ang="0">
+                <a:pos x="connsiteX1" y="connsiteY1"/>
+              </a:cxn>
+              <a:cxn ang="0">
+                <a:pos x="connsiteX2" y="connsiteY2"/>
+              </a:cxn>
+              <a:cxn ang="0">
+                <a:pos x="connsiteX3" y="connsiteY3"/>
+              </a:cxn>
+              <a:cxn ang="0">
+                <a:pos x="connsiteX4" y="connsiteY4"/>
+              </a:cxn>
+              <a:cxn ang="0">
+                <a:pos x="connsiteX5" y="connsiteY5"/>
+              </a:cxn>
+            </a:cxnLst>
+            <a:rect l="l" t="t" r="r" b="b"/>
+            <a:pathLst>
+              <a:path w="6999394" h="6858000">
+                <a:moveTo>
+                  <a:pt x="6999394" y="0"/>
+                </a:moveTo>
+                <a:lnTo>
+                  <a:pt x="6999394" y="6858000"/>
+                </a:lnTo>
+                <a:lnTo>
+                  <a:pt x="717029" y="6858000"/>
+                </a:lnTo>
+                <a:lnTo>
+                  <a:pt x="623642" y="6599363"/>
+                </a:lnTo>
+                <a:cubicBezTo>
+                  <a:pt x="-67685" y="4563346"/>
+                  <a:pt x="-206622" y="2355719"/>
+                  <a:pt x="319533" y="193787"/>
+                </a:cubicBezTo>
+                <a:lnTo>
+                  <a:pt x="371685" y="1"/>
+                </a:lnTo>
+                <a:close/>
+              </a:path>
+            </a:pathLst>
+          </a:custGeom>
+          <a:solidFill>
+            <a:schemeClr val="tx1">
+              <a:alpha val="80000"/>
+            </a:schemeClr>
+          </a:solidFill>
+          <a:ln>
+            <a:noFill/>
           </a:ln>
         </p:spPr>
         <p:style>
-          <a:lnRef idx="1">
-            <a:schemeClr val="accent1"/>
+          <a:lnRef idx="2">
+            <a:schemeClr val="accent1">
+              <a:shade val="50000"/>
+            </a:schemeClr>
           </a:lnRef>
-          <a:fillRef idx="0">
+          <a:fillRef idx="1">
             <a:schemeClr val="accent1"/>
           </a:fillRef>
           <a:effectRef idx="0">
             <a:schemeClr val="accent1"/>
           </a:effectRef>
           <a:fontRef idx="minor">
-            <a:schemeClr val="tx1"/>
+            <a:schemeClr val="lt1"/>
           </a:fontRef>
         </p:style>
-      </p:cxnSp>
+        <p:txBody>
+          <a:bodyPr rtlCol="0" anchor="ctr"/>
+          <a:lstStyle/>
+          <a:p>
+            <a:pPr algn="ctr"/>
+            <a:endParaRPr lang="en-US"/>
+          </a:p>
+        </p:txBody>
+      </p:sp>
       <p:sp>
         <p:nvSpPr>
           <p:cNvPr id="3" name="Content Placeholder 2">
             <a:extLst>
               <a:ext uri="{FF2B5EF4-FFF2-40B4-BE49-F238E27FC236}">
-                <a16:creationId xmlns:a16="http://schemas.microsoft.com/office/drawing/2014/main" id="{3875D498-D349-444A-B2F2-FBF7B8EE7575}"/>
+                <a16:creationId xmlns:a16="http://schemas.microsoft.com/office/drawing/2014/main" id="{6553569F-7A75-4414-A7F6-A29422B12AEA}"/>
               </a:ext>
             </a:extLst>
           </p:cNvPr>
@@ -11104,40 +10756,855 @@
         </p:nvSpPr>
         <p:spPr>
           <a:xfrm>
-            <a:off x="655320" y="2644518"/>
-            <a:ext cx="9013052" cy="3327251"/>
+            <a:off x="6096000" y="239486"/>
+            <a:ext cx="5704114" cy="6466114"/>
           </a:xfrm>
         </p:spPr>
         <p:txBody>
-          <a:bodyPr>
-            <a:normAutofit/>
+          <a:bodyPr anchor="ctr">
+            <a:normAutofit fontScale="47500" lnSpcReduction="20000"/>
           </a:bodyPr>
           <a:lstStyle/>
           <a:p>
-            <a:r>
-              <a:rPr lang="en-IN" sz="2000"/>
-              <a:t>In JS, function are often referred to as first-class objects, which means it can be passed onto another functions (callbacks), can be returned from a function (closure)</a:t>
-            </a:r>
-          </a:p>
-          <a:p>
-            <a:r>
-              <a:rPr lang="en-IN" sz="2000"/>
-              <a:t>Functions can have properties and methods (react hooks), They have additional properties such as name and code (contains definition in form of string)</a:t>
-            </a:r>
-          </a:p>
-          <a:p>
-            <a:r>
-              <a:rPr lang="en-US" sz="2000"/>
-              <a:t>All functions return something, a function without a return statement returns undefined. (Unless it's a constructor) </a:t>
-            </a:r>
-            <a:endParaRPr lang="en-IN" sz="2000"/>
+            <a:pPr marL="0" indent="0">
+              <a:lnSpc>
+                <a:spcPct val="120000"/>
+              </a:lnSpc>
+              <a:spcBef>
+                <a:spcPts val="0"/>
+              </a:spcBef>
+              <a:buNone/>
+            </a:pPr>
+            <a:r>
+              <a:rPr lang="en-IN" sz="2900" dirty="0" err="1">
+                <a:solidFill>
+                  <a:schemeClr val="bg1"/>
+                </a:solidFill>
+              </a:rPr>
+              <a:t>const</a:t>
+            </a:r>
+            <a:r>
+              <a:rPr lang="en-IN" sz="2900" dirty="0">
+                <a:solidFill>
+                  <a:schemeClr val="bg1"/>
+                </a:solidFill>
+              </a:rPr>
+              <a:t> </a:t>
+            </a:r>
+            <a:r>
+              <a:rPr lang="en-IN" sz="2900" dirty="0" err="1">
+                <a:solidFill>
+                  <a:schemeClr val="bg1"/>
+                </a:solidFill>
+              </a:rPr>
+              <a:t>initialState</a:t>
+            </a:r>
+            <a:r>
+              <a:rPr lang="en-IN" sz="2900" dirty="0">
+                <a:solidFill>
+                  <a:schemeClr val="bg1"/>
+                </a:solidFill>
+              </a:rPr>
+              <a:t> = {</a:t>
+            </a:r>
+          </a:p>
+          <a:p>
+            <a:pPr marL="0" indent="0">
+              <a:lnSpc>
+                <a:spcPct val="120000"/>
+              </a:lnSpc>
+              <a:spcBef>
+                <a:spcPts val="0"/>
+              </a:spcBef>
+              <a:buNone/>
+            </a:pPr>
+            <a:r>
+              <a:rPr lang="en-IN" sz="2900" dirty="0">
+                <a:solidFill>
+                  <a:schemeClr val="bg1"/>
+                </a:solidFill>
+              </a:rPr>
+              <a:t>    list: [],</a:t>
+            </a:r>
+          </a:p>
+          <a:p>
+            <a:pPr marL="0" indent="0">
+              <a:lnSpc>
+                <a:spcPct val="120000"/>
+              </a:lnSpc>
+              <a:spcBef>
+                <a:spcPts val="0"/>
+              </a:spcBef>
+              <a:buNone/>
+            </a:pPr>
+            <a:r>
+              <a:rPr lang="en-IN" sz="2900" dirty="0">
+                <a:solidFill>
+                  <a:schemeClr val="bg1"/>
+                </a:solidFill>
+              </a:rPr>
+              <a:t>    </a:t>
+            </a:r>
+            <a:r>
+              <a:rPr lang="en-IN" sz="2900" dirty="0" err="1">
+                <a:solidFill>
+                  <a:schemeClr val="bg1"/>
+                </a:solidFill>
+              </a:rPr>
+              <a:t>msg</a:t>
+            </a:r>
+            <a:r>
+              <a:rPr lang="en-IN" sz="2900" dirty="0">
+                <a:solidFill>
+                  <a:schemeClr val="bg1"/>
+                </a:solidFill>
+              </a:rPr>
+              <a:t>: ''</a:t>
+            </a:r>
+          </a:p>
+          <a:p>
+            <a:pPr marL="0" indent="0">
+              <a:lnSpc>
+                <a:spcPct val="120000"/>
+              </a:lnSpc>
+              <a:spcBef>
+                <a:spcPts val="0"/>
+              </a:spcBef>
+              <a:buNone/>
+            </a:pPr>
+            <a:r>
+              <a:rPr lang="en-IN" sz="2900" dirty="0">
+                <a:solidFill>
+                  <a:schemeClr val="bg1"/>
+                </a:solidFill>
+              </a:rPr>
+              <a:t>};</a:t>
+            </a:r>
+            <a:br>
+              <a:rPr lang="en-IN" sz="2900" dirty="0">
+                <a:solidFill>
+                  <a:schemeClr val="bg1"/>
+                </a:solidFill>
+              </a:rPr>
+            </a:br>
+            <a:r>
+              <a:rPr lang="en-IN" sz="2900" dirty="0" err="1">
+                <a:solidFill>
+                  <a:schemeClr val="bg1"/>
+                </a:solidFill>
+              </a:rPr>
+              <a:t>const</a:t>
+            </a:r>
+            <a:r>
+              <a:rPr lang="en-IN" sz="2900" dirty="0">
+                <a:solidFill>
+                  <a:schemeClr val="bg1"/>
+                </a:solidFill>
+              </a:rPr>
+              <a:t> </a:t>
+            </a:r>
+            <a:r>
+              <a:rPr lang="en-IN" sz="2900" dirty="0" err="1">
+                <a:solidFill>
+                  <a:schemeClr val="bg1"/>
+                </a:solidFill>
+              </a:rPr>
+              <a:t>initReducer</a:t>
+            </a:r>
+            <a:r>
+              <a:rPr lang="en-IN" sz="2900" dirty="0">
+                <a:solidFill>
+                  <a:schemeClr val="bg1"/>
+                </a:solidFill>
+              </a:rPr>
+              <a:t> = (state = </a:t>
+            </a:r>
+            <a:r>
+              <a:rPr lang="en-IN" sz="2900" dirty="0" err="1">
+                <a:solidFill>
+                  <a:schemeClr val="bg1"/>
+                </a:solidFill>
+              </a:rPr>
+              <a:t>initialState</a:t>
+            </a:r>
+            <a:r>
+              <a:rPr lang="en-IN" sz="2900" dirty="0">
+                <a:solidFill>
+                  <a:schemeClr val="bg1"/>
+                </a:solidFill>
+              </a:rPr>
+              <a:t>, action) =&gt; {</a:t>
+            </a:r>
+          </a:p>
+          <a:p>
+            <a:pPr marL="0" indent="0">
+              <a:lnSpc>
+                <a:spcPct val="120000"/>
+              </a:lnSpc>
+              <a:spcBef>
+                <a:spcPts val="0"/>
+              </a:spcBef>
+              <a:buNone/>
+            </a:pPr>
+            <a:r>
+              <a:rPr lang="en-IN" sz="2900" dirty="0">
+                <a:solidFill>
+                  <a:schemeClr val="bg1"/>
+                </a:solidFill>
+              </a:rPr>
+              <a:t>    switch (</a:t>
+            </a:r>
+            <a:r>
+              <a:rPr lang="en-IN" sz="2900" dirty="0" err="1">
+                <a:solidFill>
+                  <a:schemeClr val="bg1"/>
+                </a:solidFill>
+              </a:rPr>
+              <a:t>action.type</a:t>
+            </a:r>
+            <a:r>
+              <a:rPr lang="en-IN" sz="2900" dirty="0">
+                <a:solidFill>
+                  <a:schemeClr val="bg1"/>
+                </a:solidFill>
+              </a:rPr>
+              <a:t>) {</a:t>
+            </a:r>
+          </a:p>
+          <a:p>
+            <a:pPr marL="0" indent="0">
+              <a:lnSpc>
+                <a:spcPct val="120000"/>
+              </a:lnSpc>
+              <a:spcBef>
+                <a:spcPts val="0"/>
+              </a:spcBef>
+              <a:buNone/>
+            </a:pPr>
+            <a:r>
+              <a:rPr lang="en-IN" sz="2900" dirty="0">
+                <a:solidFill>
+                  <a:schemeClr val="bg1"/>
+                </a:solidFill>
+              </a:rPr>
+              <a:t>        case 'FETCH_LIST_SUCCESS':</a:t>
+            </a:r>
+          </a:p>
+          <a:p>
+            <a:pPr marL="0" indent="0">
+              <a:lnSpc>
+                <a:spcPct val="120000"/>
+              </a:lnSpc>
+              <a:spcBef>
+                <a:spcPts val="0"/>
+              </a:spcBef>
+              <a:buNone/>
+            </a:pPr>
+            <a:r>
+              <a:rPr lang="en-IN" sz="2900" dirty="0">
+                <a:solidFill>
+                  <a:schemeClr val="bg1"/>
+                </a:solidFill>
+              </a:rPr>
+              <a:t>            </a:t>
+            </a:r>
+            <a:r>
+              <a:rPr lang="en-IN" sz="2900" dirty="0" err="1">
+                <a:solidFill>
+                  <a:schemeClr val="bg1"/>
+                </a:solidFill>
+              </a:rPr>
+              <a:t>const</a:t>
+            </a:r>
+            <a:r>
+              <a:rPr lang="en-IN" sz="2900" dirty="0">
+                <a:solidFill>
+                  <a:schemeClr val="bg1"/>
+                </a:solidFill>
+              </a:rPr>
+              <a:t> </a:t>
+            </a:r>
+            <a:r>
+              <a:rPr lang="en-IN" sz="2900" dirty="0" err="1">
+                <a:solidFill>
+                  <a:schemeClr val="bg1"/>
+                </a:solidFill>
+              </a:rPr>
+              <a:t>tempList</a:t>
+            </a:r>
+            <a:r>
+              <a:rPr lang="en-IN" sz="2900" dirty="0">
+                <a:solidFill>
+                  <a:schemeClr val="bg1"/>
+                </a:solidFill>
+              </a:rPr>
+              <a:t> = </a:t>
+            </a:r>
+            <a:r>
+              <a:rPr lang="en-IN" sz="2900" dirty="0" err="1">
+                <a:solidFill>
+                  <a:schemeClr val="bg1"/>
+                </a:solidFill>
+              </a:rPr>
+              <a:t>action.payload</a:t>
+            </a:r>
+            <a:r>
+              <a:rPr lang="en-IN" sz="2900" dirty="0">
+                <a:solidFill>
+                  <a:schemeClr val="bg1"/>
+                </a:solidFill>
+              </a:rPr>
+              <a:t>;</a:t>
+            </a:r>
+          </a:p>
+          <a:p>
+            <a:pPr marL="0" indent="0">
+              <a:lnSpc>
+                <a:spcPct val="120000"/>
+              </a:lnSpc>
+              <a:spcBef>
+                <a:spcPts val="0"/>
+              </a:spcBef>
+              <a:buNone/>
+            </a:pPr>
+            <a:r>
+              <a:rPr lang="en-IN" sz="2900" dirty="0">
+                <a:solidFill>
+                  <a:schemeClr val="bg1"/>
+                </a:solidFill>
+              </a:rPr>
+              <a:t>            return {</a:t>
+            </a:r>
+          </a:p>
+          <a:p>
+            <a:pPr marL="0" indent="0">
+              <a:lnSpc>
+                <a:spcPct val="120000"/>
+              </a:lnSpc>
+              <a:spcBef>
+                <a:spcPts val="0"/>
+              </a:spcBef>
+              <a:buNone/>
+            </a:pPr>
+            <a:r>
+              <a:rPr lang="en-IN" sz="2900" dirty="0">
+                <a:solidFill>
+                  <a:schemeClr val="bg1"/>
+                </a:solidFill>
+              </a:rPr>
+              <a:t>                ...state,</a:t>
+            </a:r>
+          </a:p>
+          <a:p>
+            <a:pPr marL="0" indent="0">
+              <a:lnSpc>
+                <a:spcPct val="120000"/>
+              </a:lnSpc>
+              <a:spcBef>
+                <a:spcPts val="0"/>
+              </a:spcBef>
+              <a:buNone/>
+            </a:pPr>
+            <a:r>
+              <a:rPr lang="en-IN" sz="2900" dirty="0">
+                <a:solidFill>
+                  <a:schemeClr val="bg1"/>
+                </a:solidFill>
+              </a:rPr>
+              <a:t>                list: </a:t>
+            </a:r>
+            <a:r>
+              <a:rPr lang="en-IN" sz="2900" dirty="0" err="1">
+                <a:solidFill>
+                  <a:schemeClr val="bg1"/>
+                </a:solidFill>
+              </a:rPr>
+              <a:t>tempList</a:t>
+            </a:r>
+            <a:endParaRPr lang="en-IN" sz="2900" dirty="0">
+              <a:solidFill>
+                <a:schemeClr val="bg1"/>
+              </a:solidFill>
+            </a:endParaRPr>
+          </a:p>
+          <a:p>
+            <a:pPr marL="0" indent="0">
+              <a:lnSpc>
+                <a:spcPct val="120000"/>
+              </a:lnSpc>
+              <a:spcBef>
+                <a:spcPts val="0"/>
+              </a:spcBef>
+              <a:buNone/>
+            </a:pPr>
+            <a:r>
+              <a:rPr lang="en-IN" sz="2900" dirty="0">
+                <a:solidFill>
+                  <a:schemeClr val="bg1"/>
+                </a:solidFill>
+              </a:rPr>
+              <a:t>            };</a:t>
+            </a:r>
+          </a:p>
+          <a:p>
+            <a:pPr marL="0" indent="0">
+              <a:lnSpc>
+                <a:spcPct val="120000"/>
+              </a:lnSpc>
+              <a:spcBef>
+                <a:spcPts val="0"/>
+              </a:spcBef>
+              <a:buNone/>
+            </a:pPr>
+            <a:r>
+              <a:rPr lang="en-IN" sz="2900" dirty="0">
+                <a:solidFill>
+                  <a:schemeClr val="bg1"/>
+                </a:solidFill>
+              </a:rPr>
+              <a:t>        case 'FETCH_LIST_ERROR':</a:t>
+            </a:r>
+          </a:p>
+          <a:p>
+            <a:pPr marL="0" indent="0">
+              <a:lnSpc>
+                <a:spcPct val="120000"/>
+              </a:lnSpc>
+              <a:spcBef>
+                <a:spcPts val="0"/>
+              </a:spcBef>
+              <a:buNone/>
+            </a:pPr>
+            <a:r>
+              <a:rPr lang="en-IN" sz="2900" dirty="0">
+                <a:solidFill>
+                  <a:schemeClr val="bg1"/>
+                </a:solidFill>
+              </a:rPr>
+              <a:t>            </a:t>
+            </a:r>
+            <a:r>
+              <a:rPr lang="en-IN" sz="2900" dirty="0" err="1">
+                <a:solidFill>
+                  <a:schemeClr val="bg1"/>
+                </a:solidFill>
+              </a:rPr>
+              <a:t>const</a:t>
+            </a:r>
+            <a:r>
+              <a:rPr lang="en-IN" sz="2900" dirty="0">
+                <a:solidFill>
+                  <a:schemeClr val="bg1"/>
+                </a:solidFill>
+              </a:rPr>
+              <a:t> </a:t>
+            </a:r>
+            <a:r>
+              <a:rPr lang="en-IN" sz="2900" dirty="0" err="1">
+                <a:solidFill>
+                  <a:schemeClr val="bg1"/>
+                </a:solidFill>
+              </a:rPr>
+              <a:t>tempList</a:t>
+            </a:r>
+            <a:r>
+              <a:rPr lang="en-IN" sz="2900" dirty="0">
+                <a:solidFill>
+                  <a:schemeClr val="bg1"/>
+                </a:solidFill>
+              </a:rPr>
+              <a:t> = </a:t>
+            </a:r>
+            <a:r>
+              <a:rPr lang="en-IN" sz="2900" dirty="0" err="1">
+                <a:solidFill>
+                  <a:schemeClr val="bg1"/>
+                </a:solidFill>
+              </a:rPr>
+              <a:t>action.payload</a:t>
+            </a:r>
+            <a:r>
+              <a:rPr lang="en-IN" sz="2900" dirty="0">
+                <a:solidFill>
+                  <a:schemeClr val="bg1"/>
+                </a:solidFill>
+              </a:rPr>
+              <a:t>;</a:t>
+            </a:r>
+          </a:p>
+          <a:p>
+            <a:pPr marL="0" indent="0">
+              <a:lnSpc>
+                <a:spcPct val="120000"/>
+              </a:lnSpc>
+              <a:spcBef>
+                <a:spcPts val="0"/>
+              </a:spcBef>
+              <a:buNone/>
+            </a:pPr>
+            <a:r>
+              <a:rPr lang="en-IN" sz="2900" dirty="0">
+                <a:solidFill>
+                  <a:schemeClr val="bg1"/>
+                </a:solidFill>
+              </a:rPr>
+              <a:t>            return {</a:t>
+            </a:r>
+          </a:p>
+          <a:p>
+            <a:pPr marL="0" indent="0">
+              <a:lnSpc>
+                <a:spcPct val="120000"/>
+              </a:lnSpc>
+              <a:spcBef>
+                <a:spcPts val="0"/>
+              </a:spcBef>
+              <a:buNone/>
+            </a:pPr>
+            <a:r>
+              <a:rPr lang="en-IN" sz="2900" dirty="0">
+                <a:solidFill>
+                  <a:schemeClr val="bg1"/>
+                </a:solidFill>
+              </a:rPr>
+              <a:t>                ...state,</a:t>
+            </a:r>
+          </a:p>
+          <a:p>
+            <a:pPr marL="0" indent="0">
+              <a:lnSpc>
+                <a:spcPct val="120000"/>
+              </a:lnSpc>
+              <a:spcBef>
+                <a:spcPts val="0"/>
+              </a:spcBef>
+              <a:buNone/>
+            </a:pPr>
+            <a:r>
+              <a:rPr lang="en-IN" sz="2900" dirty="0">
+                <a:solidFill>
+                  <a:schemeClr val="bg1"/>
+                </a:solidFill>
+              </a:rPr>
+              <a:t>                list: </a:t>
+            </a:r>
+            <a:r>
+              <a:rPr lang="en-IN" sz="2900" dirty="0" err="1">
+                <a:solidFill>
+                  <a:schemeClr val="bg1"/>
+                </a:solidFill>
+              </a:rPr>
+              <a:t>tempList</a:t>
+            </a:r>
+            <a:r>
+              <a:rPr lang="en-IN" sz="2900" dirty="0">
+                <a:solidFill>
+                  <a:schemeClr val="bg1"/>
+                </a:solidFill>
+              </a:rPr>
+              <a:t>,</a:t>
+            </a:r>
+          </a:p>
+          <a:p>
+            <a:pPr marL="0" indent="0">
+              <a:lnSpc>
+                <a:spcPct val="120000"/>
+              </a:lnSpc>
+              <a:spcBef>
+                <a:spcPts val="0"/>
+              </a:spcBef>
+              <a:buNone/>
+            </a:pPr>
+            <a:r>
+              <a:rPr lang="en-IN" sz="2900" dirty="0">
+                <a:solidFill>
+                  <a:schemeClr val="bg1"/>
+                </a:solidFill>
+              </a:rPr>
+              <a:t>                </a:t>
+            </a:r>
+            <a:r>
+              <a:rPr lang="en-IN" sz="2900" dirty="0" err="1">
+                <a:solidFill>
+                  <a:schemeClr val="bg1"/>
+                </a:solidFill>
+              </a:rPr>
+              <a:t>msg</a:t>
+            </a:r>
+            <a:r>
+              <a:rPr lang="en-IN" sz="2900" dirty="0">
+                <a:solidFill>
+                  <a:schemeClr val="bg1"/>
+                </a:solidFill>
+              </a:rPr>
+              <a:t>: '</a:t>
+            </a:r>
+            <a:r>
+              <a:rPr lang="en-IN" sz="2900" dirty="0" err="1">
+                <a:solidFill>
+                  <a:schemeClr val="bg1"/>
+                </a:solidFill>
+              </a:rPr>
+              <a:t>Uhh</a:t>
+            </a:r>
+            <a:r>
+              <a:rPr lang="en-IN" sz="2900" dirty="0">
+                <a:solidFill>
+                  <a:schemeClr val="bg1"/>
+                </a:solidFill>
+              </a:rPr>
+              <a:t> </a:t>
+            </a:r>
+            <a:r>
+              <a:rPr lang="en-IN" sz="2900" dirty="0" err="1">
+                <a:solidFill>
+                  <a:schemeClr val="bg1"/>
+                </a:solidFill>
+              </a:rPr>
+              <a:t>Ohh</a:t>
+            </a:r>
+            <a:r>
+              <a:rPr lang="en-IN" sz="2900" dirty="0">
+                <a:solidFill>
+                  <a:schemeClr val="bg1"/>
+                </a:solidFill>
+              </a:rPr>
+              <a:t>.. Something went wrong...'</a:t>
+            </a:r>
+          </a:p>
+          <a:p>
+            <a:pPr marL="0" indent="0">
+              <a:lnSpc>
+                <a:spcPct val="120000"/>
+              </a:lnSpc>
+              <a:spcBef>
+                <a:spcPts val="0"/>
+              </a:spcBef>
+              <a:buNone/>
+            </a:pPr>
+            <a:r>
+              <a:rPr lang="en-IN" sz="2900" dirty="0">
+                <a:solidFill>
+                  <a:schemeClr val="bg1"/>
+                </a:solidFill>
+              </a:rPr>
+              <a:t>            };</a:t>
+            </a:r>
+          </a:p>
+          <a:p>
+            <a:pPr marL="0" indent="0">
+              <a:lnSpc>
+                <a:spcPct val="120000"/>
+              </a:lnSpc>
+              <a:spcBef>
+                <a:spcPts val="0"/>
+              </a:spcBef>
+              <a:buNone/>
+            </a:pPr>
+            <a:r>
+              <a:rPr lang="en-IN" sz="2900" dirty="0">
+                <a:solidFill>
+                  <a:schemeClr val="bg1"/>
+                </a:solidFill>
+              </a:rPr>
+              <a:t>        default:</a:t>
+            </a:r>
+          </a:p>
+          <a:p>
+            <a:pPr marL="0" indent="0">
+              <a:lnSpc>
+                <a:spcPct val="120000"/>
+              </a:lnSpc>
+              <a:spcBef>
+                <a:spcPts val="0"/>
+              </a:spcBef>
+              <a:buNone/>
+            </a:pPr>
+            <a:r>
+              <a:rPr lang="en-IN" sz="2900" dirty="0">
+                <a:solidFill>
+                  <a:schemeClr val="bg1"/>
+                </a:solidFill>
+              </a:rPr>
+              <a:t>            return state;</a:t>
+            </a:r>
+          </a:p>
+          <a:p>
+            <a:pPr marL="0" indent="0">
+              <a:lnSpc>
+                <a:spcPct val="120000"/>
+              </a:lnSpc>
+              <a:spcBef>
+                <a:spcPts val="0"/>
+              </a:spcBef>
+              <a:buNone/>
+            </a:pPr>
+            <a:r>
+              <a:rPr lang="en-IN" sz="2900" dirty="0">
+                <a:solidFill>
+                  <a:schemeClr val="bg1"/>
+                </a:solidFill>
+              </a:rPr>
+              <a:t>    }</a:t>
+            </a:r>
+          </a:p>
+          <a:p>
+            <a:pPr marL="0" indent="0">
+              <a:lnSpc>
+                <a:spcPct val="120000"/>
+              </a:lnSpc>
+              <a:spcBef>
+                <a:spcPts val="0"/>
+              </a:spcBef>
+              <a:buNone/>
+            </a:pPr>
+            <a:r>
+              <a:rPr lang="en-IN" sz="2900" dirty="0">
+                <a:solidFill>
+                  <a:schemeClr val="bg1"/>
+                </a:solidFill>
+              </a:rPr>
+              <a:t>};</a:t>
+            </a:r>
+            <a:br>
+              <a:rPr lang="en-IN" sz="2900" dirty="0">
+                <a:solidFill>
+                  <a:schemeClr val="bg1"/>
+                </a:solidFill>
+              </a:rPr>
+            </a:br>
+            <a:r>
+              <a:rPr lang="en-IN" sz="2900" dirty="0" err="1">
+                <a:solidFill>
+                  <a:schemeClr val="bg1"/>
+                </a:solidFill>
+              </a:rPr>
+              <a:t>const</a:t>
+            </a:r>
+            <a:r>
+              <a:rPr lang="en-IN" sz="2900" dirty="0">
+                <a:solidFill>
+                  <a:schemeClr val="bg1"/>
+                </a:solidFill>
+              </a:rPr>
+              <a:t> state = </a:t>
+            </a:r>
+            <a:r>
+              <a:rPr lang="en-IN" sz="2900" dirty="0" err="1">
+                <a:solidFill>
+                  <a:schemeClr val="bg1"/>
+                </a:solidFill>
+              </a:rPr>
+              <a:t>initReducer</a:t>
+            </a:r>
+            <a:r>
+              <a:rPr lang="en-IN" sz="2900" dirty="0">
+                <a:solidFill>
+                  <a:schemeClr val="bg1"/>
+                </a:solidFill>
+              </a:rPr>
+              <a:t>(undefined, {</a:t>
+            </a:r>
+          </a:p>
+          <a:p>
+            <a:pPr marL="0" indent="0">
+              <a:lnSpc>
+                <a:spcPct val="120000"/>
+              </a:lnSpc>
+              <a:spcBef>
+                <a:spcPts val="0"/>
+              </a:spcBef>
+              <a:buNone/>
+            </a:pPr>
+            <a:r>
+              <a:rPr lang="en-IN" sz="2900" dirty="0">
+                <a:solidFill>
+                  <a:schemeClr val="bg1"/>
+                </a:solidFill>
+              </a:rPr>
+              <a:t>    type: 'FETCH_LIST_SUCCESS',</a:t>
+            </a:r>
+          </a:p>
+          <a:p>
+            <a:pPr marL="0" indent="0">
+              <a:lnSpc>
+                <a:spcPct val="120000"/>
+              </a:lnSpc>
+              <a:spcBef>
+                <a:spcPts val="0"/>
+              </a:spcBef>
+              <a:buNone/>
+            </a:pPr>
+            <a:r>
+              <a:rPr lang="en-IN" sz="2900" dirty="0">
+                <a:solidFill>
+                  <a:schemeClr val="bg1"/>
+                </a:solidFill>
+              </a:rPr>
+              <a:t>    payload: [1, 2, 3, 4]</a:t>
+            </a:r>
+          </a:p>
+          <a:p>
+            <a:pPr marL="0" indent="0">
+              <a:lnSpc>
+                <a:spcPct val="120000"/>
+              </a:lnSpc>
+              <a:spcBef>
+                <a:spcPts val="0"/>
+              </a:spcBef>
+              <a:buNone/>
+            </a:pPr>
+            <a:r>
+              <a:rPr lang="en-IN" sz="2900" dirty="0">
+                <a:solidFill>
+                  <a:schemeClr val="bg1"/>
+                </a:solidFill>
+              </a:rPr>
+              <a:t>});</a:t>
+            </a:r>
+          </a:p>
+          <a:p>
+            <a:pPr marL="0" indent="0">
+              <a:lnSpc>
+                <a:spcPct val="120000"/>
+              </a:lnSpc>
+              <a:spcBef>
+                <a:spcPts val="0"/>
+              </a:spcBef>
+              <a:buNone/>
+            </a:pPr>
+            <a:br>
+              <a:rPr lang="en-IN" sz="2900" dirty="0">
+                <a:solidFill>
+                  <a:schemeClr val="bg1"/>
+                </a:solidFill>
+              </a:rPr>
+            </a:br>
+            <a:r>
+              <a:rPr lang="en-IN" sz="2900" dirty="0">
+                <a:solidFill>
+                  <a:schemeClr val="bg1"/>
+                </a:solidFill>
+              </a:rPr>
+              <a:t>console.log(state);</a:t>
+            </a:r>
+          </a:p>
+          <a:p>
+            <a:pPr marL="0" indent="0">
+              <a:buNone/>
+            </a:pPr>
+            <a:endParaRPr lang="en-IN" sz="2400" dirty="0">
+              <a:solidFill>
+                <a:schemeClr val="bg1"/>
+              </a:solidFill>
+            </a:endParaRPr>
           </a:p>
         </p:txBody>
       </p:sp>
     </p:spTree>
     <p:extLst>
       <p:ext uri="{BB962C8B-B14F-4D97-AF65-F5344CB8AC3E}">
-        <p14:creationId xmlns:p14="http://schemas.microsoft.com/office/powerpoint/2010/main" val="4087541001"/>
+        <p14:creationId xmlns:p14="http://schemas.microsoft.com/office/powerpoint/2010/main" val="158404290"/>
       </p:ext>
     </p:extLst>
   </p:cSld>
@@ -11174,10 +11641,10 @@
       </p:grpSpPr>
       <p:sp>
         <p:nvSpPr>
-          <p:cNvPr id="82" name="Rectangle 77">
-            <a:extLst>
-              <a:ext uri="{FF2B5EF4-FFF2-40B4-BE49-F238E27FC236}">
-                <a16:creationId xmlns:a16="http://schemas.microsoft.com/office/drawing/2014/main" id="{6753252F-4873-4F63-801D-CC719279A7D5}"/>
+          <p:cNvPr id="15" name="Rectangle 7">
+            <a:extLst>
+              <a:ext uri="{FF2B5EF4-FFF2-40B4-BE49-F238E27FC236}">
+                <a16:creationId xmlns:a16="http://schemas.microsoft.com/office/drawing/2014/main" id="{EA67B5B4-3A24-436E-B663-1B2EBFF8A0CD}"/>
               </a:ext>
               <a:ext uri="{C183D7F6-B498-43B3-948B-1728B52AA6E4}">
                 <adec:decorative xmlns:adec="http://schemas.microsoft.com/office/drawing/2017/decorative" val="1"/>
@@ -11197,14 +11664,14 @@
         </p:nvSpPr>
         <p:spPr>
           <a:xfrm>
-            <a:off x="0" y="0"/>
-            <a:ext cx="12192000" cy="6858000"/>
+            <a:off x="0" y="-3324"/>
+            <a:ext cx="12192000" cy="6861324"/>
           </a:xfrm>
           <a:prstGeom prst="rect">
             <a:avLst/>
           </a:prstGeom>
           <a:solidFill>
-            <a:srgbClr val="FFFFFF"/>
+            <a:srgbClr val="404040"/>
           </a:solidFill>
           <a:ln>
             <a:noFill/>
@@ -11230,17 +11697,46 @@
           <a:bodyPr rtlCol="0" anchor="ctr"/>
           <a:lstStyle/>
           <a:p>
-            <a:pPr algn="ctr"/>
-            <a:endParaRPr lang="en-US"/>
-          </a:p>
-        </p:txBody>
-      </p:sp>
-      <p:sp>
-        <p:nvSpPr>
-          <p:cNvPr id="83" name="Rectangle 79">
-            <a:extLst>
-              <a:ext uri="{FF2B5EF4-FFF2-40B4-BE49-F238E27FC236}">
-                <a16:creationId xmlns:a16="http://schemas.microsoft.com/office/drawing/2014/main" id="{047C8CCB-F95D-4249-92DD-651249D3535A}"/>
+            <a:pPr marL="0" marR="0" lvl="0" indent="0" algn="ctr" defTabSz="914400" rtl="0" eaLnBrk="1" fontAlgn="auto" latinLnBrk="0" hangingPunct="1">
+              <a:lnSpc>
+                <a:spcPct val="100000"/>
+              </a:lnSpc>
+              <a:spcBef>
+                <a:spcPts val="0"/>
+              </a:spcBef>
+              <a:spcAft>
+                <a:spcPts val="0"/>
+              </a:spcAft>
+              <a:buClrTx/>
+              <a:buSzTx/>
+              <a:buFontTx/>
+              <a:buNone/>
+              <a:tabLst/>
+              <a:defRPr/>
+            </a:pPr>
+            <a:endParaRPr kumimoji="0" lang="en-US" sz="1800" b="0" i="0" u="none" strike="noStrike" kern="1200" cap="none" spc="0" normalizeH="0" baseline="0" noProof="0">
+              <a:ln>
+                <a:noFill/>
+              </a:ln>
+              <a:solidFill>
+                <a:prstClr val="white"/>
+              </a:solidFill>
+              <a:effectLst/>
+              <a:uLnTx/>
+              <a:uFillTx/>
+              <a:latin typeface="Calibri" panose="020F0502020204030204"/>
+              <a:ea typeface="+mn-ea"/>
+              <a:cs typeface="+mn-cs"/>
+            </a:endParaRPr>
+          </a:p>
+        </p:txBody>
+      </p:sp>
+      <p:sp>
+        <p:nvSpPr>
+          <p:cNvPr id="16" name="Freeform 13">
+            <a:extLst>
+              <a:ext uri="{FF2B5EF4-FFF2-40B4-BE49-F238E27FC236}">
+                <a16:creationId xmlns:a16="http://schemas.microsoft.com/office/drawing/2014/main" id="{987FDF89-C993-41F4-A1B8-DBAFF16008A9}"/>
               </a:ext>
               <a:ext uri="{C183D7F6-B498-43B3-948B-1728B52AA6E4}">
                 <adec:decorative xmlns:adec="http://schemas.microsoft.com/office/drawing/2017/decorative" val="1"/>
@@ -11261,13 +11757,58 @@
         <p:spPr>
           <a:xfrm>
             <a:off x="0" y="0"/>
-            <a:ext cx="2013557" cy="6858000"/>
+            <a:ext cx="11960028" cy="6858000"/>
           </a:xfrm>
-          <a:prstGeom prst="rect">
+          <a:custGeom>
             <a:avLst/>
-          </a:prstGeom>
+            <a:gdLst>
+              <a:gd name="connsiteX0" fmla="*/ 0 w 11786754"/>
+              <a:gd name="connsiteY0" fmla="*/ 0 h 6858000"/>
+              <a:gd name="connsiteX1" fmla="*/ 8610600 w 11786754"/>
+              <a:gd name="connsiteY1" fmla="*/ 0 h 6858000"/>
+              <a:gd name="connsiteX2" fmla="*/ 11786754 w 11786754"/>
+              <a:gd name="connsiteY2" fmla="*/ 6858000 h 6858000"/>
+              <a:gd name="connsiteX3" fmla="*/ 0 w 11786754"/>
+              <a:gd name="connsiteY3" fmla="*/ 6858000 h 6858000"/>
+            </a:gdLst>
+            <a:ahLst/>
+            <a:cxnLst>
+              <a:cxn ang="0">
+                <a:pos x="connsiteX0" y="connsiteY0"/>
+              </a:cxn>
+              <a:cxn ang="0">
+                <a:pos x="connsiteX1" y="connsiteY1"/>
+              </a:cxn>
+              <a:cxn ang="0">
+                <a:pos x="connsiteX2" y="connsiteY2"/>
+              </a:cxn>
+              <a:cxn ang="0">
+                <a:pos x="connsiteX3" y="connsiteY3"/>
+              </a:cxn>
+            </a:cxnLst>
+            <a:rect l="l" t="t" r="r" b="b"/>
+            <a:pathLst>
+              <a:path w="11786754" h="6858000">
+                <a:moveTo>
+                  <a:pt x="0" y="0"/>
+                </a:moveTo>
+                <a:lnTo>
+                  <a:pt x="8610600" y="0"/>
+                </a:lnTo>
+                <a:lnTo>
+                  <a:pt x="11786754" y="6858000"/>
+                </a:lnTo>
+                <a:lnTo>
+                  <a:pt x="0" y="6858000"/>
+                </a:lnTo>
+                <a:close/>
+              </a:path>
+            </a:pathLst>
+          </a:custGeom>
           <a:solidFill>
-            <a:srgbClr val="7F7F7F"/>
+            <a:srgbClr val="000000">
+              <a:alpha val="29804"/>
+            </a:srgbClr>
           </a:solidFill>
           <a:ln>
             <a:noFill/>
@@ -11293,8 +11834,176 @@
           <a:bodyPr rtlCol="0" anchor="ctr"/>
           <a:lstStyle/>
           <a:p>
-            <a:pPr algn="ctr"/>
-            <a:endParaRPr lang="en-US"/>
+            <a:pPr marL="0" marR="0" lvl="0" indent="0" algn="ctr" defTabSz="914400" rtl="0" eaLnBrk="1" fontAlgn="auto" latinLnBrk="0" hangingPunct="1">
+              <a:lnSpc>
+                <a:spcPct val="100000"/>
+              </a:lnSpc>
+              <a:spcBef>
+                <a:spcPts val="0"/>
+              </a:spcBef>
+              <a:spcAft>
+                <a:spcPts val="0"/>
+              </a:spcAft>
+              <a:buClrTx/>
+              <a:buSzTx/>
+              <a:buFontTx/>
+              <a:buNone/>
+              <a:tabLst/>
+              <a:defRPr/>
+            </a:pPr>
+            <a:endParaRPr kumimoji="0" lang="en-US" sz="1800" b="0" i="0" u="none" strike="noStrike" kern="1200" cap="none" spc="0" normalizeH="0" baseline="0" noProof="0">
+              <a:ln>
+                <a:noFill/>
+              </a:ln>
+              <a:solidFill>
+                <a:prstClr val="white"/>
+              </a:solidFill>
+              <a:effectLst/>
+              <a:uLnTx/>
+              <a:uFillTx/>
+              <a:latin typeface="Calibri" panose="020F0502020204030204"/>
+              <a:ea typeface="+mn-ea"/>
+              <a:cs typeface="+mn-cs"/>
+            </a:endParaRPr>
+          </a:p>
+        </p:txBody>
+      </p:sp>
+      <p:sp>
+        <p:nvSpPr>
+          <p:cNvPr id="17" name="Freeform: Shape 11">
+            <a:extLst>
+              <a:ext uri="{FF2B5EF4-FFF2-40B4-BE49-F238E27FC236}">
+                <a16:creationId xmlns:a16="http://schemas.microsoft.com/office/drawing/2014/main" id="{9FA64B84-CE2D-4179-B018-A71AC174C71C}"/>
+              </a:ext>
+              <a:ext uri="{C183D7F6-B498-43B3-948B-1728B52AA6E4}">
+                <adec:decorative xmlns:adec="http://schemas.microsoft.com/office/drawing/2017/decorative" val="1"/>
+              </a:ext>
+            </a:extLst>
+          </p:cNvPr>
+          <p:cNvSpPr>
+            <a:spLocks noGrp="1" noRot="1" noChangeAspect="1" noMove="1" noResize="1" noEditPoints="1" noAdjustHandles="1" noChangeArrowheads="1" noChangeShapeType="1" noTextEdit="1"/>
+          </p:cNvSpPr>
+          <p:nvPr>
+            <p:extLst>
+              <p:ext uri="{386F3935-93C4-4BCD-93E2-E3B085C9AB24}">
+                <p16:designElem xmlns:p16="http://schemas.microsoft.com/office/powerpoint/2015/main" val="1"/>
+              </p:ext>
+            </p:extLst>
+          </p:nvPr>
+        </p:nvSpPr>
+        <p:spPr>
+          <a:xfrm>
+            <a:off x="0" y="0"/>
+            <a:ext cx="3459632" cy="6858000"/>
+          </a:xfrm>
+          <a:custGeom>
+            <a:avLst/>
+            <a:gdLst>
+              <a:gd name="connsiteX0" fmla="*/ 0 w 3459632"/>
+              <a:gd name="connsiteY0" fmla="*/ 0 h 6858000"/>
+              <a:gd name="connsiteX1" fmla="*/ 283478 w 3459632"/>
+              <a:gd name="connsiteY1" fmla="*/ 0 h 6858000"/>
+              <a:gd name="connsiteX2" fmla="*/ 3459632 w 3459632"/>
+              <a:gd name="connsiteY2" fmla="*/ 6858000 h 6858000"/>
+              <a:gd name="connsiteX3" fmla="*/ 0 w 3459632"/>
+              <a:gd name="connsiteY3" fmla="*/ 6858000 h 6858000"/>
+            </a:gdLst>
+            <a:ahLst/>
+            <a:cxnLst>
+              <a:cxn ang="0">
+                <a:pos x="connsiteX0" y="connsiteY0"/>
+              </a:cxn>
+              <a:cxn ang="0">
+                <a:pos x="connsiteX1" y="connsiteY1"/>
+              </a:cxn>
+              <a:cxn ang="0">
+                <a:pos x="connsiteX2" y="connsiteY2"/>
+              </a:cxn>
+              <a:cxn ang="0">
+                <a:pos x="connsiteX3" y="connsiteY3"/>
+              </a:cxn>
+            </a:cxnLst>
+            <a:rect l="l" t="t" r="r" b="b"/>
+            <a:pathLst>
+              <a:path w="3459632" h="6858000">
+                <a:moveTo>
+                  <a:pt x="0" y="0"/>
+                </a:moveTo>
+                <a:lnTo>
+                  <a:pt x="283478" y="0"/>
+                </a:lnTo>
+                <a:lnTo>
+                  <a:pt x="3459632" y="6858000"/>
+                </a:lnTo>
+                <a:lnTo>
+                  <a:pt x="0" y="6858000"/>
+                </a:lnTo>
+                <a:close/>
+              </a:path>
+            </a:pathLst>
+          </a:custGeom>
+          <a:solidFill>
+            <a:srgbClr val="000000">
+              <a:alpha val="29804"/>
+            </a:srgbClr>
+          </a:solidFill>
+          <a:ln>
+            <a:noFill/>
+          </a:ln>
+        </p:spPr>
+        <p:style>
+          <a:lnRef idx="2">
+            <a:schemeClr val="accent1">
+              <a:shade val="50000"/>
+            </a:schemeClr>
+          </a:lnRef>
+          <a:fillRef idx="1">
+            <a:schemeClr val="accent1"/>
+          </a:fillRef>
+          <a:effectRef idx="0">
+            <a:schemeClr val="accent1"/>
+          </a:effectRef>
+          <a:fontRef idx="minor">
+            <a:schemeClr val="lt1"/>
+          </a:fontRef>
+        </p:style>
+        <p:txBody>
+          <a:bodyPr wrap="square" rtlCol="0" anchor="ctr">
+            <a:noAutofit/>
+          </a:bodyPr>
+          <a:lstStyle/>
+          <a:p>
+            <a:pPr marL="0" marR="0" lvl="0" indent="0" algn="ctr" defTabSz="914400" rtl="0" eaLnBrk="1" fontAlgn="auto" latinLnBrk="0" hangingPunct="1">
+              <a:lnSpc>
+                <a:spcPct val="100000"/>
+              </a:lnSpc>
+              <a:spcBef>
+                <a:spcPts val="0"/>
+              </a:spcBef>
+              <a:spcAft>
+                <a:spcPts val="0"/>
+              </a:spcAft>
+              <a:buClrTx/>
+              <a:buSzTx/>
+              <a:buFontTx/>
+              <a:buNone/>
+              <a:tabLst/>
+              <a:defRPr/>
+            </a:pPr>
+            <a:endParaRPr kumimoji="0" lang="en-US" sz="1800" b="0" i="0" u="none" strike="noStrike" kern="1200" cap="none" spc="0" normalizeH="0" baseline="0" noProof="0">
+              <a:ln>
+                <a:noFill/>
+              </a:ln>
+              <a:solidFill>
+                <a:prstClr val="white"/>
+              </a:solidFill>
+              <a:effectLst/>
+              <a:uLnTx/>
+              <a:uFillTx/>
+              <a:latin typeface="Calibri" panose="020F0502020204030204"/>
+              <a:ea typeface="+mn-ea"/>
+              <a:cs typeface="+mn-cs"/>
+            </a:endParaRPr>
           </a:p>
         </p:txBody>
       </p:sp>
@@ -11303,7 +12012,7 @@
           <p:cNvPr id="2" name="Title 1">
             <a:extLst>
               <a:ext uri="{FF2B5EF4-FFF2-40B4-BE49-F238E27FC236}">
-                <a16:creationId xmlns:a16="http://schemas.microsoft.com/office/drawing/2014/main" id="{1E7ECFDE-E96E-40E7-9FAF-D0F7CA00D28E}"/>
+                <a16:creationId xmlns:a16="http://schemas.microsoft.com/office/drawing/2014/main" id="{D8DD783B-43DB-421A-BC8B-F79D6B6F4C94}"/>
               </a:ext>
             </a:extLst>
           </p:cNvPr>
@@ -11316,99 +12025,54 @@
         </p:nvSpPr>
         <p:spPr>
           <a:xfrm>
-            <a:off x="640080" y="2074363"/>
-            <a:ext cx="2752354" cy="2709275"/>
+            <a:off x="3111963" y="462230"/>
+            <a:ext cx="5968074" cy="1325563"/>
           </a:xfrm>
-          <a:prstGeom prst="ellipse">
-            <a:avLst/>
-          </a:prstGeom>
-          <a:solidFill>
-            <a:srgbClr val="262626"/>
-          </a:solidFill>
-          <a:ln w="174625" cmpd="thinThick">
-            <a:solidFill>
-              <a:srgbClr val="262626"/>
-            </a:solidFill>
-          </a:ln>
         </p:spPr>
         <p:txBody>
-          <a:bodyPr vert="horz" lIns="91440" tIns="45720" rIns="91440" bIns="45720" rtlCol="0" anchor="ctr">
+          <a:bodyPr>
             <a:normAutofit/>
           </a:bodyPr>
           <a:lstStyle/>
           <a:p>
-            <a:pPr algn="ctr"/>
-            <a:r>
-              <a:rPr lang="en-US" sz="2600" dirty="0">
+            <a:r>
+              <a:rPr lang="en-IN" dirty="0">
                 <a:solidFill>
                   <a:srgbClr val="FFFFFF"/>
                 </a:solidFill>
               </a:rPr>
-              <a:t>Let’s Code..</a:t>
-            </a:r>
-            <a:endParaRPr lang="en-US" sz="2600" kern="1200" dirty="0">
-              <a:solidFill>
-                <a:srgbClr val="FFFFFF"/>
-              </a:solidFill>
-              <a:latin typeface="+mj-lt"/>
-              <a:ea typeface="+mj-ea"/>
-              <a:cs typeface="+mj-cs"/>
-            </a:endParaRPr>
-          </a:p>
-        </p:txBody>
-      </p:sp>
-      <p:pic>
-        <p:nvPicPr>
-          <p:cNvPr id="4" name="Picture 3" descr="A close up of a sign&#10;&#10;Description automatically generated">
-            <a:extLst>
-              <a:ext uri="{FF2B5EF4-FFF2-40B4-BE49-F238E27FC236}">
-                <a16:creationId xmlns:a16="http://schemas.microsoft.com/office/drawing/2014/main" id="{6AA72BAA-F6A0-4621-BD65-473CFEB2019D}"/>
-              </a:ext>
-            </a:extLst>
-          </p:cNvPr>
-          <p:cNvPicPr>
-            <a:picLocks noChangeAspect="1"/>
-          </p:cNvPicPr>
-          <p:nvPr/>
-        </p:nvPicPr>
-        <p:blipFill>
-          <a:blip r:embed="rId2">
-            <a:extLst>
-              <a:ext uri="{28A0092B-C50C-407E-A947-70E740481C1C}">
-                <a14:useLocalDpi xmlns:a14="http://schemas.microsoft.com/office/drawing/2010/main" val="0"/>
-              </a:ext>
-            </a:extLst>
-          </a:blip>
-          <a:stretch>
-            <a:fillRect/>
-          </a:stretch>
-        </p:blipFill>
+              <a:t>Function Scope vs Block Scope</a:t>
+            </a:r>
+          </a:p>
+        </p:txBody>
+      </p:sp>
+      <p:sp>
+        <p:nvSpPr>
+          <p:cNvPr id="14" name="TextBox 13">
+            <a:extLst>
+              <a:ext uri="{FF2B5EF4-FFF2-40B4-BE49-F238E27FC236}">
+                <a16:creationId xmlns:a16="http://schemas.microsoft.com/office/drawing/2014/main" id="{4795A2E2-224B-4FA0-B323-9E61AD30697F}"/>
+              </a:ext>
+              <a:ext uri="{C183D7F6-B498-43B3-948B-1728B52AA6E4}">
+                <adec:decorative xmlns:adec="http://schemas.microsoft.com/office/drawing/2017/decorative" val="1"/>
+              </a:ext>
+            </a:extLst>
+          </p:cNvPr>
+          <p:cNvSpPr txBox="1">
+            <a:spLocks noGrp="1" noRot="1" noChangeAspect="1" noMove="1" noResize="1" noEditPoints="1" noAdjustHandles="1" noChangeArrowheads="1" noChangeShapeType="1" noTextEdit="1"/>
+          </p:cNvSpPr>
+          <p:nvPr>
+            <p:extLst>
+              <p:ext uri="{386F3935-93C4-4BCD-93E2-E3B085C9AB24}">
+                <p16:designElem xmlns:p16="http://schemas.microsoft.com/office/powerpoint/2015/main" val="1"/>
+              </p:ext>
+            </p:extLst>
+          </p:nvPr>
+        </p:nvSpPr>
         <p:spPr>
           <a:xfrm>
-            <a:off x="5181600" y="581025"/>
-            <a:ext cx="5116286" cy="4396051"/>
-          </a:xfrm>
-          <a:prstGeom prst="rect">
-            <a:avLst/>
-          </a:prstGeom>
-        </p:spPr>
-      </p:pic>
-      <p:sp>
-        <p:nvSpPr>
-          <p:cNvPr id="5" name="TextBox 4">
-            <a:extLst>
-              <a:ext uri="{FF2B5EF4-FFF2-40B4-BE49-F238E27FC236}">
-                <a16:creationId xmlns:a16="http://schemas.microsoft.com/office/drawing/2014/main" id="{0CD566DF-B9F8-4D68-9771-32115FD8C9B2}"/>
-              </a:ext>
-            </a:extLst>
-          </p:cNvPr>
-          <p:cNvSpPr txBox="1"/>
-          <p:nvPr/>
-        </p:nvSpPr>
-        <p:spPr>
-          <a:xfrm>
-            <a:off x="5611584" y="5456687"/>
-            <a:ext cx="4924248" cy="523220"/>
+            <a:off x="833002" y="1870075"/>
+            <a:ext cx="9612178" cy="595651"/>
           </a:xfrm>
           <a:prstGeom prst="rect">
             <a:avLst/>
@@ -11416,30 +12080,149 @@
           <a:noFill/>
         </p:spPr>
         <p:txBody>
-          <a:bodyPr wrap="square" rtlCol="0">
-            <a:spAutoFit/>
+          <a:bodyPr wrap="square" rtlCol="0" anchor="t">
+            <a:normAutofit/>
           </a:bodyPr>
           <a:lstStyle/>
           <a:p>
-            <a:r>
-              <a:rPr lang="en-IN" sz="2800" dirty="0">
-                <a:hlinkClick r:id="rId3"/>
-              </a:rPr>
-              <a:t>https://es6console.com/</a:t>
-            </a:r>
-            <a:endParaRPr lang="en-IN" sz="2800" u="sng" dirty="0"/>
+            <a:pPr marL="0" marR="0" lvl="0" indent="0" algn="l" defTabSz="914400" rtl="0" eaLnBrk="1" fontAlgn="auto" latinLnBrk="0" hangingPunct="1">
+              <a:lnSpc>
+                <a:spcPct val="120000"/>
+              </a:lnSpc>
+              <a:spcBef>
+                <a:spcPts val="0"/>
+              </a:spcBef>
+              <a:spcAft>
+                <a:spcPts val="0"/>
+              </a:spcAft>
+              <a:buClrTx/>
+              <a:buSzTx/>
+              <a:buFontTx/>
+              <a:buNone/>
+              <a:tabLst/>
+              <a:defRPr/>
+            </a:pPr>
+            <a:endParaRPr kumimoji="0" lang="en-US" sz="2000" b="0" i="0" u="none" strike="noStrike" kern="1200" cap="none" spc="0" normalizeH="0" baseline="0" noProof="0" dirty="0">
+              <a:ln>
+                <a:noFill/>
+              </a:ln>
+              <a:solidFill>
+                <a:srgbClr val="FFC000"/>
+              </a:solidFill>
+              <a:effectLst/>
+              <a:uLnTx/>
+              <a:uFillTx/>
+              <a:latin typeface="Calibri" panose="020F0502020204030204"/>
+              <a:ea typeface="+mn-ea"/>
+              <a:cs typeface="+mn-cs"/>
+            </a:endParaRPr>
+          </a:p>
+        </p:txBody>
+      </p:sp>
+      <p:sp>
+        <p:nvSpPr>
+          <p:cNvPr id="3" name="Content Placeholder 2">
+            <a:extLst>
+              <a:ext uri="{FF2B5EF4-FFF2-40B4-BE49-F238E27FC236}">
+                <a16:creationId xmlns:a16="http://schemas.microsoft.com/office/drawing/2014/main" id="{3168F923-995A-48DE-A809-6BEE2047702F}"/>
+              </a:ext>
+            </a:extLst>
+          </p:cNvPr>
+          <p:cNvSpPr>
+            <a:spLocks noGrp="1"/>
+          </p:cNvSpPr>
+          <p:nvPr>
+            <p:ph idx="1"/>
+          </p:nvPr>
+        </p:nvSpPr>
+        <p:spPr>
+          <a:xfrm>
+            <a:off x="3113411" y="2117929"/>
+            <a:ext cx="5965178" cy="3967282"/>
+          </a:xfrm>
+        </p:spPr>
+        <p:txBody>
+          <a:bodyPr>
+            <a:normAutofit/>
+          </a:bodyPr>
+          <a:lstStyle/>
+          <a:p>
+            <a:r>
+              <a:rPr lang="en-IN" sz="2000" dirty="0">
+                <a:solidFill>
+                  <a:srgbClr val="FFFFFF"/>
+                </a:solidFill>
+              </a:rPr>
+              <a:t>Everything used to be function scope</a:t>
+            </a:r>
+          </a:p>
+          <a:p>
+            <a:r>
+              <a:rPr lang="en-IN" sz="2000" dirty="0">
+                <a:solidFill>
+                  <a:srgbClr val="FFFFFF"/>
+                </a:solidFill>
+              </a:rPr>
+              <a:t>With the new ‘let’ and ‘</a:t>
+            </a:r>
+            <a:r>
+              <a:rPr lang="en-IN" sz="2000" dirty="0" err="1">
+                <a:solidFill>
+                  <a:srgbClr val="FFFFFF"/>
+                </a:solidFill>
+              </a:rPr>
+              <a:t>const</a:t>
+            </a:r>
+            <a:r>
+              <a:rPr lang="en-IN" sz="2000" dirty="0">
+                <a:solidFill>
+                  <a:srgbClr val="FFFFFF"/>
+                </a:solidFill>
+              </a:rPr>
+              <a:t>’ keywords that changed</a:t>
+            </a:r>
+          </a:p>
+          <a:p>
+            <a:r>
+              <a:rPr lang="en-IN" sz="2000" dirty="0">
+                <a:solidFill>
+                  <a:srgbClr val="FFFFFF"/>
+                </a:solidFill>
+              </a:rPr>
+              <a:t>With the invent of ES6 coined the term ‘Block Scope’</a:t>
+            </a:r>
+          </a:p>
+          <a:p>
+            <a:r>
+              <a:rPr lang="en-IN" sz="2000" dirty="0">
+                <a:solidFill>
+                  <a:srgbClr val="FFFFFF"/>
+                </a:solidFill>
+              </a:rPr>
+              <a:t>Block Scope live inside {}</a:t>
+            </a:r>
+          </a:p>
+          <a:p>
+            <a:r>
+              <a:rPr lang="en-IN" sz="2000" dirty="0">
+                <a:solidFill>
+                  <a:srgbClr val="FFFFFF"/>
+                </a:solidFill>
+              </a:rPr>
+              <a:t> </a:t>
+            </a:r>
           </a:p>
         </p:txBody>
       </p:sp>
     </p:spTree>
     <p:extLst>
       <p:ext uri="{BB962C8B-B14F-4D97-AF65-F5344CB8AC3E}">
-        <p14:creationId xmlns:p14="http://schemas.microsoft.com/office/powerpoint/2010/main" val="2871166451"/>
+        <p14:creationId xmlns:p14="http://schemas.microsoft.com/office/powerpoint/2010/main" val="1790995896"/>
       </p:ext>
     </p:extLst>
   </p:cSld>
   <p:clrMapOvr>
-    <a:masterClrMapping/>
+    <a:overrideClrMapping bg1="dk1" tx1="lt1" bg2="dk2" tx2="lt2" accent1="accent1" accent2="accent2" accent3="accent3" accent4="accent4" accent5="accent5" accent6="accent6" hlink="hlink" folHlink="folHlink"/>
   </p:clrMapOvr>
 </p:sld>
 </file>

--- a/Modern JavaScript.pptx
+++ b/Modern JavaScript.pptx
@@ -22,7 +22,8 @@
     <p:sldId id="268" r:id="rId16"/>
     <p:sldId id="273" r:id="rId17"/>
     <p:sldId id="275" r:id="rId18"/>
-    <p:sldId id="274" r:id="rId19"/>
+    <p:sldId id="276" r:id="rId19"/>
+    <p:sldId id="277" r:id="rId20"/>
   </p:sldIdLst>
   <p:sldSz cx="12192000" cy="6858000"/>
   <p:notesSz cx="6858000" cy="9144000"/>
@@ -278,7 +279,7 @@
           <a:p>
             <a:fld id="{B0A2E9A4-E1FE-4CEB-8C6E-BF1EDB7D7F2E}" type="datetimeFigureOut">
               <a:rPr lang="en-IN" smtClean="0"/>
-              <a:t>21-02-2020</a:t>
+              <a:t>25/02/20</a:t>
             </a:fld>
             <a:endParaRPr lang="en-IN"/>
           </a:p>
@@ -478,7 +479,7 @@
           <a:p>
             <a:fld id="{B0A2E9A4-E1FE-4CEB-8C6E-BF1EDB7D7F2E}" type="datetimeFigureOut">
               <a:rPr lang="en-IN" smtClean="0"/>
-              <a:t>21-02-2020</a:t>
+              <a:t>25/02/20</a:t>
             </a:fld>
             <a:endParaRPr lang="en-IN"/>
           </a:p>
@@ -688,7 +689,7 @@
           <a:p>
             <a:fld id="{B0A2E9A4-E1FE-4CEB-8C6E-BF1EDB7D7F2E}" type="datetimeFigureOut">
               <a:rPr lang="en-IN" smtClean="0"/>
-              <a:t>21-02-2020</a:t>
+              <a:t>25/02/20</a:t>
             </a:fld>
             <a:endParaRPr lang="en-IN"/>
           </a:p>
@@ -888,7 +889,7 @@
           <a:p>
             <a:fld id="{B0A2E9A4-E1FE-4CEB-8C6E-BF1EDB7D7F2E}" type="datetimeFigureOut">
               <a:rPr lang="en-IN" smtClean="0"/>
-              <a:t>21-02-2020</a:t>
+              <a:t>25/02/20</a:t>
             </a:fld>
             <a:endParaRPr lang="en-IN"/>
           </a:p>
@@ -1164,7 +1165,7 @@
           <a:p>
             <a:fld id="{B0A2E9A4-E1FE-4CEB-8C6E-BF1EDB7D7F2E}" type="datetimeFigureOut">
               <a:rPr lang="en-IN" smtClean="0"/>
-              <a:t>21-02-2020</a:t>
+              <a:t>25/02/20</a:t>
             </a:fld>
             <a:endParaRPr lang="en-IN"/>
           </a:p>
@@ -1432,7 +1433,7 @@
           <a:p>
             <a:fld id="{B0A2E9A4-E1FE-4CEB-8C6E-BF1EDB7D7F2E}" type="datetimeFigureOut">
               <a:rPr lang="en-IN" smtClean="0"/>
-              <a:t>21-02-2020</a:t>
+              <a:t>25/02/20</a:t>
             </a:fld>
             <a:endParaRPr lang="en-IN"/>
           </a:p>
@@ -1847,7 +1848,7 @@
           <a:p>
             <a:fld id="{B0A2E9A4-E1FE-4CEB-8C6E-BF1EDB7D7F2E}" type="datetimeFigureOut">
               <a:rPr lang="en-IN" smtClean="0"/>
-              <a:t>21-02-2020</a:t>
+              <a:t>25/02/20</a:t>
             </a:fld>
             <a:endParaRPr lang="en-IN"/>
           </a:p>
@@ -1989,7 +1990,7 @@
           <a:p>
             <a:fld id="{B0A2E9A4-E1FE-4CEB-8C6E-BF1EDB7D7F2E}" type="datetimeFigureOut">
               <a:rPr lang="en-IN" smtClean="0"/>
-              <a:t>21-02-2020</a:t>
+              <a:t>25/02/20</a:t>
             </a:fld>
             <a:endParaRPr lang="en-IN"/>
           </a:p>
@@ -2102,7 +2103,7 @@
           <a:p>
             <a:fld id="{B0A2E9A4-E1FE-4CEB-8C6E-BF1EDB7D7F2E}" type="datetimeFigureOut">
               <a:rPr lang="en-IN" smtClean="0"/>
-              <a:t>21-02-2020</a:t>
+              <a:t>25/02/20</a:t>
             </a:fld>
             <a:endParaRPr lang="en-IN"/>
           </a:p>
@@ -2415,7 +2416,7 @@
           <a:p>
             <a:fld id="{B0A2E9A4-E1FE-4CEB-8C6E-BF1EDB7D7F2E}" type="datetimeFigureOut">
               <a:rPr lang="en-IN" smtClean="0"/>
-              <a:t>21-02-2020</a:t>
+              <a:t>25/02/20</a:t>
             </a:fld>
             <a:endParaRPr lang="en-IN"/>
           </a:p>
@@ -2704,7 +2705,7 @@
           <a:p>
             <a:fld id="{B0A2E9A4-E1FE-4CEB-8C6E-BF1EDB7D7F2E}" type="datetimeFigureOut">
               <a:rPr lang="en-IN" smtClean="0"/>
-              <a:t>21-02-2020</a:t>
+              <a:t>25/02/20</a:t>
             </a:fld>
             <a:endParaRPr lang="en-IN"/>
           </a:p>
@@ -2947,7 +2948,7 @@
           <a:p>
             <a:fld id="{B0A2E9A4-E1FE-4CEB-8C6E-BF1EDB7D7F2E}" type="datetimeFigureOut">
               <a:rPr lang="en-IN" smtClean="0"/>
-              <a:t>21-02-2020</a:t>
+              <a:t>25/02/20</a:t>
             </a:fld>
             <a:endParaRPr lang="en-IN"/>
           </a:p>
@@ -7102,6 +7103,14 @@
 <file path=ppt/slides/slide18.xml><?xml version="1.0" encoding="utf-8"?>
 <p:sld xmlns:a="http://schemas.openxmlformats.org/drawingml/2006/main" xmlns:r="http://schemas.openxmlformats.org/officeDocument/2006/relationships" xmlns:p="http://schemas.openxmlformats.org/presentationml/2006/main">
   <p:cSld>
+    <p:bg>
+      <p:bgPr>
+        <a:solidFill>
+          <a:schemeClr val="bg1"/>
+        </a:solidFill>
+        <a:effectLst/>
+      </p:bgPr>
+    </p:bg>
     <p:spTree>
       <p:nvGrpSpPr>
         <p:cNvPr id="1" name=""/>
@@ -7118,10 +7127,378 @@
       </p:grpSpPr>
       <p:sp>
         <p:nvSpPr>
+          <p:cNvPr id="8" name="Rectangle 7">
+            <a:extLst>
+              <a:ext uri="{FF2B5EF4-FFF2-40B4-BE49-F238E27FC236}">
+                <a16:creationId xmlns:a16="http://schemas.microsoft.com/office/drawing/2014/main" id="{EA67B5B4-3A24-436E-B663-1B2EBFF8A0CD}"/>
+              </a:ext>
+              <a:ext uri="{C183D7F6-B498-43B3-948B-1728B52AA6E4}">
+                <adec:decorative xmlns:adec="http://schemas.microsoft.com/office/drawing/2017/decorative" val="1"/>
+              </a:ext>
+            </a:extLst>
+          </p:cNvPr>
+          <p:cNvSpPr>
+            <a:spLocks noGrp="1" noRot="1" noChangeAspect="1" noMove="1" noResize="1" noEditPoints="1" noAdjustHandles="1" noChangeArrowheads="1" noChangeShapeType="1" noTextEdit="1"/>
+          </p:cNvSpPr>
+          <p:nvPr>
+            <p:extLst>
+              <p:ext uri="{386F3935-93C4-4BCD-93E2-E3B085C9AB24}">
+                <p16:designElem xmlns:p16="http://schemas.microsoft.com/office/powerpoint/2015/main" val="1"/>
+              </p:ext>
+            </p:extLst>
+          </p:nvPr>
+        </p:nvSpPr>
+        <p:spPr>
+          <a:xfrm>
+            <a:off x="0" y="-3324"/>
+            <a:ext cx="12192000" cy="6861324"/>
+          </a:xfrm>
+          <a:prstGeom prst="rect">
+            <a:avLst/>
+          </a:prstGeom>
+          <a:solidFill>
+            <a:srgbClr val="404040"/>
+          </a:solidFill>
+          <a:ln>
+            <a:noFill/>
+          </a:ln>
+        </p:spPr>
+        <p:style>
+          <a:lnRef idx="2">
+            <a:schemeClr val="accent1">
+              <a:shade val="50000"/>
+            </a:schemeClr>
+          </a:lnRef>
+          <a:fillRef idx="1">
+            <a:schemeClr val="accent1"/>
+          </a:fillRef>
+          <a:effectRef idx="0">
+            <a:schemeClr val="accent1"/>
+          </a:effectRef>
+          <a:fontRef idx="minor">
+            <a:schemeClr val="lt1"/>
+          </a:fontRef>
+        </p:style>
+        <p:txBody>
+          <a:bodyPr rtlCol="0" anchor="ctr"/>
+          <a:lstStyle/>
+          <a:p>
+            <a:pPr marL="0" marR="0" lvl="0" indent="0" algn="ctr" defTabSz="914400" rtl="0" eaLnBrk="1" fontAlgn="auto" latinLnBrk="0" hangingPunct="1">
+              <a:lnSpc>
+                <a:spcPct val="100000"/>
+              </a:lnSpc>
+              <a:spcBef>
+                <a:spcPts val="0"/>
+              </a:spcBef>
+              <a:spcAft>
+                <a:spcPts val="0"/>
+              </a:spcAft>
+              <a:buClrTx/>
+              <a:buSzTx/>
+              <a:buFontTx/>
+              <a:buNone/>
+              <a:tabLst/>
+              <a:defRPr/>
+            </a:pPr>
+            <a:endParaRPr kumimoji="0" lang="en-US" sz="1800" b="0" i="0" u="none" strike="noStrike" kern="1200" cap="none" spc="0" normalizeH="0" baseline="0" noProof="0">
+              <a:ln>
+                <a:noFill/>
+              </a:ln>
+              <a:solidFill>
+                <a:prstClr val="white"/>
+              </a:solidFill>
+              <a:effectLst/>
+              <a:uLnTx/>
+              <a:uFillTx/>
+              <a:latin typeface="Calibri" panose="020F0502020204030204"/>
+              <a:ea typeface="+mn-ea"/>
+              <a:cs typeface="+mn-cs"/>
+            </a:endParaRPr>
+          </a:p>
+        </p:txBody>
+      </p:sp>
+      <p:sp>
+        <p:nvSpPr>
+          <p:cNvPr id="10" name="Freeform 13">
+            <a:extLst>
+              <a:ext uri="{FF2B5EF4-FFF2-40B4-BE49-F238E27FC236}">
+                <a16:creationId xmlns:a16="http://schemas.microsoft.com/office/drawing/2014/main" id="{987FDF89-C993-41F4-A1B8-DBAFF16008A9}"/>
+              </a:ext>
+              <a:ext uri="{C183D7F6-B498-43B3-948B-1728B52AA6E4}">
+                <adec:decorative xmlns:adec="http://schemas.microsoft.com/office/drawing/2017/decorative" val="1"/>
+              </a:ext>
+            </a:extLst>
+          </p:cNvPr>
+          <p:cNvSpPr>
+            <a:spLocks noGrp="1" noRot="1" noChangeAspect="1" noMove="1" noResize="1" noEditPoints="1" noAdjustHandles="1" noChangeArrowheads="1" noChangeShapeType="1" noTextEdit="1"/>
+          </p:cNvSpPr>
+          <p:nvPr>
+            <p:extLst>
+              <p:ext uri="{386F3935-93C4-4BCD-93E2-E3B085C9AB24}">
+                <p16:designElem xmlns:p16="http://schemas.microsoft.com/office/powerpoint/2015/main" val="1"/>
+              </p:ext>
+            </p:extLst>
+          </p:nvPr>
+        </p:nvSpPr>
+        <p:spPr>
+          <a:xfrm>
+            <a:off x="0" y="0"/>
+            <a:ext cx="11960028" cy="6858000"/>
+          </a:xfrm>
+          <a:custGeom>
+            <a:avLst/>
+            <a:gdLst>
+              <a:gd name="connsiteX0" fmla="*/ 0 w 11786754"/>
+              <a:gd name="connsiteY0" fmla="*/ 0 h 6858000"/>
+              <a:gd name="connsiteX1" fmla="*/ 8610600 w 11786754"/>
+              <a:gd name="connsiteY1" fmla="*/ 0 h 6858000"/>
+              <a:gd name="connsiteX2" fmla="*/ 11786754 w 11786754"/>
+              <a:gd name="connsiteY2" fmla="*/ 6858000 h 6858000"/>
+              <a:gd name="connsiteX3" fmla="*/ 0 w 11786754"/>
+              <a:gd name="connsiteY3" fmla="*/ 6858000 h 6858000"/>
+            </a:gdLst>
+            <a:ahLst/>
+            <a:cxnLst>
+              <a:cxn ang="0">
+                <a:pos x="connsiteX0" y="connsiteY0"/>
+              </a:cxn>
+              <a:cxn ang="0">
+                <a:pos x="connsiteX1" y="connsiteY1"/>
+              </a:cxn>
+              <a:cxn ang="0">
+                <a:pos x="connsiteX2" y="connsiteY2"/>
+              </a:cxn>
+              <a:cxn ang="0">
+                <a:pos x="connsiteX3" y="connsiteY3"/>
+              </a:cxn>
+            </a:cxnLst>
+            <a:rect l="l" t="t" r="r" b="b"/>
+            <a:pathLst>
+              <a:path w="11786754" h="6858000">
+                <a:moveTo>
+                  <a:pt x="0" y="0"/>
+                </a:moveTo>
+                <a:lnTo>
+                  <a:pt x="8610600" y="0"/>
+                </a:lnTo>
+                <a:lnTo>
+                  <a:pt x="11786754" y="6858000"/>
+                </a:lnTo>
+                <a:lnTo>
+                  <a:pt x="0" y="6858000"/>
+                </a:lnTo>
+                <a:close/>
+              </a:path>
+            </a:pathLst>
+          </a:custGeom>
+          <a:solidFill>
+            <a:srgbClr val="000000">
+              <a:alpha val="29804"/>
+            </a:srgbClr>
+          </a:solidFill>
+          <a:ln>
+            <a:noFill/>
+          </a:ln>
+        </p:spPr>
+        <p:style>
+          <a:lnRef idx="2">
+            <a:schemeClr val="accent1">
+              <a:shade val="50000"/>
+            </a:schemeClr>
+          </a:lnRef>
+          <a:fillRef idx="1">
+            <a:schemeClr val="accent1"/>
+          </a:fillRef>
+          <a:effectRef idx="0">
+            <a:schemeClr val="accent1"/>
+          </a:effectRef>
+          <a:fontRef idx="minor">
+            <a:schemeClr val="lt1"/>
+          </a:fontRef>
+        </p:style>
+        <p:txBody>
+          <a:bodyPr rtlCol="0" anchor="ctr"/>
+          <a:lstStyle/>
+          <a:p>
+            <a:pPr marL="0" marR="0" lvl="0" indent="0" algn="ctr" defTabSz="914400" rtl="0" eaLnBrk="1" fontAlgn="auto" latinLnBrk="0" hangingPunct="1">
+              <a:lnSpc>
+                <a:spcPct val="100000"/>
+              </a:lnSpc>
+              <a:spcBef>
+                <a:spcPts val="0"/>
+              </a:spcBef>
+              <a:spcAft>
+                <a:spcPts val="0"/>
+              </a:spcAft>
+              <a:buClrTx/>
+              <a:buSzTx/>
+              <a:buFontTx/>
+              <a:buNone/>
+              <a:tabLst/>
+              <a:defRPr/>
+            </a:pPr>
+            <a:endParaRPr kumimoji="0" lang="en-US" sz="1800" b="0" i="0" u="none" strike="noStrike" kern="1200" cap="none" spc="0" normalizeH="0" baseline="0" noProof="0">
+              <a:ln>
+                <a:noFill/>
+              </a:ln>
+              <a:solidFill>
+                <a:prstClr val="white"/>
+              </a:solidFill>
+              <a:effectLst/>
+              <a:uLnTx/>
+              <a:uFillTx/>
+              <a:latin typeface="Calibri" panose="020F0502020204030204"/>
+              <a:ea typeface="+mn-ea"/>
+              <a:cs typeface="+mn-cs"/>
+            </a:endParaRPr>
+          </a:p>
+        </p:txBody>
+      </p:sp>
+      <p:sp>
+        <p:nvSpPr>
+          <p:cNvPr id="12" name="Freeform: Shape 11">
+            <a:extLst>
+              <a:ext uri="{FF2B5EF4-FFF2-40B4-BE49-F238E27FC236}">
+                <a16:creationId xmlns:a16="http://schemas.microsoft.com/office/drawing/2014/main" id="{9FA64B84-CE2D-4179-B018-A71AC174C71C}"/>
+              </a:ext>
+              <a:ext uri="{C183D7F6-B498-43B3-948B-1728B52AA6E4}">
+                <adec:decorative xmlns:adec="http://schemas.microsoft.com/office/drawing/2017/decorative" val="1"/>
+              </a:ext>
+            </a:extLst>
+          </p:cNvPr>
+          <p:cNvSpPr>
+            <a:spLocks noGrp="1" noRot="1" noChangeAspect="1" noMove="1" noResize="1" noEditPoints="1" noAdjustHandles="1" noChangeArrowheads="1" noChangeShapeType="1" noTextEdit="1"/>
+          </p:cNvSpPr>
+          <p:nvPr>
+            <p:extLst>
+              <p:ext uri="{386F3935-93C4-4BCD-93E2-E3B085C9AB24}">
+                <p16:designElem xmlns:p16="http://schemas.microsoft.com/office/powerpoint/2015/main" val="1"/>
+              </p:ext>
+            </p:extLst>
+          </p:nvPr>
+        </p:nvSpPr>
+        <p:spPr>
+          <a:xfrm>
+            <a:off x="0" y="0"/>
+            <a:ext cx="3459632" cy="6858000"/>
+          </a:xfrm>
+          <a:custGeom>
+            <a:avLst/>
+            <a:gdLst>
+              <a:gd name="connsiteX0" fmla="*/ 0 w 3459632"/>
+              <a:gd name="connsiteY0" fmla="*/ 0 h 6858000"/>
+              <a:gd name="connsiteX1" fmla="*/ 283478 w 3459632"/>
+              <a:gd name="connsiteY1" fmla="*/ 0 h 6858000"/>
+              <a:gd name="connsiteX2" fmla="*/ 3459632 w 3459632"/>
+              <a:gd name="connsiteY2" fmla="*/ 6858000 h 6858000"/>
+              <a:gd name="connsiteX3" fmla="*/ 0 w 3459632"/>
+              <a:gd name="connsiteY3" fmla="*/ 6858000 h 6858000"/>
+            </a:gdLst>
+            <a:ahLst/>
+            <a:cxnLst>
+              <a:cxn ang="0">
+                <a:pos x="connsiteX0" y="connsiteY0"/>
+              </a:cxn>
+              <a:cxn ang="0">
+                <a:pos x="connsiteX1" y="connsiteY1"/>
+              </a:cxn>
+              <a:cxn ang="0">
+                <a:pos x="connsiteX2" y="connsiteY2"/>
+              </a:cxn>
+              <a:cxn ang="0">
+                <a:pos x="connsiteX3" y="connsiteY3"/>
+              </a:cxn>
+            </a:cxnLst>
+            <a:rect l="l" t="t" r="r" b="b"/>
+            <a:pathLst>
+              <a:path w="3459632" h="6858000">
+                <a:moveTo>
+                  <a:pt x="0" y="0"/>
+                </a:moveTo>
+                <a:lnTo>
+                  <a:pt x="283478" y="0"/>
+                </a:lnTo>
+                <a:lnTo>
+                  <a:pt x="3459632" y="6858000"/>
+                </a:lnTo>
+                <a:lnTo>
+                  <a:pt x="0" y="6858000"/>
+                </a:lnTo>
+                <a:close/>
+              </a:path>
+            </a:pathLst>
+          </a:custGeom>
+          <a:solidFill>
+            <a:srgbClr val="000000">
+              <a:alpha val="29804"/>
+            </a:srgbClr>
+          </a:solidFill>
+          <a:ln>
+            <a:noFill/>
+          </a:ln>
+        </p:spPr>
+        <p:style>
+          <a:lnRef idx="2">
+            <a:schemeClr val="accent1">
+              <a:shade val="50000"/>
+            </a:schemeClr>
+          </a:lnRef>
+          <a:fillRef idx="1">
+            <a:schemeClr val="accent1"/>
+          </a:fillRef>
+          <a:effectRef idx="0">
+            <a:schemeClr val="accent1"/>
+          </a:effectRef>
+          <a:fontRef idx="minor">
+            <a:schemeClr val="lt1"/>
+          </a:fontRef>
+        </p:style>
+        <p:txBody>
+          <a:bodyPr wrap="square" rtlCol="0" anchor="ctr">
+            <a:noAutofit/>
+          </a:bodyPr>
+          <a:lstStyle/>
+          <a:p>
+            <a:pPr marL="0" marR="0" lvl="0" indent="0" algn="ctr" defTabSz="914400" rtl="0" eaLnBrk="1" fontAlgn="auto" latinLnBrk="0" hangingPunct="1">
+              <a:lnSpc>
+                <a:spcPct val="100000"/>
+              </a:lnSpc>
+              <a:spcBef>
+                <a:spcPts val="0"/>
+              </a:spcBef>
+              <a:spcAft>
+                <a:spcPts val="0"/>
+              </a:spcAft>
+              <a:buClrTx/>
+              <a:buSzTx/>
+              <a:buFontTx/>
+              <a:buNone/>
+              <a:tabLst/>
+              <a:defRPr/>
+            </a:pPr>
+            <a:endParaRPr kumimoji="0" lang="en-US" sz="1800" b="0" i="0" u="none" strike="noStrike" kern="1200" cap="none" spc="0" normalizeH="0" baseline="0" noProof="0">
+              <a:ln>
+                <a:noFill/>
+              </a:ln>
+              <a:solidFill>
+                <a:prstClr val="white"/>
+              </a:solidFill>
+              <a:effectLst/>
+              <a:uLnTx/>
+              <a:uFillTx/>
+              <a:latin typeface="Calibri" panose="020F0502020204030204"/>
+              <a:ea typeface="+mn-ea"/>
+              <a:cs typeface="+mn-cs"/>
+            </a:endParaRPr>
+          </a:p>
+        </p:txBody>
+      </p:sp>
+      <p:sp>
+        <p:nvSpPr>
           <p:cNvPr id="2" name="Title 1">
             <a:extLst>
               <a:ext uri="{FF2B5EF4-FFF2-40B4-BE49-F238E27FC236}">
-                <a16:creationId xmlns:a16="http://schemas.microsoft.com/office/drawing/2014/main" id="{5705C2D9-12ED-4385-B9A1-E4D7978966DB}"/>
+                <a16:creationId xmlns:a16="http://schemas.microsoft.com/office/drawing/2014/main" id="{6599601C-081B-4C5C-99AD-A3BC432AE29C}"/>
               </a:ext>
             </a:extLst>
           </p:cNvPr>
@@ -7132,16 +7509,99 @@
             <p:ph type="title"/>
           </p:nvPr>
         </p:nvSpPr>
-        <p:spPr/>
-        <p:txBody>
-          <a:bodyPr/>
+        <p:spPr>
+          <a:xfrm>
+            <a:off x="3111963" y="0"/>
+            <a:ext cx="5968074" cy="949593"/>
+          </a:xfrm>
+        </p:spPr>
+        <p:txBody>
+          <a:bodyPr>
+            <a:normAutofit/>
+          </a:bodyPr>
           <a:lstStyle/>
           <a:p>
             <a:r>
-              <a:rPr lang="en-IN" dirty="0" err="1"/>
-              <a:t>Callbacks</a:t>
-            </a:r>
-            <a:endParaRPr lang="en-IN" dirty="0"/>
+              <a:rPr lang="en-IN" dirty="0">
+                <a:solidFill>
+                  <a:srgbClr val="FFFFFF"/>
+                </a:solidFill>
+              </a:rPr>
+              <a:t>Promises</a:t>
+            </a:r>
+          </a:p>
+        </p:txBody>
+      </p:sp>
+      <p:sp>
+        <p:nvSpPr>
+          <p:cNvPr id="14" name="TextBox 13">
+            <a:extLst>
+              <a:ext uri="{FF2B5EF4-FFF2-40B4-BE49-F238E27FC236}">
+                <a16:creationId xmlns:a16="http://schemas.microsoft.com/office/drawing/2014/main" id="{4795A2E2-224B-4FA0-B323-9E61AD30697F}"/>
+              </a:ext>
+              <a:ext uri="{C183D7F6-B498-43B3-948B-1728B52AA6E4}">
+                <adec:decorative xmlns:adec="http://schemas.microsoft.com/office/drawing/2017/decorative" val="1"/>
+              </a:ext>
+            </a:extLst>
+          </p:cNvPr>
+          <p:cNvSpPr txBox="1">
+            <a:spLocks noGrp="1" noRot="1" noChangeAspect="1" noMove="1" noResize="1" noEditPoints="1" noAdjustHandles="1" noChangeArrowheads="1" noChangeShapeType="1" noTextEdit="1"/>
+          </p:cNvSpPr>
+          <p:nvPr>
+            <p:extLst>
+              <p:ext uri="{386F3935-93C4-4BCD-93E2-E3B085C9AB24}">
+                <p16:designElem xmlns:p16="http://schemas.microsoft.com/office/powerpoint/2015/main" val="1"/>
+              </p:ext>
+            </p:extLst>
+          </p:nvPr>
+        </p:nvSpPr>
+        <p:spPr>
+          <a:xfrm>
+            <a:off x="833002" y="1870075"/>
+            <a:ext cx="9612178" cy="595651"/>
+          </a:xfrm>
+          <a:prstGeom prst="rect">
+            <a:avLst/>
+          </a:prstGeom>
+          <a:noFill/>
+        </p:spPr>
+        <p:txBody>
+          <a:bodyPr wrap="square" rtlCol="0" anchor="t">
+            <a:normAutofit/>
+          </a:bodyPr>
+          <a:lstStyle/>
+          <a:p>
+            <a:pPr marL="0" marR="0" lvl="0" indent="0" algn="l" defTabSz="914400" rtl="0" eaLnBrk="1" fontAlgn="auto" latinLnBrk="0" hangingPunct="1">
+              <a:lnSpc>
+                <a:spcPct val="120000"/>
+              </a:lnSpc>
+              <a:spcBef>
+                <a:spcPts val="0"/>
+              </a:spcBef>
+              <a:spcAft>
+                <a:spcPts val="0"/>
+              </a:spcAft>
+              <a:buClrTx/>
+              <a:buSzTx/>
+              <a:buFontTx/>
+              <a:buNone/>
+              <a:tabLst/>
+              <a:defRPr/>
+            </a:pPr>
+            <a:endParaRPr kumimoji="0" lang="en-US" sz="2000" b="0" i="0" u="none" strike="noStrike" kern="1200" cap="none" spc="0" normalizeH="0" baseline="0" noProof="0" dirty="0">
+              <a:ln>
+                <a:noFill/>
+              </a:ln>
+              <a:solidFill>
+                <a:srgbClr val="FFC000"/>
+              </a:solidFill>
+              <a:effectLst/>
+              <a:uLnTx/>
+              <a:uFillTx/>
+              <a:latin typeface="Calibri" panose="020F0502020204030204"/>
+              <a:ea typeface="+mn-ea"/>
+              <a:cs typeface="+mn-cs"/>
+            </a:endParaRPr>
           </a:p>
         </p:txBody>
       </p:sp>
@@ -7150,7 +7610,7 @@
           <p:cNvPr id="3" name="Content Placeholder 2">
             <a:extLst>
               <a:ext uri="{FF2B5EF4-FFF2-40B4-BE49-F238E27FC236}">
-                <a16:creationId xmlns:a16="http://schemas.microsoft.com/office/drawing/2014/main" id="{0FFE5FCD-BC34-4A2C-A440-1E42E65B05DF}"/>
+                <a16:creationId xmlns:a16="http://schemas.microsoft.com/office/drawing/2014/main" id="{37F319FF-7163-4F0F-AB17-3B32BC09CC75}"/>
               </a:ext>
             </a:extLst>
           </p:cNvPr>
@@ -7161,36 +7621,659 @@
             <p:ph idx="1"/>
           </p:nvPr>
         </p:nvSpPr>
-        <p:spPr/>
-        <p:txBody>
-          <a:bodyPr/>
+        <p:spPr>
+          <a:xfrm>
+            <a:off x="1746820" y="1787792"/>
+            <a:ext cx="7331769" cy="4784457"/>
+          </a:xfrm>
+        </p:spPr>
+        <p:txBody>
+          <a:bodyPr>
+            <a:normAutofit/>
+          </a:bodyPr>
           <a:lstStyle/>
           <a:p>
-            <a:r>
-              <a:rPr lang="en-US" i="1" dirty="0"/>
-              <a:t>A callback is a function that is to be executed </a:t>
-            </a:r>
-            <a:r>
-              <a:rPr lang="en-US" b="1" i="1" dirty="0"/>
-              <a:t>after</a:t>
-            </a:r>
-            <a:r>
-              <a:rPr lang="en-US" i="1" dirty="0"/>
-              <a:t> another function has finished executing — hence the name ‘call back’</a:t>
-            </a:r>
-            <a:endParaRPr lang="en-IN" dirty="0"/>
+            <a:pPr marL="0" indent="0">
+              <a:buNone/>
+            </a:pPr>
+            <a:endParaRPr lang="en-IN" sz="1800" dirty="0">
+              <a:solidFill>
+                <a:srgbClr val="FFFFFF"/>
+              </a:solidFill>
+            </a:endParaRPr>
+          </a:p>
+          <a:p>
+            <a:r>
+              <a:rPr lang="en-IN" sz="1800" dirty="0">
+                <a:solidFill>
+                  <a:srgbClr val="FFFFFF"/>
+                </a:solidFill>
+              </a:rPr>
+              <a:t>Promises</a:t>
+            </a:r>
+          </a:p>
+          <a:p>
+            <a:endParaRPr lang="en-IN" sz="1800" dirty="0">
+              <a:solidFill>
+                <a:srgbClr val="FFFFFF"/>
+              </a:solidFill>
+            </a:endParaRPr>
           </a:p>
         </p:txBody>
       </p:sp>
     </p:spTree>
     <p:extLst>
       <p:ext uri="{BB962C8B-B14F-4D97-AF65-F5344CB8AC3E}">
-        <p14:creationId xmlns:p14="http://schemas.microsoft.com/office/powerpoint/2010/main" val="432615231"/>
+        <p14:creationId xmlns:p14="http://schemas.microsoft.com/office/powerpoint/2010/main" val="1538051281"/>
       </p:ext>
     </p:extLst>
   </p:cSld>
   <p:clrMapOvr>
-    <a:masterClrMapping/>
+    <a:overrideClrMapping bg1="dk1" tx1="lt1" bg2="dk2" tx2="lt2" accent1="accent1" accent2="accent2" accent3="accent3" accent4="accent4" accent5="accent5" accent6="accent6" hlink="hlink" folHlink="folHlink"/>
+  </p:clrMapOvr>
+</p:sld>
+</file>
+
+<file path=ppt/slides/slide19.xml><?xml version="1.0" encoding="utf-8"?>
+<p:sld xmlns:a="http://schemas.openxmlformats.org/drawingml/2006/main" xmlns:r="http://schemas.openxmlformats.org/officeDocument/2006/relationships" xmlns:p="http://schemas.openxmlformats.org/presentationml/2006/main">
+  <p:cSld>
+    <p:bg>
+      <p:bgPr>
+        <a:solidFill>
+          <a:schemeClr val="bg1"/>
+        </a:solidFill>
+        <a:effectLst/>
+      </p:bgPr>
+    </p:bg>
+    <p:spTree>
+      <p:nvGrpSpPr>
+        <p:cNvPr id="1" name=""/>
+        <p:cNvGrpSpPr/>
+        <p:nvPr/>
+      </p:nvGrpSpPr>
+      <p:grpSpPr>
+        <a:xfrm>
+          <a:off x="0" y="0"/>
+          <a:ext cx="0" cy="0"/>
+          <a:chOff x="0" y="0"/>
+          <a:chExt cx="0" cy="0"/>
+        </a:xfrm>
+      </p:grpSpPr>
+      <p:sp>
+        <p:nvSpPr>
+          <p:cNvPr id="8" name="Rectangle 7">
+            <a:extLst>
+              <a:ext uri="{FF2B5EF4-FFF2-40B4-BE49-F238E27FC236}">
+                <a16:creationId xmlns:a16="http://schemas.microsoft.com/office/drawing/2014/main" id="{EA67B5B4-3A24-436E-B663-1B2EBFF8A0CD}"/>
+              </a:ext>
+              <a:ext uri="{C183D7F6-B498-43B3-948B-1728B52AA6E4}">
+                <adec:decorative xmlns:adec="http://schemas.microsoft.com/office/drawing/2017/decorative" val="1"/>
+              </a:ext>
+            </a:extLst>
+          </p:cNvPr>
+          <p:cNvSpPr>
+            <a:spLocks noGrp="1" noRot="1" noChangeAspect="1" noMove="1" noResize="1" noEditPoints="1" noAdjustHandles="1" noChangeArrowheads="1" noChangeShapeType="1" noTextEdit="1"/>
+          </p:cNvSpPr>
+          <p:nvPr>
+            <p:extLst>
+              <p:ext uri="{386F3935-93C4-4BCD-93E2-E3B085C9AB24}">
+                <p16:designElem xmlns:p16="http://schemas.microsoft.com/office/powerpoint/2015/main" val="1"/>
+              </p:ext>
+            </p:extLst>
+          </p:nvPr>
+        </p:nvSpPr>
+        <p:spPr>
+          <a:xfrm>
+            <a:off x="0" y="-3324"/>
+            <a:ext cx="12192000" cy="6861324"/>
+          </a:xfrm>
+          <a:prstGeom prst="rect">
+            <a:avLst/>
+          </a:prstGeom>
+          <a:solidFill>
+            <a:srgbClr val="404040"/>
+          </a:solidFill>
+          <a:ln>
+            <a:noFill/>
+          </a:ln>
+        </p:spPr>
+        <p:style>
+          <a:lnRef idx="2">
+            <a:schemeClr val="accent1">
+              <a:shade val="50000"/>
+            </a:schemeClr>
+          </a:lnRef>
+          <a:fillRef idx="1">
+            <a:schemeClr val="accent1"/>
+          </a:fillRef>
+          <a:effectRef idx="0">
+            <a:schemeClr val="accent1"/>
+          </a:effectRef>
+          <a:fontRef idx="minor">
+            <a:schemeClr val="lt1"/>
+          </a:fontRef>
+        </p:style>
+        <p:txBody>
+          <a:bodyPr rtlCol="0" anchor="ctr"/>
+          <a:lstStyle/>
+          <a:p>
+            <a:pPr marL="0" marR="0" lvl="0" indent="0" algn="ctr" defTabSz="914400" rtl="0" eaLnBrk="1" fontAlgn="auto" latinLnBrk="0" hangingPunct="1">
+              <a:lnSpc>
+                <a:spcPct val="100000"/>
+              </a:lnSpc>
+              <a:spcBef>
+                <a:spcPts val="0"/>
+              </a:spcBef>
+              <a:spcAft>
+                <a:spcPts val="0"/>
+              </a:spcAft>
+              <a:buClrTx/>
+              <a:buSzTx/>
+              <a:buFontTx/>
+              <a:buNone/>
+              <a:tabLst/>
+              <a:defRPr/>
+            </a:pPr>
+            <a:endParaRPr kumimoji="0" lang="en-US" sz="1800" b="0" i="0" u="none" strike="noStrike" kern="1200" cap="none" spc="0" normalizeH="0" baseline="0" noProof="0">
+              <a:ln>
+                <a:noFill/>
+              </a:ln>
+              <a:solidFill>
+                <a:prstClr val="white"/>
+              </a:solidFill>
+              <a:effectLst/>
+              <a:uLnTx/>
+              <a:uFillTx/>
+              <a:latin typeface="Calibri" panose="020F0502020204030204"/>
+              <a:ea typeface="+mn-ea"/>
+              <a:cs typeface="+mn-cs"/>
+            </a:endParaRPr>
+          </a:p>
+        </p:txBody>
+      </p:sp>
+      <p:sp>
+        <p:nvSpPr>
+          <p:cNvPr id="10" name="Freeform 13">
+            <a:extLst>
+              <a:ext uri="{FF2B5EF4-FFF2-40B4-BE49-F238E27FC236}">
+                <a16:creationId xmlns:a16="http://schemas.microsoft.com/office/drawing/2014/main" id="{987FDF89-C993-41F4-A1B8-DBAFF16008A9}"/>
+              </a:ext>
+              <a:ext uri="{C183D7F6-B498-43B3-948B-1728B52AA6E4}">
+                <adec:decorative xmlns:adec="http://schemas.microsoft.com/office/drawing/2017/decorative" val="1"/>
+              </a:ext>
+            </a:extLst>
+          </p:cNvPr>
+          <p:cNvSpPr>
+            <a:spLocks noGrp="1" noRot="1" noChangeAspect="1" noMove="1" noResize="1" noEditPoints="1" noAdjustHandles="1" noChangeArrowheads="1" noChangeShapeType="1" noTextEdit="1"/>
+          </p:cNvSpPr>
+          <p:nvPr>
+            <p:extLst>
+              <p:ext uri="{386F3935-93C4-4BCD-93E2-E3B085C9AB24}">
+                <p16:designElem xmlns:p16="http://schemas.microsoft.com/office/powerpoint/2015/main" val="1"/>
+              </p:ext>
+            </p:extLst>
+          </p:nvPr>
+        </p:nvSpPr>
+        <p:spPr>
+          <a:xfrm>
+            <a:off x="0" y="0"/>
+            <a:ext cx="11960028" cy="6858000"/>
+          </a:xfrm>
+          <a:custGeom>
+            <a:avLst/>
+            <a:gdLst>
+              <a:gd name="connsiteX0" fmla="*/ 0 w 11786754"/>
+              <a:gd name="connsiteY0" fmla="*/ 0 h 6858000"/>
+              <a:gd name="connsiteX1" fmla="*/ 8610600 w 11786754"/>
+              <a:gd name="connsiteY1" fmla="*/ 0 h 6858000"/>
+              <a:gd name="connsiteX2" fmla="*/ 11786754 w 11786754"/>
+              <a:gd name="connsiteY2" fmla="*/ 6858000 h 6858000"/>
+              <a:gd name="connsiteX3" fmla="*/ 0 w 11786754"/>
+              <a:gd name="connsiteY3" fmla="*/ 6858000 h 6858000"/>
+            </a:gdLst>
+            <a:ahLst/>
+            <a:cxnLst>
+              <a:cxn ang="0">
+                <a:pos x="connsiteX0" y="connsiteY0"/>
+              </a:cxn>
+              <a:cxn ang="0">
+                <a:pos x="connsiteX1" y="connsiteY1"/>
+              </a:cxn>
+              <a:cxn ang="0">
+                <a:pos x="connsiteX2" y="connsiteY2"/>
+              </a:cxn>
+              <a:cxn ang="0">
+                <a:pos x="connsiteX3" y="connsiteY3"/>
+              </a:cxn>
+            </a:cxnLst>
+            <a:rect l="l" t="t" r="r" b="b"/>
+            <a:pathLst>
+              <a:path w="11786754" h="6858000">
+                <a:moveTo>
+                  <a:pt x="0" y="0"/>
+                </a:moveTo>
+                <a:lnTo>
+                  <a:pt x="8610600" y="0"/>
+                </a:lnTo>
+                <a:lnTo>
+                  <a:pt x="11786754" y="6858000"/>
+                </a:lnTo>
+                <a:lnTo>
+                  <a:pt x="0" y="6858000"/>
+                </a:lnTo>
+                <a:close/>
+              </a:path>
+            </a:pathLst>
+          </a:custGeom>
+          <a:solidFill>
+            <a:srgbClr val="000000">
+              <a:alpha val="29804"/>
+            </a:srgbClr>
+          </a:solidFill>
+          <a:ln>
+            <a:noFill/>
+          </a:ln>
+        </p:spPr>
+        <p:style>
+          <a:lnRef idx="2">
+            <a:schemeClr val="accent1">
+              <a:shade val="50000"/>
+            </a:schemeClr>
+          </a:lnRef>
+          <a:fillRef idx="1">
+            <a:schemeClr val="accent1"/>
+          </a:fillRef>
+          <a:effectRef idx="0">
+            <a:schemeClr val="accent1"/>
+          </a:effectRef>
+          <a:fontRef idx="minor">
+            <a:schemeClr val="lt1"/>
+          </a:fontRef>
+        </p:style>
+        <p:txBody>
+          <a:bodyPr rtlCol="0" anchor="ctr"/>
+          <a:lstStyle/>
+          <a:p>
+            <a:pPr marL="0" marR="0" lvl="0" indent="0" algn="ctr" defTabSz="914400" rtl="0" eaLnBrk="1" fontAlgn="auto" latinLnBrk="0" hangingPunct="1">
+              <a:lnSpc>
+                <a:spcPct val="100000"/>
+              </a:lnSpc>
+              <a:spcBef>
+                <a:spcPts val="0"/>
+              </a:spcBef>
+              <a:spcAft>
+                <a:spcPts val="0"/>
+              </a:spcAft>
+              <a:buClrTx/>
+              <a:buSzTx/>
+              <a:buFontTx/>
+              <a:buNone/>
+              <a:tabLst/>
+              <a:defRPr/>
+            </a:pPr>
+            <a:endParaRPr kumimoji="0" lang="en-US" sz="1800" b="0" i="0" u="none" strike="noStrike" kern="1200" cap="none" spc="0" normalizeH="0" baseline="0" noProof="0">
+              <a:ln>
+                <a:noFill/>
+              </a:ln>
+              <a:solidFill>
+                <a:prstClr val="white"/>
+              </a:solidFill>
+              <a:effectLst/>
+              <a:uLnTx/>
+              <a:uFillTx/>
+              <a:latin typeface="Calibri" panose="020F0502020204030204"/>
+              <a:ea typeface="+mn-ea"/>
+              <a:cs typeface="+mn-cs"/>
+            </a:endParaRPr>
+          </a:p>
+        </p:txBody>
+      </p:sp>
+      <p:sp>
+        <p:nvSpPr>
+          <p:cNvPr id="12" name="Freeform: Shape 11">
+            <a:extLst>
+              <a:ext uri="{FF2B5EF4-FFF2-40B4-BE49-F238E27FC236}">
+                <a16:creationId xmlns:a16="http://schemas.microsoft.com/office/drawing/2014/main" id="{9FA64B84-CE2D-4179-B018-A71AC174C71C}"/>
+              </a:ext>
+              <a:ext uri="{C183D7F6-B498-43B3-948B-1728B52AA6E4}">
+                <adec:decorative xmlns:adec="http://schemas.microsoft.com/office/drawing/2017/decorative" val="1"/>
+              </a:ext>
+            </a:extLst>
+          </p:cNvPr>
+          <p:cNvSpPr>
+            <a:spLocks noGrp="1" noRot="1" noChangeAspect="1" noMove="1" noResize="1" noEditPoints="1" noAdjustHandles="1" noChangeArrowheads="1" noChangeShapeType="1" noTextEdit="1"/>
+          </p:cNvSpPr>
+          <p:nvPr>
+            <p:extLst>
+              <p:ext uri="{386F3935-93C4-4BCD-93E2-E3B085C9AB24}">
+                <p16:designElem xmlns:p16="http://schemas.microsoft.com/office/powerpoint/2015/main" val="1"/>
+              </p:ext>
+            </p:extLst>
+          </p:nvPr>
+        </p:nvSpPr>
+        <p:spPr>
+          <a:xfrm>
+            <a:off x="0" y="0"/>
+            <a:ext cx="3459632" cy="6858000"/>
+          </a:xfrm>
+          <a:custGeom>
+            <a:avLst/>
+            <a:gdLst>
+              <a:gd name="connsiteX0" fmla="*/ 0 w 3459632"/>
+              <a:gd name="connsiteY0" fmla="*/ 0 h 6858000"/>
+              <a:gd name="connsiteX1" fmla="*/ 283478 w 3459632"/>
+              <a:gd name="connsiteY1" fmla="*/ 0 h 6858000"/>
+              <a:gd name="connsiteX2" fmla="*/ 3459632 w 3459632"/>
+              <a:gd name="connsiteY2" fmla="*/ 6858000 h 6858000"/>
+              <a:gd name="connsiteX3" fmla="*/ 0 w 3459632"/>
+              <a:gd name="connsiteY3" fmla="*/ 6858000 h 6858000"/>
+            </a:gdLst>
+            <a:ahLst/>
+            <a:cxnLst>
+              <a:cxn ang="0">
+                <a:pos x="connsiteX0" y="connsiteY0"/>
+              </a:cxn>
+              <a:cxn ang="0">
+                <a:pos x="connsiteX1" y="connsiteY1"/>
+              </a:cxn>
+              <a:cxn ang="0">
+                <a:pos x="connsiteX2" y="connsiteY2"/>
+              </a:cxn>
+              <a:cxn ang="0">
+                <a:pos x="connsiteX3" y="connsiteY3"/>
+              </a:cxn>
+            </a:cxnLst>
+            <a:rect l="l" t="t" r="r" b="b"/>
+            <a:pathLst>
+              <a:path w="3459632" h="6858000">
+                <a:moveTo>
+                  <a:pt x="0" y="0"/>
+                </a:moveTo>
+                <a:lnTo>
+                  <a:pt x="283478" y="0"/>
+                </a:lnTo>
+                <a:lnTo>
+                  <a:pt x="3459632" y="6858000"/>
+                </a:lnTo>
+                <a:lnTo>
+                  <a:pt x="0" y="6858000"/>
+                </a:lnTo>
+                <a:close/>
+              </a:path>
+            </a:pathLst>
+          </a:custGeom>
+          <a:solidFill>
+            <a:srgbClr val="000000">
+              <a:alpha val="29804"/>
+            </a:srgbClr>
+          </a:solidFill>
+          <a:ln>
+            <a:noFill/>
+          </a:ln>
+        </p:spPr>
+        <p:style>
+          <a:lnRef idx="2">
+            <a:schemeClr val="accent1">
+              <a:shade val="50000"/>
+            </a:schemeClr>
+          </a:lnRef>
+          <a:fillRef idx="1">
+            <a:schemeClr val="accent1"/>
+          </a:fillRef>
+          <a:effectRef idx="0">
+            <a:schemeClr val="accent1"/>
+          </a:effectRef>
+          <a:fontRef idx="minor">
+            <a:schemeClr val="lt1"/>
+          </a:fontRef>
+        </p:style>
+        <p:txBody>
+          <a:bodyPr wrap="square" rtlCol="0" anchor="ctr">
+            <a:noAutofit/>
+          </a:bodyPr>
+          <a:lstStyle/>
+          <a:p>
+            <a:pPr marL="0" marR="0" lvl="0" indent="0" algn="ctr" defTabSz="914400" rtl="0" eaLnBrk="1" fontAlgn="auto" latinLnBrk="0" hangingPunct="1">
+              <a:lnSpc>
+                <a:spcPct val="100000"/>
+              </a:lnSpc>
+              <a:spcBef>
+                <a:spcPts val="0"/>
+              </a:spcBef>
+              <a:spcAft>
+                <a:spcPts val="0"/>
+              </a:spcAft>
+              <a:buClrTx/>
+              <a:buSzTx/>
+              <a:buFontTx/>
+              <a:buNone/>
+              <a:tabLst/>
+              <a:defRPr/>
+            </a:pPr>
+            <a:endParaRPr kumimoji="0" lang="en-US" sz="1800" b="0" i="0" u="none" strike="noStrike" kern="1200" cap="none" spc="0" normalizeH="0" baseline="0" noProof="0">
+              <a:ln>
+                <a:noFill/>
+              </a:ln>
+              <a:solidFill>
+                <a:prstClr val="white"/>
+              </a:solidFill>
+              <a:effectLst/>
+              <a:uLnTx/>
+              <a:uFillTx/>
+              <a:latin typeface="Calibri" panose="020F0502020204030204"/>
+              <a:ea typeface="+mn-ea"/>
+              <a:cs typeface="+mn-cs"/>
+            </a:endParaRPr>
+          </a:p>
+        </p:txBody>
+      </p:sp>
+      <p:sp>
+        <p:nvSpPr>
+          <p:cNvPr id="2" name="Title 1">
+            <a:extLst>
+              <a:ext uri="{FF2B5EF4-FFF2-40B4-BE49-F238E27FC236}">
+                <a16:creationId xmlns:a16="http://schemas.microsoft.com/office/drawing/2014/main" id="{6599601C-081B-4C5C-99AD-A3BC432AE29C}"/>
+              </a:ext>
+            </a:extLst>
+          </p:cNvPr>
+          <p:cNvSpPr>
+            <a:spLocks noGrp="1"/>
+          </p:cNvSpPr>
+          <p:nvPr>
+            <p:ph type="title"/>
+          </p:nvPr>
+        </p:nvSpPr>
+        <p:spPr>
+          <a:xfrm>
+            <a:off x="3111963" y="0"/>
+            <a:ext cx="5968074" cy="949593"/>
+          </a:xfrm>
+        </p:spPr>
+        <p:txBody>
+          <a:bodyPr>
+            <a:normAutofit/>
+          </a:bodyPr>
+          <a:lstStyle/>
+          <a:p>
+            <a:r>
+              <a:rPr lang="en-IN" dirty="0">
+                <a:solidFill>
+                  <a:srgbClr val="FFFFFF"/>
+                </a:solidFill>
+              </a:rPr>
+              <a:t>Async / Await</a:t>
+            </a:r>
+          </a:p>
+        </p:txBody>
+      </p:sp>
+      <p:sp>
+        <p:nvSpPr>
+          <p:cNvPr id="14" name="TextBox 13">
+            <a:extLst>
+              <a:ext uri="{FF2B5EF4-FFF2-40B4-BE49-F238E27FC236}">
+                <a16:creationId xmlns:a16="http://schemas.microsoft.com/office/drawing/2014/main" id="{4795A2E2-224B-4FA0-B323-9E61AD30697F}"/>
+              </a:ext>
+              <a:ext uri="{C183D7F6-B498-43B3-948B-1728B52AA6E4}">
+                <adec:decorative xmlns:adec="http://schemas.microsoft.com/office/drawing/2017/decorative" val="1"/>
+              </a:ext>
+            </a:extLst>
+          </p:cNvPr>
+          <p:cNvSpPr txBox="1">
+            <a:spLocks noGrp="1" noRot="1" noChangeAspect="1" noMove="1" noResize="1" noEditPoints="1" noAdjustHandles="1" noChangeArrowheads="1" noChangeShapeType="1" noTextEdit="1"/>
+          </p:cNvSpPr>
+          <p:nvPr>
+            <p:extLst>
+              <p:ext uri="{386F3935-93C4-4BCD-93E2-E3B085C9AB24}">
+                <p16:designElem xmlns:p16="http://schemas.microsoft.com/office/powerpoint/2015/main" val="1"/>
+              </p:ext>
+            </p:extLst>
+          </p:nvPr>
+        </p:nvSpPr>
+        <p:spPr>
+          <a:xfrm>
+            <a:off x="833002" y="1870075"/>
+            <a:ext cx="9612178" cy="595651"/>
+          </a:xfrm>
+          <a:prstGeom prst="rect">
+            <a:avLst/>
+          </a:prstGeom>
+          <a:noFill/>
+        </p:spPr>
+        <p:txBody>
+          <a:bodyPr wrap="square" rtlCol="0" anchor="t">
+            <a:normAutofit/>
+          </a:bodyPr>
+          <a:lstStyle/>
+          <a:p>
+            <a:pPr marL="0" marR="0" lvl="0" indent="0" algn="l" defTabSz="914400" rtl="0" eaLnBrk="1" fontAlgn="auto" latinLnBrk="0" hangingPunct="1">
+              <a:lnSpc>
+                <a:spcPct val="120000"/>
+              </a:lnSpc>
+              <a:spcBef>
+                <a:spcPts val="0"/>
+              </a:spcBef>
+              <a:spcAft>
+                <a:spcPts val="0"/>
+              </a:spcAft>
+              <a:buClrTx/>
+              <a:buSzTx/>
+              <a:buFontTx/>
+              <a:buNone/>
+              <a:tabLst/>
+              <a:defRPr/>
+            </a:pPr>
+            <a:endParaRPr kumimoji="0" lang="en-US" sz="2000" b="0" i="0" u="none" strike="noStrike" kern="1200" cap="none" spc="0" normalizeH="0" baseline="0" noProof="0" dirty="0">
+              <a:ln>
+                <a:noFill/>
+              </a:ln>
+              <a:solidFill>
+                <a:srgbClr val="FFC000"/>
+              </a:solidFill>
+              <a:effectLst/>
+              <a:uLnTx/>
+              <a:uFillTx/>
+              <a:latin typeface="Calibri" panose="020F0502020204030204"/>
+              <a:ea typeface="+mn-ea"/>
+              <a:cs typeface="+mn-cs"/>
+            </a:endParaRPr>
+          </a:p>
+        </p:txBody>
+      </p:sp>
+      <p:sp>
+        <p:nvSpPr>
+          <p:cNvPr id="3" name="Content Placeholder 2">
+            <a:extLst>
+              <a:ext uri="{FF2B5EF4-FFF2-40B4-BE49-F238E27FC236}">
+                <a16:creationId xmlns:a16="http://schemas.microsoft.com/office/drawing/2014/main" id="{37F319FF-7163-4F0F-AB17-3B32BC09CC75}"/>
+              </a:ext>
+            </a:extLst>
+          </p:cNvPr>
+          <p:cNvSpPr>
+            <a:spLocks noGrp="1"/>
+          </p:cNvSpPr>
+          <p:nvPr>
+            <p:ph idx="1"/>
+          </p:nvPr>
+        </p:nvSpPr>
+        <p:spPr>
+          <a:xfrm>
+            <a:off x="1746820" y="1787792"/>
+            <a:ext cx="7331769" cy="4784457"/>
+          </a:xfrm>
+        </p:spPr>
+        <p:txBody>
+          <a:bodyPr>
+            <a:normAutofit/>
+          </a:bodyPr>
+          <a:lstStyle/>
+          <a:p>
+            <a:pPr marL="0" indent="0">
+              <a:buNone/>
+            </a:pPr>
+            <a:endParaRPr lang="en-IN" sz="1800" dirty="0">
+              <a:solidFill>
+                <a:srgbClr val="FFFFFF"/>
+              </a:solidFill>
+            </a:endParaRPr>
+          </a:p>
+          <a:p>
+            <a:r>
+              <a:rPr lang="en-US" sz="1800" i="1" dirty="0"/>
+              <a:t>Async / Await facilitates us by letting us write asynchronous code in synchronous way</a:t>
+            </a:r>
+          </a:p>
+          <a:p>
+            <a:r>
+              <a:rPr lang="en-IN" sz="1800" dirty="0">
+                <a:solidFill>
+                  <a:srgbClr val="FFFFFF"/>
+                </a:solidFill>
+              </a:rPr>
+              <a:t>A function need to be labelled async in order to use await inside </a:t>
+            </a:r>
+          </a:p>
+          <a:p>
+            <a:r>
+              <a:rPr lang="en-IN" sz="1800" dirty="0">
+                <a:solidFill>
+                  <a:srgbClr val="FFFFFF"/>
+                </a:solidFill>
+              </a:rPr>
+              <a:t>Its basically a more elegant way to handle promises</a:t>
+            </a:r>
+          </a:p>
+          <a:p>
+            <a:endParaRPr lang="en-IN" sz="1800" dirty="0">
+              <a:solidFill>
+                <a:srgbClr val="FFFFFF"/>
+              </a:solidFill>
+            </a:endParaRPr>
+          </a:p>
+          <a:p>
+            <a:endParaRPr lang="en-IN" sz="1800" dirty="0">
+              <a:solidFill>
+                <a:srgbClr val="FFFFFF"/>
+              </a:solidFill>
+            </a:endParaRPr>
+          </a:p>
+          <a:p>
+            <a:endParaRPr lang="en-IN" sz="1800" dirty="0">
+              <a:solidFill>
+                <a:srgbClr val="FFFFFF"/>
+              </a:solidFill>
+            </a:endParaRPr>
+          </a:p>
+        </p:txBody>
+      </p:sp>
+    </p:spTree>
+    <p:extLst>
+      <p:ext uri="{BB962C8B-B14F-4D97-AF65-F5344CB8AC3E}">
+        <p14:creationId xmlns:p14="http://schemas.microsoft.com/office/powerpoint/2010/main" val="282016303"/>
+      </p:ext>
+    </p:extLst>
+  </p:cSld>
+  <p:clrMapOvr>
+    <a:overrideClrMapping bg1="dk1" tx1="lt1" bg2="dk2" tx2="lt2" accent1="accent1" accent2="accent2" accent3="accent3" accent4="accent4" accent5="accent5" accent6="accent6" hlink="hlink" folHlink="folHlink"/>
   </p:clrMapOvr>
 </p:sld>
 </file>

--- a/Modern JavaScript.pptx
+++ b/Modern JavaScript.pptx
@@ -18,8 +18,8 @@
     <p:sldId id="270" r:id="rId12"/>
     <p:sldId id="269" r:id="rId13"/>
     <p:sldId id="271" r:id="rId14"/>
-    <p:sldId id="272" r:id="rId15"/>
-    <p:sldId id="268" r:id="rId16"/>
+    <p:sldId id="268" r:id="rId15"/>
+    <p:sldId id="272" r:id="rId16"/>
     <p:sldId id="273" r:id="rId17"/>
     <p:sldId id="275" r:id="rId18"/>
     <p:sldId id="276" r:id="rId19"/>
@@ -5054,6 +5054,154 @@
     <p:bg>
       <p:bgPr>
         <a:solidFill>
+          <a:schemeClr val="bg1"/>
+        </a:solidFill>
+        <a:effectLst/>
+      </p:bgPr>
+    </p:bg>
+    <p:spTree>
+      <p:nvGrpSpPr>
+        <p:cNvPr id="1" name=""/>
+        <p:cNvGrpSpPr/>
+        <p:nvPr/>
+      </p:nvGrpSpPr>
+      <p:grpSpPr>
+        <a:xfrm>
+          <a:off x="0" y="0"/>
+          <a:ext cx="0" cy="0"/>
+          <a:chOff x="0" y="0"/>
+          <a:chExt cx="0" cy="0"/>
+        </a:xfrm>
+      </p:grpSpPr>
+      <p:sp>
+        <p:nvSpPr>
+          <p:cNvPr id="8" name="Down Arrow 7">
+            <a:extLst>
+              <a:ext uri="{FF2B5EF4-FFF2-40B4-BE49-F238E27FC236}">
+                <a16:creationId xmlns:a16="http://schemas.microsoft.com/office/drawing/2014/main" id="{B547373F-AF2E-4907-B442-9F902B387FD0}"/>
+              </a:ext>
+              <a:ext uri="{C183D7F6-B498-43B3-948B-1728B52AA6E4}">
+                <adec:decorative xmlns:adec="http://schemas.microsoft.com/office/drawing/2017/decorative" val="1"/>
+              </a:ext>
+            </a:extLst>
+          </p:cNvPr>
+          <p:cNvSpPr>
+            <a:spLocks noGrp="1" noRot="1" noChangeAspect="1" noMove="1" noResize="1" noEditPoints="1" noAdjustHandles="1" noChangeArrowheads="1" noChangeShapeType="1" noTextEdit="1"/>
+          </p:cNvSpPr>
+          <p:nvPr>
+            <p:extLst>
+              <p:ext uri="{386F3935-93C4-4BCD-93E2-E3B085C9AB24}">
+                <p16:designElem xmlns:p16="http://schemas.microsoft.com/office/powerpoint/2015/main" val="1"/>
+              </p:ext>
+            </p:extLst>
+          </p:nvPr>
+        </p:nvSpPr>
+        <p:spPr>
+          <a:xfrm>
+            <a:off x="800100" y="-4763"/>
+            <a:ext cx="3333749" cy="3338514"/>
+          </a:xfrm>
+          <a:prstGeom prst="downArrow">
+            <a:avLst>
+              <a:gd name="adj1" fmla="val 100000"/>
+              <a:gd name="adj2" fmla="val 26890"/>
+            </a:avLst>
+          </a:prstGeom>
+          <a:solidFill>
+            <a:schemeClr val="tx1">
+              <a:lumMod val="85000"/>
+              <a:lumOff val="15000"/>
+            </a:schemeClr>
+          </a:solidFill>
+          <a:ln w="53975">
+            <a:noFill/>
+          </a:ln>
+        </p:spPr>
+        <p:style>
+          <a:lnRef idx="2">
+            <a:schemeClr val="accent1">
+              <a:shade val="50000"/>
+            </a:schemeClr>
+          </a:lnRef>
+          <a:fillRef idx="1">
+            <a:schemeClr val="accent1"/>
+          </a:fillRef>
+          <a:effectRef idx="0">
+            <a:schemeClr val="accent1"/>
+          </a:effectRef>
+          <a:fontRef idx="minor">
+            <a:schemeClr val="lt1"/>
+          </a:fontRef>
+        </p:style>
+        <p:txBody>
+          <a:bodyPr rtlCol="0" anchor="ctr"/>
+          <a:lstStyle/>
+          <a:p>
+            <a:pPr algn="ctr"/>
+            <a:endParaRPr lang="en-US"/>
+          </a:p>
+        </p:txBody>
+      </p:sp>
+      <p:sp>
+        <p:nvSpPr>
+          <p:cNvPr id="2" name="Title 1">
+            <a:extLst>
+              <a:ext uri="{FF2B5EF4-FFF2-40B4-BE49-F238E27FC236}">
+                <a16:creationId xmlns:a16="http://schemas.microsoft.com/office/drawing/2014/main" id="{0A9215A0-A8EC-48C7-B733-0E94B04F37E2}"/>
+              </a:ext>
+            </a:extLst>
+          </p:cNvPr>
+          <p:cNvSpPr>
+            <a:spLocks noGrp="1"/>
+          </p:cNvSpPr>
+          <p:nvPr>
+            <p:ph type="title"/>
+          </p:nvPr>
+        </p:nvSpPr>
+        <p:spPr>
+          <a:xfrm>
+            <a:off x="1028700" y="190501"/>
+            <a:ext cx="2886075" cy="2486024"/>
+          </a:xfrm>
+          <a:noFill/>
+        </p:spPr>
+        <p:txBody>
+          <a:bodyPr vert="horz" lIns="91440" tIns="45720" rIns="91440" bIns="45720" rtlCol="0" anchor="ctr">
+            <a:normAutofit/>
+          </a:bodyPr>
+          <a:lstStyle/>
+          <a:p>
+            <a:pPr algn="ctr"/>
+            <a:r>
+              <a:rPr lang="en-US" sz="3600">
+                <a:solidFill>
+                  <a:schemeClr val="bg1"/>
+                </a:solidFill>
+              </a:rPr>
+              <a:t>Prototypal Inheritance vs Class based inheritance</a:t>
+            </a:r>
+          </a:p>
+        </p:txBody>
+      </p:sp>
+    </p:spTree>
+    <p:extLst>
+      <p:ext uri="{BB962C8B-B14F-4D97-AF65-F5344CB8AC3E}">
+        <p14:creationId xmlns:p14="http://schemas.microsoft.com/office/powerpoint/2010/main" val="222496829"/>
+      </p:ext>
+    </p:extLst>
+  </p:cSld>
+  <p:clrMapOvr>
+    <a:masterClrMapping/>
+  </p:clrMapOvr>
+</p:sld>
+</file>
+
+<file path=ppt/slides/slide15.xml><?xml version="1.0" encoding="utf-8"?>
+<p:sld xmlns:a="http://schemas.openxmlformats.org/drawingml/2006/main" xmlns:r="http://schemas.openxmlformats.org/officeDocument/2006/relationships" xmlns:p="http://schemas.openxmlformats.org/presentationml/2006/main">
+  <p:cSld>
+    <p:bg>
+      <p:bgPr>
+        <a:solidFill>
           <a:schemeClr val="bg1">
             <a:tint val="95000"/>
             <a:satMod val="170000"/>
@@ -5375,7 +5523,7 @@
             </a:r>
             <a:r>
               <a:rPr lang="en-IN" sz="2000" dirty="0"/>
-              <a:t>[0], this is because whatever we write as computed is converted to string literal</a:t>
+              <a:t>[0], how ?</a:t>
             </a:r>
           </a:p>
           <a:p>
@@ -5395,89 +5543,6 @@
   </p:cSld>
   <p:clrMapOvr>
     <a:overrideClrMapping bg1="dk1" tx1="lt1" bg2="dk2" tx2="lt2" accent1="accent1" accent2="accent2" accent3="accent3" accent4="accent4" accent5="accent5" accent6="accent6" hlink="hlink" folHlink="folHlink"/>
-  </p:clrMapOvr>
-</p:sld>
-</file>
-
-<file path=ppt/slides/slide15.xml><?xml version="1.0" encoding="utf-8"?>
-<p:sld xmlns:a="http://schemas.openxmlformats.org/drawingml/2006/main" xmlns:r="http://schemas.openxmlformats.org/officeDocument/2006/relationships" xmlns:p="http://schemas.openxmlformats.org/presentationml/2006/main">
-  <p:cSld>
-    <p:spTree>
-      <p:nvGrpSpPr>
-        <p:cNvPr id="1" name=""/>
-        <p:cNvGrpSpPr/>
-        <p:nvPr/>
-      </p:nvGrpSpPr>
-      <p:grpSpPr>
-        <a:xfrm>
-          <a:off x="0" y="0"/>
-          <a:ext cx="0" cy="0"/>
-          <a:chOff x="0" y="0"/>
-          <a:chExt cx="0" cy="0"/>
-        </a:xfrm>
-      </p:grpSpPr>
-      <p:sp>
-        <p:nvSpPr>
-          <p:cNvPr id="2" name="Title 1">
-            <a:extLst>
-              <a:ext uri="{FF2B5EF4-FFF2-40B4-BE49-F238E27FC236}">
-                <a16:creationId xmlns:a16="http://schemas.microsoft.com/office/drawing/2014/main" id="{0A9215A0-A8EC-48C7-B733-0E94B04F37E2}"/>
-              </a:ext>
-            </a:extLst>
-          </p:cNvPr>
-          <p:cNvSpPr>
-            <a:spLocks noGrp="1"/>
-          </p:cNvSpPr>
-          <p:nvPr>
-            <p:ph type="title"/>
-          </p:nvPr>
-        </p:nvSpPr>
-        <p:spPr/>
-        <p:txBody>
-          <a:bodyPr/>
-          <a:lstStyle/>
-          <a:p>
-            <a:r>
-              <a:rPr lang="en-IN" dirty="0"/>
-              <a:t>Prototypal Inheritance vs Class based inheritance</a:t>
-            </a:r>
-          </a:p>
-        </p:txBody>
-      </p:sp>
-      <p:sp>
-        <p:nvSpPr>
-          <p:cNvPr id="3" name="Content Placeholder 2">
-            <a:extLst>
-              <a:ext uri="{FF2B5EF4-FFF2-40B4-BE49-F238E27FC236}">
-                <a16:creationId xmlns:a16="http://schemas.microsoft.com/office/drawing/2014/main" id="{12FE18D1-5ED4-4A2E-82E7-6CDDC62CBDD9}"/>
-              </a:ext>
-            </a:extLst>
-          </p:cNvPr>
-          <p:cNvSpPr>
-            <a:spLocks noGrp="1"/>
-          </p:cNvSpPr>
-          <p:nvPr>
-            <p:ph idx="1"/>
-          </p:nvPr>
-        </p:nvSpPr>
-        <p:spPr/>
-        <p:txBody>
-          <a:bodyPr/>
-          <a:lstStyle/>
-          <a:p>
-            <a:endParaRPr lang="en-IN" dirty="0"/>
-          </a:p>
-        </p:txBody>
-      </p:sp>
-    </p:spTree>
-    <p:extLst>
-      <p:ext uri="{BB962C8B-B14F-4D97-AF65-F5344CB8AC3E}">
-        <p14:creationId xmlns:p14="http://schemas.microsoft.com/office/powerpoint/2010/main" val="222496829"/>
-      </p:ext>
-    </p:extLst>
-  </p:cSld>
-  <p:clrMapOvr>
-    <a:masterClrMapping/>
   </p:clrMapOvr>
 </p:sld>
 </file>

--- a/Modern JavaScript.pptx
+++ b/Modern JavaScript.pptx
@@ -9,21 +9,22 @@
     <p:sldId id="257" r:id="rId3"/>
     <p:sldId id="258" r:id="rId4"/>
     <p:sldId id="259" r:id="rId5"/>
-    <p:sldId id="262" r:id="rId6"/>
-    <p:sldId id="263" r:id="rId7"/>
-    <p:sldId id="264" r:id="rId8"/>
-    <p:sldId id="265" r:id="rId9"/>
-    <p:sldId id="266" r:id="rId10"/>
-    <p:sldId id="267" r:id="rId11"/>
-    <p:sldId id="270" r:id="rId12"/>
-    <p:sldId id="269" r:id="rId13"/>
-    <p:sldId id="271" r:id="rId14"/>
-    <p:sldId id="268" r:id="rId15"/>
-    <p:sldId id="272" r:id="rId16"/>
-    <p:sldId id="273" r:id="rId17"/>
-    <p:sldId id="275" r:id="rId18"/>
-    <p:sldId id="276" r:id="rId19"/>
-    <p:sldId id="277" r:id="rId20"/>
+    <p:sldId id="278" r:id="rId6"/>
+    <p:sldId id="262" r:id="rId7"/>
+    <p:sldId id="263" r:id="rId8"/>
+    <p:sldId id="264" r:id="rId9"/>
+    <p:sldId id="265" r:id="rId10"/>
+    <p:sldId id="266" r:id="rId11"/>
+    <p:sldId id="267" r:id="rId12"/>
+    <p:sldId id="270" r:id="rId13"/>
+    <p:sldId id="269" r:id="rId14"/>
+    <p:sldId id="271" r:id="rId15"/>
+    <p:sldId id="268" r:id="rId16"/>
+    <p:sldId id="272" r:id="rId17"/>
+    <p:sldId id="273" r:id="rId18"/>
+    <p:sldId id="275" r:id="rId19"/>
+    <p:sldId id="276" r:id="rId20"/>
+    <p:sldId id="277" r:id="rId21"/>
   </p:sldIdLst>
   <p:sldSz cx="12192000" cy="6858000"/>
   <p:notesSz cx="6858000" cy="9144000"/>
@@ -279,7 +280,7 @@
           <a:p>
             <a:fld id="{B0A2E9A4-E1FE-4CEB-8C6E-BF1EDB7D7F2E}" type="datetimeFigureOut">
               <a:rPr lang="en-IN" smtClean="0"/>
-              <a:t>25/02/20</a:t>
+              <a:t>25-02-2020</a:t>
             </a:fld>
             <a:endParaRPr lang="en-IN"/>
           </a:p>
@@ -479,7 +480,7 @@
           <a:p>
             <a:fld id="{B0A2E9A4-E1FE-4CEB-8C6E-BF1EDB7D7F2E}" type="datetimeFigureOut">
               <a:rPr lang="en-IN" smtClean="0"/>
-              <a:t>25/02/20</a:t>
+              <a:t>25-02-2020</a:t>
             </a:fld>
             <a:endParaRPr lang="en-IN"/>
           </a:p>
@@ -689,7 +690,7 @@
           <a:p>
             <a:fld id="{B0A2E9A4-E1FE-4CEB-8C6E-BF1EDB7D7F2E}" type="datetimeFigureOut">
               <a:rPr lang="en-IN" smtClean="0"/>
-              <a:t>25/02/20</a:t>
+              <a:t>25-02-2020</a:t>
             </a:fld>
             <a:endParaRPr lang="en-IN"/>
           </a:p>
@@ -889,7 +890,7 @@
           <a:p>
             <a:fld id="{B0A2E9A4-E1FE-4CEB-8C6E-BF1EDB7D7F2E}" type="datetimeFigureOut">
               <a:rPr lang="en-IN" smtClean="0"/>
-              <a:t>25/02/20</a:t>
+              <a:t>25-02-2020</a:t>
             </a:fld>
             <a:endParaRPr lang="en-IN"/>
           </a:p>
@@ -1165,7 +1166,7 @@
           <a:p>
             <a:fld id="{B0A2E9A4-E1FE-4CEB-8C6E-BF1EDB7D7F2E}" type="datetimeFigureOut">
               <a:rPr lang="en-IN" smtClean="0"/>
-              <a:t>25/02/20</a:t>
+              <a:t>25-02-2020</a:t>
             </a:fld>
             <a:endParaRPr lang="en-IN"/>
           </a:p>
@@ -1433,7 +1434,7 @@
           <a:p>
             <a:fld id="{B0A2E9A4-E1FE-4CEB-8C6E-BF1EDB7D7F2E}" type="datetimeFigureOut">
               <a:rPr lang="en-IN" smtClean="0"/>
-              <a:t>25/02/20</a:t>
+              <a:t>25-02-2020</a:t>
             </a:fld>
             <a:endParaRPr lang="en-IN"/>
           </a:p>
@@ -1848,7 +1849,7 @@
           <a:p>
             <a:fld id="{B0A2E9A4-E1FE-4CEB-8C6E-BF1EDB7D7F2E}" type="datetimeFigureOut">
               <a:rPr lang="en-IN" smtClean="0"/>
-              <a:t>25/02/20</a:t>
+              <a:t>25-02-2020</a:t>
             </a:fld>
             <a:endParaRPr lang="en-IN"/>
           </a:p>
@@ -1990,7 +1991,7 @@
           <a:p>
             <a:fld id="{B0A2E9A4-E1FE-4CEB-8C6E-BF1EDB7D7F2E}" type="datetimeFigureOut">
               <a:rPr lang="en-IN" smtClean="0"/>
-              <a:t>25/02/20</a:t>
+              <a:t>25-02-2020</a:t>
             </a:fld>
             <a:endParaRPr lang="en-IN"/>
           </a:p>
@@ -2103,7 +2104,7 @@
           <a:p>
             <a:fld id="{B0A2E9A4-E1FE-4CEB-8C6E-BF1EDB7D7F2E}" type="datetimeFigureOut">
               <a:rPr lang="en-IN" smtClean="0"/>
-              <a:t>25/02/20</a:t>
+              <a:t>25-02-2020</a:t>
             </a:fld>
             <a:endParaRPr lang="en-IN"/>
           </a:p>
@@ -2416,7 +2417,7 @@
           <a:p>
             <a:fld id="{B0A2E9A4-E1FE-4CEB-8C6E-BF1EDB7D7F2E}" type="datetimeFigureOut">
               <a:rPr lang="en-IN" smtClean="0"/>
-              <a:t>25/02/20</a:t>
+              <a:t>25-02-2020</a:t>
             </a:fld>
             <a:endParaRPr lang="en-IN"/>
           </a:p>
@@ -2705,7 +2706,7 @@
           <a:p>
             <a:fld id="{B0A2E9A4-E1FE-4CEB-8C6E-BF1EDB7D7F2E}" type="datetimeFigureOut">
               <a:rPr lang="en-IN" smtClean="0"/>
-              <a:t>25/02/20</a:t>
+              <a:t>25-02-2020</a:t>
             </a:fld>
             <a:endParaRPr lang="en-IN"/>
           </a:p>
@@ -2948,7 +2949,7 @@
           <a:p>
             <a:fld id="{B0A2E9A4-E1FE-4CEB-8C6E-BF1EDB7D7F2E}" type="datetimeFigureOut">
               <a:rPr lang="en-IN" smtClean="0"/>
-              <a:t>25/02/20</a:t>
+              <a:t>25-02-2020</a:t>
             </a:fld>
             <a:endParaRPr lang="en-IN"/>
           </a:p>
@@ -3767,6 +3768,609 @@
     <p:bg>
       <p:bgPr>
         <a:solidFill>
+          <a:schemeClr val="bg1"/>
+        </a:solidFill>
+        <a:effectLst/>
+      </p:bgPr>
+    </p:bg>
+    <p:spTree>
+      <p:nvGrpSpPr>
+        <p:cNvPr id="1" name=""/>
+        <p:cNvGrpSpPr/>
+        <p:nvPr/>
+      </p:nvGrpSpPr>
+      <p:grpSpPr>
+        <a:xfrm>
+          <a:off x="0" y="0"/>
+          <a:ext cx="0" cy="0"/>
+          <a:chOff x="0" y="0"/>
+          <a:chExt cx="0" cy="0"/>
+        </a:xfrm>
+      </p:grpSpPr>
+      <p:sp>
+        <p:nvSpPr>
+          <p:cNvPr id="15" name="Rectangle 7">
+            <a:extLst>
+              <a:ext uri="{FF2B5EF4-FFF2-40B4-BE49-F238E27FC236}">
+                <a16:creationId xmlns:a16="http://schemas.microsoft.com/office/drawing/2014/main" id="{EA67B5B4-3A24-436E-B663-1B2EBFF8A0CD}"/>
+              </a:ext>
+              <a:ext uri="{C183D7F6-B498-43B3-948B-1728B52AA6E4}">
+                <adec:decorative xmlns:adec="http://schemas.microsoft.com/office/drawing/2017/decorative" val="1"/>
+              </a:ext>
+            </a:extLst>
+          </p:cNvPr>
+          <p:cNvSpPr>
+            <a:spLocks noGrp="1" noRot="1" noChangeAspect="1" noMove="1" noResize="1" noEditPoints="1" noAdjustHandles="1" noChangeArrowheads="1" noChangeShapeType="1" noTextEdit="1"/>
+          </p:cNvSpPr>
+          <p:nvPr>
+            <p:extLst>
+              <p:ext uri="{386F3935-93C4-4BCD-93E2-E3B085C9AB24}">
+                <p16:designElem xmlns:p16="http://schemas.microsoft.com/office/powerpoint/2015/main" val="1"/>
+              </p:ext>
+            </p:extLst>
+          </p:nvPr>
+        </p:nvSpPr>
+        <p:spPr>
+          <a:xfrm>
+            <a:off x="0" y="-3324"/>
+            <a:ext cx="12192000" cy="6861324"/>
+          </a:xfrm>
+          <a:prstGeom prst="rect">
+            <a:avLst/>
+          </a:prstGeom>
+          <a:solidFill>
+            <a:srgbClr val="404040"/>
+          </a:solidFill>
+          <a:ln>
+            <a:noFill/>
+          </a:ln>
+        </p:spPr>
+        <p:style>
+          <a:lnRef idx="2">
+            <a:schemeClr val="accent1">
+              <a:shade val="50000"/>
+            </a:schemeClr>
+          </a:lnRef>
+          <a:fillRef idx="1">
+            <a:schemeClr val="accent1"/>
+          </a:fillRef>
+          <a:effectRef idx="0">
+            <a:schemeClr val="accent1"/>
+          </a:effectRef>
+          <a:fontRef idx="minor">
+            <a:schemeClr val="lt1"/>
+          </a:fontRef>
+        </p:style>
+        <p:txBody>
+          <a:bodyPr rtlCol="0" anchor="ctr"/>
+          <a:lstStyle/>
+          <a:p>
+            <a:pPr marL="0" marR="0" lvl="0" indent="0" algn="ctr" defTabSz="914400" rtl="0" eaLnBrk="1" fontAlgn="auto" latinLnBrk="0" hangingPunct="1">
+              <a:lnSpc>
+                <a:spcPct val="100000"/>
+              </a:lnSpc>
+              <a:spcBef>
+                <a:spcPts val="0"/>
+              </a:spcBef>
+              <a:spcAft>
+                <a:spcPts val="0"/>
+              </a:spcAft>
+              <a:buClrTx/>
+              <a:buSzTx/>
+              <a:buFontTx/>
+              <a:buNone/>
+              <a:tabLst/>
+              <a:defRPr/>
+            </a:pPr>
+            <a:endParaRPr kumimoji="0" lang="en-US" sz="1800" b="0" i="0" u="none" strike="noStrike" kern="1200" cap="none" spc="0" normalizeH="0" baseline="0" noProof="0">
+              <a:ln>
+                <a:noFill/>
+              </a:ln>
+              <a:solidFill>
+                <a:prstClr val="white"/>
+              </a:solidFill>
+              <a:effectLst/>
+              <a:uLnTx/>
+              <a:uFillTx/>
+              <a:latin typeface="Calibri" panose="020F0502020204030204"/>
+              <a:ea typeface="+mn-ea"/>
+              <a:cs typeface="+mn-cs"/>
+            </a:endParaRPr>
+          </a:p>
+        </p:txBody>
+      </p:sp>
+      <p:sp>
+        <p:nvSpPr>
+          <p:cNvPr id="16" name="Freeform 13">
+            <a:extLst>
+              <a:ext uri="{FF2B5EF4-FFF2-40B4-BE49-F238E27FC236}">
+                <a16:creationId xmlns:a16="http://schemas.microsoft.com/office/drawing/2014/main" id="{987FDF89-C993-41F4-A1B8-DBAFF16008A9}"/>
+              </a:ext>
+              <a:ext uri="{C183D7F6-B498-43B3-948B-1728B52AA6E4}">
+                <adec:decorative xmlns:adec="http://schemas.microsoft.com/office/drawing/2017/decorative" val="1"/>
+              </a:ext>
+            </a:extLst>
+          </p:cNvPr>
+          <p:cNvSpPr>
+            <a:spLocks noGrp="1" noRot="1" noChangeAspect="1" noMove="1" noResize="1" noEditPoints="1" noAdjustHandles="1" noChangeArrowheads="1" noChangeShapeType="1" noTextEdit="1"/>
+          </p:cNvSpPr>
+          <p:nvPr>
+            <p:extLst>
+              <p:ext uri="{386F3935-93C4-4BCD-93E2-E3B085C9AB24}">
+                <p16:designElem xmlns:p16="http://schemas.microsoft.com/office/powerpoint/2015/main" val="1"/>
+              </p:ext>
+            </p:extLst>
+          </p:nvPr>
+        </p:nvSpPr>
+        <p:spPr>
+          <a:xfrm>
+            <a:off x="0" y="0"/>
+            <a:ext cx="11960028" cy="6858000"/>
+          </a:xfrm>
+          <a:custGeom>
+            <a:avLst/>
+            <a:gdLst>
+              <a:gd name="connsiteX0" fmla="*/ 0 w 11786754"/>
+              <a:gd name="connsiteY0" fmla="*/ 0 h 6858000"/>
+              <a:gd name="connsiteX1" fmla="*/ 8610600 w 11786754"/>
+              <a:gd name="connsiteY1" fmla="*/ 0 h 6858000"/>
+              <a:gd name="connsiteX2" fmla="*/ 11786754 w 11786754"/>
+              <a:gd name="connsiteY2" fmla="*/ 6858000 h 6858000"/>
+              <a:gd name="connsiteX3" fmla="*/ 0 w 11786754"/>
+              <a:gd name="connsiteY3" fmla="*/ 6858000 h 6858000"/>
+            </a:gdLst>
+            <a:ahLst/>
+            <a:cxnLst>
+              <a:cxn ang="0">
+                <a:pos x="connsiteX0" y="connsiteY0"/>
+              </a:cxn>
+              <a:cxn ang="0">
+                <a:pos x="connsiteX1" y="connsiteY1"/>
+              </a:cxn>
+              <a:cxn ang="0">
+                <a:pos x="connsiteX2" y="connsiteY2"/>
+              </a:cxn>
+              <a:cxn ang="0">
+                <a:pos x="connsiteX3" y="connsiteY3"/>
+              </a:cxn>
+            </a:cxnLst>
+            <a:rect l="l" t="t" r="r" b="b"/>
+            <a:pathLst>
+              <a:path w="11786754" h="6858000">
+                <a:moveTo>
+                  <a:pt x="0" y="0"/>
+                </a:moveTo>
+                <a:lnTo>
+                  <a:pt x="8610600" y="0"/>
+                </a:lnTo>
+                <a:lnTo>
+                  <a:pt x="11786754" y="6858000"/>
+                </a:lnTo>
+                <a:lnTo>
+                  <a:pt x="0" y="6858000"/>
+                </a:lnTo>
+                <a:close/>
+              </a:path>
+            </a:pathLst>
+          </a:custGeom>
+          <a:solidFill>
+            <a:srgbClr val="000000">
+              <a:alpha val="29804"/>
+            </a:srgbClr>
+          </a:solidFill>
+          <a:ln>
+            <a:noFill/>
+          </a:ln>
+        </p:spPr>
+        <p:style>
+          <a:lnRef idx="2">
+            <a:schemeClr val="accent1">
+              <a:shade val="50000"/>
+            </a:schemeClr>
+          </a:lnRef>
+          <a:fillRef idx="1">
+            <a:schemeClr val="accent1"/>
+          </a:fillRef>
+          <a:effectRef idx="0">
+            <a:schemeClr val="accent1"/>
+          </a:effectRef>
+          <a:fontRef idx="minor">
+            <a:schemeClr val="lt1"/>
+          </a:fontRef>
+        </p:style>
+        <p:txBody>
+          <a:bodyPr rtlCol="0" anchor="ctr"/>
+          <a:lstStyle/>
+          <a:p>
+            <a:pPr marL="0" marR="0" lvl="0" indent="0" algn="ctr" defTabSz="914400" rtl="0" eaLnBrk="1" fontAlgn="auto" latinLnBrk="0" hangingPunct="1">
+              <a:lnSpc>
+                <a:spcPct val="100000"/>
+              </a:lnSpc>
+              <a:spcBef>
+                <a:spcPts val="0"/>
+              </a:spcBef>
+              <a:spcAft>
+                <a:spcPts val="0"/>
+              </a:spcAft>
+              <a:buClrTx/>
+              <a:buSzTx/>
+              <a:buFontTx/>
+              <a:buNone/>
+              <a:tabLst/>
+              <a:defRPr/>
+            </a:pPr>
+            <a:endParaRPr kumimoji="0" lang="en-US" sz="1800" b="0" i="0" u="none" strike="noStrike" kern="1200" cap="none" spc="0" normalizeH="0" baseline="0" noProof="0">
+              <a:ln>
+                <a:noFill/>
+              </a:ln>
+              <a:solidFill>
+                <a:prstClr val="white"/>
+              </a:solidFill>
+              <a:effectLst/>
+              <a:uLnTx/>
+              <a:uFillTx/>
+              <a:latin typeface="Calibri" panose="020F0502020204030204"/>
+              <a:ea typeface="+mn-ea"/>
+              <a:cs typeface="+mn-cs"/>
+            </a:endParaRPr>
+          </a:p>
+        </p:txBody>
+      </p:sp>
+      <p:sp>
+        <p:nvSpPr>
+          <p:cNvPr id="17" name="Freeform: Shape 11">
+            <a:extLst>
+              <a:ext uri="{FF2B5EF4-FFF2-40B4-BE49-F238E27FC236}">
+                <a16:creationId xmlns:a16="http://schemas.microsoft.com/office/drawing/2014/main" id="{9FA64B84-CE2D-4179-B018-A71AC174C71C}"/>
+              </a:ext>
+              <a:ext uri="{C183D7F6-B498-43B3-948B-1728B52AA6E4}">
+                <adec:decorative xmlns:adec="http://schemas.microsoft.com/office/drawing/2017/decorative" val="1"/>
+              </a:ext>
+            </a:extLst>
+          </p:cNvPr>
+          <p:cNvSpPr>
+            <a:spLocks noGrp="1" noRot="1" noChangeAspect="1" noMove="1" noResize="1" noEditPoints="1" noAdjustHandles="1" noChangeArrowheads="1" noChangeShapeType="1" noTextEdit="1"/>
+          </p:cNvSpPr>
+          <p:nvPr>
+            <p:extLst>
+              <p:ext uri="{386F3935-93C4-4BCD-93E2-E3B085C9AB24}">
+                <p16:designElem xmlns:p16="http://schemas.microsoft.com/office/powerpoint/2015/main" val="1"/>
+              </p:ext>
+            </p:extLst>
+          </p:nvPr>
+        </p:nvSpPr>
+        <p:spPr>
+          <a:xfrm>
+            <a:off x="0" y="0"/>
+            <a:ext cx="3459632" cy="6858000"/>
+          </a:xfrm>
+          <a:custGeom>
+            <a:avLst/>
+            <a:gdLst>
+              <a:gd name="connsiteX0" fmla="*/ 0 w 3459632"/>
+              <a:gd name="connsiteY0" fmla="*/ 0 h 6858000"/>
+              <a:gd name="connsiteX1" fmla="*/ 283478 w 3459632"/>
+              <a:gd name="connsiteY1" fmla="*/ 0 h 6858000"/>
+              <a:gd name="connsiteX2" fmla="*/ 3459632 w 3459632"/>
+              <a:gd name="connsiteY2" fmla="*/ 6858000 h 6858000"/>
+              <a:gd name="connsiteX3" fmla="*/ 0 w 3459632"/>
+              <a:gd name="connsiteY3" fmla="*/ 6858000 h 6858000"/>
+            </a:gdLst>
+            <a:ahLst/>
+            <a:cxnLst>
+              <a:cxn ang="0">
+                <a:pos x="connsiteX0" y="connsiteY0"/>
+              </a:cxn>
+              <a:cxn ang="0">
+                <a:pos x="connsiteX1" y="connsiteY1"/>
+              </a:cxn>
+              <a:cxn ang="0">
+                <a:pos x="connsiteX2" y="connsiteY2"/>
+              </a:cxn>
+              <a:cxn ang="0">
+                <a:pos x="connsiteX3" y="connsiteY3"/>
+              </a:cxn>
+            </a:cxnLst>
+            <a:rect l="l" t="t" r="r" b="b"/>
+            <a:pathLst>
+              <a:path w="3459632" h="6858000">
+                <a:moveTo>
+                  <a:pt x="0" y="0"/>
+                </a:moveTo>
+                <a:lnTo>
+                  <a:pt x="283478" y="0"/>
+                </a:lnTo>
+                <a:lnTo>
+                  <a:pt x="3459632" y="6858000"/>
+                </a:lnTo>
+                <a:lnTo>
+                  <a:pt x="0" y="6858000"/>
+                </a:lnTo>
+                <a:close/>
+              </a:path>
+            </a:pathLst>
+          </a:custGeom>
+          <a:solidFill>
+            <a:srgbClr val="000000">
+              <a:alpha val="29804"/>
+            </a:srgbClr>
+          </a:solidFill>
+          <a:ln>
+            <a:noFill/>
+          </a:ln>
+        </p:spPr>
+        <p:style>
+          <a:lnRef idx="2">
+            <a:schemeClr val="accent1">
+              <a:shade val="50000"/>
+            </a:schemeClr>
+          </a:lnRef>
+          <a:fillRef idx="1">
+            <a:schemeClr val="accent1"/>
+          </a:fillRef>
+          <a:effectRef idx="0">
+            <a:schemeClr val="accent1"/>
+          </a:effectRef>
+          <a:fontRef idx="minor">
+            <a:schemeClr val="lt1"/>
+          </a:fontRef>
+        </p:style>
+        <p:txBody>
+          <a:bodyPr wrap="square" rtlCol="0" anchor="ctr">
+            <a:noAutofit/>
+          </a:bodyPr>
+          <a:lstStyle/>
+          <a:p>
+            <a:pPr marL="0" marR="0" lvl="0" indent="0" algn="ctr" defTabSz="914400" rtl="0" eaLnBrk="1" fontAlgn="auto" latinLnBrk="0" hangingPunct="1">
+              <a:lnSpc>
+                <a:spcPct val="100000"/>
+              </a:lnSpc>
+              <a:spcBef>
+                <a:spcPts val="0"/>
+              </a:spcBef>
+              <a:spcAft>
+                <a:spcPts val="0"/>
+              </a:spcAft>
+              <a:buClrTx/>
+              <a:buSzTx/>
+              <a:buFontTx/>
+              <a:buNone/>
+              <a:tabLst/>
+              <a:defRPr/>
+            </a:pPr>
+            <a:endParaRPr kumimoji="0" lang="en-US" sz="1800" b="0" i="0" u="none" strike="noStrike" kern="1200" cap="none" spc="0" normalizeH="0" baseline="0" noProof="0">
+              <a:ln>
+                <a:noFill/>
+              </a:ln>
+              <a:solidFill>
+                <a:prstClr val="white"/>
+              </a:solidFill>
+              <a:effectLst/>
+              <a:uLnTx/>
+              <a:uFillTx/>
+              <a:latin typeface="Calibri" panose="020F0502020204030204"/>
+              <a:ea typeface="+mn-ea"/>
+              <a:cs typeface="+mn-cs"/>
+            </a:endParaRPr>
+          </a:p>
+        </p:txBody>
+      </p:sp>
+      <p:sp>
+        <p:nvSpPr>
+          <p:cNvPr id="2" name="Title 1">
+            <a:extLst>
+              <a:ext uri="{FF2B5EF4-FFF2-40B4-BE49-F238E27FC236}">
+                <a16:creationId xmlns:a16="http://schemas.microsoft.com/office/drawing/2014/main" id="{D8DD783B-43DB-421A-BC8B-F79D6B6F4C94}"/>
+              </a:ext>
+            </a:extLst>
+          </p:cNvPr>
+          <p:cNvSpPr>
+            <a:spLocks noGrp="1"/>
+          </p:cNvSpPr>
+          <p:nvPr>
+            <p:ph type="title"/>
+          </p:nvPr>
+        </p:nvSpPr>
+        <p:spPr>
+          <a:xfrm>
+            <a:off x="3111963" y="462230"/>
+            <a:ext cx="5968074" cy="1325563"/>
+          </a:xfrm>
+        </p:spPr>
+        <p:txBody>
+          <a:bodyPr>
+            <a:normAutofit/>
+          </a:bodyPr>
+          <a:lstStyle/>
+          <a:p>
+            <a:r>
+              <a:rPr lang="en-IN" dirty="0">
+                <a:solidFill>
+                  <a:srgbClr val="FFFFFF"/>
+                </a:solidFill>
+              </a:rPr>
+              <a:t>Function Scope vs Block Scope</a:t>
+            </a:r>
+          </a:p>
+        </p:txBody>
+      </p:sp>
+      <p:sp>
+        <p:nvSpPr>
+          <p:cNvPr id="14" name="TextBox 13">
+            <a:extLst>
+              <a:ext uri="{FF2B5EF4-FFF2-40B4-BE49-F238E27FC236}">
+                <a16:creationId xmlns:a16="http://schemas.microsoft.com/office/drawing/2014/main" id="{4795A2E2-224B-4FA0-B323-9E61AD30697F}"/>
+              </a:ext>
+              <a:ext uri="{C183D7F6-B498-43B3-948B-1728B52AA6E4}">
+                <adec:decorative xmlns:adec="http://schemas.microsoft.com/office/drawing/2017/decorative" val="1"/>
+              </a:ext>
+            </a:extLst>
+          </p:cNvPr>
+          <p:cNvSpPr txBox="1">
+            <a:spLocks noGrp="1" noRot="1" noChangeAspect="1" noMove="1" noResize="1" noEditPoints="1" noAdjustHandles="1" noChangeArrowheads="1" noChangeShapeType="1" noTextEdit="1"/>
+          </p:cNvSpPr>
+          <p:nvPr>
+            <p:extLst>
+              <p:ext uri="{386F3935-93C4-4BCD-93E2-E3B085C9AB24}">
+                <p16:designElem xmlns:p16="http://schemas.microsoft.com/office/powerpoint/2015/main" val="1"/>
+              </p:ext>
+            </p:extLst>
+          </p:nvPr>
+        </p:nvSpPr>
+        <p:spPr>
+          <a:xfrm>
+            <a:off x="833002" y="1870075"/>
+            <a:ext cx="9612178" cy="595651"/>
+          </a:xfrm>
+          <a:prstGeom prst="rect">
+            <a:avLst/>
+          </a:prstGeom>
+          <a:noFill/>
+        </p:spPr>
+        <p:txBody>
+          <a:bodyPr wrap="square" rtlCol="0" anchor="t">
+            <a:normAutofit/>
+          </a:bodyPr>
+          <a:lstStyle/>
+          <a:p>
+            <a:pPr marL="0" marR="0" lvl="0" indent="0" algn="l" defTabSz="914400" rtl="0" eaLnBrk="1" fontAlgn="auto" latinLnBrk="0" hangingPunct="1">
+              <a:lnSpc>
+                <a:spcPct val="120000"/>
+              </a:lnSpc>
+              <a:spcBef>
+                <a:spcPts val="0"/>
+              </a:spcBef>
+              <a:spcAft>
+                <a:spcPts val="0"/>
+              </a:spcAft>
+              <a:buClrTx/>
+              <a:buSzTx/>
+              <a:buFontTx/>
+              <a:buNone/>
+              <a:tabLst/>
+              <a:defRPr/>
+            </a:pPr>
+            <a:endParaRPr kumimoji="0" lang="en-US" sz="2000" b="0" i="0" u="none" strike="noStrike" kern="1200" cap="none" spc="0" normalizeH="0" baseline="0" noProof="0" dirty="0">
+              <a:ln>
+                <a:noFill/>
+              </a:ln>
+              <a:solidFill>
+                <a:srgbClr val="FFC000"/>
+              </a:solidFill>
+              <a:effectLst/>
+              <a:uLnTx/>
+              <a:uFillTx/>
+              <a:latin typeface="Calibri" panose="020F0502020204030204"/>
+              <a:ea typeface="+mn-ea"/>
+              <a:cs typeface="+mn-cs"/>
+            </a:endParaRPr>
+          </a:p>
+        </p:txBody>
+      </p:sp>
+      <p:sp>
+        <p:nvSpPr>
+          <p:cNvPr id="3" name="Content Placeholder 2">
+            <a:extLst>
+              <a:ext uri="{FF2B5EF4-FFF2-40B4-BE49-F238E27FC236}">
+                <a16:creationId xmlns:a16="http://schemas.microsoft.com/office/drawing/2014/main" id="{3168F923-995A-48DE-A809-6BEE2047702F}"/>
+              </a:ext>
+            </a:extLst>
+          </p:cNvPr>
+          <p:cNvSpPr>
+            <a:spLocks noGrp="1"/>
+          </p:cNvSpPr>
+          <p:nvPr>
+            <p:ph idx="1"/>
+          </p:nvPr>
+        </p:nvSpPr>
+        <p:spPr>
+          <a:xfrm>
+            <a:off x="2808514" y="2117929"/>
+            <a:ext cx="6270075" cy="3967282"/>
+          </a:xfrm>
+        </p:spPr>
+        <p:txBody>
+          <a:bodyPr>
+            <a:normAutofit/>
+          </a:bodyPr>
+          <a:lstStyle/>
+          <a:p>
+            <a:r>
+              <a:rPr lang="en-IN" sz="2000" dirty="0">
+                <a:solidFill>
+                  <a:srgbClr val="FFFFFF"/>
+                </a:solidFill>
+              </a:rPr>
+              <a:t>Everything used to be function scope</a:t>
+            </a:r>
+          </a:p>
+          <a:p>
+            <a:r>
+              <a:rPr lang="en-IN" sz="2000" dirty="0">
+                <a:solidFill>
+                  <a:srgbClr val="FFFFFF"/>
+                </a:solidFill>
+              </a:rPr>
+              <a:t>With the new ‘let’ and ‘</a:t>
+            </a:r>
+            <a:r>
+              <a:rPr lang="en-IN" sz="2000" dirty="0" err="1">
+                <a:solidFill>
+                  <a:srgbClr val="FFFFFF"/>
+                </a:solidFill>
+              </a:rPr>
+              <a:t>const</a:t>
+            </a:r>
+            <a:r>
+              <a:rPr lang="en-IN" sz="2000" dirty="0">
+                <a:solidFill>
+                  <a:srgbClr val="FFFFFF"/>
+                </a:solidFill>
+              </a:rPr>
+              <a:t>’ keywords, that changed</a:t>
+            </a:r>
+          </a:p>
+          <a:p>
+            <a:r>
+              <a:rPr lang="en-IN" sz="2000" dirty="0">
+                <a:solidFill>
+                  <a:srgbClr val="FFFFFF"/>
+                </a:solidFill>
+              </a:rPr>
+              <a:t>With the invent of ES6 coined the term ‘Block Scope’</a:t>
+            </a:r>
+          </a:p>
+          <a:p>
+            <a:r>
+              <a:rPr lang="en-IN" sz="2000" dirty="0">
+                <a:solidFill>
+                  <a:srgbClr val="FFFFFF"/>
+                </a:solidFill>
+              </a:rPr>
+              <a:t>Block Scope live inside {} </a:t>
+            </a:r>
+          </a:p>
+        </p:txBody>
+      </p:sp>
+    </p:spTree>
+    <p:extLst>
+      <p:ext uri="{BB962C8B-B14F-4D97-AF65-F5344CB8AC3E}">
+        <p14:creationId xmlns:p14="http://schemas.microsoft.com/office/powerpoint/2010/main" val="1790995896"/>
+      </p:ext>
+    </p:extLst>
+  </p:cSld>
+  <p:clrMapOvr>
+    <a:overrideClrMapping bg1="dk1" tx1="lt1" bg2="dk2" tx2="lt2" accent1="accent1" accent2="accent2" accent3="accent3" accent4="accent4" accent5="accent5" accent6="accent6" hlink="hlink" folHlink="folHlink"/>
+  </p:clrMapOvr>
+</p:sld>
+</file>
+
+<file path=ppt/slides/slide11.xml><?xml version="1.0" encoding="utf-8"?>
+<p:sld xmlns:a="http://schemas.openxmlformats.org/drawingml/2006/main" xmlns:r="http://schemas.openxmlformats.org/officeDocument/2006/relationships" xmlns:p="http://schemas.openxmlformats.org/presentationml/2006/main">
+  <p:cSld>
+    <p:bg>
+      <p:bgPr>
+        <a:solidFill>
           <a:schemeClr val="bg1">
             <a:tint val="95000"/>
             <a:satMod val="170000"/>
@@ -4105,7 +4709,7 @@
 </p:sld>
 </file>
 
-<file path=ppt/slides/slide11.xml><?xml version="1.0" encoding="utf-8"?>
+<file path=ppt/slides/slide12.xml><?xml version="1.0" encoding="utf-8"?>
 <p:sld xmlns:a="http://schemas.openxmlformats.org/drawingml/2006/main" xmlns:r="http://schemas.openxmlformats.org/officeDocument/2006/relationships" xmlns:p="http://schemas.openxmlformats.org/presentationml/2006/main">
   <p:cSld>
     <p:bg>
@@ -4402,7 +5006,7 @@
 </p:sld>
 </file>
 
-<file path=ppt/slides/slide12.xml><?xml version="1.0" encoding="utf-8"?>
+<file path=ppt/slides/slide13.xml><?xml version="1.0" encoding="utf-8"?>
 <p:sld xmlns:a="http://schemas.openxmlformats.org/drawingml/2006/main" xmlns:r="http://schemas.openxmlformats.org/officeDocument/2006/relationships" xmlns:p="http://schemas.openxmlformats.org/presentationml/2006/main">
   <p:cSld>
     <p:bg>
@@ -4751,7 +5355,7 @@
 </p:sld>
 </file>
 
-<file path=ppt/slides/slide13.xml><?xml version="1.0" encoding="utf-8"?>
+<file path=ppt/slides/slide14.xml><?xml version="1.0" encoding="utf-8"?>
 <p:sld xmlns:a="http://schemas.openxmlformats.org/drawingml/2006/main" xmlns:r="http://schemas.openxmlformats.org/officeDocument/2006/relationships" xmlns:p="http://schemas.openxmlformats.org/presentationml/2006/main">
   <p:cSld>
     <p:bg>
@@ -5048,13 +5652,13 @@
 </p:sld>
 </file>
 
-<file path=ppt/slides/slide14.xml><?xml version="1.0" encoding="utf-8"?>
+<file path=ppt/slides/slide15.xml><?xml version="1.0" encoding="utf-8"?>
 <p:sld xmlns:a="http://schemas.openxmlformats.org/drawingml/2006/main" xmlns:r="http://schemas.openxmlformats.org/officeDocument/2006/relationships" xmlns:p="http://schemas.openxmlformats.org/presentationml/2006/main">
   <p:cSld>
     <p:bg>
       <p:bgPr>
         <a:solidFill>
-          <a:schemeClr val="bg1"/>
+          <a:srgbClr val="404040"/>
         </a:solidFill>
         <a:effectLst/>
       </p:bgPr>
@@ -5075,10 +5679,10 @@
       </p:grpSpPr>
       <p:sp>
         <p:nvSpPr>
-          <p:cNvPr id="8" name="Down Arrow 7">
-            <a:extLst>
-              <a:ext uri="{FF2B5EF4-FFF2-40B4-BE49-F238E27FC236}">
-                <a16:creationId xmlns:a16="http://schemas.microsoft.com/office/drawing/2014/main" id="{B547373F-AF2E-4907-B442-9F902B387FD0}"/>
+          <p:cNvPr id="25" name="Rectangle 12">
+            <a:extLst>
+              <a:ext uri="{FF2B5EF4-FFF2-40B4-BE49-F238E27FC236}">
+                <a16:creationId xmlns:a16="http://schemas.microsoft.com/office/drawing/2014/main" id="{EA67B5B4-3A24-436E-B663-1B2EBFF8A0CD}"/>
               </a:ext>
               <a:ext uri="{C183D7F6-B498-43B3-948B-1728B52AA6E4}">
                 <adec:decorative xmlns:adec="http://schemas.microsoft.com/office/drawing/2017/decorative" val="1"/>
@@ -5098,22 +5702,16 @@
         </p:nvSpPr>
         <p:spPr>
           <a:xfrm>
-            <a:off x="800100" y="-4763"/>
-            <a:ext cx="3333749" cy="3338514"/>
+            <a:off x="0" y="-3324"/>
+            <a:ext cx="12192000" cy="6861324"/>
           </a:xfrm>
-          <a:prstGeom prst="downArrow">
-            <a:avLst>
-              <a:gd name="adj1" fmla="val 100000"/>
-              <a:gd name="adj2" fmla="val 26890"/>
-            </a:avLst>
+          <a:prstGeom prst="rect">
+            <a:avLst/>
           </a:prstGeom>
           <a:solidFill>
-            <a:schemeClr val="tx1">
-              <a:lumMod val="85000"/>
-              <a:lumOff val="15000"/>
-            </a:schemeClr>
+            <a:srgbClr val="404040"/>
           </a:solidFill>
-          <a:ln w="53975">
+          <a:ln>
             <a:noFill/>
           </a:ln>
         </p:spPr>
@@ -5144,6 +5742,240 @@
       </p:sp>
       <p:sp>
         <p:nvSpPr>
+          <p:cNvPr id="26" name="Freeform 13">
+            <a:extLst>
+              <a:ext uri="{FF2B5EF4-FFF2-40B4-BE49-F238E27FC236}">
+                <a16:creationId xmlns:a16="http://schemas.microsoft.com/office/drawing/2014/main" id="{987FDF89-C993-41F4-A1B8-DBAFF16008A9}"/>
+              </a:ext>
+              <a:ext uri="{C183D7F6-B498-43B3-948B-1728B52AA6E4}">
+                <adec:decorative xmlns:adec="http://schemas.microsoft.com/office/drawing/2017/decorative" val="1"/>
+              </a:ext>
+            </a:extLst>
+          </p:cNvPr>
+          <p:cNvSpPr>
+            <a:spLocks noGrp="1" noRot="1" noChangeAspect="1" noMove="1" noResize="1" noEditPoints="1" noAdjustHandles="1" noChangeArrowheads="1" noChangeShapeType="1" noTextEdit="1"/>
+          </p:cNvSpPr>
+          <p:nvPr>
+            <p:extLst>
+              <p:ext uri="{386F3935-93C4-4BCD-93E2-E3B085C9AB24}">
+                <p16:designElem xmlns:p16="http://schemas.microsoft.com/office/powerpoint/2015/main" val="1"/>
+              </p:ext>
+            </p:extLst>
+          </p:nvPr>
+        </p:nvSpPr>
+        <p:spPr>
+          <a:xfrm>
+            <a:off x="0" y="0"/>
+            <a:ext cx="11786754" cy="6858000"/>
+          </a:xfrm>
+          <a:custGeom>
+            <a:avLst/>
+            <a:gdLst>
+              <a:gd name="connsiteX0" fmla="*/ 0 w 11786754"/>
+              <a:gd name="connsiteY0" fmla="*/ 0 h 6858000"/>
+              <a:gd name="connsiteX1" fmla="*/ 8610600 w 11786754"/>
+              <a:gd name="connsiteY1" fmla="*/ 0 h 6858000"/>
+              <a:gd name="connsiteX2" fmla="*/ 11786754 w 11786754"/>
+              <a:gd name="connsiteY2" fmla="*/ 6858000 h 6858000"/>
+              <a:gd name="connsiteX3" fmla="*/ 0 w 11786754"/>
+              <a:gd name="connsiteY3" fmla="*/ 6858000 h 6858000"/>
+            </a:gdLst>
+            <a:ahLst/>
+            <a:cxnLst>
+              <a:cxn ang="0">
+                <a:pos x="connsiteX0" y="connsiteY0"/>
+              </a:cxn>
+              <a:cxn ang="0">
+                <a:pos x="connsiteX1" y="connsiteY1"/>
+              </a:cxn>
+              <a:cxn ang="0">
+                <a:pos x="connsiteX2" y="connsiteY2"/>
+              </a:cxn>
+              <a:cxn ang="0">
+                <a:pos x="connsiteX3" y="connsiteY3"/>
+              </a:cxn>
+            </a:cxnLst>
+            <a:rect l="l" t="t" r="r" b="b"/>
+            <a:pathLst>
+              <a:path w="11786754" h="6858000">
+                <a:moveTo>
+                  <a:pt x="0" y="0"/>
+                </a:moveTo>
+                <a:lnTo>
+                  <a:pt x="8610600" y="0"/>
+                </a:lnTo>
+                <a:lnTo>
+                  <a:pt x="11786754" y="6858000"/>
+                </a:lnTo>
+                <a:lnTo>
+                  <a:pt x="0" y="6858000"/>
+                </a:lnTo>
+                <a:close/>
+              </a:path>
+            </a:pathLst>
+          </a:custGeom>
+          <a:solidFill>
+            <a:srgbClr val="000000">
+              <a:alpha val="29804"/>
+            </a:srgbClr>
+          </a:solidFill>
+          <a:ln>
+            <a:noFill/>
+          </a:ln>
+        </p:spPr>
+        <p:style>
+          <a:lnRef idx="2">
+            <a:schemeClr val="accent1">
+              <a:shade val="50000"/>
+            </a:schemeClr>
+          </a:lnRef>
+          <a:fillRef idx="1">
+            <a:schemeClr val="accent1"/>
+          </a:fillRef>
+          <a:effectRef idx="0">
+            <a:schemeClr val="accent1"/>
+          </a:effectRef>
+          <a:fontRef idx="minor">
+            <a:schemeClr val="lt1"/>
+          </a:fontRef>
+        </p:style>
+        <p:txBody>
+          <a:bodyPr rtlCol="0" anchor="ctr"/>
+          <a:lstStyle/>
+          <a:p>
+            <a:pPr algn="ctr"/>
+            <a:endParaRPr lang="en-US"/>
+          </a:p>
+        </p:txBody>
+      </p:sp>
+      <p:sp>
+        <p:nvSpPr>
+          <p:cNvPr id="27" name="Freeform: Shape 16">
+            <a:extLst>
+              <a:ext uri="{FF2B5EF4-FFF2-40B4-BE49-F238E27FC236}">
+                <a16:creationId xmlns:a16="http://schemas.microsoft.com/office/drawing/2014/main" id="{D1D7179B-FF7C-482F-B3D9-2BE9ED1139F9}"/>
+              </a:ext>
+              <a:ext uri="{C183D7F6-B498-43B3-948B-1728B52AA6E4}">
+                <adec:decorative xmlns:adec="http://schemas.microsoft.com/office/drawing/2017/decorative" val="1"/>
+              </a:ext>
+            </a:extLst>
+          </p:cNvPr>
+          <p:cNvSpPr>
+            <a:spLocks noGrp="1" noRot="1" noChangeAspect="1" noMove="1" noResize="1" noEditPoints="1" noAdjustHandles="1" noChangeArrowheads="1" noChangeShapeType="1" noTextEdit="1"/>
+          </p:cNvSpPr>
+          <p:nvPr>
+            <p:extLst>
+              <p:ext uri="{386F3935-93C4-4BCD-93E2-E3B085C9AB24}">
+                <p16:designElem xmlns:p16="http://schemas.microsoft.com/office/powerpoint/2015/main" val="1"/>
+              </p:ext>
+            </p:extLst>
+          </p:nvPr>
+        </p:nvSpPr>
+        <p:spPr>
+          <a:xfrm>
+            <a:off x="0" y="0"/>
+            <a:ext cx="6210300" cy="6858000"/>
+          </a:xfrm>
+          <a:custGeom>
+            <a:avLst/>
+            <a:gdLst>
+              <a:gd name="connsiteX0" fmla="*/ 0 w 6210300"/>
+              <a:gd name="connsiteY0" fmla="*/ 0 h 6858000"/>
+              <a:gd name="connsiteX1" fmla="*/ 2628900 w 6210300"/>
+              <a:gd name="connsiteY1" fmla="*/ 0 h 6858000"/>
+              <a:gd name="connsiteX2" fmla="*/ 3034146 w 6210300"/>
+              <a:gd name="connsiteY2" fmla="*/ 0 h 6858000"/>
+              <a:gd name="connsiteX3" fmla="*/ 6210300 w 6210300"/>
+              <a:gd name="connsiteY3" fmla="*/ 6858000 h 6858000"/>
+              <a:gd name="connsiteX4" fmla="*/ 2628900 w 6210300"/>
+              <a:gd name="connsiteY4" fmla="*/ 6858000 h 6858000"/>
+              <a:gd name="connsiteX5" fmla="*/ 0 w 6210300"/>
+              <a:gd name="connsiteY5" fmla="*/ 6858000 h 6858000"/>
+            </a:gdLst>
+            <a:ahLst/>
+            <a:cxnLst>
+              <a:cxn ang="0">
+                <a:pos x="connsiteX0" y="connsiteY0"/>
+              </a:cxn>
+              <a:cxn ang="0">
+                <a:pos x="connsiteX1" y="connsiteY1"/>
+              </a:cxn>
+              <a:cxn ang="0">
+                <a:pos x="connsiteX2" y="connsiteY2"/>
+              </a:cxn>
+              <a:cxn ang="0">
+                <a:pos x="connsiteX3" y="connsiteY3"/>
+              </a:cxn>
+              <a:cxn ang="0">
+                <a:pos x="connsiteX4" y="connsiteY4"/>
+              </a:cxn>
+              <a:cxn ang="0">
+                <a:pos x="connsiteX5" y="connsiteY5"/>
+              </a:cxn>
+            </a:cxnLst>
+            <a:rect l="l" t="t" r="r" b="b"/>
+            <a:pathLst>
+              <a:path w="6210300" h="6858000">
+                <a:moveTo>
+                  <a:pt x="0" y="0"/>
+                </a:moveTo>
+                <a:lnTo>
+                  <a:pt x="2628900" y="0"/>
+                </a:lnTo>
+                <a:lnTo>
+                  <a:pt x="3034146" y="0"/>
+                </a:lnTo>
+                <a:lnTo>
+                  <a:pt x="6210300" y="6858000"/>
+                </a:lnTo>
+                <a:lnTo>
+                  <a:pt x="2628900" y="6858000"/>
+                </a:lnTo>
+                <a:lnTo>
+                  <a:pt x="0" y="6858000"/>
+                </a:lnTo>
+                <a:close/>
+              </a:path>
+            </a:pathLst>
+          </a:custGeom>
+          <a:solidFill>
+            <a:srgbClr val="000000">
+              <a:alpha val="29804"/>
+            </a:srgbClr>
+          </a:solidFill>
+          <a:ln>
+            <a:noFill/>
+          </a:ln>
+        </p:spPr>
+        <p:style>
+          <a:lnRef idx="2">
+            <a:schemeClr val="accent1">
+              <a:shade val="50000"/>
+            </a:schemeClr>
+          </a:lnRef>
+          <a:fillRef idx="1">
+            <a:schemeClr val="accent1"/>
+          </a:fillRef>
+          <a:effectRef idx="0">
+            <a:schemeClr val="accent1"/>
+          </a:effectRef>
+          <a:fontRef idx="minor">
+            <a:schemeClr val="lt1"/>
+          </a:fontRef>
+        </p:style>
+        <p:txBody>
+          <a:bodyPr wrap="square" rtlCol="0" anchor="ctr">
+            <a:noAutofit/>
+          </a:bodyPr>
+          <a:lstStyle/>
+          <a:p>
+            <a:pPr algn="ctr"/>
+            <a:endParaRPr lang="en-US"/>
+          </a:p>
+        </p:txBody>
+      </p:sp>
+      <p:sp>
+        <p:nvSpPr>
           <p:cNvPr id="2" name="Title 1">
             <a:extLst>
               <a:ext uri="{FF2B5EF4-FFF2-40B4-BE49-F238E27FC236}">
@@ -5160,10 +5992,9 @@
         </p:nvSpPr>
         <p:spPr>
           <a:xfrm>
-            <a:off x="1028700" y="190501"/>
-            <a:ext cx="2886075" cy="2486024"/>
+            <a:off x="833002" y="365125"/>
+            <a:ext cx="3973667" cy="5811837"/>
           </a:xfrm>
-          <a:noFill/>
         </p:spPr>
         <p:txBody>
           <a:bodyPr vert="horz" lIns="91440" tIns="45720" rIns="91440" bIns="45720" rtlCol="0" anchor="ctr">
@@ -5171,15 +6002,139 @@
           </a:bodyPr>
           <a:lstStyle/>
           <a:p>
-            <a:pPr algn="ctr"/>
-            <a:r>
-              <a:rPr lang="en-US" sz="3600">
-                <a:solidFill>
-                  <a:schemeClr val="bg1"/>
-                </a:solidFill>
+            <a:r>
+              <a:rPr lang="en-US" kern="1200" dirty="0">
+                <a:solidFill>
+                  <a:srgbClr val="FFFFFF"/>
+                </a:solidFill>
+                <a:latin typeface="+mj-lt"/>
+                <a:ea typeface="+mj-ea"/>
+                <a:cs typeface="+mj-cs"/>
               </a:rPr>
               <a:t>Prototypal Inheritance vs Class based inheritance</a:t>
             </a:r>
+          </a:p>
+        </p:txBody>
+      </p:sp>
+      <p:sp>
+        <p:nvSpPr>
+          <p:cNvPr id="3" name="TextBox 2">
+            <a:extLst>
+              <a:ext uri="{FF2B5EF4-FFF2-40B4-BE49-F238E27FC236}">
+                <a16:creationId xmlns:a16="http://schemas.microsoft.com/office/drawing/2014/main" id="{89740180-4537-417C-8890-1243CAEC6DFA}"/>
+              </a:ext>
+            </a:extLst>
+          </p:cNvPr>
+          <p:cNvSpPr txBox="1"/>
+          <p:nvPr/>
+        </p:nvSpPr>
+        <p:spPr>
+          <a:xfrm>
+            <a:off x="5356927" y="365125"/>
+            <a:ext cx="5996871" cy="5811837"/>
+          </a:xfrm>
+          <a:prstGeom prst="rect">
+            <a:avLst/>
+          </a:prstGeom>
+        </p:spPr>
+        <p:txBody>
+          <a:bodyPr vert="horz" lIns="91440" tIns="45720" rIns="91440" bIns="45720" rtlCol="0" anchor="ctr">
+            <a:normAutofit/>
+          </a:bodyPr>
+          <a:lstStyle/>
+          <a:p>
+            <a:pPr marL="285750" indent="-228600">
+              <a:lnSpc>
+                <a:spcPct val="90000"/>
+              </a:lnSpc>
+              <a:spcAft>
+                <a:spcPts val="600"/>
+              </a:spcAft>
+              <a:buFont typeface="Arial" panose="020B0604020202020204" pitchFamily="34" charset="0"/>
+              <a:buChar char="•"/>
+            </a:pPr>
+            <a:r>
+              <a:rPr lang="en-US" sz="2000" dirty="0">
+                <a:solidFill>
+                  <a:srgbClr val="FFFFFF"/>
+                </a:solidFill>
+              </a:rPr>
+              <a:t>Every functional constructor in JS has a special property called prototype </a:t>
+            </a:r>
+          </a:p>
+          <a:p>
+            <a:pPr marL="285750" indent="-228600">
+              <a:lnSpc>
+                <a:spcPct val="90000"/>
+              </a:lnSpc>
+              <a:spcAft>
+                <a:spcPts val="600"/>
+              </a:spcAft>
+              <a:buFont typeface="Arial" panose="020B0604020202020204" pitchFamily="34" charset="0"/>
+              <a:buChar char="•"/>
+            </a:pPr>
+            <a:r>
+              <a:rPr lang="en-US" sz="2000" dirty="0">
+                <a:solidFill>
+                  <a:srgbClr val="FFFFFF"/>
+                </a:solidFill>
+              </a:rPr>
+              <a:t>Usually referred as __proto__ when referred via object</a:t>
+            </a:r>
+          </a:p>
+          <a:p>
+            <a:pPr marL="285750" indent="-228600">
+              <a:lnSpc>
+                <a:spcPct val="90000"/>
+              </a:lnSpc>
+              <a:spcAft>
+                <a:spcPts val="600"/>
+              </a:spcAft>
+              <a:buFont typeface="Arial" panose="020B0604020202020204" pitchFamily="34" charset="0"/>
+              <a:buChar char="•"/>
+            </a:pPr>
+            <a:r>
+              <a:rPr lang="en-US" sz="2000" dirty="0">
+                <a:solidFill>
+                  <a:srgbClr val="FFFFFF"/>
+                </a:solidFill>
+              </a:rPr>
+              <a:t>Prototype isn’t instance specific, i.e. prototype is shared across all the instances</a:t>
+            </a:r>
+          </a:p>
+          <a:p>
+            <a:pPr marL="285750" indent="-228600">
+              <a:lnSpc>
+                <a:spcPct val="90000"/>
+              </a:lnSpc>
+              <a:spcAft>
+                <a:spcPts val="600"/>
+              </a:spcAft>
+              <a:buFont typeface="Arial" panose="020B0604020202020204" pitchFamily="34" charset="0"/>
+              <a:buChar char="•"/>
+            </a:pPr>
+            <a:endParaRPr lang="en-US" sz="2000" dirty="0">
+              <a:solidFill>
+                <a:srgbClr val="FFFFFF"/>
+              </a:solidFill>
+            </a:endParaRPr>
+          </a:p>
+          <a:p>
+            <a:pPr marL="285750" indent="-228600">
+              <a:lnSpc>
+                <a:spcPct val="90000"/>
+              </a:lnSpc>
+              <a:spcAft>
+                <a:spcPts val="600"/>
+              </a:spcAft>
+              <a:buFont typeface="Arial" panose="020B0604020202020204" pitchFamily="34" charset="0"/>
+              <a:buChar char="•"/>
+            </a:pPr>
+            <a:endParaRPr lang="en-US" sz="2000" dirty="0">
+              <a:solidFill>
+                <a:srgbClr val="FFFFFF"/>
+              </a:solidFill>
+            </a:endParaRPr>
           </a:p>
         </p:txBody>
       </p:sp>
@@ -5191,12 +6146,12 @@
     </p:extLst>
   </p:cSld>
   <p:clrMapOvr>
-    <a:masterClrMapping/>
+    <a:overrideClrMapping bg1="dk1" tx1="lt1" bg2="dk2" tx2="lt2" accent1="accent1" accent2="accent2" accent3="accent3" accent4="accent4" accent5="accent5" accent6="accent6" hlink="hlink" folHlink="folHlink"/>
   </p:clrMapOvr>
 </p:sld>
 </file>
 
-<file path=ppt/slides/slide15.xml><?xml version="1.0" encoding="utf-8"?>
+<file path=ppt/slides/slide16.xml><?xml version="1.0" encoding="utf-8"?>
 <p:sld xmlns:a="http://schemas.openxmlformats.org/drawingml/2006/main" xmlns:r="http://schemas.openxmlformats.org/officeDocument/2006/relationships" xmlns:p="http://schemas.openxmlformats.org/presentationml/2006/main">
   <p:cSld>
     <p:bg>
@@ -5523,7 +6478,7 @@
             </a:r>
             <a:r>
               <a:rPr lang="en-IN" sz="2000" dirty="0"/>
-              <a:t>[0], how ?</a:t>
+              <a:t>[0], how ? (Let’s understand with example)</a:t>
             </a:r>
           </a:p>
           <a:p>
@@ -5547,7 +6502,7 @@
 </p:sld>
 </file>
 
-<file path=ppt/slides/slide16.xml><?xml version="1.0" encoding="utf-8"?>
+<file path=ppt/slides/slide17.xml><?xml version="1.0" encoding="utf-8"?>
 <p:sld xmlns:a="http://schemas.openxmlformats.org/drawingml/2006/main" xmlns:r="http://schemas.openxmlformats.org/officeDocument/2006/relationships" xmlns:p="http://schemas.openxmlformats.org/presentationml/2006/main">
   <p:cSld>
     <p:bg>
@@ -6548,7 +7503,7 @@
 </p:sld>
 </file>
 
-<file path=ppt/slides/slide17.xml><?xml version="1.0" encoding="utf-8"?>
+<file path=ppt/slides/slide18.xml><?xml version="1.0" encoding="utf-8"?>
 <p:sld xmlns:a="http://schemas.openxmlformats.org/drawingml/2006/main" xmlns:r="http://schemas.openxmlformats.org/officeDocument/2006/relationships" xmlns:p="http://schemas.openxmlformats.org/presentationml/2006/main">
   <p:cSld>
     <p:bg>
@@ -7112,29 +8067,16 @@
           </a:p>
           <a:p>
             <a:r>
-              <a:rPr lang="en-IN" sz="1800" dirty="0">
-                <a:solidFill>
-                  <a:srgbClr val="FFFFFF"/>
-                </a:solidFill>
-              </a:rPr>
-              <a:t>Why </a:t>
-            </a:r>
-            <a:r>
-              <a:rPr lang="en-IN" sz="1800" dirty="0" err="1">
-                <a:solidFill>
-                  <a:srgbClr val="FFFFFF"/>
-                </a:solidFill>
-              </a:rPr>
-              <a:t>callbacks</a:t>
-            </a:r>
-            <a:r>
-              <a:rPr lang="en-IN" sz="1800" dirty="0">
-                <a:solidFill>
-                  <a:srgbClr val="FFFFFF"/>
-                </a:solidFill>
-              </a:rPr>
-              <a:t> </a:t>
-            </a:r>
+              <a:rPr lang="en-US" sz="1800" i="1" dirty="0"/>
+              <a:t>JavaScript is an event driven language</a:t>
+            </a:r>
+          </a:p>
+          <a:p>
+            <a:r>
+              <a:rPr lang="en-US" sz="1800" i="1" dirty="0"/>
+              <a:t>Instead of waiting for a response before moving on, JavaScript will keep executing while listening for other events</a:t>
+            </a:r>
+            <a:endParaRPr lang="en-IN" sz="1800" i="1" dirty="0"/>
           </a:p>
           <a:p>
             <a:endParaRPr lang="en-IN" sz="1800" dirty="0">
@@ -7165,7 +8107,7 @@
 </p:sld>
 </file>
 
-<file path=ppt/slides/slide18.xml><?xml version="1.0" encoding="utf-8"?>
+<file path=ppt/slides/slide19.xml><?xml version="1.0" encoding="utf-8"?>
 <p:sld xmlns:a="http://schemas.openxmlformats.org/drawingml/2006/main" xmlns:r="http://schemas.openxmlformats.org/officeDocument/2006/relationships" xmlns:p="http://schemas.openxmlformats.org/presentationml/2006/main">
   <p:cSld>
     <p:bg>
@@ -7709,568 +8651,93 @@
           </a:p>
           <a:p>
             <a:r>
-              <a:rPr lang="en-IN" sz="1800" dirty="0">
-                <a:solidFill>
-                  <a:srgbClr val="FFFFFF"/>
-                </a:solidFill>
-              </a:rPr>
-              <a:t>Promises</a:t>
-            </a:r>
-          </a:p>
-          <a:p>
+              <a:rPr lang="en-US" sz="1800" dirty="0"/>
+              <a:t>Easy to manage when dealing with multiple asynchronous operations where callbacks can create callback hell leading to unmanageable code</a:t>
+            </a:r>
             <a:endParaRPr lang="en-IN" sz="1800" dirty="0">
               <a:solidFill>
                 <a:srgbClr val="FFFFFF"/>
               </a:solidFill>
             </a:endParaRPr>
           </a:p>
-        </p:txBody>
-      </p:sp>
-    </p:spTree>
-    <p:extLst>
-      <p:ext uri="{BB962C8B-B14F-4D97-AF65-F5344CB8AC3E}">
-        <p14:creationId xmlns:p14="http://schemas.microsoft.com/office/powerpoint/2010/main" val="1538051281"/>
-      </p:ext>
-    </p:extLst>
-  </p:cSld>
-  <p:clrMapOvr>
-    <a:overrideClrMapping bg1="dk1" tx1="lt1" bg2="dk2" tx2="lt2" accent1="accent1" accent2="accent2" accent3="accent3" accent4="accent4" accent5="accent5" accent6="accent6" hlink="hlink" folHlink="folHlink"/>
-  </p:clrMapOvr>
-</p:sld>
-</file>
-
-<file path=ppt/slides/slide19.xml><?xml version="1.0" encoding="utf-8"?>
-<p:sld xmlns:a="http://schemas.openxmlformats.org/drawingml/2006/main" xmlns:r="http://schemas.openxmlformats.org/officeDocument/2006/relationships" xmlns:p="http://schemas.openxmlformats.org/presentationml/2006/main">
-  <p:cSld>
-    <p:bg>
-      <p:bgPr>
-        <a:solidFill>
-          <a:schemeClr val="bg1"/>
-        </a:solidFill>
-        <a:effectLst/>
-      </p:bgPr>
-    </p:bg>
-    <p:spTree>
-      <p:nvGrpSpPr>
-        <p:cNvPr id="1" name=""/>
-        <p:cNvGrpSpPr/>
-        <p:nvPr/>
-      </p:nvGrpSpPr>
-      <p:grpSpPr>
-        <a:xfrm>
-          <a:off x="0" y="0"/>
-          <a:ext cx="0" cy="0"/>
-          <a:chOff x="0" y="0"/>
-          <a:chExt cx="0" cy="0"/>
-        </a:xfrm>
-      </p:grpSpPr>
-      <p:sp>
-        <p:nvSpPr>
-          <p:cNvPr id="8" name="Rectangle 7">
-            <a:extLst>
-              <a:ext uri="{FF2B5EF4-FFF2-40B4-BE49-F238E27FC236}">
-                <a16:creationId xmlns:a16="http://schemas.microsoft.com/office/drawing/2014/main" id="{EA67B5B4-3A24-436E-B663-1B2EBFF8A0CD}"/>
-              </a:ext>
-              <a:ext uri="{C183D7F6-B498-43B3-948B-1728B52AA6E4}">
-                <adec:decorative xmlns:adec="http://schemas.microsoft.com/office/drawing/2017/decorative" val="1"/>
-              </a:ext>
-            </a:extLst>
-          </p:cNvPr>
-          <p:cNvSpPr>
-            <a:spLocks noGrp="1" noRot="1" noChangeAspect="1" noMove="1" noResize="1" noEditPoints="1" noAdjustHandles="1" noChangeArrowheads="1" noChangeShapeType="1" noTextEdit="1"/>
-          </p:cNvSpPr>
-          <p:nvPr>
-            <p:extLst>
-              <p:ext uri="{386F3935-93C4-4BCD-93E2-E3B085C9AB24}">
-                <p16:designElem xmlns:p16="http://schemas.microsoft.com/office/powerpoint/2015/main" val="1"/>
-              </p:ext>
-            </p:extLst>
-          </p:nvPr>
-        </p:nvSpPr>
-        <p:spPr>
-          <a:xfrm>
-            <a:off x="0" y="-3324"/>
-            <a:ext cx="12192000" cy="6861324"/>
-          </a:xfrm>
-          <a:prstGeom prst="rect">
-            <a:avLst/>
-          </a:prstGeom>
-          <a:solidFill>
-            <a:srgbClr val="404040"/>
-          </a:solidFill>
-          <a:ln>
-            <a:noFill/>
-          </a:ln>
-        </p:spPr>
-        <p:style>
-          <a:lnRef idx="2">
-            <a:schemeClr val="accent1">
-              <a:shade val="50000"/>
-            </a:schemeClr>
-          </a:lnRef>
-          <a:fillRef idx="1">
-            <a:schemeClr val="accent1"/>
-          </a:fillRef>
-          <a:effectRef idx="0">
-            <a:schemeClr val="accent1"/>
-          </a:effectRef>
-          <a:fontRef idx="minor">
-            <a:schemeClr val="lt1"/>
-          </a:fontRef>
-        </p:style>
-        <p:txBody>
-          <a:bodyPr rtlCol="0" anchor="ctr"/>
-          <a:lstStyle/>
-          <a:p>
-            <a:pPr marL="0" marR="0" lvl="0" indent="0" algn="ctr" defTabSz="914400" rtl="0" eaLnBrk="1" fontAlgn="auto" latinLnBrk="0" hangingPunct="1">
-              <a:lnSpc>
-                <a:spcPct val="100000"/>
-              </a:lnSpc>
-              <a:spcBef>
-                <a:spcPts val="0"/>
-              </a:spcBef>
-              <a:spcAft>
-                <a:spcPts val="0"/>
-              </a:spcAft>
-              <a:buClrTx/>
-              <a:buSzTx/>
-              <a:buFontTx/>
-              <a:buNone/>
-              <a:tabLst/>
-              <a:defRPr/>
+          <a:p>
+            <a:r>
+              <a:rPr lang="en-US" sz="1800" dirty="0"/>
+              <a:t>Provides better error handling than callbacks and events</a:t>
+            </a:r>
+          </a:p>
+          <a:p>
+            <a:pPr fontAlgn="base"/>
+            <a:r>
+              <a:rPr lang="en-US" sz="1800" b="1" dirty="0"/>
+              <a:t>A Promise has four states:</a:t>
+            </a:r>
+            <a:endParaRPr lang="en-US" sz="1800" dirty="0"/>
+          </a:p>
+          <a:p>
+            <a:pPr lvl="1" fontAlgn="base">
+              <a:buFont typeface="Courier New" panose="02070309020205020404" pitchFamily="49" charset="0"/>
+              <a:buChar char="o"/>
             </a:pPr>
-            <a:endParaRPr kumimoji="0" lang="en-US" sz="1800" b="0" i="0" u="none" strike="noStrike" kern="1200" cap="none" spc="0" normalizeH="0" baseline="0" noProof="0">
-              <a:ln>
-                <a:noFill/>
-              </a:ln>
-              <a:solidFill>
-                <a:prstClr val="white"/>
-              </a:solidFill>
-              <a:effectLst/>
-              <a:uLnTx/>
-              <a:uFillTx/>
-              <a:latin typeface="Calibri" panose="020F0502020204030204"/>
-              <a:ea typeface="+mn-ea"/>
-              <a:cs typeface="+mn-cs"/>
-            </a:endParaRPr>
-          </a:p>
-        </p:txBody>
-      </p:sp>
-      <p:sp>
-        <p:nvSpPr>
-          <p:cNvPr id="10" name="Freeform 13">
-            <a:extLst>
-              <a:ext uri="{FF2B5EF4-FFF2-40B4-BE49-F238E27FC236}">
-                <a16:creationId xmlns:a16="http://schemas.microsoft.com/office/drawing/2014/main" id="{987FDF89-C993-41F4-A1B8-DBAFF16008A9}"/>
-              </a:ext>
-              <a:ext uri="{C183D7F6-B498-43B3-948B-1728B52AA6E4}">
-                <adec:decorative xmlns:adec="http://schemas.microsoft.com/office/drawing/2017/decorative" val="1"/>
-              </a:ext>
-            </a:extLst>
-          </p:cNvPr>
-          <p:cNvSpPr>
-            <a:spLocks noGrp="1" noRot="1" noChangeAspect="1" noMove="1" noResize="1" noEditPoints="1" noAdjustHandles="1" noChangeArrowheads="1" noChangeShapeType="1" noTextEdit="1"/>
-          </p:cNvSpPr>
-          <p:nvPr>
-            <p:extLst>
-              <p:ext uri="{386F3935-93C4-4BCD-93E2-E3B085C9AB24}">
-                <p16:designElem xmlns:p16="http://schemas.microsoft.com/office/powerpoint/2015/main" val="1"/>
-              </p:ext>
-            </p:extLst>
-          </p:nvPr>
-        </p:nvSpPr>
-        <p:spPr>
-          <a:xfrm>
-            <a:off x="0" y="0"/>
-            <a:ext cx="11960028" cy="6858000"/>
-          </a:xfrm>
-          <a:custGeom>
-            <a:avLst/>
-            <a:gdLst>
-              <a:gd name="connsiteX0" fmla="*/ 0 w 11786754"/>
-              <a:gd name="connsiteY0" fmla="*/ 0 h 6858000"/>
-              <a:gd name="connsiteX1" fmla="*/ 8610600 w 11786754"/>
-              <a:gd name="connsiteY1" fmla="*/ 0 h 6858000"/>
-              <a:gd name="connsiteX2" fmla="*/ 11786754 w 11786754"/>
-              <a:gd name="connsiteY2" fmla="*/ 6858000 h 6858000"/>
-              <a:gd name="connsiteX3" fmla="*/ 0 w 11786754"/>
-              <a:gd name="connsiteY3" fmla="*/ 6858000 h 6858000"/>
-            </a:gdLst>
-            <a:ahLst/>
-            <a:cxnLst>
-              <a:cxn ang="0">
-                <a:pos x="connsiteX0" y="connsiteY0"/>
-              </a:cxn>
-              <a:cxn ang="0">
-                <a:pos x="connsiteX1" y="connsiteY1"/>
-              </a:cxn>
-              <a:cxn ang="0">
-                <a:pos x="connsiteX2" y="connsiteY2"/>
-              </a:cxn>
-              <a:cxn ang="0">
-                <a:pos x="connsiteX3" y="connsiteY3"/>
-              </a:cxn>
-            </a:cxnLst>
-            <a:rect l="l" t="t" r="r" b="b"/>
-            <a:pathLst>
-              <a:path w="11786754" h="6858000">
-                <a:moveTo>
-                  <a:pt x="0" y="0"/>
-                </a:moveTo>
-                <a:lnTo>
-                  <a:pt x="8610600" y="0"/>
-                </a:lnTo>
-                <a:lnTo>
-                  <a:pt x="11786754" y="6858000"/>
-                </a:lnTo>
-                <a:lnTo>
-                  <a:pt x="0" y="6858000"/>
-                </a:lnTo>
-                <a:close/>
-              </a:path>
-            </a:pathLst>
-          </a:custGeom>
-          <a:solidFill>
-            <a:srgbClr val="000000">
-              <a:alpha val="29804"/>
-            </a:srgbClr>
-          </a:solidFill>
-          <a:ln>
-            <a:noFill/>
-          </a:ln>
-        </p:spPr>
-        <p:style>
-          <a:lnRef idx="2">
-            <a:schemeClr val="accent1">
-              <a:shade val="50000"/>
-            </a:schemeClr>
-          </a:lnRef>
-          <a:fillRef idx="1">
-            <a:schemeClr val="accent1"/>
-          </a:fillRef>
-          <a:effectRef idx="0">
-            <a:schemeClr val="accent1"/>
-          </a:effectRef>
-          <a:fontRef idx="minor">
-            <a:schemeClr val="lt1"/>
-          </a:fontRef>
-        </p:style>
-        <p:txBody>
-          <a:bodyPr rtlCol="0" anchor="ctr"/>
-          <a:lstStyle/>
-          <a:p>
-            <a:pPr marL="0" marR="0" lvl="0" indent="0" algn="ctr" defTabSz="914400" rtl="0" eaLnBrk="1" fontAlgn="auto" latinLnBrk="0" hangingPunct="1">
-              <a:lnSpc>
-                <a:spcPct val="100000"/>
-              </a:lnSpc>
-              <a:spcBef>
-                <a:spcPts val="0"/>
-              </a:spcBef>
-              <a:spcAft>
-                <a:spcPts val="0"/>
-              </a:spcAft>
-              <a:buClrTx/>
-              <a:buSzTx/>
-              <a:buFontTx/>
-              <a:buNone/>
-              <a:tabLst/>
-              <a:defRPr/>
+            <a:r>
+              <a:rPr lang="en-US" sz="1800" b="1" dirty="0"/>
+              <a:t>fulfilled</a:t>
+            </a:r>
+            <a:r>
+              <a:rPr lang="en-US" sz="1800" dirty="0"/>
+              <a:t>: Action related to the promise succeeded</a:t>
+            </a:r>
+          </a:p>
+          <a:p>
+            <a:pPr lvl="1" fontAlgn="base">
+              <a:buFont typeface="Courier New" panose="02070309020205020404" pitchFamily="49" charset="0"/>
+              <a:buChar char="o"/>
             </a:pPr>
-            <a:endParaRPr kumimoji="0" lang="en-US" sz="1800" b="0" i="0" u="none" strike="noStrike" kern="1200" cap="none" spc="0" normalizeH="0" baseline="0" noProof="0">
-              <a:ln>
-                <a:noFill/>
-              </a:ln>
-              <a:solidFill>
-                <a:prstClr val="white"/>
-              </a:solidFill>
-              <a:effectLst/>
-              <a:uLnTx/>
-              <a:uFillTx/>
-              <a:latin typeface="Calibri" panose="020F0502020204030204"/>
-              <a:ea typeface="+mn-ea"/>
-              <a:cs typeface="+mn-cs"/>
-            </a:endParaRPr>
-          </a:p>
-        </p:txBody>
-      </p:sp>
-      <p:sp>
-        <p:nvSpPr>
-          <p:cNvPr id="12" name="Freeform: Shape 11">
-            <a:extLst>
-              <a:ext uri="{FF2B5EF4-FFF2-40B4-BE49-F238E27FC236}">
-                <a16:creationId xmlns:a16="http://schemas.microsoft.com/office/drawing/2014/main" id="{9FA64B84-CE2D-4179-B018-A71AC174C71C}"/>
-              </a:ext>
-              <a:ext uri="{C183D7F6-B498-43B3-948B-1728B52AA6E4}">
-                <adec:decorative xmlns:adec="http://schemas.microsoft.com/office/drawing/2017/decorative" val="1"/>
-              </a:ext>
-            </a:extLst>
-          </p:cNvPr>
-          <p:cNvSpPr>
-            <a:spLocks noGrp="1" noRot="1" noChangeAspect="1" noMove="1" noResize="1" noEditPoints="1" noAdjustHandles="1" noChangeArrowheads="1" noChangeShapeType="1" noTextEdit="1"/>
-          </p:cNvSpPr>
-          <p:nvPr>
-            <p:extLst>
-              <p:ext uri="{386F3935-93C4-4BCD-93E2-E3B085C9AB24}">
-                <p16:designElem xmlns:p16="http://schemas.microsoft.com/office/powerpoint/2015/main" val="1"/>
-              </p:ext>
-            </p:extLst>
-          </p:nvPr>
-        </p:nvSpPr>
-        <p:spPr>
-          <a:xfrm>
-            <a:off x="0" y="0"/>
-            <a:ext cx="3459632" cy="6858000"/>
-          </a:xfrm>
-          <a:custGeom>
-            <a:avLst/>
-            <a:gdLst>
-              <a:gd name="connsiteX0" fmla="*/ 0 w 3459632"/>
-              <a:gd name="connsiteY0" fmla="*/ 0 h 6858000"/>
-              <a:gd name="connsiteX1" fmla="*/ 283478 w 3459632"/>
-              <a:gd name="connsiteY1" fmla="*/ 0 h 6858000"/>
-              <a:gd name="connsiteX2" fmla="*/ 3459632 w 3459632"/>
-              <a:gd name="connsiteY2" fmla="*/ 6858000 h 6858000"/>
-              <a:gd name="connsiteX3" fmla="*/ 0 w 3459632"/>
-              <a:gd name="connsiteY3" fmla="*/ 6858000 h 6858000"/>
-            </a:gdLst>
-            <a:ahLst/>
-            <a:cxnLst>
-              <a:cxn ang="0">
-                <a:pos x="connsiteX0" y="connsiteY0"/>
-              </a:cxn>
-              <a:cxn ang="0">
-                <a:pos x="connsiteX1" y="connsiteY1"/>
-              </a:cxn>
-              <a:cxn ang="0">
-                <a:pos x="connsiteX2" y="connsiteY2"/>
-              </a:cxn>
-              <a:cxn ang="0">
-                <a:pos x="connsiteX3" y="connsiteY3"/>
-              </a:cxn>
-            </a:cxnLst>
-            <a:rect l="l" t="t" r="r" b="b"/>
-            <a:pathLst>
-              <a:path w="3459632" h="6858000">
-                <a:moveTo>
-                  <a:pt x="0" y="0"/>
-                </a:moveTo>
-                <a:lnTo>
-                  <a:pt x="283478" y="0"/>
-                </a:lnTo>
-                <a:lnTo>
-                  <a:pt x="3459632" y="6858000"/>
-                </a:lnTo>
-                <a:lnTo>
-                  <a:pt x="0" y="6858000"/>
-                </a:lnTo>
-                <a:close/>
-              </a:path>
-            </a:pathLst>
-          </a:custGeom>
-          <a:solidFill>
-            <a:srgbClr val="000000">
-              <a:alpha val="29804"/>
-            </a:srgbClr>
-          </a:solidFill>
-          <a:ln>
-            <a:noFill/>
-          </a:ln>
-        </p:spPr>
-        <p:style>
-          <a:lnRef idx="2">
-            <a:schemeClr val="accent1">
-              <a:shade val="50000"/>
-            </a:schemeClr>
-          </a:lnRef>
-          <a:fillRef idx="1">
-            <a:schemeClr val="accent1"/>
-          </a:fillRef>
-          <a:effectRef idx="0">
-            <a:schemeClr val="accent1"/>
-          </a:effectRef>
-          <a:fontRef idx="minor">
-            <a:schemeClr val="lt1"/>
-          </a:fontRef>
-        </p:style>
-        <p:txBody>
-          <a:bodyPr wrap="square" rtlCol="0" anchor="ctr">
-            <a:noAutofit/>
-          </a:bodyPr>
-          <a:lstStyle/>
-          <a:p>
-            <a:pPr marL="0" marR="0" lvl="0" indent="0" algn="ctr" defTabSz="914400" rtl="0" eaLnBrk="1" fontAlgn="auto" latinLnBrk="0" hangingPunct="1">
-              <a:lnSpc>
-                <a:spcPct val="100000"/>
-              </a:lnSpc>
-              <a:spcBef>
-                <a:spcPts val="0"/>
-              </a:spcBef>
-              <a:spcAft>
-                <a:spcPts val="0"/>
-              </a:spcAft>
-              <a:buClrTx/>
-              <a:buSzTx/>
-              <a:buFontTx/>
-              <a:buNone/>
-              <a:tabLst/>
-              <a:defRPr/>
+            <a:r>
+              <a:rPr lang="en-US" sz="1800" b="1" dirty="0"/>
+              <a:t>rejected</a:t>
+            </a:r>
+            <a:r>
+              <a:rPr lang="en-US" sz="1800" dirty="0"/>
+              <a:t>: Action related to the promise failed</a:t>
+            </a:r>
+          </a:p>
+          <a:p>
+            <a:pPr lvl="1" fontAlgn="base">
+              <a:buFont typeface="Courier New" panose="02070309020205020404" pitchFamily="49" charset="0"/>
+              <a:buChar char="o"/>
             </a:pPr>
-            <a:endParaRPr kumimoji="0" lang="en-US" sz="1800" b="0" i="0" u="none" strike="noStrike" kern="1200" cap="none" spc="0" normalizeH="0" baseline="0" noProof="0">
-              <a:ln>
-                <a:noFill/>
-              </a:ln>
-              <a:solidFill>
-                <a:prstClr val="white"/>
-              </a:solidFill>
-              <a:effectLst/>
-              <a:uLnTx/>
-              <a:uFillTx/>
-              <a:latin typeface="Calibri" panose="020F0502020204030204"/>
-              <a:ea typeface="+mn-ea"/>
-              <a:cs typeface="+mn-cs"/>
-            </a:endParaRPr>
-          </a:p>
-        </p:txBody>
-      </p:sp>
-      <p:sp>
-        <p:nvSpPr>
-          <p:cNvPr id="2" name="Title 1">
-            <a:extLst>
-              <a:ext uri="{FF2B5EF4-FFF2-40B4-BE49-F238E27FC236}">
-                <a16:creationId xmlns:a16="http://schemas.microsoft.com/office/drawing/2014/main" id="{6599601C-081B-4C5C-99AD-A3BC432AE29C}"/>
-              </a:ext>
-            </a:extLst>
-          </p:cNvPr>
-          <p:cNvSpPr>
-            <a:spLocks noGrp="1"/>
-          </p:cNvSpPr>
-          <p:nvPr>
-            <p:ph type="title"/>
-          </p:nvPr>
-        </p:nvSpPr>
-        <p:spPr>
-          <a:xfrm>
-            <a:off x="3111963" y="0"/>
-            <a:ext cx="5968074" cy="949593"/>
-          </a:xfrm>
-        </p:spPr>
-        <p:txBody>
-          <a:bodyPr>
-            <a:normAutofit/>
-          </a:bodyPr>
-          <a:lstStyle/>
-          <a:p>
-            <a:r>
-              <a:rPr lang="en-IN" dirty="0">
-                <a:solidFill>
-                  <a:srgbClr val="FFFFFF"/>
-                </a:solidFill>
-              </a:rPr>
-              <a:t>Async / Await</a:t>
-            </a:r>
-          </a:p>
-        </p:txBody>
-      </p:sp>
-      <p:sp>
-        <p:nvSpPr>
-          <p:cNvPr id="14" name="TextBox 13">
-            <a:extLst>
-              <a:ext uri="{FF2B5EF4-FFF2-40B4-BE49-F238E27FC236}">
-                <a16:creationId xmlns:a16="http://schemas.microsoft.com/office/drawing/2014/main" id="{4795A2E2-224B-4FA0-B323-9E61AD30697F}"/>
-              </a:ext>
-              <a:ext uri="{C183D7F6-B498-43B3-948B-1728B52AA6E4}">
-                <adec:decorative xmlns:adec="http://schemas.microsoft.com/office/drawing/2017/decorative" val="1"/>
-              </a:ext>
-            </a:extLst>
-          </p:cNvPr>
-          <p:cNvSpPr txBox="1">
-            <a:spLocks noGrp="1" noRot="1" noChangeAspect="1" noMove="1" noResize="1" noEditPoints="1" noAdjustHandles="1" noChangeArrowheads="1" noChangeShapeType="1" noTextEdit="1"/>
-          </p:cNvSpPr>
-          <p:nvPr>
-            <p:extLst>
-              <p:ext uri="{386F3935-93C4-4BCD-93E2-E3B085C9AB24}">
-                <p16:designElem xmlns:p16="http://schemas.microsoft.com/office/powerpoint/2015/main" val="1"/>
-              </p:ext>
-            </p:extLst>
-          </p:nvPr>
-        </p:nvSpPr>
-        <p:spPr>
-          <a:xfrm>
-            <a:off x="833002" y="1870075"/>
-            <a:ext cx="9612178" cy="595651"/>
-          </a:xfrm>
-          <a:prstGeom prst="rect">
-            <a:avLst/>
-          </a:prstGeom>
-          <a:noFill/>
-        </p:spPr>
-        <p:txBody>
-          <a:bodyPr wrap="square" rtlCol="0" anchor="t">
-            <a:normAutofit/>
-          </a:bodyPr>
-          <a:lstStyle/>
-          <a:p>
-            <a:pPr marL="0" marR="0" lvl="0" indent="0" algn="l" defTabSz="914400" rtl="0" eaLnBrk="1" fontAlgn="auto" latinLnBrk="0" hangingPunct="1">
-              <a:lnSpc>
-                <a:spcPct val="120000"/>
-              </a:lnSpc>
-              <a:spcBef>
-                <a:spcPts val="0"/>
-              </a:spcBef>
-              <a:spcAft>
-                <a:spcPts val="0"/>
-              </a:spcAft>
-              <a:buClrTx/>
-              <a:buSzTx/>
-              <a:buFontTx/>
-              <a:buNone/>
-              <a:tabLst/>
-              <a:defRPr/>
+            <a:r>
+              <a:rPr lang="en-US" sz="1800" b="1" dirty="0"/>
+              <a:t>pending</a:t>
+            </a:r>
+            <a:r>
+              <a:rPr lang="en-US" sz="1800" dirty="0"/>
+              <a:t>: Promise is still pending </a:t>
+            </a:r>
+            <a:r>
+              <a:rPr lang="en-US" sz="1800" dirty="0" err="1"/>
+              <a:t>i.e</a:t>
+            </a:r>
+            <a:r>
+              <a:rPr lang="en-US" sz="1800" dirty="0"/>
+              <a:t> not fulfilled or rejected yet</a:t>
+            </a:r>
+          </a:p>
+          <a:p>
+            <a:pPr lvl="1" fontAlgn="base">
+              <a:buFont typeface="Courier New" panose="02070309020205020404" pitchFamily="49" charset="0"/>
+              <a:buChar char="o"/>
             </a:pPr>
-            <a:endParaRPr kumimoji="0" lang="en-US" sz="2000" b="0" i="0" u="none" strike="noStrike" kern="1200" cap="none" spc="0" normalizeH="0" baseline="0" noProof="0" dirty="0">
-              <a:ln>
-                <a:noFill/>
-              </a:ln>
-              <a:solidFill>
-                <a:srgbClr val="FFC000"/>
-              </a:solidFill>
-              <a:effectLst/>
-              <a:uLnTx/>
-              <a:uFillTx/>
-              <a:latin typeface="Calibri" panose="020F0502020204030204"/>
-              <a:ea typeface="+mn-ea"/>
-              <a:cs typeface="+mn-cs"/>
-            </a:endParaRPr>
-          </a:p>
-        </p:txBody>
-      </p:sp>
-      <p:sp>
-        <p:nvSpPr>
-          <p:cNvPr id="3" name="Content Placeholder 2">
-            <a:extLst>
-              <a:ext uri="{FF2B5EF4-FFF2-40B4-BE49-F238E27FC236}">
-                <a16:creationId xmlns:a16="http://schemas.microsoft.com/office/drawing/2014/main" id="{37F319FF-7163-4F0F-AB17-3B32BC09CC75}"/>
-              </a:ext>
-            </a:extLst>
-          </p:cNvPr>
-          <p:cNvSpPr>
-            <a:spLocks noGrp="1"/>
-          </p:cNvSpPr>
-          <p:nvPr>
-            <p:ph idx="1"/>
-          </p:nvPr>
-        </p:nvSpPr>
-        <p:spPr>
-          <a:xfrm>
-            <a:off x="1746820" y="1787792"/>
-            <a:ext cx="7331769" cy="4784457"/>
-          </a:xfrm>
-        </p:spPr>
-        <p:txBody>
-          <a:bodyPr>
-            <a:normAutofit/>
-          </a:bodyPr>
-          <a:lstStyle/>
+            <a:r>
+              <a:rPr lang="en-US" sz="1800" b="1" dirty="0"/>
+              <a:t>settled</a:t>
+            </a:r>
+            <a:r>
+              <a:rPr lang="en-US" sz="1800" dirty="0"/>
+              <a:t>: Promise has fulfilled or rejected</a:t>
+            </a:r>
+          </a:p>
           <a:p>
             <a:pPr marL="0" indent="0">
               <a:buNone/>
@@ -8281,59 +8748,12 @@
               </a:solidFill>
             </a:endParaRPr>
           </a:p>
-          <a:p>
-            <a:r>
-              <a:rPr lang="en-US" sz="1800" i="1" dirty="0"/>
-              <a:t>Async / Await facilitates us by letting us write asynchronous code in synchronous way</a:t>
-            </a:r>
-          </a:p>
-          <a:p>
-            <a:r>
-              <a:rPr lang="en-IN" sz="1800" dirty="0">
-                <a:solidFill>
-                  <a:srgbClr val="FFFFFF"/>
-                </a:solidFill>
-              </a:rPr>
-              <a:t>A function need to be labelled async in order to use await inside </a:t>
-            </a:r>
-          </a:p>
-          <a:p>
-            <a:r>
-              <a:rPr lang="en-IN" sz="1800" dirty="0">
-                <a:solidFill>
-                  <a:srgbClr val="FFFFFF"/>
-                </a:solidFill>
-              </a:rPr>
-              <a:t>Its basically a more elegant way to handle promises</a:t>
-            </a:r>
-          </a:p>
-          <a:p>
-            <a:endParaRPr lang="en-IN" sz="1800" dirty="0">
-              <a:solidFill>
-                <a:srgbClr val="FFFFFF"/>
-              </a:solidFill>
-            </a:endParaRPr>
-          </a:p>
-          <a:p>
-            <a:endParaRPr lang="en-IN" sz="1800" dirty="0">
-              <a:solidFill>
-                <a:srgbClr val="FFFFFF"/>
-              </a:solidFill>
-            </a:endParaRPr>
-          </a:p>
-          <a:p>
-            <a:endParaRPr lang="en-IN" sz="1800" dirty="0">
-              <a:solidFill>
-                <a:srgbClr val="FFFFFF"/>
-              </a:solidFill>
-            </a:endParaRPr>
-          </a:p>
         </p:txBody>
       </p:sp>
     </p:spTree>
     <p:extLst>
       <p:ext uri="{BB962C8B-B14F-4D97-AF65-F5344CB8AC3E}">
-        <p14:creationId xmlns:p14="http://schemas.microsoft.com/office/powerpoint/2010/main" val="282016303"/>
+        <p14:creationId xmlns:p14="http://schemas.microsoft.com/office/powerpoint/2010/main" val="1538051281"/>
       </p:ext>
     </p:extLst>
   </p:cSld>
@@ -8728,6 +9148,610 @@
 </p:sld>
 </file>
 
+<file path=ppt/slides/slide20.xml><?xml version="1.0" encoding="utf-8"?>
+<p:sld xmlns:a="http://schemas.openxmlformats.org/drawingml/2006/main" xmlns:r="http://schemas.openxmlformats.org/officeDocument/2006/relationships" xmlns:p="http://schemas.openxmlformats.org/presentationml/2006/main">
+  <p:cSld>
+    <p:bg>
+      <p:bgPr>
+        <a:solidFill>
+          <a:schemeClr val="bg1"/>
+        </a:solidFill>
+        <a:effectLst/>
+      </p:bgPr>
+    </p:bg>
+    <p:spTree>
+      <p:nvGrpSpPr>
+        <p:cNvPr id="1" name=""/>
+        <p:cNvGrpSpPr/>
+        <p:nvPr/>
+      </p:nvGrpSpPr>
+      <p:grpSpPr>
+        <a:xfrm>
+          <a:off x="0" y="0"/>
+          <a:ext cx="0" cy="0"/>
+          <a:chOff x="0" y="0"/>
+          <a:chExt cx="0" cy="0"/>
+        </a:xfrm>
+      </p:grpSpPr>
+      <p:sp>
+        <p:nvSpPr>
+          <p:cNvPr id="8" name="Rectangle 7">
+            <a:extLst>
+              <a:ext uri="{FF2B5EF4-FFF2-40B4-BE49-F238E27FC236}">
+                <a16:creationId xmlns:a16="http://schemas.microsoft.com/office/drawing/2014/main" id="{EA67B5B4-3A24-436E-B663-1B2EBFF8A0CD}"/>
+              </a:ext>
+              <a:ext uri="{C183D7F6-B498-43B3-948B-1728B52AA6E4}">
+                <adec:decorative xmlns:adec="http://schemas.microsoft.com/office/drawing/2017/decorative" val="1"/>
+              </a:ext>
+            </a:extLst>
+          </p:cNvPr>
+          <p:cNvSpPr>
+            <a:spLocks noGrp="1" noRot="1" noChangeAspect="1" noMove="1" noResize="1" noEditPoints="1" noAdjustHandles="1" noChangeArrowheads="1" noChangeShapeType="1" noTextEdit="1"/>
+          </p:cNvSpPr>
+          <p:nvPr>
+            <p:extLst>
+              <p:ext uri="{386F3935-93C4-4BCD-93E2-E3B085C9AB24}">
+                <p16:designElem xmlns:p16="http://schemas.microsoft.com/office/powerpoint/2015/main" val="1"/>
+              </p:ext>
+            </p:extLst>
+          </p:nvPr>
+        </p:nvSpPr>
+        <p:spPr>
+          <a:xfrm>
+            <a:off x="0" y="-3324"/>
+            <a:ext cx="12192000" cy="6861324"/>
+          </a:xfrm>
+          <a:prstGeom prst="rect">
+            <a:avLst/>
+          </a:prstGeom>
+          <a:solidFill>
+            <a:srgbClr val="404040"/>
+          </a:solidFill>
+          <a:ln>
+            <a:noFill/>
+          </a:ln>
+        </p:spPr>
+        <p:style>
+          <a:lnRef idx="2">
+            <a:schemeClr val="accent1">
+              <a:shade val="50000"/>
+            </a:schemeClr>
+          </a:lnRef>
+          <a:fillRef idx="1">
+            <a:schemeClr val="accent1"/>
+          </a:fillRef>
+          <a:effectRef idx="0">
+            <a:schemeClr val="accent1"/>
+          </a:effectRef>
+          <a:fontRef idx="minor">
+            <a:schemeClr val="lt1"/>
+          </a:fontRef>
+        </p:style>
+        <p:txBody>
+          <a:bodyPr rtlCol="0" anchor="ctr"/>
+          <a:lstStyle/>
+          <a:p>
+            <a:pPr marL="0" marR="0" lvl="0" indent="0" algn="ctr" defTabSz="914400" rtl="0" eaLnBrk="1" fontAlgn="auto" latinLnBrk="0" hangingPunct="1">
+              <a:lnSpc>
+                <a:spcPct val="100000"/>
+              </a:lnSpc>
+              <a:spcBef>
+                <a:spcPts val="0"/>
+              </a:spcBef>
+              <a:spcAft>
+                <a:spcPts val="0"/>
+              </a:spcAft>
+              <a:buClrTx/>
+              <a:buSzTx/>
+              <a:buFontTx/>
+              <a:buNone/>
+              <a:tabLst/>
+              <a:defRPr/>
+            </a:pPr>
+            <a:endParaRPr kumimoji="0" lang="en-US" sz="1800" b="0" i="0" u="none" strike="noStrike" kern="1200" cap="none" spc="0" normalizeH="0" baseline="0" noProof="0">
+              <a:ln>
+                <a:noFill/>
+              </a:ln>
+              <a:solidFill>
+                <a:prstClr val="white"/>
+              </a:solidFill>
+              <a:effectLst/>
+              <a:uLnTx/>
+              <a:uFillTx/>
+              <a:latin typeface="Calibri" panose="020F0502020204030204"/>
+              <a:ea typeface="+mn-ea"/>
+              <a:cs typeface="+mn-cs"/>
+            </a:endParaRPr>
+          </a:p>
+        </p:txBody>
+      </p:sp>
+      <p:sp>
+        <p:nvSpPr>
+          <p:cNvPr id="10" name="Freeform 13">
+            <a:extLst>
+              <a:ext uri="{FF2B5EF4-FFF2-40B4-BE49-F238E27FC236}">
+                <a16:creationId xmlns:a16="http://schemas.microsoft.com/office/drawing/2014/main" id="{987FDF89-C993-41F4-A1B8-DBAFF16008A9}"/>
+              </a:ext>
+              <a:ext uri="{C183D7F6-B498-43B3-948B-1728B52AA6E4}">
+                <adec:decorative xmlns:adec="http://schemas.microsoft.com/office/drawing/2017/decorative" val="1"/>
+              </a:ext>
+            </a:extLst>
+          </p:cNvPr>
+          <p:cNvSpPr>
+            <a:spLocks noGrp="1" noRot="1" noChangeAspect="1" noMove="1" noResize="1" noEditPoints="1" noAdjustHandles="1" noChangeArrowheads="1" noChangeShapeType="1" noTextEdit="1"/>
+          </p:cNvSpPr>
+          <p:nvPr>
+            <p:extLst>
+              <p:ext uri="{386F3935-93C4-4BCD-93E2-E3B085C9AB24}">
+                <p16:designElem xmlns:p16="http://schemas.microsoft.com/office/powerpoint/2015/main" val="1"/>
+              </p:ext>
+            </p:extLst>
+          </p:nvPr>
+        </p:nvSpPr>
+        <p:spPr>
+          <a:xfrm>
+            <a:off x="0" y="0"/>
+            <a:ext cx="11960028" cy="6858000"/>
+          </a:xfrm>
+          <a:custGeom>
+            <a:avLst/>
+            <a:gdLst>
+              <a:gd name="connsiteX0" fmla="*/ 0 w 11786754"/>
+              <a:gd name="connsiteY0" fmla="*/ 0 h 6858000"/>
+              <a:gd name="connsiteX1" fmla="*/ 8610600 w 11786754"/>
+              <a:gd name="connsiteY1" fmla="*/ 0 h 6858000"/>
+              <a:gd name="connsiteX2" fmla="*/ 11786754 w 11786754"/>
+              <a:gd name="connsiteY2" fmla="*/ 6858000 h 6858000"/>
+              <a:gd name="connsiteX3" fmla="*/ 0 w 11786754"/>
+              <a:gd name="connsiteY3" fmla="*/ 6858000 h 6858000"/>
+            </a:gdLst>
+            <a:ahLst/>
+            <a:cxnLst>
+              <a:cxn ang="0">
+                <a:pos x="connsiteX0" y="connsiteY0"/>
+              </a:cxn>
+              <a:cxn ang="0">
+                <a:pos x="connsiteX1" y="connsiteY1"/>
+              </a:cxn>
+              <a:cxn ang="0">
+                <a:pos x="connsiteX2" y="connsiteY2"/>
+              </a:cxn>
+              <a:cxn ang="0">
+                <a:pos x="connsiteX3" y="connsiteY3"/>
+              </a:cxn>
+            </a:cxnLst>
+            <a:rect l="l" t="t" r="r" b="b"/>
+            <a:pathLst>
+              <a:path w="11786754" h="6858000">
+                <a:moveTo>
+                  <a:pt x="0" y="0"/>
+                </a:moveTo>
+                <a:lnTo>
+                  <a:pt x="8610600" y="0"/>
+                </a:lnTo>
+                <a:lnTo>
+                  <a:pt x="11786754" y="6858000"/>
+                </a:lnTo>
+                <a:lnTo>
+                  <a:pt x="0" y="6858000"/>
+                </a:lnTo>
+                <a:close/>
+              </a:path>
+            </a:pathLst>
+          </a:custGeom>
+          <a:solidFill>
+            <a:srgbClr val="000000">
+              <a:alpha val="29804"/>
+            </a:srgbClr>
+          </a:solidFill>
+          <a:ln>
+            <a:noFill/>
+          </a:ln>
+        </p:spPr>
+        <p:style>
+          <a:lnRef idx="2">
+            <a:schemeClr val="accent1">
+              <a:shade val="50000"/>
+            </a:schemeClr>
+          </a:lnRef>
+          <a:fillRef idx="1">
+            <a:schemeClr val="accent1"/>
+          </a:fillRef>
+          <a:effectRef idx="0">
+            <a:schemeClr val="accent1"/>
+          </a:effectRef>
+          <a:fontRef idx="minor">
+            <a:schemeClr val="lt1"/>
+          </a:fontRef>
+        </p:style>
+        <p:txBody>
+          <a:bodyPr rtlCol="0" anchor="ctr"/>
+          <a:lstStyle/>
+          <a:p>
+            <a:pPr marL="0" marR="0" lvl="0" indent="0" algn="ctr" defTabSz="914400" rtl="0" eaLnBrk="1" fontAlgn="auto" latinLnBrk="0" hangingPunct="1">
+              <a:lnSpc>
+                <a:spcPct val="100000"/>
+              </a:lnSpc>
+              <a:spcBef>
+                <a:spcPts val="0"/>
+              </a:spcBef>
+              <a:spcAft>
+                <a:spcPts val="0"/>
+              </a:spcAft>
+              <a:buClrTx/>
+              <a:buSzTx/>
+              <a:buFontTx/>
+              <a:buNone/>
+              <a:tabLst/>
+              <a:defRPr/>
+            </a:pPr>
+            <a:endParaRPr kumimoji="0" lang="en-US" sz="1800" b="0" i="0" u="none" strike="noStrike" kern="1200" cap="none" spc="0" normalizeH="0" baseline="0" noProof="0">
+              <a:ln>
+                <a:noFill/>
+              </a:ln>
+              <a:solidFill>
+                <a:prstClr val="white"/>
+              </a:solidFill>
+              <a:effectLst/>
+              <a:uLnTx/>
+              <a:uFillTx/>
+              <a:latin typeface="Calibri" panose="020F0502020204030204"/>
+              <a:ea typeface="+mn-ea"/>
+              <a:cs typeface="+mn-cs"/>
+            </a:endParaRPr>
+          </a:p>
+        </p:txBody>
+      </p:sp>
+      <p:sp>
+        <p:nvSpPr>
+          <p:cNvPr id="12" name="Freeform: Shape 11">
+            <a:extLst>
+              <a:ext uri="{FF2B5EF4-FFF2-40B4-BE49-F238E27FC236}">
+                <a16:creationId xmlns:a16="http://schemas.microsoft.com/office/drawing/2014/main" id="{9FA64B84-CE2D-4179-B018-A71AC174C71C}"/>
+              </a:ext>
+              <a:ext uri="{C183D7F6-B498-43B3-948B-1728B52AA6E4}">
+                <adec:decorative xmlns:adec="http://schemas.microsoft.com/office/drawing/2017/decorative" val="1"/>
+              </a:ext>
+            </a:extLst>
+          </p:cNvPr>
+          <p:cNvSpPr>
+            <a:spLocks noGrp="1" noRot="1" noChangeAspect="1" noMove="1" noResize="1" noEditPoints="1" noAdjustHandles="1" noChangeArrowheads="1" noChangeShapeType="1" noTextEdit="1"/>
+          </p:cNvSpPr>
+          <p:nvPr>
+            <p:extLst>
+              <p:ext uri="{386F3935-93C4-4BCD-93E2-E3B085C9AB24}">
+                <p16:designElem xmlns:p16="http://schemas.microsoft.com/office/powerpoint/2015/main" val="1"/>
+              </p:ext>
+            </p:extLst>
+          </p:nvPr>
+        </p:nvSpPr>
+        <p:spPr>
+          <a:xfrm>
+            <a:off x="0" y="0"/>
+            <a:ext cx="3459632" cy="6858000"/>
+          </a:xfrm>
+          <a:custGeom>
+            <a:avLst/>
+            <a:gdLst>
+              <a:gd name="connsiteX0" fmla="*/ 0 w 3459632"/>
+              <a:gd name="connsiteY0" fmla="*/ 0 h 6858000"/>
+              <a:gd name="connsiteX1" fmla="*/ 283478 w 3459632"/>
+              <a:gd name="connsiteY1" fmla="*/ 0 h 6858000"/>
+              <a:gd name="connsiteX2" fmla="*/ 3459632 w 3459632"/>
+              <a:gd name="connsiteY2" fmla="*/ 6858000 h 6858000"/>
+              <a:gd name="connsiteX3" fmla="*/ 0 w 3459632"/>
+              <a:gd name="connsiteY3" fmla="*/ 6858000 h 6858000"/>
+            </a:gdLst>
+            <a:ahLst/>
+            <a:cxnLst>
+              <a:cxn ang="0">
+                <a:pos x="connsiteX0" y="connsiteY0"/>
+              </a:cxn>
+              <a:cxn ang="0">
+                <a:pos x="connsiteX1" y="connsiteY1"/>
+              </a:cxn>
+              <a:cxn ang="0">
+                <a:pos x="connsiteX2" y="connsiteY2"/>
+              </a:cxn>
+              <a:cxn ang="0">
+                <a:pos x="connsiteX3" y="connsiteY3"/>
+              </a:cxn>
+            </a:cxnLst>
+            <a:rect l="l" t="t" r="r" b="b"/>
+            <a:pathLst>
+              <a:path w="3459632" h="6858000">
+                <a:moveTo>
+                  <a:pt x="0" y="0"/>
+                </a:moveTo>
+                <a:lnTo>
+                  <a:pt x="283478" y="0"/>
+                </a:lnTo>
+                <a:lnTo>
+                  <a:pt x="3459632" y="6858000"/>
+                </a:lnTo>
+                <a:lnTo>
+                  <a:pt x="0" y="6858000"/>
+                </a:lnTo>
+                <a:close/>
+              </a:path>
+            </a:pathLst>
+          </a:custGeom>
+          <a:solidFill>
+            <a:srgbClr val="000000">
+              <a:alpha val="29804"/>
+            </a:srgbClr>
+          </a:solidFill>
+          <a:ln>
+            <a:noFill/>
+          </a:ln>
+        </p:spPr>
+        <p:style>
+          <a:lnRef idx="2">
+            <a:schemeClr val="accent1">
+              <a:shade val="50000"/>
+            </a:schemeClr>
+          </a:lnRef>
+          <a:fillRef idx="1">
+            <a:schemeClr val="accent1"/>
+          </a:fillRef>
+          <a:effectRef idx="0">
+            <a:schemeClr val="accent1"/>
+          </a:effectRef>
+          <a:fontRef idx="minor">
+            <a:schemeClr val="lt1"/>
+          </a:fontRef>
+        </p:style>
+        <p:txBody>
+          <a:bodyPr wrap="square" rtlCol="0" anchor="ctr">
+            <a:noAutofit/>
+          </a:bodyPr>
+          <a:lstStyle/>
+          <a:p>
+            <a:pPr marL="0" marR="0" lvl="0" indent="0" algn="ctr" defTabSz="914400" rtl="0" eaLnBrk="1" fontAlgn="auto" latinLnBrk="0" hangingPunct="1">
+              <a:lnSpc>
+                <a:spcPct val="100000"/>
+              </a:lnSpc>
+              <a:spcBef>
+                <a:spcPts val="0"/>
+              </a:spcBef>
+              <a:spcAft>
+                <a:spcPts val="0"/>
+              </a:spcAft>
+              <a:buClrTx/>
+              <a:buSzTx/>
+              <a:buFontTx/>
+              <a:buNone/>
+              <a:tabLst/>
+              <a:defRPr/>
+            </a:pPr>
+            <a:endParaRPr kumimoji="0" lang="en-US" sz="1800" b="0" i="0" u="none" strike="noStrike" kern="1200" cap="none" spc="0" normalizeH="0" baseline="0" noProof="0">
+              <a:ln>
+                <a:noFill/>
+              </a:ln>
+              <a:solidFill>
+                <a:prstClr val="white"/>
+              </a:solidFill>
+              <a:effectLst/>
+              <a:uLnTx/>
+              <a:uFillTx/>
+              <a:latin typeface="Calibri" panose="020F0502020204030204"/>
+              <a:ea typeface="+mn-ea"/>
+              <a:cs typeface="+mn-cs"/>
+            </a:endParaRPr>
+          </a:p>
+        </p:txBody>
+      </p:sp>
+      <p:sp>
+        <p:nvSpPr>
+          <p:cNvPr id="2" name="Title 1">
+            <a:extLst>
+              <a:ext uri="{FF2B5EF4-FFF2-40B4-BE49-F238E27FC236}">
+                <a16:creationId xmlns:a16="http://schemas.microsoft.com/office/drawing/2014/main" id="{6599601C-081B-4C5C-99AD-A3BC432AE29C}"/>
+              </a:ext>
+            </a:extLst>
+          </p:cNvPr>
+          <p:cNvSpPr>
+            <a:spLocks noGrp="1"/>
+          </p:cNvSpPr>
+          <p:nvPr>
+            <p:ph type="title"/>
+          </p:nvPr>
+        </p:nvSpPr>
+        <p:spPr>
+          <a:xfrm>
+            <a:off x="3111963" y="0"/>
+            <a:ext cx="5968074" cy="949593"/>
+          </a:xfrm>
+        </p:spPr>
+        <p:txBody>
+          <a:bodyPr>
+            <a:normAutofit/>
+          </a:bodyPr>
+          <a:lstStyle/>
+          <a:p>
+            <a:r>
+              <a:rPr lang="en-IN" dirty="0">
+                <a:solidFill>
+                  <a:srgbClr val="FFFFFF"/>
+                </a:solidFill>
+              </a:rPr>
+              <a:t>Async / Await</a:t>
+            </a:r>
+          </a:p>
+        </p:txBody>
+      </p:sp>
+      <p:sp>
+        <p:nvSpPr>
+          <p:cNvPr id="14" name="TextBox 13">
+            <a:extLst>
+              <a:ext uri="{FF2B5EF4-FFF2-40B4-BE49-F238E27FC236}">
+                <a16:creationId xmlns:a16="http://schemas.microsoft.com/office/drawing/2014/main" id="{4795A2E2-224B-4FA0-B323-9E61AD30697F}"/>
+              </a:ext>
+              <a:ext uri="{C183D7F6-B498-43B3-948B-1728B52AA6E4}">
+                <adec:decorative xmlns:adec="http://schemas.microsoft.com/office/drawing/2017/decorative" val="1"/>
+              </a:ext>
+            </a:extLst>
+          </p:cNvPr>
+          <p:cNvSpPr txBox="1">
+            <a:spLocks noGrp="1" noRot="1" noChangeAspect="1" noMove="1" noResize="1" noEditPoints="1" noAdjustHandles="1" noChangeArrowheads="1" noChangeShapeType="1" noTextEdit="1"/>
+          </p:cNvSpPr>
+          <p:nvPr>
+            <p:extLst>
+              <p:ext uri="{386F3935-93C4-4BCD-93E2-E3B085C9AB24}">
+                <p16:designElem xmlns:p16="http://schemas.microsoft.com/office/powerpoint/2015/main" val="1"/>
+              </p:ext>
+            </p:extLst>
+          </p:nvPr>
+        </p:nvSpPr>
+        <p:spPr>
+          <a:xfrm>
+            <a:off x="833002" y="1870075"/>
+            <a:ext cx="9612178" cy="595651"/>
+          </a:xfrm>
+          <a:prstGeom prst="rect">
+            <a:avLst/>
+          </a:prstGeom>
+          <a:noFill/>
+        </p:spPr>
+        <p:txBody>
+          <a:bodyPr wrap="square" rtlCol="0" anchor="t">
+            <a:normAutofit/>
+          </a:bodyPr>
+          <a:lstStyle/>
+          <a:p>
+            <a:pPr marL="0" marR="0" lvl="0" indent="0" algn="l" defTabSz="914400" rtl="0" eaLnBrk="1" fontAlgn="auto" latinLnBrk="0" hangingPunct="1">
+              <a:lnSpc>
+                <a:spcPct val="120000"/>
+              </a:lnSpc>
+              <a:spcBef>
+                <a:spcPts val="0"/>
+              </a:spcBef>
+              <a:spcAft>
+                <a:spcPts val="0"/>
+              </a:spcAft>
+              <a:buClrTx/>
+              <a:buSzTx/>
+              <a:buFontTx/>
+              <a:buNone/>
+              <a:tabLst/>
+              <a:defRPr/>
+            </a:pPr>
+            <a:endParaRPr kumimoji="0" lang="en-US" sz="2000" b="0" i="0" u="none" strike="noStrike" kern="1200" cap="none" spc="0" normalizeH="0" baseline="0" noProof="0" dirty="0">
+              <a:ln>
+                <a:noFill/>
+              </a:ln>
+              <a:solidFill>
+                <a:srgbClr val="FFC000"/>
+              </a:solidFill>
+              <a:effectLst/>
+              <a:uLnTx/>
+              <a:uFillTx/>
+              <a:latin typeface="Calibri" panose="020F0502020204030204"/>
+              <a:ea typeface="+mn-ea"/>
+              <a:cs typeface="+mn-cs"/>
+            </a:endParaRPr>
+          </a:p>
+        </p:txBody>
+      </p:sp>
+      <p:sp>
+        <p:nvSpPr>
+          <p:cNvPr id="3" name="Content Placeholder 2">
+            <a:extLst>
+              <a:ext uri="{FF2B5EF4-FFF2-40B4-BE49-F238E27FC236}">
+                <a16:creationId xmlns:a16="http://schemas.microsoft.com/office/drawing/2014/main" id="{37F319FF-7163-4F0F-AB17-3B32BC09CC75}"/>
+              </a:ext>
+            </a:extLst>
+          </p:cNvPr>
+          <p:cNvSpPr>
+            <a:spLocks noGrp="1"/>
+          </p:cNvSpPr>
+          <p:nvPr>
+            <p:ph idx="1"/>
+          </p:nvPr>
+        </p:nvSpPr>
+        <p:spPr>
+          <a:xfrm>
+            <a:off x="1746820" y="1787792"/>
+            <a:ext cx="7331769" cy="4784457"/>
+          </a:xfrm>
+        </p:spPr>
+        <p:txBody>
+          <a:bodyPr>
+            <a:normAutofit/>
+          </a:bodyPr>
+          <a:lstStyle/>
+          <a:p>
+            <a:pPr marL="0" indent="0">
+              <a:buNone/>
+            </a:pPr>
+            <a:endParaRPr lang="en-IN" sz="1800" dirty="0">
+              <a:solidFill>
+                <a:srgbClr val="FFFFFF"/>
+              </a:solidFill>
+            </a:endParaRPr>
+          </a:p>
+          <a:p>
+            <a:r>
+              <a:rPr lang="en-US" sz="1800" i="1" dirty="0"/>
+              <a:t>Async / Await facilitates us by letting us write asynchronous code in synchronous way</a:t>
+            </a:r>
+          </a:p>
+          <a:p>
+            <a:r>
+              <a:rPr lang="en-IN" sz="1800" dirty="0">
+                <a:solidFill>
+                  <a:srgbClr val="FFFFFF"/>
+                </a:solidFill>
+              </a:rPr>
+              <a:t>A function need to be labelled async in order to use await inside </a:t>
+            </a:r>
+          </a:p>
+          <a:p>
+            <a:r>
+              <a:rPr lang="en-IN" sz="1800" dirty="0">
+                <a:solidFill>
+                  <a:srgbClr val="FFFFFF"/>
+                </a:solidFill>
+              </a:rPr>
+              <a:t>Its basically a more elegant way to handle promises</a:t>
+            </a:r>
+          </a:p>
+          <a:p>
+            <a:endParaRPr lang="en-IN" sz="1800" dirty="0">
+              <a:solidFill>
+                <a:srgbClr val="FFFFFF"/>
+              </a:solidFill>
+            </a:endParaRPr>
+          </a:p>
+          <a:p>
+            <a:endParaRPr lang="en-IN" sz="1800" dirty="0">
+              <a:solidFill>
+                <a:srgbClr val="FFFFFF"/>
+              </a:solidFill>
+            </a:endParaRPr>
+          </a:p>
+          <a:p>
+            <a:endParaRPr lang="en-IN" sz="1800" dirty="0">
+              <a:solidFill>
+                <a:srgbClr val="FFFFFF"/>
+              </a:solidFill>
+            </a:endParaRPr>
+          </a:p>
+        </p:txBody>
+      </p:sp>
+    </p:spTree>
+    <p:extLst>
+      <p:ext uri="{BB962C8B-B14F-4D97-AF65-F5344CB8AC3E}">
+        <p14:creationId xmlns:p14="http://schemas.microsoft.com/office/powerpoint/2010/main" val="282016303"/>
+      </p:ext>
+    </p:extLst>
+  </p:cSld>
+  <p:clrMapOvr>
+    <a:overrideClrMapping bg1="dk1" tx1="lt1" bg2="dk2" tx2="lt2" accent1="accent1" accent2="accent2" accent3="accent3" accent4="accent4" accent5="accent5" accent6="accent6" hlink="hlink" folHlink="folHlink"/>
+  </p:clrMapOvr>
+</p:sld>
+</file>
+
 <file path=ppt/slides/slide3.xml><?xml version="1.0" encoding="utf-8"?>
 <p:sld xmlns:a="http://schemas.openxmlformats.org/drawingml/2006/main" xmlns:r="http://schemas.openxmlformats.org/officeDocument/2006/relationships" xmlns:p="http://schemas.openxmlformats.org/presentationml/2006/main">
   <p:cSld>
@@ -9364,7 +10388,7 @@
           <p:nvPr>
             <p:extLst>
               <p:ext uri="{D42A27DB-BD31-4B8C-83A1-F6EECF244321}">
-                <p14:modId xmlns:p14="http://schemas.microsoft.com/office/powerpoint/2010/main" val="2000435957"/>
+                <p14:modId xmlns:p14="http://schemas.microsoft.com/office/powerpoint/2010/main" val="3178612782"/>
               </p:ext>
             </p:extLst>
           </p:nvPr>
@@ -9666,7 +10690,29 @@
                           <a:ea typeface="+mn-ea"/>
                           <a:cs typeface="+mn-cs"/>
                         </a:rPr>
-                        <a:t>skyrocketed further when Jesse James Garrett presented his paper, where he introduced AJAX (</a:t>
+                        <a:t>skyrocketed further when </a:t>
+                      </a:r>
+                      <a:r>
+                        <a:rPr lang="en-US" sz="1400" b="1" i="1" kern="1200" dirty="0">
+                          <a:solidFill>
+                            <a:schemeClr val="dk1"/>
+                          </a:solidFill>
+                          <a:latin typeface="+mn-lt"/>
+                          <a:ea typeface="+mn-ea"/>
+                          <a:cs typeface="+mn-cs"/>
+                        </a:rPr>
+                        <a:t>Jesse James Garrett</a:t>
+                      </a:r>
+                      <a:r>
+                        <a:rPr lang="en-US" sz="1400" i="1" kern="1200" dirty="0">
+                          <a:solidFill>
+                            <a:schemeClr val="dk1"/>
+                          </a:solidFill>
+                          <a:latin typeface="+mn-lt"/>
+                          <a:ea typeface="+mn-ea"/>
+                          <a:cs typeface="+mn-cs"/>
+                        </a:rPr>
+                        <a:t> presented his paper, where he introduced AJAX (</a:t>
                       </a:r>
                       <a:r>
                         <a:rPr lang="en-IN" sz="1400" i="1" kern="1200" dirty="0">
@@ -9753,7 +10799,7 @@
                     <a:lstStyle/>
                     <a:p>
                       <a:r>
-                        <a:rPr lang="en-IN" sz="1400"/>
+                        <a:rPr lang="en-IN" sz="1400" dirty="0"/>
                         <a:t>Strict Mode, JSON Support</a:t>
                       </a:r>
                     </a:p>
@@ -9957,6 +11003,196 @@
       </p:grpSpPr>
       <p:sp>
         <p:nvSpPr>
+          <p:cNvPr id="9" name="Rectangle 8">
+            <a:extLst>
+              <a:ext uri="{FF2B5EF4-FFF2-40B4-BE49-F238E27FC236}">
+                <a16:creationId xmlns:a16="http://schemas.microsoft.com/office/drawing/2014/main" id="{7CA0DAA6-33B8-4A25-810D-2F4D816FB40E}"/>
+              </a:ext>
+              <a:ext uri="{C183D7F6-B498-43B3-948B-1728B52AA6E4}">
+                <adec:decorative xmlns:adec="http://schemas.microsoft.com/office/drawing/2017/decorative" val="1"/>
+              </a:ext>
+            </a:extLst>
+          </p:cNvPr>
+          <p:cNvSpPr>
+            <a:spLocks noGrp="1" noRot="1" noChangeAspect="1" noMove="1" noResize="1" noEditPoints="1" noAdjustHandles="1" noChangeArrowheads="1" noChangeShapeType="1" noTextEdit="1"/>
+          </p:cNvSpPr>
+          <p:nvPr>
+            <p:extLst>
+              <p:ext uri="{386F3935-93C4-4BCD-93E2-E3B085C9AB24}">
+                <p16:designElem xmlns:p16="http://schemas.microsoft.com/office/powerpoint/2015/main" val="1"/>
+              </p:ext>
+            </p:extLst>
+          </p:nvPr>
+        </p:nvSpPr>
+        <p:spPr bwMode="white">
+          <a:xfrm>
+            <a:off x="0" y="0"/>
+            <a:ext cx="4972594" cy="6858000"/>
+          </a:xfrm>
+          <a:prstGeom prst="rect">
+            <a:avLst/>
+          </a:prstGeom>
+          <a:solidFill>
+            <a:schemeClr val="tx1">
+              <a:lumMod val="85000"/>
+              <a:lumOff val="15000"/>
+            </a:schemeClr>
+          </a:solidFill>
+          <a:ln>
+            <a:noFill/>
+          </a:ln>
+        </p:spPr>
+        <p:style>
+          <a:lnRef idx="2">
+            <a:schemeClr val="accent1">
+              <a:shade val="50000"/>
+            </a:schemeClr>
+          </a:lnRef>
+          <a:fillRef idx="1">
+            <a:schemeClr val="accent1"/>
+          </a:fillRef>
+          <a:effectRef idx="0">
+            <a:schemeClr val="accent1"/>
+          </a:effectRef>
+          <a:fontRef idx="minor">
+            <a:schemeClr val="lt1"/>
+          </a:fontRef>
+        </p:style>
+        <p:txBody>
+          <a:bodyPr rtlCol="0" anchor="ctr"/>
+          <a:lstStyle/>
+          <a:p>
+            <a:pPr algn="ctr"/>
+            <a:endParaRPr lang="en-US"/>
+          </a:p>
+        </p:txBody>
+      </p:sp>
+      <p:sp>
+        <p:nvSpPr>
+          <p:cNvPr id="2" name="Title 1">
+            <a:extLst>
+              <a:ext uri="{FF2B5EF4-FFF2-40B4-BE49-F238E27FC236}">
+                <a16:creationId xmlns:a16="http://schemas.microsoft.com/office/drawing/2014/main" id="{C441892E-5A27-4FB0-9398-86DB8AF77760}"/>
+              </a:ext>
+            </a:extLst>
+          </p:cNvPr>
+          <p:cNvSpPr>
+            <a:spLocks noGrp="1"/>
+          </p:cNvSpPr>
+          <p:nvPr>
+            <p:ph type="title"/>
+          </p:nvPr>
+        </p:nvSpPr>
+        <p:spPr>
+          <a:xfrm>
+            <a:off x="651307" y="640081"/>
+            <a:ext cx="3377183" cy="3681976"/>
+          </a:xfrm>
+          <a:noFill/>
+        </p:spPr>
+        <p:txBody>
+          <a:bodyPr vert="horz" lIns="91440" tIns="45720" rIns="91440" bIns="45720" rtlCol="0" anchor="b">
+            <a:normAutofit/>
+          </a:bodyPr>
+          <a:lstStyle/>
+          <a:p>
+            <a:r>
+              <a:rPr lang="en-US" dirty="0">
+                <a:solidFill>
+                  <a:schemeClr val="bg1"/>
+                </a:solidFill>
+              </a:rPr>
+              <a:t>Why learn </a:t>
+            </a:r>
+            <a:br>
+              <a:rPr lang="en-US" dirty="0">
+                <a:solidFill>
+                  <a:schemeClr val="bg1"/>
+                </a:solidFill>
+              </a:rPr>
+            </a:br>
+            <a:r>
+              <a:rPr lang="en-US" dirty="0">
+                <a:solidFill>
+                  <a:schemeClr val="bg1"/>
+                </a:solidFill>
+              </a:rPr>
+              <a:t>JS ?</a:t>
+            </a:r>
+          </a:p>
+        </p:txBody>
+      </p:sp>
+      <p:pic>
+        <p:nvPicPr>
+          <p:cNvPr id="4" name="Content Placeholder 3">
+            <a:extLst>
+              <a:ext uri="{FF2B5EF4-FFF2-40B4-BE49-F238E27FC236}">
+                <a16:creationId xmlns:a16="http://schemas.microsoft.com/office/drawing/2014/main" id="{0B7AD071-953B-491E-8E60-3980D8E73879}"/>
+              </a:ext>
+            </a:extLst>
+          </p:cNvPr>
+          <p:cNvPicPr>
+            <a:picLocks noGrp="1" noChangeAspect="1"/>
+          </p:cNvPicPr>
+          <p:nvPr>
+            <p:ph idx="1"/>
+          </p:nvPr>
+        </p:nvPicPr>
+        <p:blipFill rotWithShape="1">
+          <a:blip r:embed="rId2"/>
+          <a:srcRect r="582" b="-2"/>
+          <a:stretch/>
+        </p:blipFill>
+        <p:spPr>
+          <a:xfrm>
+            <a:off x="4972594" y="279712"/>
+            <a:ext cx="6922843" cy="6298575"/>
+          </a:xfrm>
+          <a:prstGeom prst="rect">
+            <a:avLst/>
+          </a:prstGeom>
+        </p:spPr>
+      </p:pic>
+    </p:spTree>
+    <p:extLst>
+      <p:ext uri="{BB962C8B-B14F-4D97-AF65-F5344CB8AC3E}">
+        <p14:creationId xmlns:p14="http://schemas.microsoft.com/office/powerpoint/2010/main" val="1443395390"/>
+      </p:ext>
+    </p:extLst>
+  </p:cSld>
+  <p:clrMapOvr>
+    <a:masterClrMapping/>
+  </p:clrMapOvr>
+</p:sld>
+</file>
+
+<file path=ppt/slides/slide6.xml><?xml version="1.0" encoding="utf-8"?>
+<p:sld xmlns:a="http://schemas.openxmlformats.org/drawingml/2006/main" xmlns:r="http://schemas.openxmlformats.org/officeDocument/2006/relationships" xmlns:p="http://schemas.openxmlformats.org/presentationml/2006/main">
+  <p:cSld>
+    <p:bg>
+      <p:bgPr>
+        <a:solidFill>
+          <a:schemeClr val="bg1"/>
+        </a:solidFill>
+        <a:effectLst/>
+      </p:bgPr>
+    </p:bg>
+    <p:spTree>
+      <p:nvGrpSpPr>
+        <p:cNvPr id="1" name=""/>
+        <p:cNvGrpSpPr/>
+        <p:nvPr/>
+      </p:nvGrpSpPr>
+      <p:grpSpPr>
+        <a:xfrm>
+          <a:off x="0" y="0"/>
+          <a:ext cx="0" cy="0"/>
+          <a:chOff x="0" y="0"/>
+          <a:chExt cx="0" cy="0"/>
+        </a:xfrm>
+      </p:grpSpPr>
+      <p:sp>
+        <p:nvSpPr>
           <p:cNvPr id="82" name="Rectangle 77">
             <a:extLst>
               <a:ext uri="{FF2B5EF4-FFF2-40B4-BE49-F238E27FC236}">
@@ -10227,7 +11463,7 @@
 </p:sld>
 </file>
 
-<file path=ppt/slides/slide6.xml><?xml version="1.0" encoding="utf-8"?>
+<file path=ppt/slides/slide7.xml><?xml version="1.0" encoding="utf-8"?>
 <p:sld xmlns:a="http://schemas.openxmlformats.org/drawingml/2006/main" xmlns:r="http://schemas.openxmlformats.org/officeDocument/2006/relationships" xmlns:p="http://schemas.openxmlformats.org/presentationml/2006/main">
   <p:cSld>
     <p:bg>
@@ -10837,7 +12073,7 @@
 </p:sld>
 </file>
 
-<file path=ppt/slides/slide7.xml><?xml version="1.0" encoding="utf-8"?>
+<file path=ppt/slides/slide8.xml><?xml version="1.0" encoding="utf-8"?>
 <p:sld xmlns:a="http://schemas.openxmlformats.org/drawingml/2006/main" xmlns:r="http://schemas.openxmlformats.org/officeDocument/2006/relationships" xmlns:p="http://schemas.openxmlformats.org/presentationml/2006/main">
   <p:cSld>
     <p:bg>
@@ -11571,7 +12807,7 @@
 </p:sld>
 </file>
 
-<file path=ppt/slides/slide8.xml><?xml version="1.0" encoding="utf-8"?>
+<file path=ppt/slides/slide9.xml><?xml version="1.0" encoding="utf-8"?>
 <p:sld xmlns:a="http://schemas.openxmlformats.org/drawingml/2006/main" xmlns:r="http://schemas.openxmlformats.org/officeDocument/2006/relationships" xmlns:p="http://schemas.openxmlformats.org/presentationml/2006/main">
   <p:cSld>
     <p:bg>
@@ -12753,619 +13989,6 @@
     <p:extLst>
       <p:ext uri="{BB962C8B-B14F-4D97-AF65-F5344CB8AC3E}">
         <p14:creationId xmlns:p14="http://schemas.microsoft.com/office/powerpoint/2010/main" val="158404290"/>
-      </p:ext>
-    </p:extLst>
-  </p:cSld>
-  <p:clrMapOvr>
-    <a:overrideClrMapping bg1="dk1" tx1="lt1" bg2="dk2" tx2="lt2" accent1="accent1" accent2="accent2" accent3="accent3" accent4="accent4" accent5="accent5" accent6="accent6" hlink="hlink" folHlink="folHlink"/>
-  </p:clrMapOvr>
-</p:sld>
-</file>
-
-<file path=ppt/slides/slide9.xml><?xml version="1.0" encoding="utf-8"?>
-<p:sld xmlns:a="http://schemas.openxmlformats.org/drawingml/2006/main" xmlns:r="http://schemas.openxmlformats.org/officeDocument/2006/relationships" xmlns:p="http://schemas.openxmlformats.org/presentationml/2006/main">
-  <p:cSld>
-    <p:bg>
-      <p:bgPr>
-        <a:solidFill>
-          <a:schemeClr val="bg1"/>
-        </a:solidFill>
-        <a:effectLst/>
-      </p:bgPr>
-    </p:bg>
-    <p:spTree>
-      <p:nvGrpSpPr>
-        <p:cNvPr id="1" name=""/>
-        <p:cNvGrpSpPr/>
-        <p:nvPr/>
-      </p:nvGrpSpPr>
-      <p:grpSpPr>
-        <a:xfrm>
-          <a:off x="0" y="0"/>
-          <a:ext cx="0" cy="0"/>
-          <a:chOff x="0" y="0"/>
-          <a:chExt cx="0" cy="0"/>
-        </a:xfrm>
-      </p:grpSpPr>
-      <p:sp>
-        <p:nvSpPr>
-          <p:cNvPr id="15" name="Rectangle 7">
-            <a:extLst>
-              <a:ext uri="{FF2B5EF4-FFF2-40B4-BE49-F238E27FC236}">
-                <a16:creationId xmlns:a16="http://schemas.microsoft.com/office/drawing/2014/main" id="{EA67B5B4-3A24-436E-B663-1B2EBFF8A0CD}"/>
-              </a:ext>
-              <a:ext uri="{C183D7F6-B498-43B3-948B-1728B52AA6E4}">
-                <adec:decorative xmlns:adec="http://schemas.microsoft.com/office/drawing/2017/decorative" val="1"/>
-              </a:ext>
-            </a:extLst>
-          </p:cNvPr>
-          <p:cNvSpPr>
-            <a:spLocks noGrp="1" noRot="1" noChangeAspect="1" noMove="1" noResize="1" noEditPoints="1" noAdjustHandles="1" noChangeArrowheads="1" noChangeShapeType="1" noTextEdit="1"/>
-          </p:cNvSpPr>
-          <p:nvPr>
-            <p:extLst>
-              <p:ext uri="{386F3935-93C4-4BCD-93E2-E3B085C9AB24}">
-                <p16:designElem xmlns:p16="http://schemas.microsoft.com/office/powerpoint/2015/main" val="1"/>
-              </p:ext>
-            </p:extLst>
-          </p:nvPr>
-        </p:nvSpPr>
-        <p:spPr>
-          <a:xfrm>
-            <a:off x="0" y="-3324"/>
-            <a:ext cx="12192000" cy="6861324"/>
-          </a:xfrm>
-          <a:prstGeom prst="rect">
-            <a:avLst/>
-          </a:prstGeom>
-          <a:solidFill>
-            <a:srgbClr val="404040"/>
-          </a:solidFill>
-          <a:ln>
-            <a:noFill/>
-          </a:ln>
-        </p:spPr>
-        <p:style>
-          <a:lnRef idx="2">
-            <a:schemeClr val="accent1">
-              <a:shade val="50000"/>
-            </a:schemeClr>
-          </a:lnRef>
-          <a:fillRef idx="1">
-            <a:schemeClr val="accent1"/>
-          </a:fillRef>
-          <a:effectRef idx="0">
-            <a:schemeClr val="accent1"/>
-          </a:effectRef>
-          <a:fontRef idx="minor">
-            <a:schemeClr val="lt1"/>
-          </a:fontRef>
-        </p:style>
-        <p:txBody>
-          <a:bodyPr rtlCol="0" anchor="ctr"/>
-          <a:lstStyle/>
-          <a:p>
-            <a:pPr marL="0" marR="0" lvl="0" indent="0" algn="ctr" defTabSz="914400" rtl="0" eaLnBrk="1" fontAlgn="auto" latinLnBrk="0" hangingPunct="1">
-              <a:lnSpc>
-                <a:spcPct val="100000"/>
-              </a:lnSpc>
-              <a:spcBef>
-                <a:spcPts val="0"/>
-              </a:spcBef>
-              <a:spcAft>
-                <a:spcPts val="0"/>
-              </a:spcAft>
-              <a:buClrTx/>
-              <a:buSzTx/>
-              <a:buFontTx/>
-              <a:buNone/>
-              <a:tabLst/>
-              <a:defRPr/>
-            </a:pPr>
-            <a:endParaRPr kumimoji="0" lang="en-US" sz="1800" b="0" i="0" u="none" strike="noStrike" kern="1200" cap="none" spc="0" normalizeH="0" baseline="0" noProof="0">
-              <a:ln>
-                <a:noFill/>
-              </a:ln>
-              <a:solidFill>
-                <a:prstClr val="white"/>
-              </a:solidFill>
-              <a:effectLst/>
-              <a:uLnTx/>
-              <a:uFillTx/>
-              <a:latin typeface="Calibri" panose="020F0502020204030204"/>
-              <a:ea typeface="+mn-ea"/>
-              <a:cs typeface="+mn-cs"/>
-            </a:endParaRPr>
-          </a:p>
-        </p:txBody>
-      </p:sp>
-      <p:sp>
-        <p:nvSpPr>
-          <p:cNvPr id="16" name="Freeform 13">
-            <a:extLst>
-              <a:ext uri="{FF2B5EF4-FFF2-40B4-BE49-F238E27FC236}">
-                <a16:creationId xmlns:a16="http://schemas.microsoft.com/office/drawing/2014/main" id="{987FDF89-C993-41F4-A1B8-DBAFF16008A9}"/>
-              </a:ext>
-              <a:ext uri="{C183D7F6-B498-43B3-948B-1728B52AA6E4}">
-                <adec:decorative xmlns:adec="http://schemas.microsoft.com/office/drawing/2017/decorative" val="1"/>
-              </a:ext>
-            </a:extLst>
-          </p:cNvPr>
-          <p:cNvSpPr>
-            <a:spLocks noGrp="1" noRot="1" noChangeAspect="1" noMove="1" noResize="1" noEditPoints="1" noAdjustHandles="1" noChangeArrowheads="1" noChangeShapeType="1" noTextEdit="1"/>
-          </p:cNvSpPr>
-          <p:nvPr>
-            <p:extLst>
-              <p:ext uri="{386F3935-93C4-4BCD-93E2-E3B085C9AB24}">
-                <p16:designElem xmlns:p16="http://schemas.microsoft.com/office/powerpoint/2015/main" val="1"/>
-              </p:ext>
-            </p:extLst>
-          </p:nvPr>
-        </p:nvSpPr>
-        <p:spPr>
-          <a:xfrm>
-            <a:off x="0" y="0"/>
-            <a:ext cx="11960028" cy="6858000"/>
-          </a:xfrm>
-          <a:custGeom>
-            <a:avLst/>
-            <a:gdLst>
-              <a:gd name="connsiteX0" fmla="*/ 0 w 11786754"/>
-              <a:gd name="connsiteY0" fmla="*/ 0 h 6858000"/>
-              <a:gd name="connsiteX1" fmla="*/ 8610600 w 11786754"/>
-              <a:gd name="connsiteY1" fmla="*/ 0 h 6858000"/>
-              <a:gd name="connsiteX2" fmla="*/ 11786754 w 11786754"/>
-              <a:gd name="connsiteY2" fmla="*/ 6858000 h 6858000"/>
-              <a:gd name="connsiteX3" fmla="*/ 0 w 11786754"/>
-              <a:gd name="connsiteY3" fmla="*/ 6858000 h 6858000"/>
-            </a:gdLst>
-            <a:ahLst/>
-            <a:cxnLst>
-              <a:cxn ang="0">
-                <a:pos x="connsiteX0" y="connsiteY0"/>
-              </a:cxn>
-              <a:cxn ang="0">
-                <a:pos x="connsiteX1" y="connsiteY1"/>
-              </a:cxn>
-              <a:cxn ang="0">
-                <a:pos x="connsiteX2" y="connsiteY2"/>
-              </a:cxn>
-              <a:cxn ang="0">
-                <a:pos x="connsiteX3" y="connsiteY3"/>
-              </a:cxn>
-            </a:cxnLst>
-            <a:rect l="l" t="t" r="r" b="b"/>
-            <a:pathLst>
-              <a:path w="11786754" h="6858000">
-                <a:moveTo>
-                  <a:pt x="0" y="0"/>
-                </a:moveTo>
-                <a:lnTo>
-                  <a:pt x="8610600" y="0"/>
-                </a:lnTo>
-                <a:lnTo>
-                  <a:pt x="11786754" y="6858000"/>
-                </a:lnTo>
-                <a:lnTo>
-                  <a:pt x="0" y="6858000"/>
-                </a:lnTo>
-                <a:close/>
-              </a:path>
-            </a:pathLst>
-          </a:custGeom>
-          <a:solidFill>
-            <a:srgbClr val="000000">
-              <a:alpha val="29804"/>
-            </a:srgbClr>
-          </a:solidFill>
-          <a:ln>
-            <a:noFill/>
-          </a:ln>
-        </p:spPr>
-        <p:style>
-          <a:lnRef idx="2">
-            <a:schemeClr val="accent1">
-              <a:shade val="50000"/>
-            </a:schemeClr>
-          </a:lnRef>
-          <a:fillRef idx="1">
-            <a:schemeClr val="accent1"/>
-          </a:fillRef>
-          <a:effectRef idx="0">
-            <a:schemeClr val="accent1"/>
-          </a:effectRef>
-          <a:fontRef idx="minor">
-            <a:schemeClr val="lt1"/>
-          </a:fontRef>
-        </p:style>
-        <p:txBody>
-          <a:bodyPr rtlCol="0" anchor="ctr"/>
-          <a:lstStyle/>
-          <a:p>
-            <a:pPr marL="0" marR="0" lvl="0" indent="0" algn="ctr" defTabSz="914400" rtl="0" eaLnBrk="1" fontAlgn="auto" latinLnBrk="0" hangingPunct="1">
-              <a:lnSpc>
-                <a:spcPct val="100000"/>
-              </a:lnSpc>
-              <a:spcBef>
-                <a:spcPts val="0"/>
-              </a:spcBef>
-              <a:spcAft>
-                <a:spcPts val="0"/>
-              </a:spcAft>
-              <a:buClrTx/>
-              <a:buSzTx/>
-              <a:buFontTx/>
-              <a:buNone/>
-              <a:tabLst/>
-              <a:defRPr/>
-            </a:pPr>
-            <a:endParaRPr kumimoji="0" lang="en-US" sz="1800" b="0" i="0" u="none" strike="noStrike" kern="1200" cap="none" spc="0" normalizeH="0" baseline="0" noProof="0">
-              <a:ln>
-                <a:noFill/>
-              </a:ln>
-              <a:solidFill>
-                <a:prstClr val="white"/>
-              </a:solidFill>
-              <a:effectLst/>
-              <a:uLnTx/>
-              <a:uFillTx/>
-              <a:latin typeface="Calibri" panose="020F0502020204030204"/>
-              <a:ea typeface="+mn-ea"/>
-              <a:cs typeface="+mn-cs"/>
-            </a:endParaRPr>
-          </a:p>
-        </p:txBody>
-      </p:sp>
-      <p:sp>
-        <p:nvSpPr>
-          <p:cNvPr id="17" name="Freeform: Shape 11">
-            <a:extLst>
-              <a:ext uri="{FF2B5EF4-FFF2-40B4-BE49-F238E27FC236}">
-                <a16:creationId xmlns:a16="http://schemas.microsoft.com/office/drawing/2014/main" id="{9FA64B84-CE2D-4179-B018-A71AC174C71C}"/>
-              </a:ext>
-              <a:ext uri="{C183D7F6-B498-43B3-948B-1728B52AA6E4}">
-                <adec:decorative xmlns:adec="http://schemas.microsoft.com/office/drawing/2017/decorative" val="1"/>
-              </a:ext>
-            </a:extLst>
-          </p:cNvPr>
-          <p:cNvSpPr>
-            <a:spLocks noGrp="1" noRot="1" noChangeAspect="1" noMove="1" noResize="1" noEditPoints="1" noAdjustHandles="1" noChangeArrowheads="1" noChangeShapeType="1" noTextEdit="1"/>
-          </p:cNvSpPr>
-          <p:nvPr>
-            <p:extLst>
-              <p:ext uri="{386F3935-93C4-4BCD-93E2-E3B085C9AB24}">
-                <p16:designElem xmlns:p16="http://schemas.microsoft.com/office/powerpoint/2015/main" val="1"/>
-              </p:ext>
-            </p:extLst>
-          </p:nvPr>
-        </p:nvSpPr>
-        <p:spPr>
-          <a:xfrm>
-            <a:off x="0" y="0"/>
-            <a:ext cx="3459632" cy="6858000"/>
-          </a:xfrm>
-          <a:custGeom>
-            <a:avLst/>
-            <a:gdLst>
-              <a:gd name="connsiteX0" fmla="*/ 0 w 3459632"/>
-              <a:gd name="connsiteY0" fmla="*/ 0 h 6858000"/>
-              <a:gd name="connsiteX1" fmla="*/ 283478 w 3459632"/>
-              <a:gd name="connsiteY1" fmla="*/ 0 h 6858000"/>
-              <a:gd name="connsiteX2" fmla="*/ 3459632 w 3459632"/>
-              <a:gd name="connsiteY2" fmla="*/ 6858000 h 6858000"/>
-              <a:gd name="connsiteX3" fmla="*/ 0 w 3459632"/>
-              <a:gd name="connsiteY3" fmla="*/ 6858000 h 6858000"/>
-            </a:gdLst>
-            <a:ahLst/>
-            <a:cxnLst>
-              <a:cxn ang="0">
-                <a:pos x="connsiteX0" y="connsiteY0"/>
-              </a:cxn>
-              <a:cxn ang="0">
-                <a:pos x="connsiteX1" y="connsiteY1"/>
-              </a:cxn>
-              <a:cxn ang="0">
-                <a:pos x="connsiteX2" y="connsiteY2"/>
-              </a:cxn>
-              <a:cxn ang="0">
-                <a:pos x="connsiteX3" y="connsiteY3"/>
-              </a:cxn>
-            </a:cxnLst>
-            <a:rect l="l" t="t" r="r" b="b"/>
-            <a:pathLst>
-              <a:path w="3459632" h="6858000">
-                <a:moveTo>
-                  <a:pt x="0" y="0"/>
-                </a:moveTo>
-                <a:lnTo>
-                  <a:pt x="283478" y="0"/>
-                </a:lnTo>
-                <a:lnTo>
-                  <a:pt x="3459632" y="6858000"/>
-                </a:lnTo>
-                <a:lnTo>
-                  <a:pt x="0" y="6858000"/>
-                </a:lnTo>
-                <a:close/>
-              </a:path>
-            </a:pathLst>
-          </a:custGeom>
-          <a:solidFill>
-            <a:srgbClr val="000000">
-              <a:alpha val="29804"/>
-            </a:srgbClr>
-          </a:solidFill>
-          <a:ln>
-            <a:noFill/>
-          </a:ln>
-        </p:spPr>
-        <p:style>
-          <a:lnRef idx="2">
-            <a:schemeClr val="accent1">
-              <a:shade val="50000"/>
-            </a:schemeClr>
-          </a:lnRef>
-          <a:fillRef idx="1">
-            <a:schemeClr val="accent1"/>
-          </a:fillRef>
-          <a:effectRef idx="0">
-            <a:schemeClr val="accent1"/>
-          </a:effectRef>
-          <a:fontRef idx="minor">
-            <a:schemeClr val="lt1"/>
-          </a:fontRef>
-        </p:style>
-        <p:txBody>
-          <a:bodyPr wrap="square" rtlCol="0" anchor="ctr">
-            <a:noAutofit/>
-          </a:bodyPr>
-          <a:lstStyle/>
-          <a:p>
-            <a:pPr marL="0" marR="0" lvl="0" indent="0" algn="ctr" defTabSz="914400" rtl="0" eaLnBrk="1" fontAlgn="auto" latinLnBrk="0" hangingPunct="1">
-              <a:lnSpc>
-                <a:spcPct val="100000"/>
-              </a:lnSpc>
-              <a:spcBef>
-                <a:spcPts val="0"/>
-              </a:spcBef>
-              <a:spcAft>
-                <a:spcPts val="0"/>
-              </a:spcAft>
-              <a:buClrTx/>
-              <a:buSzTx/>
-              <a:buFontTx/>
-              <a:buNone/>
-              <a:tabLst/>
-              <a:defRPr/>
-            </a:pPr>
-            <a:endParaRPr kumimoji="0" lang="en-US" sz="1800" b="0" i="0" u="none" strike="noStrike" kern="1200" cap="none" spc="0" normalizeH="0" baseline="0" noProof="0">
-              <a:ln>
-                <a:noFill/>
-              </a:ln>
-              <a:solidFill>
-                <a:prstClr val="white"/>
-              </a:solidFill>
-              <a:effectLst/>
-              <a:uLnTx/>
-              <a:uFillTx/>
-              <a:latin typeface="Calibri" panose="020F0502020204030204"/>
-              <a:ea typeface="+mn-ea"/>
-              <a:cs typeface="+mn-cs"/>
-            </a:endParaRPr>
-          </a:p>
-        </p:txBody>
-      </p:sp>
-      <p:sp>
-        <p:nvSpPr>
-          <p:cNvPr id="2" name="Title 1">
-            <a:extLst>
-              <a:ext uri="{FF2B5EF4-FFF2-40B4-BE49-F238E27FC236}">
-                <a16:creationId xmlns:a16="http://schemas.microsoft.com/office/drawing/2014/main" id="{D8DD783B-43DB-421A-BC8B-F79D6B6F4C94}"/>
-              </a:ext>
-            </a:extLst>
-          </p:cNvPr>
-          <p:cNvSpPr>
-            <a:spLocks noGrp="1"/>
-          </p:cNvSpPr>
-          <p:nvPr>
-            <p:ph type="title"/>
-          </p:nvPr>
-        </p:nvSpPr>
-        <p:spPr>
-          <a:xfrm>
-            <a:off x="3111963" y="462230"/>
-            <a:ext cx="5968074" cy="1325563"/>
-          </a:xfrm>
-        </p:spPr>
-        <p:txBody>
-          <a:bodyPr>
-            <a:normAutofit/>
-          </a:bodyPr>
-          <a:lstStyle/>
-          <a:p>
-            <a:r>
-              <a:rPr lang="en-IN" dirty="0">
-                <a:solidFill>
-                  <a:srgbClr val="FFFFFF"/>
-                </a:solidFill>
-              </a:rPr>
-              <a:t>Function Scope vs Block Scope</a:t>
-            </a:r>
-          </a:p>
-        </p:txBody>
-      </p:sp>
-      <p:sp>
-        <p:nvSpPr>
-          <p:cNvPr id="14" name="TextBox 13">
-            <a:extLst>
-              <a:ext uri="{FF2B5EF4-FFF2-40B4-BE49-F238E27FC236}">
-                <a16:creationId xmlns:a16="http://schemas.microsoft.com/office/drawing/2014/main" id="{4795A2E2-224B-4FA0-B323-9E61AD30697F}"/>
-              </a:ext>
-              <a:ext uri="{C183D7F6-B498-43B3-948B-1728B52AA6E4}">
-                <adec:decorative xmlns:adec="http://schemas.microsoft.com/office/drawing/2017/decorative" val="1"/>
-              </a:ext>
-            </a:extLst>
-          </p:cNvPr>
-          <p:cNvSpPr txBox="1">
-            <a:spLocks noGrp="1" noRot="1" noChangeAspect="1" noMove="1" noResize="1" noEditPoints="1" noAdjustHandles="1" noChangeArrowheads="1" noChangeShapeType="1" noTextEdit="1"/>
-          </p:cNvSpPr>
-          <p:nvPr>
-            <p:extLst>
-              <p:ext uri="{386F3935-93C4-4BCD-93E2-E3B085C9AB24}">
-                <p16:designElem xmlns:p16="http://schemas.microsoft.com/office/powerpoint/2015/main" val="1"/>
-              </p:ext>
-            </p:extLst>
-          </p:nvPr>
-        </p:nvSpPr>
-        <p:spPr>
-          <a:xfrm>
-            <a:off x="833002" y="1870075"/>
-            <a:ext cx="9612178" cy="595651"/>
-          </a:xfrm>
-          <a:prstGeom prst="rect">
-            <a:avLst/>
-          </a:prstGeom>
-          <a:noFill/>
-        </p:spPr>
-        <p:txBody>
-          <a:bodyPr wrap="square" rtlCol="0" anchor="t">
-            <a:normAutofit/>
-          </a:bodyPr>
-          <a:lstStyle/>
-          <a:p>
-            <a:pPr marL="0" marR="0" lvl="0" indent="0" algn="l" defTabSz="914400" rtl="0" eaLnBrk="1" fontAlgn="auto" latinLnBrk="0" hangingPunct="1">
-              <a:lnSpc>
-                <a:spcPct val="120000"/>
-              </a:lnSpc>
-              <a:spcBef>
-                <a:spcPts val="0"/>
-              </a:spcBef>
-              <a:spcAft>
-                <a:spcPts val="0"/>
-              </a:spcAft>
-              <a:buClrTx/>
-              <a:buSzTx/>
-              <a:buFontTx/>
-              <a:buNone/>
-              <a:tabLst/>
-              <a:defRPr/>
-            </a:pPr>
-            <a:endParaRPr kumimoji="0" lang="en-US" sz="2000" b="0" i="0" u="none" strike="noStrike" kern="1200" cap="none" spc="0" normalizeH="0" baseline="0" noProof="0" dirty="0">
-              <a:ln>
-                <a:noFill/>
-              </a:ln>
-              <a:solidFill>
-                <a:srgbClr val="FFC000"/>
-              </a:solidFill>
-              <a:effectLst/>
-              <a:uLnTx/>
-              <a:uFillTx/>
-              <a:latin typeface="Calibri" panose="020F0502020204030204"/>
-              <a:ea typeface="+mn-ea"/>
-              <a:cs typeface="+mn-cs"/>
-            </a:endParaRPr>
-          </a:p>
-        </p:txBody>
-      </p:sp>
-      <p:sp>
-        <p:nvSpPr>
-          <p:cNvPr id="3" name="Content Placeholder 2">
-            <a:extLst>
-              <a:ext uri="{FF2B5EF4-FFF2-40B4-BE49-F238E27FC236}">
-                <a16:creationId xmlns:a16="http://schemas.microsoft.com/office/drawing/2014/main" id="{3168F923-995A-48DE-A809-6BEE2047702F}"/>
-              </a:ext>
-            </a:extLst>
-          </p:cNvPr>
-          <p:cNvSpPr>
-            <a:spLocks noGrp="1"/>
-          </p:cNvSpPr>
-          <p:nvPr>
-            <p:ph idx="1"/>
-          </p:nvPr>
-        </p:nvSpPr>
-        <p:spPr>
-          <a:xfrm>
-            <a:off x="3113411" y="2117929"/>
-            <a:ext cx="5965178" cy="3967282"/>
-          </a:xfrm>
-        </p:spPr>
-        <p:txBody>
-          <a:bodyPr>
-            <a:normAutofit/>
-          </a:bodyPr>
-          <a:lstStyle/>
-          <a:p>
-            <a:r>
-              <a:rPr lang="en-IN" sz="2000" dirty="0">
-                <a:solidFill>
-                  <a:srgbClr val="FFFFFF"/>
-                </a:solidFill>
-              </a:rPr>
-              <a:t>Everything used to be function scope</a:t>
-            </a:r>
-          </a:p>
-          <a:p>
-            <a:r>
-              <a:rPr lang="en-IN" sz="2000" dirty="0">
-                <a:solidFill>
-                  <a:srgbClr val="FFFFFF"/>
-                </a:solidFill>
-              </a:rPr>
-              <a:t>With the new ‘let’ and ‘</a:t>
-            </a:r>
-            <a:r>
-              <a:rPr lang="en-IN" sz="2000" dirty="0" err="1">
-                <a:solidFill>
-                  <a:srgbClr val="FFFFFF"/>
-                </a:solidFill>
-              </a:rPr>
-              <a:t>const</a:t>
-            </a:r>
-            <a:r>
-              <a:rPr lang="en-IN" sz="2000" dirty="0">
-                <a:solidFill>
-                  <a:srgbClr val="FFFFFF"/>
-                </a:solidFill>
-              </a:rPr>
-              <a:t>’ keywords that changed</a:t>
-            </a:r>
-          </a:p>
-          <a:p>
-            <a:r>
-              <a:rPr lang="en-IN" sz="2000" dirty="0">
-                <a:solidFill>
-                  <a:srgbClr val="FFFFFF"/>
-                </a:solidFill>
-              </a:rPr>
-              <a:t>With the invent of ES6 coined the term ‘Block Scope’</a:t>
-            </a:r>
-          </a:p>
-          <a:p>
-            <a:r>
-              <a:rPr lang="en-IN" sz="2000" dirty="0">
-                <a:solidFill>
-                  <a:srgbClr val="FFFFFF"/>
-                </a:solidFill>
-              </a:rPr>
-              <a:t>Block Scope live inside {}</a:t>
-            </a:r>
-          </a:p>
-          <a:p>
-            <a:r>
-              <a:rPr lang="en-IN" sz="2000" dirty="0">
-                <a:solidFill>
-                  <a:srgbClr val="FFFFFF"/>
-                </a:solidFill>
-              </a:rPr>
-              <a:t> </a:t>
-            </a:r>
-          </a:p>
-        </p:txBody>
-      </p:sp>
-    </p:spTree>
-    <p:extLst>
-      <p:ext uri="{BB962C8B-B14F-4D97-AF65-F5344CB8AC3E}">
-        <p14:creationId xmlns:p14="http://schemas.microsoft.com/office/powerpoint/2010/main" val="1790995896"/>
       </p:ext>
     </p:extLst>
   </p:cSld>
